--- a/CT平行束和扇形束算法的转换.pptx
+++ b/CT平行束和扇形束算法的转换.pptx
@@ -237,7 +237,7 @@
           <a:p>
             <a:fld id="{D2A48B96-639E-45A3-A0BA-2464DFDB1FAA}" type="datetimeFigureOut">
               <a:rPr lang="zh-CN" altLang="en-US" smtClean="0"/>
-              <a:t>2025/11/23</a:t>
+              <a:t>2025/11/24</a:t>
             </a:fld>
             <a:endParaRPr lang="zh-CN" altLang="en-US"/>
           </a:p>
@@ -628,7 +628,7 @@
           <a:p>
             <a:fld id="{82F288E0-7875-42C4-84C8-98DBBD3BF4D2}" type="datetimeFigureOut">
               <a:rPr lang="zh-CN" altLang="en-US" smtClean="0"/>
-              <a:t>2025/11/23</a:t>
+              <a:t>2025/11/24</a:t>
             </a:fld>
             <a:endParaRPr lang="zh-CN" altLang="en-US"/>
           </a:p>
@@ -775,7 +775,7 @@
           <a:p>
             <a:fld id="{82F288E0-7875-42C4-84C8-98DBBD3BF4D2}" type="datetimeFigureOut">
               <a:rPr lang="zh-CN" altLang="en-US" smtClean="0"/>
-              <a:t>2025/11/23</a:t>
+              <a:t>2025/11/24</a:t>
             </a:fld>
             <a:endParaRPr lang="zh-CN" altLang="en-US"/>
           </a:p>
@@ -939,7 +939,7 @@
           <a:p>
             <a:fld id="{82F288E0-7875-42C4-84C8-98DBBD3BF4D2}" type="datetimeFigureOut">
               <a:rPr lang="zh-CN" altLang="en-US" smtClean="0"/>
-              <a:t>2025/11/23</a:t>
+              <a:t>2025/11/24</a:t>
             </a:fld>
             <a:endParaRPr lang="zh-CN" altLang="en-US"/>
           </a:p>
@@ -1180,7 +1180,7 @@
           <a:p>
             <a:fld id="{82F288E0-7875-42C4-84C8-98DBBD3BF4D2}" type="datetimeFigureOut">
               <a:rPr lang="zh-CN" altLang="en-US" smtClean="0"/>
-              <a:t>2025/11/23</a:t>
+              <a:t>2025/11/24</a:t>
             </a:fld>
             <a:endParaRPr lang="zh-CN" altLang="en-US"/>
           </a:p>
@@ -1405,7 +1405,7 @@
           <a:p>
             <a:fld id="{82F288E0-7875-42C4-84C8-98DBBD3BF4D2}" type="datetimeFigureOut">
               <a:rPr lang="zh-CN" altLang="en-US" smtClean="0"/>
-              <a:t>2025/11/23</a:t>
+              <a:t>2025/11/24</a:t>
             </a:fld>
             <a:endParaRPr lang="zh-CN" altLang="en-US"/>
           </a:p>
@@ -1765,7 +1765,7 @@
           <a:p>
             <a:fld id="{82F288E0-7875-42C4-84C8-98DBBD3BF4D2}" type="datetimeFigureOut">
               <a:rPr lang="zh-CN" altLang="en-US" smtClean="0"/>
-              <a:t>2025/11/23</a:t>
+              <a:t>2025/11/24</a:t>
             </a:fld>
             <a:endParaRPr lang="zh-CN" altLang="en-US"/>
           </a:p>
@@ -1878,7 +1878,7 @@
           <a:p>
             <a:fld id="{82F288E0-7875-42C4-84C8-98DBBD3BF4D2}" type="datetimeFigureOut">
               <a:rPr lang="zh-CN" altLang="en-US" smtClean="0"/>
-              <a:t>2025/11/23</a:t>
+              <a:t>2025/11/24</a:t>
             </a:fld>
             <a:endParaRPr lang="zh-CN" altLang="en-US"/>
           </a:p>
@@ -1969,7 +1969,7 @@
           <a:p>
             <a:fld id="{82F288E0-7875-42C4-84C8-98DBBD3BF4D2}" type="datetimeFigureOut">
               <a:rPr lang="zh-CN" altLang="en-US" smtClean="0"/>
-              <a:t>2025/11/23</a:t>
+              <a:t>2025/11/24</a:t>
             </a:fld>
             <a:endParaRPr lang="zh-CN" altLang="en-US"/>
           </a:p>
@@ -2217,7 +2217,7 @@
           <a:p>
             <a:fld id="{82F288E0-7875-42C4-84C8-98DBBD3BF4D2}" type="datetimeFigureOut">
               <a:rPr lang="zh-CN" altLang="en-US" smtClean="0"/>
-              <a:t>2025/11/23</a:t>
+              <a:t>2025/11/24</a:t>
             </a:fld>
             <a:endParaRPr lang="zh-CN" altLang="en-US"/>
           </a:p>
@@ -2391,7 +2391,7 @@
           <a:p>
             <a:fld id="{82F288E0-7875-42C4-84C8-98DBBD3BF4D2}" type="datetimeFigureOut">
               <a:rPr lang="zh-CN" altLang="en-US" smtClean="0"/>
-              <a:t>2025/11/23</a:t>
+              <a:t>2025/11/24</a:t>
             </a:fld>
             <a:endParaRPr lang="zh-CN" altLang="en-US"/>
           </a:p>
@@ -2598,7 +2598,7 @@
           <a:p>
             <a:fld id="{82F288E0-7875-42C4-84C8-98DBBD3BF4D2}" type="datetimeFigureOut">
               <a:rPr lang="zh-CN" altLang="en-US" smtClean="0"/>
-              <a:t>2025/11/23</a:t>
+              <a:t>2025/11/24</a:t>
             </a:fld>
             <a:endParaRPr lang="zh-CN" altLang="en-US"/>
           </a:p>
@@ -9428,10 +9428,10 @@
       </p:grpSpPr>
       <p:grpSp>
         <p:nvGrpSpPr>
-          <p:cNvPr id="85" name="组合 84">
+          <p:cNvPr id="46" name="组合 45">
             <a:extLst>
               <a:ext uri="{FF2B5EF4-FFF2-40B4-BE49-F238E27FC236}">
-                <a16:creationId xmlns:a16="http://schemas.microsoft.com/office/drawing/2014/main" id="{90C247ED-2FEA-9FF8-8155-E41FF08FA21D}"/>
+                <a16:creationId xmlns:a16="http://schemas.microsoft.com/office/drawing/2014/main" id="{1127E71D-1039-4F09-A1EA-37624187A19F}"/>
               </a:ext>
             </a:extLst>
           </p:cNvPr>
@@ -9448,10 +9448,10 @@
         </p:grpSpPr>
         <p:grpSp>
           <p:nvGrpSpPr>
-            <p:cNvPr id="59" name="组合 58">
+            <p:cNvPr id="85" name="组合 84">
               <a:extLst>
                 <a:ext uri="{FF2B5EF4-FFF2-40B4-BE49-F238E27FC236}">
-                  <a16:creationId xmlns:a16="http://schemas.microsoft.com/office/drawing/2014/main" id="{3D13FD4A-4056-49AC-2D80-E1AC2AB5D099}"/>
+                  <a16:creationId xmlns:a16="http://schemas.microsoft.com/office/drawing/2014/main" id="{90C247ED-2FEA-9FF8-8155-E41FF08FA21D}"/>
                 </a:ext>
               </a:extLst>
             </p:cNvPr>
@@ -9468,10 +9468,10 @@
           </p:grpSpPr>
           <p:grpSp>
             <p:nvGrpSpPr>
-              <p:cNvPr id="75" name="组合 74">
+              <p:cNvPr id="59" name="组合 58">
                 <a:extLst>
                   <a:ext uri="{FF2B5EF4-FFF2-40B4-BE49-F238E27FC236}">
-                    <a16:creationId xmlns:a16="http://schemas.microsoft.com/office/drawing/2014/main" id="{C2A7204C-AF60-59FD-DC45-7EED660787B8}"/>
+                    <a16:creationId xmlns:a16="http://schemas.microsoft.com/office/drawing/2014/main" id="{3D13FD4A-4056-49AC-2D80-E1AC2AB5D099}"/>
                   </a:ext>
                 </a:extLst>
               </p:cNvPr>
@@ -9480,18 +9480,1413 @@
             </p:nvGrpSpPr>
             <p:grpSpPr>
               <a:xfrm>
-                <a:off x="2246560" y="94264"/>
-                <a:ext cx="4340816" cy="2565954"/>
-                <a:chOff x="2688520" y="1831624"/>
-                <a:chExt cx="4340816" cy="2565954"/>
+                <a:off x="549840" y="94264"/>
+                <a:ext cx="8493871" cy="6206417"/>
+                <a:chOff x="549840" y="94264"/>
+                <a:chExt cx="8493871" cy="6206417"/>
               </a:xfrm>
             </p:grpSpPr>
+            <p:grpSp>
+              <p:nvGrpSpPr>
+                <p:cNvPr id="75" name="组合 74">
+                  <a:extLst>
+                    <a:ext uri="{FF2B5EF4-FFF2-40B4-BE49-F238E27FC236}">
+                      <a16:creationId xmlns:a16="http://schemas.microsoft.com/office/drawing/2014/main" id="{C2A7204C-AF60-59FD-DC45-7EED660787B8}"/>
+                    </a:ext>
+                  </a:extLst>
+                </p:cNvPr>
+                <p:cNvGrpSpPr/>
+                <p:nvPr/>
+              </p:nvGrpSpPr>
+              <p:grpSpPr>
+                <a:xfrm>
+                  <a:off x="2246560" y="94264"/>
+                  <a:ext cx="4340816" cy="2565954"/>
+                  <a:chOff x="2688520" y="1831624"/>
+                  <a:chExt cx="4340816" cy="2565954"/>
+                </a:xfrm>
+              </p:grpSpPr>
+              <p:cxnSp>
+                <p:nvCxnSpPr>
+                  <p:cNvPr id="13" name="直接连接符 12">
+                    <a:extLst>
+                      <a:ext uri="{FF2B5EF4-FFF2-40B4-BE49-F238E27FC236}">
+                        <a16:creationId xmlns:a16="http://schemas.microsoft.com/office/drawing/2014/main" id="{154658C8-016A-471F-FF85-47B2AFC72679}"/>
+                      </a:ext>
+                    </a:extLst>
+                  </p:cNvPr>
+                  <p:cNvCxnSpPr>
+                    <a:cxnSpLocks/>
+                  </p:cNvCxnSpPr>
+                  <p:nvPr/>
+                </p:nvCxnSpPr>
+                <p:spPr>
+                  <a:xfrm flipH="1">
+                    <a:off x="3012281" y="3130550"/>
+                    <a:ext cx="3601244" cy="526039"/>
+                  </a:xfrm>
+                  <a:prstGeom prst="line">
+                    <a:avLst/>
+                  </a:prstGeom>
+                  <a:ln>
+                    <a:solidFill>
+                      <a:srgbClr val="00B050"/>
+                    </a:solidFill>
+                    <a:headEnd type="triangle" w="med" len="med"/>
+                    <a:tailEnd type="none" w="med" len="med"/>
+                  </a:ln>
+                </p:spPr>
+                <p:style>
+                  <a:lnRef idx="3">
+                    <a:schemeClr val="accent1"/>
+                  </a:lnRef>
+                  <a:fillRef idx="0">
+                    <a:schemeClr val="accent1"/>
+                  </a:fillRef>
+                  <a:effectRef idx="2">
+                    <a:schemeClr val="accent1"/>
+                  </a:effectRef>
+                  <a:fontRef idx="minor">
+                    <a:schemeClr val="tx1"/>
+                  </a:fontRef>
+                </p:style>
+              </p:cxnSp>
+              <p:cxnSp>
+                <p:nvCxnSpPr>
+                  <p:cNvPr id="16" name="直接连接符 15">
+                    <a:extLst>
+                      <a:ext uri="{FF2B5EF4-FFF2-40B4-BE49-F238E27FC236}">
+                        <a16:creationId xmlns:a16="http://schemas.microsoft.com/office/drawing/2014/main" id="{3CC454E2-0456-2606-D9FA-19088A0E8CCB}"/>
+                      </a:ext>
+                    </a:extLst>
+                  </p:cNvPr>
+                  <p:cNvCxnSpPr>
+                    <a:cxnSpLocks/>
+                  </p:cNvCxnSpPr>
+                  <p:nvPr/>
+                </p:nvCxnSpPr>
+                <p:spPr>
+                  <a:xfrm>
+                    <a:off x="4541404" y="2828925"/>
+                    <a:ext cx="2167371" cy="930275"/>
+                  </a:xfrm>
+                  <a:prstGeom prst="line">
+                    <a:avLst/>
+                  </a:prstGeom>
+                  <a:ln>
+                    <a:headEnd type="none" w="med" len="med"/>
+                    <a:tailEnd type="triangle" w="med" len="med"/>
+                  </a:ln>
+                </p:spPr>
+                <p:style>
+                  <a:lnRef idx="3">
+                    <a:schemeClr val="accent1"/>
+                  </a:lnRef>
+                  <a:fillRef idx="0">
+                    <a:schemeClr val="accent1"/>
+                  </a:fillRef>
+                  <a:effectRef idx="2">
+                    <a:schemeClr val="accent1"/>
+                  </a:effectRef>
+                  <a:fontRef idx="minor">
+                    <a:schemeClr val="tx1"/>
+                  </a:fontRef>
+                </p:style>
+              </p:cxnSp>
+              <p:cxnSp>
+                <p:nvCxnSpPr>
+                  <p:cNvPr id="21" name="直接连接符 20">
+                    <a:extLst>
+                      <a:ext uri="{FF2B5EF4-FFF2-40B4-BE49-F238E27FC236}">
+                        <a16:creationId xmlns:a16="http://schemas.microsoft.com/office/drawing/2014/main" id="{43AE5145-8C79-C0C6-7B4F-3ECE5A07E376}"/>
+                      </a:ext>
+                    </a:extLst>
+                  </p:cNvPr>
+                  <p:cNvCxnSpPr>
+                    <a:cxnSpLocks/>
+                  </p:cNvCxnSpPr>
+                  <p:nvPr/>
+                </p:nvCxnSpPr>
+                <p:spPr>
+                  <a:xfrm>
+                    <a:off x="5611799" y="2042220"/>
+                    <a:ext cx="0" cy="2355358"/>
+                  </a:xfrm>
+                  <a:prstGeom prst="line">
+                    <a:avLst/>
+                  </a:prstGeom>
+                  <a:ln>
+                    <a:headEnd type="triangle" w="med" len="med"/>
+                    <a:tailEnd type="none" w="med" len="med"/>
+                  </a:ln>
+                </p:spPr>
+                <p:style>
+                  <a:lnRef idx="3">
+                    <a:schemeClr val="accent1"/>
+                  </a:lnRef>
+                  <a:fillRef idx="0">
+                    <a:schemeClr val="accent1"/>
+                  </a:fillRef>
+                  <a:effectRef idx="2">
+                    <a:schemeClr val="accent1"/>
+                  </a:effectRef>
+                  <a:fontRef idx="minor">
+                    <a:schemeClr val="tx1"/>
+                  </a:fontRef>
+                </p:style>
+              </p:cxnSp>
+              <p:sp>
+                <p:nvSpPr>
+                  <p:cNvPr id="25" name="平行四边形 24">
+                    <a:extLst>
+                      <a:ext uri="{FF2B5EF4-FFF2-40B4-BE49-F238E27FC236}">
+                        <a16:creationId xmlns:a16="http://schemas.microsoft.com/office/drawing/2014/main" id="{4C605AD8-5087-C0F8-3D7F-3E3A000EC681}"/>
+                      </a:ext>
+                    </a:extLst>
+                  </p:cNvPr>
+                  <p:cNvSpPr/>
+                  <p:nvPr/>
+                </p:nvSpPr>
+                <p:spPr>
+                  <a:xfrm rot="1406411" flipH="1">
+                    <a:off x="4281606" y="2506938"/>
+                    <a:ext cx="2677612" cy="1644325"/>
+                  </a:xfrm>
+                  <a:prstGeom prst="parallelogram">
+                    <a:avLst>
+                      <a:gd name="adj" fmla="val 46381"/>
+                    </a:avLst>
+                  </a:prstGeom>
+                  <a:noFill/>
+                </p:spPr>
+                <p:style>
+                  <a:lnRef idx="2">
+                    <a:schemeClr val="accent1">
+                      <a:shade val="15000"/>
+                    </a:schemeClr>
+                  </a:lnRef>
+                  <a:fillRef idx="1">
+                    <a:schemeClr val="accent1"/>
+                  </a:fillRef>
+                  <a:effectRef idx="0">
+                    <a:schemeClr val="accent1"/>
+                  </a:effectRef>
+                  <a:fontRef idx="minor">
+                    <a:schemeClr val="lt1"/>
+                  </a:fontRef>
+                </p:style>
+                <p:txBody>
+                  <a:bodyPr rtlCol="0" anchor="ctr"/>
+                  <a:lstStyle/>
+                  <a:p>
+                    <a:pPr algn="ctr"/>
+                    <a:endParaRPr lang="zh-CN" altLang="en-US"/>
+                  </a:p>
+                </p:txBody>
+              </p:sp>
+              <p:cxnSp>
+                <p:nvCxnSpPr>
+                  <p:cNvPr id="10" name="直接连接符 9">
+                    <a:extLst>
+                      <a:ext uri="{FF2B5EF4-FFF2-40B4-BE49-F238E27FC236}">
+                        <a16:creationId xmlns:a16="http://schemas.microsoft.com/office/drawing/2014/main" id="{A34B9D84-3876-64BA-0872-56D2213F264E}"/>
+                      </a:ext>
+                    </a:extLst>
+                  </p:cNvPr>
+                  <p:cNvCxnSpPr>
+                    <a:cxnSpLocks/>
+                  </p:cNvCxnSpPr>
+                  <p:nvPr/>
+                </p:nvCxnSpPr>
+                <p:spPr>
+                  <a:xfrm>
+                    <a:off x="5611799" y="3294062"/>
+                    <a:ext cx="367520" cy="449510"/>
+                  </a:xfrm>
+                  <a:prstGeom prst="line">
+                    <a:avLst/>
+                  </a:prstGeom>
+                  <a:ln w="12700">
+                    <a:solidFill>
+                      <a:schemeClr val="tx1"/>
+                    </a:solidFill>
+                    <a:headEnd type="none" w="med" len="med"/>
+                    <a:tailEnd type="triangle" w="med" len="med"/>
+                  </a:ln>
+                </p:spPr>
+                <p:style>
+                  <a:lnRef idx="3">
+                    <a:schemeClr val="accent1"/>
+                  </a:lnRef>
+                  <a:fillRef idx="0">
+                    <a:schemeClr val="accent1"/>
+                  </a:fillRef>
+                  <a:effectRef idx="2">
+                    <a:schemeClr val="accent1"/>
+                  </a:effectRef>
+                  <a:fontRef idx="minor">
+                    <a:schemeClr val="tx1"/>
+                  </a:fontRef>
+                </p:style>
+              </p:cxnSp>
+              <p:cxnSp>
+                <p:nvCxnSpPr>
+                  <p:cNvPr id="37" name="直接连接符 36">
+                    <a:extLst>
+                      <a:ext uri="{FF2B5EF4-FFF2-40B4-BE49-F238E27FC236}">
+                        <a16:creationId xmlns:a16="http://schemas.microsoft.com/office/drawing/2014/main" id="{910D58CA-B332-66E4-B747-7B8A6803F625}"/>
+                      </a:ext>
+                    </a:extLst>
+                  </p:cNvPr>
+                  <p:cNvCxnSpPr>
+                    <a:cxnSpLocks/>
+                  </p:cNvCxnSpPr>
+                  <p:nvPr/>
+                </p:nvCxnSpPr>
+                <p:spPr>
+                  <a:xfrm>
+                    <a:off x="5611798" y="3294062"/>
+                    <a:ext cx="678737" cy="42069"/>
+                  </a:xfrm>
+                  <a:prstGeom prst="line">
+                    <a:avLst/>
+                  </a:prstGeom>
+                  <a:ln w="12700">
+                    <a:solidFill>
+                      <a:schemeClr val="tx1"/>
+                    </a:solidFill>
+                    <a:headEnd type="none" w="med" len="med"/>
+                    <a:tailEnd type="triangle" w="med" len="med"/>
+                  </a:ln>
+                </p:spPr>
+                <p:style>
+                  <a:lnRef idx="3">
+                    <a:schemeClr val="accent1"/>
+                  </a:lnRef>
+                  <a:fillRef idx="0">
+                    <a:schemeClr val="accent1"/>
+                  </a:fillRef>
+                  <a:effectRef idx="2">
+                    <a:schemeClr val="accent1"/>
+                  </a:effectRef>
+                  <a:fontRef idx="minor">
+                    <a:schemeClr val="tx1"/>
+                  </a:fontRef>
+                </p:style>
+              </p:cxnSp>
+              <p:cxnSp>
+                <p:nvCxnSpPr>
+                  <p:cNvPr id="40" name="直接连接符 39">
+                    <a:extLst>
+                      <a:ext uri="{FF2B5EF4-FFF2-40B4-BE49-F238E27FC236}">
+                        <a16:creationId xmlns:a16="http://schemas.microsoft.com/office/drawing/2014/main" id="{2169BB59-0427-B2B5-7643-EFBB10D41F57}"/>
+                      </a:ext>
+                    </a:extLst>
+                  </p:cNvPr>
+                  <p:cNvCxnSpPr>
+                    <a:cxnSpLocks/>
+                  </p:cNvCxnSpPr>
+                  <p:nvPr/>
+                </p:nvCxnSpPr>
+                <p:spPr>
+                  <a:xfrm flipH="1">
+                    <a:off x="5611798" y="2521414"/>
+                    <a:ext cx="547422" cy="772648"/>
+                  </a:xfrm>
+                  <a:prstGeom prst="line">
+                    <a:avLst/>
+                  </a:prstGeom>
+                  <a:ln w="9525">
+                    <a:solidFill>
+                      <a:srgbClr val="FF0000"/>
+                    </a:solidFill>
+                    <a:headEnd type="none" w="med" len="med"/>
+                    <a:tailEnd type="none" w="med" len="med"/>
+                  </a:ln>
+                </p:spPr>
+                <p:style>
+                  <a:lnRef idx="3">
+                    <a:schemeClr val="accent1"/>
+                  </a:lnRef>
+                  <a:fillRef idx="0">
+                    <a:schemeClr val="accent1"/>
+                  </a:fillRef>
+                  <a:effectRef idx="2">
+                    <a:schemeClr val="accent1"/>
+                  </a:effectRef>
+                  <a:fontRef idx="minor">
+                    <a:schemeClr val="tx1"/>
+                  </a:fontRef>
+                </p:style>
+              </p:cxnSp>
+              <p:cxnSp>
+                <p:nvCxnSpPr>
+                  <p:cNvPr id="43" name="直接连接符 42">
+                    <a:extLst>
+                      <a:ext uri="{FF2B5EF4-FFF2-40B4-BE49-F238E27FC236}">
+                        <a16:creationId xmlns:a16="http://schemas.microsoft.com/office/drawing/2014/main" id="{734BD551-EC51-3A89-1B44-D37F1F2FA1AF}"/>
+                      </a:ext>
+                    </a:extLst>
+                  </p:cNvPr>
+                  <p:cNvCxnSpPr>
+                    <a:cxnSpLocks/>
+                  </p:cNvCxnSpPr>
+                  <p:nvPr/>
+                </p:nvCxnSpPr>
+                <p:spPr>
+                  <a:xfrm flipH="1">
+                    <a:off x="2992703" y="2521414"/>
+                    <a:ext cx="3166517" cy="1135175"/>
+                  </a:xfrm>
+                  <a:prstGeom prst="line">
+                    <a:avLst/>
+                  </a:prstGeom>
+                  <a:ln w="19050">
+                    <a:solidFill>
+                      <a:schemeClr val="accent6"/>
+                    </a:solidFill>
+                    <a:headEnd type="oval" w="med" len="med"/>
+                    <a:tailEnd type="oval" w="med" len="med"/>
+                  </a:ln>
+                </p:spPr>
+                <p:style>
+                  <a:lnRef idx="3">
+                    <a:schemeClr val="accent1"/>
+                  </a:lnRef>
+                  <a:fillRef idx="0">
+                    <a:schemeClr val="accent1"/>
+                  </a:fillRef>
+                  <a:effectRef idx="2">
+                    <a:schemeClr val="accent1"/>
+                  </a:effectRef>
+                  <a:fontRef idx="minor">
+                    <a:schemeClr val="tx1"/>
+                  </a:fontRef>
+                </p:style>
+              </p:cxnSp>
+              <p:cxnSp>
+                <p:nvCxnSpPr>
+                  <p:cNvPr id="45" name="直接连接符 44">
+                    <a:extLst>
+                      <a:ext uri="{FF2B5EF4-FFF2-40B4-BE49-F238E27FC236}">
+                        <a16:creationId xmlns:a16="http://schemas.microsoft.com/office/drawing/2014/main" id="{D546A314-63F8-B701-13AC-C007AC839D44}"/>
+                      </a:ext>
+                    </a:extLst>
+                  </p:cNvPr>
+                  <p:cNvCxnSpPr>
+                    <a:cxnSpLocks/>
+                  </p:cNvCxnSpPr>
+                  <p:nvPr/>
+                </p:nvCxnSpPr>
+                <p:spPr>
+                  <a:xfrm>
+                    <a:off x="6177742" y="2546350"/>
+                    <a:ext cx="0" cy="867206"/>
+                  </a:xfrm>
+                  <a:prstGeom prst="line">
+                    <a:avLst/>
+                  </a:prstGeom>
+                  <a:ln w="9525">
+                    <a:solidFill>
+                      <a:srgbClr val="FF0000"/>
+                    </a:solidFill>
+                    <a:prstDash val="sysDash"/>
+                    <a:headEnd type="none" w="med" len="med"/>
+                    <a:tailEnd type="none" w="med" len="med"/>
+                  </a:ln>
+                </p:spPr>
+                <p:style>
+                  <a:lnRef idx="3">
+                    <a:schemeClr val="accent1"/>
+                  </a:lnRef>
+                  <a:fillRef idx="0">
+                    <a:schemeClr val="accent1"/>
+                  </a:fillRef>
+                  <a:effectRef idx="2">
+                    <a:schemeClr val="accent1"/>
+                  </a:effectRef>
+                  <a:fontRef idx="minor">
+                    <a:schemeClr val="tx1"/>
+                  </a:fontRef>
+                </p:style>
+              </p:cxnSp>
+              <p:cxnSp>
+                <p:nvCxnSpPr>
+                  <p:cNvPr id="50" name="直接连接符 49">
+                    <a:extLst>
+                      <a:ext uri="{FF2B5EF4-FFF2-40B4-BE49-F238E27FC236}">
+                        <a16:creationId xmlns:a16="http://schemas.microsoft.com/office/drawing/2014/main" id="{81CE46B9-F75C-C547-F278-5EC71B6122F5}"/>
+                      </a:ext>
+                    </a:extLst>
+                  </p:cNvPr>
+                  <p:cNvCxnSpPr>
+                    <a:cxnSpLocks/>
+                  </p:cNvCxnSpPr>
+                  <p:nvPr/>
+                </p:nvCxnSpPr>
+                <p:spPr>
+                  <a:xfrm flipH="1" flipV="1">
+                    <a:off x="5607963" y="3294062"/>
+                    <a:ext cx="569779" cy="119494"/>
+                  </a:xfrm>
+                  <a:prstGeom prst="line">
+                    <a:avLst/>
+                  </a:prstGeom>
+                  <a:ln w="9525">
+                    <a:solidFill>
+                      <a:srgbClr val="FF0000"/>
+                    </a:solidFill>
+                    <a:headEnd type="arrow" w="med" len="med"/>
+                    <a:tailEnd type="none" w="med" len="med"/>
+                  </a:ln>
+                </p:spPr>
+                <p:style>
+                  <a:lnRef idx="3">
+                    <a:schemeClr val="accent1"/>
+                  </a:lnRef>
+                  <a:fillRef idx="0">
+                    <a:schemeClr val="accent1"/>
+                  </a:fillRef>
+                  <a:effectRef idx="2">
+                    <a:schemeClr val="accent1"/>
+                  </a:effectRef>
+                  <a:fontRef idx="minor">
+                    <a:schemeClr val="tx1"/>
+                  </a:fontRef>
+                </p:style>
+              </p:cxnSp>
+              <p:sp>
+                <p:nvSpPr>
+                  <p:cNvPr id="62" name="文本框 61">
+                    <a:extLst>
+                      <a:ext uri="{FF2B5EF4-FFF2-40B4-BE49-F238E27FC236}">
+                        <a16:creationId xmlns:a16="http://schemas.microsoft.com/office/drawing/2014/main" id="{2C1EAA7A-3405-3B73-9776-01212B9E24F7}"/>
+                      </a:ext>
+                    </a:extLst>
+                  </p:cNvPr>
+                  <p:cNvSpPr txBox="1"/>
+                  <p:nvPr/>
+                </p:nvSpPr>
+                <p:spPr>
+                  <a:xfrm>
+                    <a:off x="2688520" y="3470965"/>
+                    <a:ext cx="457022" cy="369332"/>
+                  </a:xfrm>
+                  <a:prstGeom prst="rect">
+                    <a:avLst/>
+                  </a:prstGeom>
+                  <a:noFill/>
+                </p:spPr>
+                <p:txBody>
+                  <a:bodyPr wrap="square" rtlCol="0">
+                    <a:spAutoFit/>
+                  </a:bodyPr>
+                  <a:lstStyle/>
+                  <a:p>
+                    <a:r>
+                      <a:rPr lang="en-US" altLang="zh-CN" i="1" dirty="0">
+                        <a:latin typeface="Times New Roman" panose="02020603050405020304" pitchFamily="18" charset="0"/>
+                        <a:cs typeface="Times New Roman" panose="02020603050405020304" pitchFamily="18" charset="0"/>
+                      </a:rPr>
+                      <a:t>S</a:t>
+                    </a:r>
+                    <a:r>
+                      <a:rPr lang="en-US" altLang="zh-CN" i="1" baseline="-25000" dirty="0">
+                        <a:latin typeface="Times New Roman" panose="02020603050405020304" pitchFamily="18" charset="0"/>
+                        <a:cs typeface="Times New Roman" panose="02020603050405020304" pitchFamily="18" charset="0"/>
+                      </a:rPr>
+                      <a:t>o</a:t>
+                    </a:r>
+                    <a:endParaRPr lang="zh-CN" altLang="en-US" i="1" baseline="-25000" dirty="0">
+                      <a:latin typeface="Times New Roman" panose="02020603050405020304" pitchFamily="18" charset="0"/>
+                      <a:cs typeface="Times New Roman" panose="02020603050405020304" pitchFamily="18" charset="0"/>
+                    </a:endParaRPr>
+                  </a:p>
+                </p:txBody>
+              </p:sp>
+              <p:sp>
+                <p:nvSpPr>
+                  <p:cNvPr id="63" name="文本框 62">
+                    <a:extLst>
+                      <a:ext uri="{FF2B5EF4-FFF2-40B4-BE49-F238E27FC236}">
+                        <a16:creationId xmlns:a16="http://schemas.microsoft.com/office/drawing/2014/main" id="{B71BB035-4C04-2339-1618-AA67A9150259}"/>
+                      </a:ext>
+                    </a:extLst>
+                  </p:cNvPr>
+                  <p:cNvSpPr txBox="1"/>
+                  <p:nvPr/>
+                </p:nvSpPr>
+                <p:spPr>
+                  <a:xfrm>
+                    <a:off x="5351627" y="3229039"/>
+                    <a:ext cx="334228" cy="307777"/>
+                  </a:xfrm>
+                  <a:prstGeom prst="rect">
+                    <a:avLst/>
+                  </a:prstGeom>
+                  <a:noFill/>
+                  <a:ln>
+                    <a:noFill/>
+                  </a:ln>
+                </p:spPr>
+                <p:txBody>
+                  <a:bodyPr wrap="square" rtlCol="0">
+                    <a:spAutoFit/>
+                  </a:bodyPr>
+                  <a:lstStyle/>
+                  <a:p>
+                    <a:r>
+                      <a:rPr lang="en-US" altLang="zh-CN" sz="1400" i="1" dirty="0">
+                        <a:solidFill>
+                          <a:srgbClr val="5B9BD5"/>
+                        </a:solidFill>
+                        <a:latin typeface="Times New Roman" panose="02020603050405020304" pitchFamily="18" charset="0"/>
+                        <a:cs typeface="Times New Roman" panose="02020603050405020304" pitchFamily="18" charset="0"/>
+                      </a:rPr>
+                      <a:t>O</a:t>
+                    </a:r>
+                    <a:endParaRPr lang="zh-CN" altLang="en-US" sz="1400" i="1" baseline="-25000" dirty="0">
+                      <a:solidFill>
+                        <a:srgbClr val="5B9BD5"/>
+                      </a:solidFill>
+                      <a:latin typeface="Times New Roman" panose="02020603050405020304" pitchFamily="18" charset="0"/>
+                      <a:cs typeface="Times New Roman" panose="02020603050405020304" pitchFamily="18" charset="0"/>
+                    </a:endParaRPr>
+                  </a:p>
+                </p:txBody>
+              </p:sp>
+              <p:sp>
+                <p:nvSpPr>
+                  <p:cNvPr id="64" name="文本框 63">
+                    <a:extLst>
+                      <a:ext uri="{FF2B5EF4-FFF2-40B4-BE49-F238E27FC236}">
+                        <a16:creationId xmlns:a16="http://schemas.microsoft.com/office/drawing/2014/main" id="{BFF4C9C2-3FD4-06D1-AF50-81C8D4812F46}"/>
+                      </a:ext>
+                    </a:extLst>
+                  </p:cNvPr>
+                  <p:cNvSpPr txBox="1"/>
+                  <p:nvPr/>
+                </p:nvSpPr>
+                <p:spPr>
+                  <a:xfrm>
+                    <a:off x="6137256" y="2294679"/>
+                    <a:ext cx="892080" cy="369332"/>
+                  </a:xfrm>
+                  <a:prstGeom prst="rect">
+                    <a:avLst/>
+                  </a:prstGeom>
+                  <a:noFill/>
+                </p:spPr>
+                <p:txBody>
+                  <a:bodyPr wrap="square" rtlCol="0">
+                    <a:spAutoFit/>
+                  </a:bodyPr>
+                  <a:lstStyle/>
+                  <a:p>
+                    <a:r>
+                      <a:rPr lang="en-US" altLang="zh-CN" i="1" dirty="0">
+                        <a:solidFill>
+                          <a:schemeClr val="accent6"/>
+                        </a:solidFill>
+                        <a:latin typeface="Times New Roman" panose="02020603050405020304" pitchFamily="18" charset="0"/>
+                        <a:cs typeface="Times New Roman" panose="02020603050405020304" pitchFamily="18" charset="0"/>
+                      </a:rPr>
+                      <a:t>A</a:t>
+                    </a:r>
+                    <a:r>
+                      <a:rPr lang="en-US" altLang="zh-CN" dirty="0">
+                        <a:solidFill>
+                          <a:schemeClr val="accent6"/>
+                        </a:solidFill>
+                        <a:latin typeface="Times New Roman" panose="02020603050405020304" pitchFamily="18" charset="0"/>
+                        <a:cs typeface="Times New Roman" panose="02020603050405020304" pitchFamily="18" charset="0"/>
+                      </a:rPr>
+                      <a:t>(</a:t>
+                    </a:r>
+                    <a:r>
+                      <a:rPr lang="en-US" altLang="zh-CN" i="1" dirty="0" err="1">
+                        <a:solidFill>
+                          <a:schemeClr val="accent6"/>
+                        </a:solidFill>
+                        <a:latin typeface="Times New Roman" panose="02020603050405020304" pitchFamily="18" charset="0"/>
+                        <a:cs typeface="Times New Roman" panose="02020603050405020304" pitchFamily="18" charset="0"/>
+                      </a:rPr>
+                      <a:t>x,y,z</a:t>
+                    </a:r>
+                    <a:r>
+                      <a:rPr lang="en-US" altLang="zh-CN" dirty="0">
+                        <a:solidFill>
+                          <a:schemeClr val="accent6"/>
+                        </a:solidFill>
+                        <a:latin typeface="Times New Roman" panose="02020603050405020304" pitchFamily="18" charset="0"/>
+                        <a:cs typeface="Times New Roman" panose="02020603050405020304" pitchFamily="18" charset="0"/>
+                      </a:rPr>
+                      <a:t>)</a:t>
+                    </a:r>
+                    <a:endParaRPr lang="zh-CN" altLang="en-US" baseline="-25000" dirty="0">
+                      <a:solidFill>
+                        <a:schemeClr val="accent6"/>
+                      </a:solidFill>
+                      <a:latin typeface="Times New Roman" panose="02020603050405020304" pitchFamily="18" charset="0"/>
+                      <a:cs typeface="Times New Roman" panose="02020603050405020304" pitchFamily="18" charset="0"/>
+                    </a:endParaRPr>
+                  </a:p>
+                </p:txBody>
+              </p:sp>
+              <p:sp>
+                <p:nvSpPr>
+                  <p:cNvPr id="65" name="文本框 64">
+                    <a:extLst>
+                      <a:ext uri="{FF2B5EF4-FFF2-40B4-BE49-F238E27FC236}">
+                        <a16:creationId xmlns:a16="http://schemas.microsoft.com/office/drawing/2014/main" id="{BDF40426-6266-3F54-354D-08CF34D5006C}"/>
+                      </a:ext>
+                    </a:extLst>
+                  </p:cNvPr>
+                  <p:cNvSpPr txBox="1"/>
+                  <p:nvPr/>
+                </p:nvSpPr>
+                <p:spPr>
+                  <a:xfrm>
+                    <a:off x="5708690" y="3539804"/>
+                    <a:ext cx="272457" cy="369332"/>
+                  </a:xfrm>
+                  <a:prstGeom prst="rect">
+                    <a:avLst/>
+                  </a:prstGeom>
+                  <a:noFill/>
+                </p:spPr>
+                <p:txBody>
+                  <a:bodyPr wrap="square" rtlCol="0">
+                    <a:spAutoFit/>
+                  </a:bodyPr>
+                  <a:lstStyle/>
+                  <a:p>
+                    <a:r>
+                      <a:rPr lang="en-US" altLang="zh-CN" i="1" dirty="0">
+                        <a:latin typeface="Times New Roman" panose="02020603050405020304" pitchFamily="18" charset="0"/>
+                        <a:cs typeface="Times New Roman" panose="02020603050405020304" pitchFamily="18" charset="0"/>
+                      </a:rPr>
+                      <a:t>x</a:t>
+                    </a:r>
+                    <a:endParaRPr lang="zh-CN" altLang="en-US" baseline="-25000" dirty="0">
+                      <a:latin typeface="Times New Roman" panose="02020603050405020304" pitchFamily="18" charset="0"/>
+                      <a:cs typeface="Times New Roman" panose="02020603050405020304" pitchFamily="18" charset="0"/>
+                    </a:endParaRPr>
+                  </a:p>
+                </p:txBody>
+              </p:sp>
+              <p:sp>
+                <p:nvSpPr>
+                  <p:cNvPr id="66" name="文本框 65">
+                    <a:extLst>
+                      <a:ext uri="{FF2B5EF4-FFF2-40B4-BE49-F238E27FC236}">
+                        <a16:creationId xmlns:a16="http://schemas.microsoft.com/office/drawing/2014/main" id="{30244A0A-46B2-FA3A-15FF-A78909234229}"/>
+                      </a:ext>
+                    </a:extLst>
+                  </p:cNvPr>
+                  <p:cNvSpPr txBox="1"/>
+                  <p:nvPr/>
+                </p:nvSpPr>
+                <p:spPr>
+                  <a:xfrm>
+                    <a:off x="6235968" y="3101007"/>
+                    <a:ext cx="272457" cy="369332"/>
+                  </a:xfrm>
+                  <a:prstGeom prst="rect">
+                    <a:avLst/>
+                  </a:prstGeom>
+                  <a:noFill/>
+                </p:spPr>
+                <p:txBody>
+                  <a:bodyPr wrap="square" rtlCol="0">
+                    <a:spAutoFit/>
+                  </a:bodyPr>
+                  <a:lstStyle/>
+                  <a:p>
+                    <a:r>
+                      <a:rPr lang="en-US" altLang="zh-CN" i="1" dirty="0">
+                        <a:latin typeface="Times New Roman" panose="02020603050405020304" pitchFamily="18" charset="0"/>
+                        <a:cs typeface="Times New Roman" panose="02020603050405020304" pitchFamily="18" charset="0"/>
+                      </a:rPr>
+                      <a:t>y</a:t>
+                    </a:r>
+                    <a:endParaRPr lang="zh-CN" altLang="en-US" baseline="-25000" dirty="0">
+                      <a:latin typeface="Times New Roman" panose="02020603050405020304" pitchFamily="18" charset="0"/>
+                      <a:cs typeface="Times New Roman" panose="02020603050405020304" pitchFamily="18" charset="0"/>
+                    </a:endParaRPr>
+                  </a:p>
+                </p:txBody>
+              </p:sp>
+              <p:sp>
+                <p:nvSpPr>
+                  <p:cNvPr id="67" name="弧形 66">
+                    <a:extLst>
+                      <a:ext uri="{FF2B5EF4-FFF2-40B4-BE49-F238E27FC236}">
+                        <a16:creationId xmlns:a16="http://schemas.microsoft.com/office/drawing/2014/main" id="{46719875-74FF-2918-994D-A1C7D6389ADC}"/>
+                      </a:ext>
+                    </a:extLst>
+                  </p:cNvPr>
+                  <p:cNvSpPr/>
+                  <p:nvPr/>
+                </p:nvSpPr>
+                <p:spPr>
+                  <a:xfrm rot="9284281">
+                    <a:off x="5656003" y="3317264"/>
+                    <a:ext cx="328571" cy="73090"/>
+                  </a:xfrm>
+                  <a:prstGeom prst="arc">
+                    <a:avLst>
+                      <a:gd name="adj1" fmla="val 16200000"/>
+                      <a:gd name="adj2" fmla="val 20926179"/>
+                    </a:avLst>
+                  </a:prstGeom>
+                  <a:ln>
+                    <a:solidFill>
+                      <a:schemeClr val="accent6"/>
+                    </a:solidFill>
+                  </a:ln>
+                </p:spPr>
+                <p:style>
+                  <a:lnRef idx="3">
+                    <a:schemeClr val="dk1"/>
+                  </a:lnRef>
+                  <a:fillRef idx="0">
+                    <a:schemeClr val="dk1"/>
+                  </a:fillRef>
+                  <a:effectRef idx="2">
+                    <a:schemeClr val="dk1"/>
+                  </a:effectRef>
+                  <a:fontRef idx="minor">
+                    <a:schemeClr val="tx1"/>
+                  </a:fontRef>
+                </p:style>
+                <p:txBody>
+                  <a:bodyPr rtlCol="0" anchor="ctr"/>
+                  <a:lstStyle/>
+                  <a:p>
+                    <a:pPr algn="ctr"/>
+                    <a:endParaRPr lang="zh-CN" altLang="en-US"/>
+                  </a:p>
+                </p:txBody>
+              </p:sp>
+              <p:graphicFrame>
+                <p:nvGraphicFramePr>
+                  <p:cNvPr id="68" name="对象 67">
+                    <a:extLst>
+                      <a:ext uri="{FF2B5EF4-FFF2-40B4-BE49-F238E27FC236}">
+                        <a16:creationId xmlns:a16="http://schemas.microsoft.com/office/drawing/2014/main" id="{F1AEA20A-B23D-3773-22C8-01C90D07754F}"/>
+                      </a:ext>
+                    </a:extLst>
+                  </p:cNvPr>
+                  <p:cNvGraphicFramePr>
+                    <a:graphicFrameLocks noChangeAspect="1"/>
+                  </p:cNvGraphicFramePr>
+                  <p:nvPr>
+                    <p:extLst>
+                      <p:ext uri="{D42A27DB-BD31-4B8C-83A1-F6EECF244321}">
+                        <p14:modId xmlns:p14="http://schemas.microsoft.com/office/powerpoint/2010/main" val="578695422"/>
+                      </p:ext>
+                    </p:extLst>
+                  </p:nvPr>
+                </p:nvGraphicFramePr>
+                <p:xfrm>
+                  <a:off x="5809760" y="3391961"/>
+                  <a:ext cx="174225" cy="232300"/>
+                </p:xfrm>
+                <a:graphic>
+                  <a:graphicData uri="http://schemas.openxmlformats.org/presentationml/2006/ole">
+                    <mc:AlternateContent xmlns:mc="http://schemas.openxmlformats.org/markup-compatibility/2006">
+                      <mc:Choice xmlns:v="urn:schemas-microsoft-com:vml" Requires="v">
+                        <p:oleObj name="Equation" r:id="rId2" imgW="152280" imgH="203040" progId="Equation.DSMT4">
+                          <p:embed/>
+                        </p:oleObj>
+                      </mc:Choice>
+                      <mc:Fallback>
+                        <p:oleObj name="Equation" r:id="rId2" imgW="152280" imgH="203040" progId="Equation.DSMT4">
+                          <p:embed/>
+                          <p:pic>
+                            <p:nvPicPr>
+                              <p:cNvPr id="4" name="对象 3">
+                                <a:extLst>
+                                  <a:ext uri="{FF2B5EF4-FFF2-40B4-BE49-F238E27FC236}">
+                                    <a16:creationId xmlns:a16="http://schemas.microsoft.com/office/drawing/2014/main" id="{0C448C74-478E-2E29-1666-4D39AE70790D}"/>
+                                  </a:ext>
+                                </a:extLst>
+                              </p:cNvPr>
+                              <p:cNvPicPr/>
+                              <p:nvPr/>
+                            </p:nvPicPr>
+                            <p:blipFill>
+                              <a:blip r:embed="rId3"/>
+                              <a:stretch>
+                                <a:fillRect/>
+                              </a:stretch>
+                            </p:blipFill>
+                            <p:spPr>
+                              <a:xfrm>
+                                <a:off x="5809760" y="3391961"/>
+                                <a:ext cx="174225" cy="232300"/>
+                              </a:xfrm>
+                              <a:prstGeom prst="rect">
+                                <a:avLst/>
+                              </a:prstGeom>
+                            </p:spPr>
+                          </p:pic>
+                        </p:oleObj>
+                      </mc:Fallback>
+                    </mc:AlternateContent>
+                  </a:graphicData>
+                </a:graphic>
+              </p:graphicFrame>
+              <p:graphicFrame>
+                <p:nvGraphicFramePr>
+                  <p:cNvPr id="69" name="对象 68">
+                    <a:extLst>
+                      <a:ext uri="{FF2B5EF4-FFF2-40B4-BE49-F238E27FC236}">
+                        <a16:creationId xmlns:a16="http://schemas.microsoft.com/office/drawing/2014/main" id="{34ED0CFC-6854-21C9-0AF6-D5CB020ECE2E}"/>
+                      </a:ext>
+                    </a:extLst>
+                  </p:cNvPr>
+                  <p:cNvGraphicFramePr>
+                    <a:graphicFrameLocks noChangeAspect="1"/>
+                  </p:cNvGraphicFramePr>
+                  <p:nvPr>
+                    <p:extLst>
+                      <p:ext uri="{D42A27DB-BD31-4B8C-83A1-F6EECF244321}">
+                        <p14:modId xmlns:p14="http://schemas.microsoft.com/office/powerpoint/2010/main" val="3122710074"/>
+                      </p:ext>
+                    </p:extLst>
+                  </p:nvPr>
+                </p:nvGraphicFramePr>
+                <p:xfrm>
+                  <a:off x="6137256" y="3375939"/>
+                  <a:ext cx="147080" cy="137814"/>
+                </p:xfrm>
+                <a:graphic>
+                  <a:graphicData uri="http://schemas.openxmlformats.org/presentationml/2006/ole">
+                    <mc:AlternateContent xmlns:mc="http://schemas.openxmlformats.org/markup-compatibility/2006">
+                      <mc:Choice xmlns:v="urn:schemas-microsoft-com:vml" Requires="v">
+                        <p:oleObj name="Equation" r:id="rId4" imgW="177480" imgH="164880" progId="Equation.DSMT4">
+                          <p:embed/>
+                        </p:oleObj>
+                      </mc:Choice>
+                      <mc:Fallback>
+                        <p:oleObj name="Equation" r:id="rId4" imgW="177480" imgH="164880" progId="Equation.DSMT4">
+                          <p:embed/>
+                          <p:pic>
+                            <p:nvPicPr>
+                              <p:cNvPr id="68" name="对象 67">
+                                <a:extLst>
+                                  <a:ext uri="{FF2B5EF4-FFF2-40B4-BE49-F238E27FC236}">
+                                    <a16:creationId xmlns:a16="http://schemas.microsoft.com/office/drawing/2014/main" id="{F1AEA20A-B23D-3773-22C8-01C90D07754F}"/>
+                                  </a:ext>
+                                </a:extLst>
+                              </p:cNvPr>
+                              <p:cNvPicPr/>
+                              <p:nvPr/>
+                            </p:nvPicPr>
+                            <p:blipFill>
+                              <a:blip r:embed="rId5"/>
+                              <a:stretch>
+                                <a:fillRect/>
+                              </a:stretch>
+                            </p:blipFill>
+                            <p:spPr>
+                              <a:xfrm>
+                                <a:off x="6137256" y="3375939"/>
+                                <a:ext cx="147080" cy="137814"/>
+                              </a:xfrm>
+                              <a:prstGeom prst="rect">
+                                <a:avLst/>
+                              </a:prstGeom>
+                            </p:spPr>
+                          </p:pic>
+                        </p:oleObj>
+                      </mc:Fallback>
+                    </mc:AlternateContent>
+                  </a:graphicData>
+                </a:graphic>
+              </p:graphicFrame>
+              <p:sp>
+                <p:nvSpPr>
+                  <p:cNvPr id="70" name="文本框 69">
+                    <a:extLst>
+                      <a:ext uri="{FF2B5EF4-FFF2-40B4-BE49-F238E27FC236}">
+                        <a16:creationId xmlns:a16="http://schemas.microsoft.com/office/drawing/2014/main" id="{27582FA8-1DB2-06C7-9F51-71047D3F6BDB}"/>
+                      </a:ext>
+                    </a:extLst>
+                  </p:cNvPr>
+                  <p:cNvSpPr txBox="1"/>
+                  <p:nvPr/>
+                </p:nvSpPr>
+                <p:spPr>
+                  <a:xfrm>
+                    <a:off x="6638131" y="3574534"/>
+                    <a:ext cx="272457" cy="369332"/>
+                  </a:xfrm>
+                  <a:prstGeom prst="rect">
+                    <a:avLst/>
+                  </a:prstGeom>
+                  <a:noFill/>
+                </p:spPr>
+                <p:txBody>
+                  <a:bodyPr wrap="square" rtlCol="0">
+                    <a:spAutoFit/>
+                  </a:bodyPr>
+                  <a:lstStyle/>
+                  <a:p>
+                    <a:r>
+                      <a:rPr lang="en-US" altLang="zh-CN" i="1" dirty="0">
+                        <a:latin typeface="Times New Roman" panose="02020603050405020304" pitchFamily="18" charset="0"/>
+                        <a:cs typeface="Times New Roman" panose="02020603050405020304" pitchFamily="18" charset="0"/>
+                      </a:rPr>
+                      <a:t>s</a:t>
+                    </a:r>
+                    <a:endParaRPr lang="zh-CN" altLang="en-US" baseline="-25000" dirty="0">
+                      <a:latin typeface="Times New Roman" panose="02020603050405020304" pitchFamily="18" charset="0"/>
+                      <a:cs typeface="Times New Roman" panose="02020603050405020304" pitchFamily="18" charset="0"/>
+                    </a:endParaRPr>
+                  </a:p>
+                </p:txBody>
+              </p:sp>
+              <p:sp>
+                <p:nvSpPr>
+                  <p:cNvPr id="71" name="文本框 70">
+                    <a:extLst>
+                      <a:ext uri="{FF2B5EF4-FFF2-40B4-BE49-F238E27FC236}">
+                        <a16:creationId xmlns:a16="http://schemas.microsoft.com/office/drawing/2014/main" id="{5C36112C-CCA0-2A1D-563D-16706BB97E9B}"/>
+                      </a:ext>
+                    </a:extLst>
+                  </p:cNvPr>
+                  <p:cNvSpPr txBox="1"/>
+                  <p:nvPr/>
+                </p:nvSpPr>
+                <p:spPr>
+                  <a:xfrm>
+                    <a:off x="5572461" y="1831624"/>
+                    <a:ext cx="272457" cy="369332"/>
+                  </a:xfrm>
+                  <a:prstGeom prst="rect">
+                    <a:avLst/>
+                  </a:prstGeom>
+                  <a:noFill/>
+                </p:spPr>
+                <p:txBody>
+                  <a:bodyPr wrap="square" rtlCol="0">
+                    <a:spAutoFit/>
+                  </a:bodyPr>
+                  <a:lstStyle/>
+                  <a:p>
+                    <a:r>
+                      <a:rPr lang="en-US" altLang="zh-CN" i="1" dirty="0">
+                        <a:latin typeface="Times New Roman" panose="02020603050405020304" pitchFamily="18" charset="0"/>
+                        <a:cs typeface="Times New Roman" panose="02020603050405020304" pitchFamily="18" charset="0"/>
+                      </a:rPr>
+                      <a:t>z</a:t>
+                    </a:r>
+                    <a:endParaRPr lang="zh-CN" altLang="en-US" baseline="-25000" dirty="0">
+                      <a:latin typeface="Times New Roman" panose="02020603050405020304" pitchFamily="18" charset="0"/>
+                      <a:cs typeface="Times New Roman" panose="02020603050405020304" pitchFamily="18" charset="0"/>
+                    </a:endParaRPr>
+                  </a:p>
+                </p:txBody>
+              </p:sp>
+              <p:sp>
+                <p:nvSpPr>
+                  <p:cNvPr id="72" name="文本框 71">
+                    <a:extLst>
+                      <a:ext uri="{FF2B5EF4-FFF2-40B4-BE49-F238E27FC236}">
+                        <a16:creationId xmlns:a16="http://schemas.microsoft.com/office/drawing/2014/main" id="{2D9BB1E3-3CDE-D44D-F6F8-B130B849199E}"/>
+                      </a:ext>
+                    </a:extLst>
+                  </p:cNvPr>
+                  <p:cNvSpPr txBox="1"/>
+                  <p:nvPr/>
+                </p:nvSpPr>
+                <p:spPr>
+                  <a:xfrm>
+                    <a:off x="6539249" y="2922791"/>
+                    <a:ext cx="272457" cy="369332"/>
+                  </a:xfrm>
+                  <a:prstGeom prst="rect">
+                    <a:avLst/>
+                  </a:prstGeom>
+                  <a:noFill/>
+                </p:spPr>
+                <p:txBody>
+                  <a:bodyPr wrap="square" rtlCol="0">
+                    <a:spAutoFit/>
+                  </a:bodyPr>
+                  <a:lstStyle/>
+                  <a:p>
+                    <a:r>
+                      <a:rPr lang="en-US" altLang="zh-CN" i="1" dirty="0">
+                        <a:latin typeface="Times New Roman" panose="02020603050405020304" pitchFamily="18" charset="0"/>
+                        <a:cs typeface="Times New Roman" panose="02020603050405020304" pitchFamily="18" charset="0"/>
+                      </a:rPr>
+                      <a:t>t</a:t>
+                    </a:r>
+                    <a:endParaRPr lang="zh-CN" altLang="en-US" baseline="-25000" dirty="0">
+                      <a:latin typeface="Times New Roman" panose="02020603050405020304" pitchFamily="18" charset="0"/>
+                      <a:cs typeface="Times New Roman" panose="02020603050405020304" pitchFamily="18" charset="0"/>
+                    </a:endParaRPr>
+                  </a:p>
+                </p:txBody>
+              </p:sp>
+              <p:sp>
+                <p:nvSpPr>
+                  <p:cNvPr id="73" name="文本框 72">
+                    <a:extLst>
+                      <a:ext uri="{FF2B5EF4-FFF2-40B4-BE49-F238E27FC236}">
+                        <a16:creationId xmlns:a16="http://schemas.microsoft.com/office/drawing/2014/main" id="{2B1CEF41-A1C5-A4ED-F413-9498714AEC7C}"/>
+                      </a:ext>
+                    </a:extLst>
+                  </p:cNvPr>
+                  <p:cNvSpPr txBox="1"/>
+                  <p:nvPr/>
+                </p:nvSpPr>
+                <p:spPr>
+                  <a:xfrm>
+                    <a:off x="5700849" y="2670611"/>
+                    <a:ext cx="272457" cy="369332"/>
+                  </a:xfrm>
+                  <a:prstGeom prst="rect">
+                    <a:avLst/>
+                  </a:prstGeom>
+                  <a:noFill/>
+                </p:spPr>
+                <p:txBody>
+                  <a:bodyPr wrap="square" rtlCol="0">
+                    <a:spAutoFit/>
+                  </a:bodyPr>
+                  <a:lstStyle/>
+                  <a:p>
+                    <a:r>
+                      <a:rPr lang="en-US" altLang="zh-CN" i="1" dirty="0">
+                        <a:solidFill>
+                          <a:srgbClr val="FF0000"/>
+                        </a:solidFill>
+                        <a:latin typeface="Times New Roman" panose="02020603050405020304" pitchFamily="18" charset="0"/>
+                        <a:cs typeface="Times New Roman" panose="02020603050405020304" pitchFamily="18" charset="0"/>
+                      </a:rPr>
+                      <a:t>r</a:t>
+                    </a:r>
+                    <a:endParaRPr lang="zh-CN" altLang="en-US" baseline="-25000" dirty="0">
+                      <a:solidFill>
+                        <a:srgbClr val="FF0000"/>
+                      </a:solidFill>
+                      <a:latin typeface="Times New Roman" panose="02020603050405020304" pitchFamily="18" charset="0"/>
+                      <a:cs typeface="Times New Roman" panose="02020603050405020304" pitchFamily="18" charset="0"/>
+                    </a:endParaRPr>
+                  </a:p>
+                </p:txBody>
+              </p:sp>
+              <p:sp>
+                <p:nvSpPr>
+                  <p:cNvPr id="74" name="文本框 73">
+                    <a:extLst>
+                      <a:ext uri="{FF2B5EF4-FFF2-40B4-BE49-F238E27FC236}">
+                        <a16:creationId xmlns:a16="http://schemas.microsoft.com/office/drawing/2014/main" id="{CB4562CE-8349-6898-D65D-20E3CEDE9390}"/>
+                      </a:ext>
+                    </a:extLst>
+                  </p:cNvPr>
+                  <p:cNvSpPr txBox="1"/>
+                  <p:nvPr/>
+                </p:nvSpPr>
+                <p:spPr>
+                  <a:xfrm rot="1490760">
+                    <a:off x="5608220" y="4104075"/>
+                    <a:ext cx="993071" cy="276999"/>
+                  </a:xfrm>
+                  <a:prstGeom prst="rect">
+                    <a:avLst/>
+                  </a:prstGeom>
+                  <a:noFill/>
+                </p:spPr>
+                <p:txBody>
+                  <a:bodyPr wrap="square" rtlCol="0">
+                    <a:spAutoFit/>
+                  </a:bodyPr>
+                  <a:lstStyle/>
+                  <a:p>
+                    <a:r>
+                      <a:rPr lang="zh-CN" altLang="en-US" baseline="-25000" dirty="0">
+                        <a:latin typeface="Times New Roman" panose="02020603050405020304" pitchFamily="18" charset="0"/>
+                        <a:cs typeface="Times New Roman" panose="02020603050405020304" pitchFamily="18" charset="0"/>
+                      </a:rPr>
+                      <a:t>虚拟探测器</a:t>
+                    </a:r>
+                  </a:p>
+                </p:txBody>
+              </p:sp>
+            </p:grpSp>
+            <p:sp>
+              <p:nvSpPr>
+                <p:cNvPr id="76" name="文本框 75">
+                  <a:extLst>
+                    <a:ext uri="{FF2B5EF4-FFF2-40B4-BE49-F238E27FC236}">
+                      <a16:creationId xmlns:a16="http://schemas.microsoft.com/office/drawing/2014/main" id="{34918443-535E-FD60-9529-466E465B9618}"/>
+                    </a:ext>
+                  </a:extLst>
+                </p:cNvPr>
+                <p:cNvSpPr txBox="1"/>
+                <p:nvPr/>
+              </p:nvSpPr>
+              <p:spPr>
+                <a:xfrm>
+                  <a:off x="4370943" y="2725241"/>
+                  <a:ext cx="1482714" cy="297517"/>
+                </a:xfrm>
+                <a:prstGeom prst="rect">
+                  <a:avLst/>
+                </a:prstGeom>
+                <a:noFill/>
+              </p:spPr>
+              <p:txBody>
+                <a:bodyPr wrap="square" rtlCol="0">
+                  <a:spAutoFit/>
+                </a:bodyPr>
+                <a:lstStyle/>
+                <a:p>
+                  <a:r>
+                    <a:rPr lang="en-US" altLang="zh-CN" sz="2000" baseline="-25000" dirty="0">
+                      <a:latin typeface="Times New Roman" panose="02020603050405020304" pitchFamily="18" charset="0"/>
+                      <a:cs typeface="Times New Roman" panose="02020603050405020304" pitchFamily="18" charset="0"/>
+                    </a:rPr>
+                    <a:t>(a) </a:t>
+                  </a:r>
+                  <a:r>
+                    <a:rPr lang="zh-CN" altLang="en-US" sz="2000" baseline="-25000" dirty="0">
+                      <a:latin typeface="Times New Roman" panose="02020603050405020304" pitchFamily="18" charset="0"/>
+                      <a:cs typeface="Times New Roman" panose="02020603050405020304" pitchFamily="18" charset="0"/>
+                    </a:rPr>
+                    <a:t>锥形束参数图</a:t>
+                  </a:r>
+                </a:p>
+              </p:txBody>
+            </p:sp>
+            <p:sp>
+              <p:nvSpPr>
+                <p:cNvPr id="77" name="文本框 76">
+                  <a:extLst>
+                    <a:ext uri="{FF2B5EF4-FFF2-40B4-BE49-F238E27FC236}">
+                      <a16:creationId xmlns:a16="http://schemas.microsoft.com/office/drawing/2014/main" id="{DBB3F81B-BEC1-D556-7651-1E6593704549}"/>
+                    </a:ext>
+                  </a:extLst>
+                </p:cNvPr>
+                <p:cNvSpPr txBox="1"/>
+                <p:nvPr/>
+              </p:nvSpPr>
+              <p:spPr>
+                <a:xfrm>
+                  <a:off x="1080017" y="4409540"/>
+                  <a:ext cx="1624373" cy="297517"/>
+                </a:xfrm>
+                <a:prstGeom prst="rect">
+                  <a:avLst/>
+                </a:prstGeom>
+                <a:noFill/>
+              </p:spPr>
+              <p:txBody>
+                <a:bodyPr wrap="square" rtlCol="0">
+                  <a:spAutoFit/>
+                </a:bodyPr>
+                <a:lstStyle/>
+                <a:p>
+                  <a:r>
+                    <a:rPr lang="en-US" altLang="zh-CN" sz="2000" baseline="-25000" dirty="0">
+                      <a:latin typeface="Times New Roman" panose="02020603050405020304" pitchFamily="18" charset="0"/>
+                      <a:cs typeface="Times New Roman" panose="02020603050405020304" pitchFamily="18" charset="0"/>
+                    </a:rPr>
+                    <a:t>(b) </a:t>
+                  </a:r>
+                  <a:r>
+                    <a:rPr lang="en-US" altLang="zh-CN" sz="2000" i="1" baseline="-25000" dirty="0">
+                      <a:latin typeface="Times New Roman" panose="02020603050405020304" pitchFamily="18" charset="0"/>
+                      <a:cs typeface="Times New Roman" panose="02020603050405020304" pitchFamily="18" charset="0"/>
+                    </a:rPr>
+                    <a:t>Oxy </a:t>
+                  </a:r>
+                  <a:r>
+                    <a:rPr lang="zh-CN" altLang="en-US" sz="2000" baseline="-25000" dirty="0">
+                      <a:latin typeface="Times New Roman" panose="02020603050405020304" pitchFamily="18" charset="0"/>
+                      <a:cs typeface="Times New Roman" panose="02020603050405020304" pitchFamily="18" charset="0"/>
+                    </a:rPr>
+                    <a:t>或 </a:t>
+                  </a:r>
+                  <a:r>
+                    <a:rPr lang="en-US" altLang="zh-CN" sz="2000" i="1" baseline="-25000" dirty="0">
+                      <a:latin typeface="Times New Roman" panose="02020603050405020304" pitchFamily="18" charset="0"/>
+                      <a:cs typeface="Times New Roman" panose="02020603050405020304" pitchFamily="18" charset="0"/>
+                    </a:rPr>
+                    <a:t>Ost </a:t>
+                  </a:r>
+                  <a:r>
+                    <a:rPr lang="zh-CN" altLang="en-US" sz="2000" baseline="-25000" dirty="0">
+                      <a:latin typeface="Times New Roman" panose="02020603050405020304" pitchFamily="18" charset="0"/>
+                      <a:cs typeface="Times New Roman" panose="02020603050405020304" pitchFamily="18" charset="0"/>
+                    </a:rPr>
+                    <a:t>平面</a:t>
+                  </a:r>
+                </a:p>
+              </p:txBody>
+            </p:sp>
+            <p:grpSp>
+              <p:nvGrpSpPr>
+                <p:cNvPr id="86" name="组合 85">
+                  <a:extLst>
+                    <a:ext uri="{FF2B5EF4-FFF2-40B4-BE49-F238E27FC236}">
+                      <a16:creationId xmlns:a16="http://schemas.microsoft.com/office/drawing/2014/main" id="{FB5E0D43-012A-1A37-666E-651833898FBD}"/>
+                    </a:ext>
+                  </a:extLst>
+                </p:cNvPr>
+                <p:cNvGrpSpPr/>
+                <p:nvPr/>
+              </p:nvGrpSpPr>
+              <p:grpSpPr>
+                <a:xfrm rot="20334310">
+                  <a:off x="871021" y="3307685"/>
+                  <a:ext cx="2411140" cy="1025785"/>
+                  <a:chOff x="2377456" y="3206891"/>
+                  <a:chExt cx="2411140" cy="1025785"/>
+                </a:xfrm>
+              </p:grpSpPr>
+              <p:cxnSp>
+                <p:nvCxnSpPr>
+                  <p:cNvPr id="78" name="直接连接符 77">
+                    <a:extLst>
+                      <a:ext uri="{FF2B5EF4-FFF2-40B4-BE49-F238E27FC236}">
+                        <a16:creationId xmlns:a16="http://schemas.microsoft.com/office/drawing/2014/main" id="{A5D292B1-FA9A-8C93-A173-A285B5B8E8CE}"/>
+                      </a:ext>
+                    </a:extLst>
+                  </p:cNvPr>
+                  <p:cNvCxnSpPr>
+                    <a:cxnSpLocks/>
+                  </p:cNvCxnSpPr>
+                  <p:nvPr/>
+                </p:nvCxnSpPr>
+                <p:spPr>
+                  <a:xfrm>
+                    <a:off x="2377456" y="3429000"/>
+                    <a:ext cx="2194544" cy="0"/>
+                  </a:xfrm>
+                  <a:prstGeom prst="line">
+                    <a:avLst/>
+                  </a:prstGeom>
+                  <a:ln>
+                    <a:solidFill>
+                      <a:srgbClr val="00B050"/>
+                    </a:solidFill>
+                    <a:headEnd type="oval" w="med" len="med"/>
+                    <a:tailEnd type="triangle" w="med" len="med"/>
+                  </a:ln>
+                </p:spPr>
+                <p:style>
+                  <a:lnRef idx="3">
+                    <a:schemeClr val="accent1"/>
+                  </a:lnRef>
+                  <a:fillRef idx="0">
+                    <a:schemeClr val="accent1"/>
+                  </a:fillRef>
+                  <a:effectRef idx="2">
+                    <a:schemeClr val="accent1"/>
+                  </a:effectRef>
+                  <a:fontRef idx="minor">
+                    <a:schemeClr val="tx1"/>
+                  </a:fontRef>
+                </p:style>
+              </p:cxnSp>
+              <p:sp>
+                <p:nvSpPr>
+                  <p:cNvPr id="83" name="文本框 82">
+                    <a:extLst>
+                      <a:ext uri="{FF2B5EF4-FFF2-40B4-BE49-F238E27FC236}">
+                        <a16:creationId xmlns:a16="http://schemas.microsoft.com/office/drawing/2014/main" id="{52AC0814-CBA1-9464-7DA2-E2BC1D6CE341}"/>
+                      </a:ext>
+                    </a:extLst>
+                  </p:cNvPr>
+                  <p:cNvSpPr txBox="1"/>
+                  <p:nvPr/>
+                </p:nvSpPr>
+                <p:spPr>
+                  <a:xfrm>
+                    <a:off x="4516139" y="3206891"/>
+                    <a:ext cx="272457" cy="369332"/>
+                  </a:xfrm>
+                  <a:prstGeom prst="rect">
+                    <a:avLst/>
+                  </a:prstGeom>
+                  <a:noFill/>
+                </p:spPr>
+                <p:txBody>
+                  <a:bodyPr wrap="square" rtlCol="0">
+                    <a:spAutoFit/>
+                  </a:bodyPr>
+                  <a:lstStyle/>
+                  <a:p>
+                    <a:r>
+                      <a:rPr lang="en-US" altLang="zh-CN" i="1" dirty="0">
+                        <a:latin typeface="Times New Roman" panose="02020603050405020304" pitchFamily="18" charset="0"/>
+                        <a:cs typeface="Times New Roman" panose="02020603050405020304" pitchFamily="18" charset="0"/>
+                      </a:rPr>
+                      <a:t>t</a:t>
+                    </a:r>
+                    <a:endParaRPr lang="zh-CN" altLang="en-US" baseline="-25000" dirty="0">
+                      <a:latin typeface="Times New Roman" panose="02020603050405020304" pitchFamily="18" charset="0"/>
+                      <a:cs typeface="Times New Roman" panose="02020603050405020304" pitchFamily="18" charset="0"/>
+                    </a:endParaRPr>
+                  </a:p>
+                </p:txBody>
+              </p:sp>
+              <p:cxnSp>
+                <p:nvCxnSpPr>
+                  <p:cNvPr id="84" name="直接连接符 83">
+                    <a:extLst>
+                      <a:ext uri="{FF2B5EF4-FFF2-40B4-BE49-F238E27FC236}">
+                        <a16:creationId xmlns:a16="http://schemas.microsoft.com/office/drawing/2014/main" id="{EA6D696C-D9E8-BABA-DD62-5DD8CF734BBF}"/>
+                      </a:ext>
+                    </a:extLst>
+                  </p:cNvPr>
+                  <p:cNvCxnSpPr>
+                    <a:cxnSpLocks/>
+                  </p:cNvCxnSpPr>
+                  <p:nvPr/>
+                </p:nvCxnSpPr>
+                <p:spPr>
+                  <a:xfrm rot="1265690">
+                    <a:off x="3609518" y="3459489"/>
+                    <a:ext cx="312760" cy="773187"/>
+                  </a:xfrm>
+                  <a:prstGeom prst="line">
+                    <a:avLst/>
+                  </a:prstGeom>
+                  <a:ln>
+                    <a:headEnd type="none" w="med" len="med"/>
+                    <a:tailEnd type="triangle" w="med" len="med"/>
+                  </a:ln>
+                </p:spPr>
+                <p:style>
+                  <a:lnRef idx="3">
+                    <a:schemeClr val="accent1"/>
+                  </a:lnRef>
+                  <a:fillRef idx="0">
+                    <a:schemeClr val="accent1"/>
+                  </a:fillRef>
+                  <a:effectRef idx="2">
+                    <a:schemeClr val="accent1"/>
+                  </a:effectRef>
+                  <a:fontRef idx="minor">
+                    <a:schemeClr val="tx1"/>
+                  </a:fontRef>
+                </p:style>
+              </p:cxnSp>
+            </p:grpSp>
             <p:cxnSp>
               <p:nvCxnSpPr>
-                <p:cNvPr id="13" name="直接连接符 12">
+                <p:cNvPr id="87" name="直接连接符 86">
                   <a:extLst>
                     <a:ext uri="{FF2B5EF4-FFF2-40B4-BE49-F238E27FC236}">
-                      <a16:creationId xmlns:a16="http://schemas.microsoft.com/office/drawing/2014/main" id="{154658C8-016A-471F-FF85-47B2AFC72679}"/>
+                      <a16:creationId xmlns:a16="http://schemas.microsoft.com/office/drawing/2014/main" id="{E2ADBE56-C22C-538E-79DF-4A70E8E812E2}"/>
                     </a:ext>
                   </a:extLst>
                 </p:cNvPr>
@@ -9502,186 +10897,8 @@
               </p:nvCxnSpPr>
               <p:spPr>
                 <a:xfrm flipH="1">
-                  <a:off x="3012281" y="3130550"/>
-                  <a:ext cx="3601244" cy="526039"/>
-                </a:xfrm>
-                <a:prstGeom prst="line">
-                  <a:avLst/>
-                </a:prstGeom>
-                <a:ln>
-                  <a:solidFill>
-                    <a:srgbClr val="00B050"/>
-                  </a:solidFill>
-                  <a:headEnd type="triangle" w="med" len="med"/>
-                  <a:tailEnd type="none" w="med" len="med"/>
-                </a:ln>
-              </p:spPr>
-              <p:style>
-                <a:lnRef idx="3">
-                  <a:schemeClr val="accent1"/>
-                </a:lnRef>
-                <a:fillRef idx="0">
-                  <a:schemeClr val="accent1"/>
-                </a:fillRef>
-                <a:effectRef idx="2">
-                  <a:schemeClr val="accent1"/>
-                </a:effectRef>
-                <a:fontRef idx="minor">
-                  <a:schemeClr val="tx1"/>
-                </a:fontRef>
-              </p:style>
-            </p:cxnSp>
-            <p:cxnSp>
-              <p:nvCxnSpPr>
-                <p:cNvPr id="16" name="直接连接符 15">
-                  <a:extLst>
-                    <a:ext uri="{FF2B5EF4-FFF2-40B4-BE49-F238E27FC236}">
-                      <a16:creationId xmlns:a16="http://schemas.microsoft.com/office/drawing/2014/main" id="{3CC454E2-0456-2606-D9FA-19088A0E8CCB}"/>
-                    </a:ext>
-                  </a:extLst>
-                </p:cNvPr>
-                <p:cNvCxnSpPr>
-                  <a:cxnSpLocks/>
-                </p:cNvCxnSpPr>
-                <p:nvPr/>
-              </p:nvCxnSpPr>
-              <p:spPr>
-                <a:xfrm>
-                  <a:off x="4541404" y="2828925"/>
-                  <a:ext cx="2167371" cy="930275"/>
-                </a:xfrm>
-                <a:prstGeom prst="line">
-                  <a:avLst/>
-                </a:prstGeom>
-                <a:ln>
-                  <a:headEnd type="none" w="med" len="med"/>
-                  <a:tailEnd type="triangle" w="med" len="med"/>
-                </a:ln>
-              </p:spPr>
-              <p:style>
-                <a:lnRef idx="3">
-                  <a:schemeClr val="accent1"/>
-                </a:lnRef>
-                <a:fillRef idx="0">
-                  <a:schemeClr val="accent1"/>
-                </a:fillRef>
-                <a:effectRef idx="2">
-                  <a:schemeClr val="accent1"/>
-                </a:effectRef>
-                <a:fontRef idx="minor">
-                  <a:schemeClr val="tx1"/>
-                </a:fontRef>
-              </p:style>
-            </p:cxnSp>
-            <p:cxnSp>
-              <p:nvCxnSpPr>
-                <p:cNvPr id="21" name="直接连接符 20">
-                  <a:extLst>
-                    <a:ext uri="{FF2B5EF4-FFF2-40B4-BE49-F238E27FC236}">
-                      <a16:creationId xmlns:a16="http://schemas.microsoft.com/office/drawing/2014/main" id="{43AE5145-8C79-C0C6-7B4F-3ECE5A07E376}"/>
-                    </a:ext>
-                  </a:extLst>
-                </p:cNvPr>
-                <p:cNvCxnSpPr>
-                  <a:cxnSpLocks/>
-                </p:cNvCxnSpPr>
-                <p:nvPr/>
-              </p:nvCxnSpPr>
-              <p:spPr>
-                <a:xfrm>
-                  <a:off x="5611799" y="2042220"/>
-                  <a:ext cx="0" cy="2355358"/>
-                </a:xfrm>
-                <a:prstGeom prst="line">
-                  <a:avLst/>
-                </a:prstGeom>
-                <a:ln>
-                  <a:headEnd type="triangle" w="med" len="med"/>
-                  <a:tailEnd type="none" w="med" len="med"/>
-                </a:ln>
-              </p:spPr>
-              <p:style>
-                <a:lnRef idx="3">
-                  <a:schemeClr val="accent1"/>
-                </a:lnRef>
-                <a:fillRef idx="0">
-                  <a:schemeClr val="accent1"/>
-                </a:fillRef>
-                <a:effectRef idx="2">
-                  <a:schemeClr val="accent1"/>
-                </a:effectRef>
-                <a:fontRef idx="minor">
-                  <a:schemeClr val="tx1"/>
-                </a:fontRef>
-              </p:style>
-            </p:cxnSp>
-            <p:sp>
-              <p:nvSpPr>
-                <p:cNvPr id="25" name="平行四边形 24">
-                  <a:extLst>
-                    <a:ext uri="{FF2B5EF4-FFF2-40B4-BE49-F238E27FC236}">
-                      <a16:creationId xmlns:a16="http://schemas.microsoft.com/office/drawing/2014/main" id="{4C605AD8-5087-C0F8-3D7F-3E3A000EC681}"/>
-                    </a:ext>
-                  </a:extLst>
-                </p:cNvPr>
-                <p:cNvSpPr/>
-                <p:nvPr/>
-              </p:nvSpPr>
-              <p:spPr>
-                <a:xfrm rot="1406411" flipH="1">
-                  <a:off x="4281606" y="2506938"/>
-                  <a:ext cx="2677612" cy="1644325"/>
-                </a:xfrm>
-                <a:prstGeom prst="parallelogram">
-                  <a:avLst>
-                    <a:gd name="adj" fmla="val 46381"/>
-                  </a:avLst>
-                </a:prstGeom>
-                <a:noFill/>
-              </p:spPr>
-              <p:style>
-                <a:lnRef idx="2">
-                  <a:schemeClr val="accent1">
-                    <a:shade val="15000"/>
-                  </a:schemeClr>
-                </a:lnRef>
-                <a:fillRef idx="1">
-                  <a:schemeClr val="accent1"/>
-                </a:fillRef>
-                <a:effectRef idx="0">
-                  <a:schemeClr val="accent1"/>
-                </a:effectRef>
-                <a:fontRef idx="minor">
-                  <a:schemeClr val="lt1"/>
-                </a:fontRef>
-              </p:style>
-              <p:txBody>
-                <a:bodyPr rtlCol="0" anchor="ctr"/>
-                <a:lstStyle/>
-                <a:p>
-                  <a:pPr algn="ctr"/>
-                  <a:endParaRPr lang="zh-CN" altLang="en-US"/>
-                </a:p>
-              </p:txBody>
-            </p:sp>
-            <p:cxnSp>
-              <p:nvCxnSpPr>
-                <p:cNvPr id="10" name="直接连接符 9">
-                  <a:extLst>
-                    <a:ext uri="{FF2B5EF4-FFF2-40B4-BE49-F238E27FC236}">
-                      <a16:creationId xmlns:a16="http://schemas.microsoft.com/office/drawing/2014/main" id="{A34B9D84-3876-64BA-0872-56D2213F264E}"/>
-                    </a:ext>
-                  </a:extLst>
-                </p:cNvPr>
-                <p:cNvCxnSpPr>
-                  <a:cxnSpLocks/>
-                </p:cNvCxnSpPr>
-                <p:nvPr/>
-              </p:nvCxnSpPr>
-              <p:spPr>
-                <a:xfrm>
-                  <a:off x="5611799" y="3294062"/>
-                  <a:ext cx="367520" cy="449510"/>
+                  <a:off x="2063750" y="3478424"/>
+                  <a:ext cx="69764" cy="652600"/>
                 </a:xfrm>
                 <a:prstGeom prst="line">
                   <a:avLst/>
@@ -9709,12 +10926,217 @@
                 </a:fontRef>
               </p:style>
             </p:cxnSp>
+            <p:sp>
+              <p:nvSpPr>
+                <p:cNvPr id="88" name="文本框 87">
+                  <a:extLst>
+                    <a:ext uri="{FF2B5EF4-FFF2-40B4-BE49-F238E27FC236}">
+                      <a16:creationId xmlns:a16="http://schemas.microsoft.com/office/drawing/2014/main" id="{9032DB59-9321-1ABA-5EB2-C8CA9CA17D5D}"/>
+                    </a:ext>
+                  </a:extLst>
+                </p:cNvPr>
+                <p:cNvSpPr txBox="1"/>
+                <p:nvPr/>
+              </p:nvSpPr>
+              <p:spPr>
+                <a:xfrm>
+                  <a:off x="1908478" y="3987109"/>
+                  <a:ext cx="272457" cy="369332"/>
+                </a:xfrm>
+                <a:prstGeom prst="rect">
+                  <a:avLst/>
+                </a:prstGeom>
+                <a:noFill/>
+              </p:spPr>
+              <p:txBody>
+                <a:bodyPr wrap="square" rtlCol="0">
+                  <a:spAutoFit/>
+                </a:bodyPr>
+                <a:lstStyle/>
+                <a:p>
+                  <a:r>
+                    <a:rPr lang="en-US" altLang="zh-CN" i="1" dirty="0">
+                      <a:latin typeface="Times New Roman" panose="02020603050405020304" pitchFamily="18" charset="0"/>
+                      <a:cs typeface="Times New Roman" panose="02020603050405020304" pitchFamily="18" charset="0"/>
+                    </a:rPr>
+                    <a:t>x</a:t>
+                  </a:r>
+                  <a:endParaRPr lang="zh-CN" altLang="en-US" baseline="-25000" dirty="0">
+                    <a:latin typeface="Times New Roman" panose="02020603050405020304" pitchFamily="18" charset="0"/>
+                    <a:cs typeface="Times New Roman" panose="02020603050405020304" pitchFamily="18" charset="0"/>
+                  </a:endParaRPr>
+                </a:p>
+              </p:txBody>
+            </p:sp>
+            <p:graphicFrame>
+              <p:nvGraphicFramePr>
+                <p:cNvPr id="89" name="对象 88">
+                  <a:extLst>
+                    <a:ext uri="{FF2B5EF4-FFF2-40B4-BE49-F238E27FC236}">
+                      <a16:creationId xmlns:a16="http://schemas.microsoft.com/office/drawing/2014/main" id="{97AB4ED5-69F1-3E56-7E58-E822831E851F}"/>
+                    </a:ext>
+                  </a:extLst>
+                </p:cNvPr>
+                <p:cNvGraphicFramePr>
+                  <a:graphicFrameLocks noChangeAspect="1"/>
+                </p:cNvGraphicFramePr>
+                <p:nvPr>
+                  <p:extLst>
+                    <p:ext uri="{D42A27DB-BD31-4B8C-83A1-F6EECF244321}">
+                      <p14:modId xmlns:p14="http://schemas.microsoft.com/office/powerpoint/2010/main" val="1822973322"/>
+                    </p:ext>
+                  </p:extLst>
+                </p:nvPr>
+              </p:nvGraphicFramePr>
+              <p:xfrm>
+                <a:off x="2071309" y="3710089"/>
+                <a:ext cx="174225" cy="232300"/>
+              </p:xfrm>
+              <a:graphic>
+                <a:graphicData uri="http://schemas.openxmlformats.org/presentationml/2006/ole">
+                  <mc:AlternateContent xmlns:mc="http://schemas.openxmlformats.org/markup-compatibility/2006">
+                    <mc:Choice xmlns:v="urn:schemas-microsoft-com:vml" Requires="v">
+                      <p:oleObj name="Equation" r:id="rId2" imgW="152280" imgH="203040" progId="Equation.DSMT4">
+                        <p:embed/>
+                      </p:oleObj>
+                    </mc:Choice>
+                    <mc:Fallback>
+                      <p:oleObj name="Equation" r:id="rId2" imgW="152280" imgH="203040" progId="Equation.DSMT4">
+                        <p:embed/>
+                        <p:pic>
+                          <p:nvPicPr>
+                            <p:cNvPr id="68" name="对象 67">
+                              <a:extLst>
+                                <a:ext uri="{FF2B5EF4-FFF2-40B4-BE49-F238E27FC236}">
+                                  <a16:creationId xmlns:a16="http://schemas.microsoft.com/office/drawing/2014/main" id="{F1AEA20A-B23D-3773-22C8-01C90D07754F}"/>
+                                </a:ext>
+                              </a:extLst>
+                            </p:cNvPr>
+                            <p:cNvPicPr/>
+                            <p:nvPr/>
+                          </p:nvPicPr>
+                          <p:blipFill>
+                            <a:blip r:embed="rId3"/>
+                            <a:stretch>
+                              <a:fillRect/>
+                            </a:stretch>
+                          </p:blipFill>
+                          <p:spPr>
+                            <a:xfrm>
+                              <a:off x="2071309" y="3710089"/>
+                              <a:ext cx="174225" cy="232300"/>
+                            </a:xfrm>
+                            <a:prstGeom prst="rect">
+                              <a:avLst/>
+                            </a:prstGeom>
+                          </p:spPr>
+                        </p:pic>
+                      </p:oleObj>
+                    </mc:Fallback>
+                  </mc:AlternateContent>
+                </a:graphicData>
+              </a:graphic>
+            </p:graphicFrame>
+            <p:sp>
+              <p:nvSpPr>
+                <p:cNvPr id="92" name="弧形 91">
+                  <a:extLst>
+                    <a:ext uri="{FF2B5EF4-FFF2-40B4-BE49-F238E27FC236}">
+                      <a16:creationId xmlns:a16="http://schemas.microsoft.com/office/drawing/2014/main" id="{FF773048-46B6-0D45-DC54-399EA38B732B}"/>
+                    </a:ext>
+                  </a:extLst>
+                </p:cNvPr>
+                <p:cNvSpPr/>
+                <p:nvPr/>
+              </p:nvSpPr>
+              <p:spPr>
+                <a:xfrm rot="9284281">
+                  <a:off x="2038727" y="3592695"/>
+                  <a:ext cx="328571" cy="73090"/>
+                </a:xfrm>
+                <a:prstGeom prst="arc">
+                  <a:avLst>
+                    <a:gd name="adj1" fmla="val 16200000"/>
+                    <a:gd name="adj2" fmla="val 20926179"/>
+                  </a:avLst>
+                </a:prstGeom>
+                <a:ln>
+                  <a:solidFill>
+                    <a:schemeClr val="accent6"/>
+                  </a:solidFill>
+                </a:ln>
+              </p:spPr>
+              <p:style>
+                <a:lnRef idx="3">
+                  <a:schemeClr val="dk1"/>
+                </a:lnRef>
+                <a:fillRef idx="0">
+                  <a:schemeClr val="dk1"/>
+                </a:fillRef>
+                <a:effectRef idx="2">
+                  <a:schemeClr val="dk1"/>
+                </a:effectRef>
+                <a:fontRef idx="minor">
+                  <a:schemeClr val="tx1"/>
+                </a:fontRef>
+              </p:style>
+              <p:txBody>
+                <a:bodyPr rtlCol="0" anchor="ctr"/>
+                <a:lstStyle/>
+                <a:p>
+                  <a:pPr algn="ctr"/>
+                  <a:endParaRPr lang="zh-CN" altLang="en-US"/>
+                </a:p>
+              </p:txBody>
+            </p:sp>
+            <p:sp>
+              <p:nvSpPr>
+                <p:cNvPr id="93" name="文本框 92">
+                  <a:extLst>
+                    <a:ext uri="{FF2B5EF4-FFF2-40B4-BE49-F238E27FC236}">
+                      <a16:creationId xmlns:a16="http://schemas.microsoft.com/office/drawing/2014/main" id="{CF068CDA-C48C-FE66-DF53-E1F12035B332}"/>
+                    </a:ext>
+                  </a:extLst>
+                </p:cNvPr>
+                <p:cNvSpPr txBox="1"/>
+                <p:nvPr/>
+              </p:nvSpPr>
+              <p:spPr>
+                <a:xfrm>
+                  <a:off x="2348200" y="4090958"/>
+                  <a:ext cx="272457" cy="369332"/>
+                </a:xfrm>
+                <a:prstGeom prst="rect">
+                  <a:avLst/>
+                </a:prstGeom>
+                <a:noFill/>
+              </p:spPr>
+              <p:txBody>
+                <a:bodyPr wrap="square" rtlCol="0">
+                  <a:spAutoFit/>
+                </a:bodyPr>
+                <a:lstStyle/>
+                <a:p>
+                  <a:r>
+                    <a:rPr lang="en-US" altLang="zh-CN" i="1" dirty="0">
+                      <a:latin typeface="Times New Roman" panose="02020603050405020304" pitchFamily="18" charset="0"/>
+                      <a:cs typeface="Times New Roman" panose="02020603050405020304" pitchFamily="18" charset="0"/>
+                    </a:rPr>
+                    <a:t>s</a:t>
+                  </a:r>
+                  <a:endParaRPr lang="zh-CN" altLang="en-US" baseline="-25000" dirty="0">
+                    <a:latin typeface="Times New Roman" panose="02020603050405020304" pitchFamily="18" charset="0"/>
+                    <a:cs typeface="Times New Roman" panose="02020603050405020304" pitchFamily="18" charset="0"/>
+                  </a:endParaRPr>
+                </a:p>
+              </p:txBody>
+            </p:sp>
             <p:cxnSp>
               <p:nvCxnSpPr>
-                <p:cNvPr id="37" name="直接连接符 36">
+                <p:cNvPr id="94" name="直接连接符 93">
                   <a:extLst>
                     <a:ext uri="{FF2B5EF4-FFF2-40B4-BE49-F238E27FC236}">
-                      <a16:creationId xmlns:a16="http://schemas.microsoft.com/office/drawing/2014/main" id="{910D58CA-B332-66E4-B747-7B8A6803F625}"/>
+                      <a16:creationId xmlns:a16="http://schemas.microsoft.com/office/drawing/2014/main" id="{1C654F05-CEBC-E35D-2415-546596094E53}"/>
                     </a:ext>
                   </a:extLst>
                 </p:cNvPr>
@@ -9724,54 +11146,9 @@
                 <p:nvPr/>
               </p:nvCxnSpPr>
               <p:spPr>
-                <a:xfrm>
-                  <a:off x="5611798" y="3294062"/>
-                  <a:ext cx="678737" cy="42069"/>
-                </a:xfrm>
-                <a:prstGeom prst="line">
-                  <a:avLst/>
-                </a:prstGeom>
-                <a:ln w="12700">
-                  <a:solidFill>
-                    <a:schemeClr val="tx1"/>
-                  </a:solidFill>
-                  <a:headEnd type="none" w="med" len="med"/>
-                  <a:tailEnd type="triangle" w="med" len="med"/>
-                </a:ln>
-              </p:spPr>
-              <p:style>
-                <a:lnRef idx="3">
-                  <a:schemeClr val="accent1"/>
-                </a:lnRef>
-                <a:fillRef idx="0">
-                  <a:schemeClr val="accent1"/>
-                </a:fillRef>
-                <a:effectRef idx="2">
-                  <a:schemeClr val="accent1"/>
-                </a:effectRef>
-                <a:fontRef idx="minor">
-                  <a:schemeClr val="tx1"/>
-                </a:fontRef>
-              </p:style>
-            </p:cxnSp>
-            <p:cxnSp>
-              <p:nvCxnSpPr>
-                <p:cNvPr id="40" name="直接连接符 39">
-                  <a:extLst>
-                    <a:ext uri="{FF2B5EF4-FFF2-40B4-BE49-F238E27FC236}">
-                      <a16:creationId xmlns:a16="http://schemas.microsoft.com/office/drawing/2014/main" id="{2169BB59-0427-B2B5-7643-EFBB10D41F57}"/>
-                    </a:ext>
-                  </a:extLst>
-                </p:cNvPr>
-                <p:cNvCxnSpPr>
-                  <a:cxnSpLocks/>
-                </p:cNvCxnSpPr>
-                <p:nvPr/>
-              </p:nvCxnSpPr>
-              <p:spPr>
-                <a:xfrm flipH="1">
-                  <a:off x="5611798" y="2521414"/>
-                  <a:ext cx="547422" cy="772648"/>
+                <a:xfrm flipH="1" flipV="1">
+                  <a:off x="2141346" y="3485778"/>
+                  <a:ext cx="665491" cy="406425"/>
                 </a:xfrm>
                 <a:prstGeom prst="line">
                   <a:avLst/>
@@ -9780,7 +11157,7 @@
                   <a:solidFill>
                     <a:srgbClr val="FF0000"/>
                   </a:solidFill>
-                  <a:headEnd type="none" w="med" len="med"/>
+                  <a:headEnd type="arrow" w="med" len="med"/>
                   <a:tailEnd type="none" w="med" len="med"/>
                 </a:ln>
               </p:spPr>
@@ -9801,55 +11178,10 @@
             </p:cxnSp>
             <p:cxnSp>
               <p:nvCxnSpPr>
-                <p:cNvPr id="43" name="直接连接符 42">
+                <p:cNvPr id="98" name="直接连接符 97">
                   <a:extLst>
                     <a:ext uri="{FF2B5EF4-FFF2-40B4-BE49-F238E27FC236}">
-                      <a16:creationId xmlns:a16="http://schemas.microsoft.com/office/drawing/2014/main" id="{734BD551-EC51-3A89-1B44-D37F1F2FA1AF}"/>
-                    </a:ext>
-                  </a:extLst>
-                </p:cNvPr>
-                <p:cNvCxnSpPr>
-                  <a:cxnSpLocks/>
-                </p:cNvCxnSpPr>
-                <p:nvPr/>
-              </p:nvCxnSpPr>
-              <p:spPr>
-                <a:xfrm flipH="1">
-                  <a:off x="2992703" y="2521414"/>
-                  <a:ext cx="3166517" cy="1135175"/>
-                </a:xfrm>
-                <a:prstGeom prst="line">
-                  <a:avLst/>
-                </a:prstGeom>
-                <a:ln w="19050">
-                  <a:solidFill>
-                    <a:schemeClr val="accent6"/>
-                  </a:solidFill>
-                  <a:headEnd type="oval" w="med" len="med"/>
-                  <a:tailEnd type="oval" w="med" len="med"/>
-                </a:ln>
-              </p:spPr>
-              <p:style>
-                <a:lnRef idx="3">
-                  <a:schemeClr val="accent1"/>
-                </a:lnRef>
-                <a:fillRef idx="0">
-                  <a:schemeClr val="accent1"/>
-                </a:fillRef>
-                <a:effectRef idx="2">
-                  <a:schemeClr val="accent1"/>
-                </a:effectRef>
-                <a:fontRef idx="minor">
-                  <a:schemeClr val="tx1"/>
-                </a:fontRef>
-              </p:style>
-            </p:cxnSp>
-            <p:cxnSp>
-              <p:nvCxnSpPr>
-                <p:cNvPr id="45" name="直接连接符 44">
-                  <a:extLst>
-                    <a:ext uri="{FF2B5EF4-FFF2-40B4-BE49-F238E27FC236}">
-                      <a16:creationId xmlns:a16="http://schemas.microsoft.com/office/drawing/2014/main" id="{D546A314-63F8-B701-13AC-C007AC839D44}"/>
+                      <a16:creationId xmlns:a16="http://schemas.microsoft.com/office/drawing/2014/main" id="{1240FB83-DFCC-D90B-C915-FA65E1F91C96}"/>
                     </a:ext>
                   </a:extLst>
                 </p:cNvPr>
@@ -9860,8 +11192,8 @@
               </p:nvCxnSpPr>
               <p:spPr>
                 <a:xfrm>
-                  <a:off x="6177742" y="2546350"/>
-                  <a:ext cx="0" cy="867206"/>
+                  <a:off x="2561065" y="3333750"/>
+                  <a:ext cx="234306" cy="551979"/>
                 </a:xfrm>
                 <a:prstGeom prst="line">
                   <a:avLst/>
@@ -9890,12 +11222,172 @@
                 </a:fontRef>
               </p:style>
             </p:cxnSp>
+            <p:sp>
+              <p:nvSpPr>
+                <p:cNvPr id="103" name="文本框 102">
+                  <a:extLst>
+                    <a:ext uri="{FF2B5EF4-FFF2-40B4-BE49-F238E27FC236}">
+                      <a16:creationId xmlns:a16="http://schemas.microsoft.com/office/drawing/2014/main" id="{8A5969A9-FF7B-102D-9E8F-5E4ACCEAC33F}"/>
+                    </a:ext>
+                  </a:extLst>
+                </p:cNvPr>
+                <p:cNvSpPr txBox="1"/>
+                <p:nvPr/>
+              </p:nvSpPr>
+              <p:spPr>
+                <a:xfrm>
+                  <a:off x="2389363" y="3110511"/>
+                  <a:ext cx="272457" cy="307777"/>
+                </a:xfrm>
+                <a:prstGeom prst="rect">
+                  <a:avLst/>
+                </a:prstGeom>
+                <a:noFill/>
+              </p:spPr>
+              <p:txBody>
+                <a:bodyPr wrap="square" rtlCol="0">
+                  <a:spAutoFit/>
+                </a:bodyPr>
+                <a:lstStyle/>
+                <a:p>
+                  <a:r>
+                    <a:rPr lang="en-US" altLang="zh-CN" sz="1400" i="1" dirty="0">
+                      <a:latin typeface="Times New Roman" panose="02020603050405020304" pitchFamily="18" charset="0"/>
+                      <a:cs typeface="Times New Roman" panose="02020603050405020304" pitchFamily="18" charset="0"/>
+                    </a:rPr>
+                    <a:t>P</a:t>
+                  </a:r>
+                  <a:endParaRPr lang="zh-CN" altLang="en-US" sz="1400" baseline="-25000" dirty="0">
+                    <a:latin typeface="Times New Roman" panose="02020603050405020304" pitchFamily="18" charset="0"/>
+                    <a:cs typeface="Times New Roman" panose="02020603050405020304" pitchFamily="18" charset="0"/>
+                  </a:endParaRPr>
+                </a:p>
+              </p:txBody>
+            </p:sp>
+            <p:graphicFrame>
+              <p:nvGraphicFramePr>
+                <p:cNvPr id="105" name="对象 104">
+                  <a:extLst>
+                    <a:ext uri="{FF2B5EF4-FFF2-40B4-BE49-F238E27FC236}">
+                      <a16:creationId xmlns:a16="http://schemas.microsoft.com/office/drawing/2014/main" id="{4EAAFEA5-AAA6-BC12-EA76-78F6D75829CA}"/>
+                    </a:ext>
+                  </a:extLst>
+                </p:cNvPr>
+                <p:cNvGraphicFramePr>
+                  <a:graphicFrameLocks noChangeAspect="1"/>
+                </p:cNvGraphicFramePr>
+                <p:nvPr>
+                  <p:extLst>
+                    <p:ext uri="{D42A27DB-BD31-4B8C-83A1-F6EECF244321}">
+                      <p14:modId xmlns:p14="http://schemas.microsoft.com/office/powerpoint/2010/main" val="2667810736"/>
+                    </p:ext>
+                  </p:extLst>
+                </p:nvPr>
+              </p:nvGraphicFramePr>
+              <p:xfrm>
+                <a:off x="2798557" y="3754012"/>
+                <a:ext cx="303212" cy="261938"/>
+              </p:xfrm>
+              <a:graphic>
+                <a:graphicData uri="http://schemas.openxmlformats.org/presentationml/2006/ole">
+                  <mc:AlternateContent xmlns:mc="http://schemas.openxmlformats.org/markup-compatibility/2006">
+                    <mc:Choice xmlns:v="urn:schemas-microsoft-com:vml" Requires="v">
+                      <p:oleObj name="Equation" r:id="rId6" imgW="266400" imgH="228600" progId="Equation.DSMT4">
+                        <p:embed/>
+                      </p:oleObj>
+                    </mc:Choice>
+                    <mc:Fallback>
+                      <p:oleObj name="Equation" r:id="rId6" imgW="266400" imgH="228600" progId="Equation.DSMT4">
+                        <p:embed/>
+                        <p:pic>
+                          <p:nvPicPr>
+                            <p:cNvPr id="89" name="对象 88">
+                              <a:extLst>
+                                <a:ext uri="{FF2B5EF4-FFF2-40B4-BE49-F238E27FC236}">
+                                  <a16:creationId xmlns:a16="http://schemas.microsoft.com/office/drawing/2014/main" id="{97AB4ED5-69F1-3E56-7E58-E822831E851F}"/>
+                                </a:ext>
+                              </a:extLst>
+                            </p:cNvPr>
+                            <p:cNvPicPr/>
+                            <p:nvPr/>
+                          </p:nvPicPr>
+                          <p:blipFill>
+                            <a:blip r:embed="rId7"/>
+                            <a:stretch>
+                              <a:fillRect/>
+                            </a:stretch>
+                          </p:blipFill>
+                          <p:spPr>
+                            <a:xfrm>
+                              <a:off x="2798557" y="3754012"/>
+                              <a:ext cx="303212" cy="261938"/>
+                            </a:xfrm>
+                            <a:prstGeom prst="rect">
+                              <a:avLst/>
+                            </a:prstGeom>
+                          </p:spPr>
+                        </p:pic>
+                      </p:oleObj>
+                    </mc:Fallback>
+                  </mc:AlternateContent>
+                </a:graphicData>
+              </a:graphic>
+            </p:graphicFrame>
+            <p:sp>
+              <p:nvSpPr>
+                <p:cNvPr id="106" name="文本框 105">
+                  <a:extLst>
+                    <a:ext uri="{FF2B5EF4-FFF2-40B4-BE49-F238E27FC236}">
+                      <a16:creationId xmlns:a16="http://schemas.microsoft.com/office/drawing/2014/main" id="{3B6E933A-FA34-8E15-06A7-F98FB6E9EFFA}"/>
+                    </a:ext>
+                  </a:extLst>
+                </p:cNvPr>
+                <p:cNvSpPr txBox="1"/>
+                <p:nvPr/>
+              </p:nvSpPr>
+              <p:spPr>
+                <a:xfrm>
+                  <a:off x="549840" y="3815124"/>
+                  <a:ext cx="457022" cy="338554"/>
+                </a:xfrm>
+                <a:prstGeom prst="rect">
+                  <a:avLst/>
+                </a:prstGeom>
+                <a:noFill/>
+              </p:spPr>
+              <p:txBody>
+                <a:bodyPr wrap="square" rtlCol="0">
+                  <a:spAutoFit/>
+                </a:bodyPr>
+                <a:lstStyle/>
+                <a:p>
+                  <a:r>
+                    <a:rPr lang="en-US" altLang="zh-CN" sz="1600" i="1" dirty="0">
+                      <a:latin typeface="Times New Roman" panose="02020603050405020304" pitchFamily="18" charset="0"/>
+                      <a:cs typeface="Times New Roman" panose="02020603050405020304" pitchFamily="18" charset="0"/>
+                    </a:rPr>
+                    <a:t>S</a:t>
+                  </a:r>
+                  <a:r>
+                    <a:rPr lang="en-US" altLang="zh-CN" sz="1600" i="1" baseline="-25000" dirty="0">
+                      <a:latin typeface="Times New Roman" panose="02020603050405020304" pitchFamily="18" charset="0"/>
+                      <a:cs typeface="Times New Roman" panose="02020603050405020304" pitchFamily="18" charset="0"/>
+                    </a:rPr>
+                    <a:t>o</a:t>
+                  </a:r>
+                  <a:endParaRPr lang="zh-CN" altLang="en-US" sz="1600" i="1" baseline="-25000" dirty="0">
+                    <a:latin typeface="Times New Roman" panose="02020603050405020304" pitchFamily="18" charset="0"/>
+                    <a:cs typeface="Times New Roman" panose="02020603050405020304" pitchFamily="18" charset="0"/>
+                  </a:endParaRPr>
+                </a:p>
+              </p:txBody>
+            </p:sp>
             <p:cxnSp>
               <p:nvCxnSpPr>
-                <p:cNvPr id="50" name="直接连接符 49">
+                <p:cNvPr id="107" name="直接连接符 106">
                   <a:extLst>
                     <a:ext uri="{FF2B5EF4-FFF2-40B4-BE49-F238E27FC236}">
-                      <a16:creationId xmlns:a16="http://schemas.microsoft.com/office/drawing/2014/main" id="{81CE46B9-F75C-C547-F278-5EC71B6122F5}"/>
+                      <a16:creationId xmlns:a16="http://schemas.microsoft.com/office/drawing/2014/main" id="{81D71B46-990B-220E-4D11-22DA4E79EC22}"/>
                     </a:ext>
                   </a:extLst>
                 </p:cNvPr>
@@ -9905,18 +11397,60 @@
                 <p:nvPr/>
               </p:nvCxnSpPr>
               <p:spPr>
-                <a:xfrm flipH="1" flipV="1">
-                  <a:off x="5607963" y="3294062"/>
-                  <a:ext cx="569779" cy="119494"/>
+                <a:xfrm flipV="1">
+                  <a:off x="3689350" y="3890299"/>
+                  <a:ext cx="1865385" cy="15450"/>
                 </a:xfrm>
                 <a:prstGeom prst="line">
                   <a:avLst/>
                 </a:prstGeom>
-                <a:ln w="9525">
+                <a:ln>
                   <a:solidFill>
-                    <a:srgbClr val="FF0000"/>
+                    <a:srgbClr val="00B050"/>
                   </a:solidFill>
-                  <a:headEnd type="arrow" w="med" len="med"/>
+                  <a:headEnd type="oval" w="med" len="med"/>
+                  <a:tailEnd type="triangle" w="med" len="med"/>
+                </a:ln>
+              </p:spPr>
+              <p:style>
+                <a:lnRef idx="3">
+                  <a:schemeClr val="accent1"/>
+                </a:lnRef>
+                <a:fillRef idx="0">
+                  <a:schemeClr val="accent1"/>
+                </a:fillRef>
+                <a:effectRef idx="2">
+                  <a:schemeClr val="accent1"/>
+                </a:effectRef>
+                <a:fontRef idx="minor">
+                  <a:schemeClr val="tx1"/>
+                </a:fontRef>
+              </p:style>
+            </p:cxnSp>
+            <p:cxnSp>
+              <p:nvCxnSpPr>
+                <p:cNvPr id="108" name="直接连接符 107">
+                  <a:extLst>
+                    <a:ext uri="{FF2B5EF4-FFF2-40B4-BE49-F238E27FC236}">
+                      <a16:creationId xmlns:a16="http://schemas.microsoft.com/office/drawing/2014/main" id="{B0603066-7155-035F-EEB1-83368368847A}"/>
+                    </a:ext>
+                  </a:extLst>
+                </p:cNvPr>
+                <p:cNvCxnSpPr>
+                  <a:cxnSpLocks/>
+                </p:cNvCxnSpPr>
+                <p:nvPr/>
+              </p:nvCxnSpPr>
+              <p:spPr>
+                <a:xfrm>
+                  <a:off x="4848156" y="3158528"/>
+                  <a:ext cx="0" cy="1141301"/>
+                </a:xfrm>
+                <a:prstGeom prst="line">
+                  <a:avLst/>
+                </a:prstGeom>
+                <a:ln>
+                  <a:headEnd type="triangle" w="med" len="med"/>
                   <a:tailEnd type="none" w="med" len="med"/>
                 </a:ln>
               </p:spPr>
@@ -9937,10 +11471,10 @@
             </p:cxnSp>
             <p:sp>
               <p:nvSpPr>
-                <p:cNvPr id="62" name="文本框 61">
+                <p:cNvPr id="112" name="文本框 111">
                   <a:extLst>
                     <a:ext uri="{FF2B5EF4-FFF2-40B4-BE49-F238E27FC236}">
-                      <a16:creationId xmlns:a16="http://schemas.microsoft.com/office/drawing/2014/main" id="{2C1EAA7A-3405-3B73-9776-01212B9E24F7}"/>
+                      <a16:creationId xmlns:a16="http://schemas.microsoft.com/office/drawing/2014/main" id="{0D031568-13E2-3921-843D-F2B90DF5AA9F}"/>
                     </a:ext>
                   </a:extLst>
                 </p:cNvPr>
@@ -9949,56 +11483,7 @@
               </p:nvSpPr>
               <p:spPr>
                 <a:xfrm>
-                  <a:off x="2688520" y="3470965"/>
-                  <a:ext cx="457022" cy="369332"/>
-                </a:xfrm>
-                <a:prstGeom prst="rect">
-                  <a:avLst/>
-                </a:prstGeom>
-                <a:noFill/>
-              </p:spPr>
-              <p:txBody>
-                <a:bodyPr wrap="square" rtlCol="0">
-                  <a:spAutoFit/>
-                </a:bodyPr>
-                <a:lstStyle/>
-                <a:p>
-                  <a:r>
-                    <a:rPr lang="en-US" altLang="zh-CN" i="1" dirty="0">
-                      <a:latin typeface="Times New Roman" panose="02020603050405020304" pitchFamily="18" charset="0"/>
-                      <a:cs typeface="Times New Roman" panose="02020603050405020304" pitchFamily="18" charset="0"/>
-                    </a:rPr>
-                    <a:t>S</a:t>
-                  </a:r>
-                  <a:r>
-                    <a:rPr lang="en-US" altLang="zh-CN" i="1" baseline="-25000" dirty="0">
-                      <a:latin typeface="Times New Roman" panose="02020603050405020304" pitchFamily="18" charset="0"/>
-                      <a:cs typeface="Times New Roman" panose="02020603050405020304" pitchFamily="18" charset="0"/>
-                    </a:rPr>
-                    <a:t>o</a:t>
-                  </a:r>
-                  <a:endParaRPr lang="zh-CN" altLang="en-US" i="1" baseline="-25000" dirty="0">
-                    <a:latin typeface="Times New Roman" panose="02020603050405020304" pitchFamily="18" charset="0"/>
-                    <a:cs typeface="Times New Roman" panose="02020603050405020304" pitchFamily="18" charset="0"/>
-                  </a:endParaRPr>
-                </a:p>
-              </p:txBody>
-            </p:sp>
-            <p:sp>
-              <p:nvSpPr>
-                <p:cNvPr id="63" name="文本框 62">
-                  <a:extLst>
-                    <a:ext uri="{FF2B5EF4-FFF2-40B4-BE49-F238E27FC236}">
-                      <a16:creationId xmlns:a16="http://schemas.microsoft.com/office/drawing/2014/main" id="{B71BB035-4C04-2339-1618-AA67A9150259}"/>
-                    </a:ext>
-                  </a:extLst>
-                </p:cNvPr>
-                <p:cNvSpPr txBox="1"/>
-                <p:nvPr/>
-              </p:nvSpPr>
-              <p:spPr>
-                <a:xfrm>
-                  <a:off x="5351627" y="3229039"/>
+                  <a:off x="1931518" y="3238776"/>
                   <a:ext cx="334228" cy="307777"/>
                 </a:xfrm>
                 <a:prstGeom prst="rect">
@@ -10037,10 +11522,10 @@
             </p:sp>
             <p:sp>
               <p:nvSpPr>
-                <p:cNvPr id="64" name="文本框 63">
+                <p:cNvPr id="113" name="文本框 112">
                   <a:extLst>
                     <a:ext uri="{FF2B5EF4-FFF2-40B4-BE49-F238E27FC236}">
-                      <a16:creationId xmlns:a16="http://schemas.microsoft.com/office/drawing/2014/main" id="{BFF4C9C2-3FD4-06D1-AF50-81C8D4812F46}"/>
+                      <a16:creationId xmlns:a16="http://schemas.microsoft.com/office/drawing/2014/main" id="{45AEA4EA-8FFF-904C-F5EB-700300B07043}"/>
                     </a:ext>
                   </a:extLst>
                 </p:cNvPr>
@@ -10049,13 +11534,16 @@
               </p:nvSpPr>
               <p:spPr>
                 <a:xfrm>
-                  <a:off x="6137256" y="2294679"/>
-                  <a:ext cx="892080" cy="369332"/>
+                  <a:off x="4583460" y="3827339"/>
+                  <a:ext cx="334228" cy="307777"/>
                 </a:xfrm>
                 <a:prstGeom prst="rect">
                   <a:avLst/>
                 </a:prstGeom>
                 <a:noFill/>
+                <a:ln>
+                  <a:noFill/>
+                </a:ln>
               </p:spPr>
               <p:txBody>
                 <a:bodyPr wrap="square" rtlCol="0">
@@ -10064,48 +11552,18 @@
                 <a:lstStyle/>
                 <a:p>
                   <a:r>
-                    <a:rPr lang="en-US" altLang="zh-CN" i="1" dirty="0">
+                    <a:rPr lang="en-US" altLang="zh-CN" sz="1400" i="1" dirty="0">
                       <a:solidFill>
-                        <a:schemeClr val="accent6"/>
+                        <a:srgbClr val="5B9BD5"/>
                       </a:solidFill>
                       <a:latin typeface="Times New Roman" panose="02020603050405020304" pitchFamily="18" charset="0"/>
                       <a:cs typeface="Times New Roman" panose="02020603050405020304" pitchFamily="18" charset="0"/>
                     </a:rPr>
-                    <a:t>A</a:t>
+                    <a:t>O</a:t>
                   </a:r>
-                  <a:r>
-                    <a:rPr lang="en-US" altLang="zh-CN" dirty="0">
-                      <a:solidFill>
-                        <a:schemeClr val="accent6"/>
-                      </a:solidFill>
-                      <a:latin typeface="Times New Roman" panose="02020603050405020304" pitchFamily="18" charset="0"/>
-                      <a:cs typeface="Times New Roman" panose="02020603050405020304" pitchFamily="18" charset="0"/>
-                    </a:rPr>
-                    <a:t>(</a:t>
-                  </a:r>
-                  <a:r>
-                    <a:rPr lang="en-US" altLang="zh-CN" i="1" dirty="0" err="1">
-                      <a:solidFill>
-                        <a:schemeClr val="accent6"/>
-                      </a:solidFill>
-                      <a:latin typeface="Times New Roman" panose="02020603050405020304" pitchFamily="18" charset="0"/>
-                      <a:cs typeface="Times New Roman" panose="02020603050405020304" pitchFamily="18" charset="0"/>
-                    </a:rPr>
-                    <a:t>x,y,z</a:t>
-                  </a:r>
-                  <a:r>
-                    <a:rPr lang="en-US" altLang="zh-CN" dirty="0">
-                      <a:solidFill>
-                        <a:schemeClr val="accent6"/>
-                      </a:solidFill>
-                      <a:latin typeface="Times New Roman" panose="02020603050405020304" pitchFamily="18" charset="0"/>
-                      <a:cs typeface="Times New Roman" panose="02020603050405020304" pitchFamily="18" charset="0"/>
-                    </a:rPr>
-                    <a:t>)</a:t>
-                  </a:r>
-                  <a:endParaRPr lang="zh-CN" altLang="en-US" baseline="-25000" dirty="0">
+                  <a:endParaRPr lang="zh-CN" altLang="en-US" sz="1400" i="1" baseline="-25000" dirty="0">
                     <a:solidFill>
-                      <a:schemeClr val="accent6"/>
+                      <a:srgbClr val="5B9BD5"/>
                     </a:solidFill>
                     <a:latin typeface="Times New Roman" panose="02020603050405020304" pitchFamily="18" charset="0"/>
                     <a:cs typeface="Times New Roman" panose="02020603050405020304" pitchFamily="18" charset="0"/>
@@ -10115,10 +11573,10 @@
             </p:sp>
             <p:sp>
               <p:nvSpPr>
-                <p:cNvPr id="65" name="文本框 64">
+                <p:cNvPr id="114" name="文本框 113">
                   <a:extLst>
                     <a:ext uri="{FF2B5EF4-FFF2-40B4-BE49-F238E27FC236}">
-                      <a16:creationId xmlns:a16="http://schemas.microsoft.com/office/drawing/2014/main" id="{BDF40426-6266-3F54-354D-08CF34D5006C}"/>
+                      <a16:creationId xmlns:a16="http://schemas.microsoft.com/office/drawing/2014/main" id="{79E1E583-B85C-471E-3365-06F9895E79A8}"/>
                     </a:ext>
                   </a:extLst>
                 </p:cNvPr>
@@ -10127,7 +11585,7 @@
               </p:nvSpPr>
               <p:spPr>
                 <a:xfrm>
-                  <a:off x="5708690" y="3539804"/>
+                  <a:off x="5546974" y="3701063"/>
                   <a:ext cx="272457" cy="369332"/>
                 </a:xfrm>
                 <a:prstGeom prst="rect">
@@ -10146,7 +11604,7 @@
                       <a:latin typeface="Times New Roman" panose="02020603050405020304" pitchFamily="18" charset="0"/>
                       <a:cs typeface="Times New Roman" panose="02020603050405020304" pitchFamily="18" charset="0"/>
                     </a:rPr>
-                    <a:t>x</a:t>
+                    <a:t>t</a:t>
                   </a:r>
                   <a:endParaRPr lang="zh-CN" altLang="en-US" baseline="-25000" dirty="0">
                     <a:latin typeface="Times New Roman" panose="02020603050405020304" pitchFamily="18" charset="0"/>
@@ -10157,10 +11615,10 @@
             </p:sp>
             <p:sp>
               <p:nvSpPr>
-                <p:cNvPr id="66" name="文本框 65">
+                <p:cNvPr id="115" name="文本框 114">
                   <a:extLst>
                     <a:ext uri="{FF2B5EF4-FFF2-40B4-BE49-F238E27FC236}">
-                      <a16:creationId xmlns:a16="http://schemas.microsoft.com/office/drawing/2014/main" id="{30244A0A-46B2-FA3A-15FF-A78909234229}"/>
+                      <a16:creationId xmlns:a16="http://schemas.microsoft.com/office/drawing/2014/main" id="{FA9C8696-1F76-65D1-BCFD-8FB35BED082F}"/>
                     </a:ext>
                   </a:extLst>
                 </p:cNvPr>
@@ -10169,7 +11627,7 @@
               </p:nvSpPr>
               <p:spPr>
                 <a:xfrm>
-                  <a:off x="6235968" y="3101007"/>
+                  <a:off x="4812284" y="2964680"/>
                   <a:ext cx="272457" cy="369332"/>
                 </a:xfrm>
                 <a:prstGeom prst="rect">
@@ -10188,7 +11646,7 @@
                       <a:latin typeface="Times New Roman" panose="02020603050405020304" pitchFamily="18" charset="0"/>
                       <a:cs typeface="Times New Roman" panose="02020603050405020304" pitchFamily="18" charset="0"/>
                     </a:rPr>
-                    <a:t>y</a:t>
+                    <a:t>z</a:t>
                   </a:r>
                   <a:endParaRPr lang="zh-CN" altLang="en-US" baseline="-25000" dirty="0">
                     <a:latin typeface="Times New Roman" panose="02020603050405020304" pitchFamily="18" charset="0"/>
@@ -10199,10 +11657,1210 @@
             </p:sp>
             <p:sp>
               <p:nvSpPr>
-                <p:cNvPr id="67" name="弧形 66">
+                <p:cNvPr id="117" name="文本框 116">
                   <a:extLst>
                     <a:ext uri="{FF2B5EF4-FFF2-40B4-BE49-F238E27FC236}">
-                      <a16:creationId xmlns:a16="http://schemas.microsoft.com/office/drawing/2014/main" id="{46719875-74FF-2918-994D-A1C7D6389ADC}"/>
+                      <a16:creationId xmlns:a16="http://schemas.microsoft.com/office/drawing/2014/main" id="{6DEE1A18-2055-7A87-DF47-5E8C86B1D604}"/>
+                    </a:ext>
+                  </a:extLst>
+                </p:cNvPr>
+                <p:cNvSpPr txBox="1"/>
+                <p:nvPr/>
+              </p:nvSpPr>
+              <p:spPr>
+                <a:xfrm>
+                  <a:off x="3381116" y="3689547"/>
+                  <a:ext cx="457022" cy="338554"/>
+                </a:xfrm>
+                <a:prstGeom prst="rect">
+                  <a:avLst/>
+                </a:prstGeom>
+                <a:noFill/>
+              </p:spPr>
+              <p:txBody>
+                <a:bodyPr wrap="square" rtlCol="0">
+                  <a:spAutoFit/>
+                </a:bodyPr>
+                <a:lstStyle/>
+                <a:p>
+                  <a:r>
+                    <a:rPr lang="en-US" altLang="zh-CN" sz="1600" i="1" dirty="0">
+                      <a:latin typeface="Times New Roman" panose="02020603050405020304" pitchFamily="18" charset="0"/>
+                      <a:cs typeface="Times New Roman" panose="02020603050405020304" pitchFamily="18" charset="0"/>
+                    </a:rPr>
+                    <a:t>S</a:t>
+                  </a:r>
+                  <a:r>
+                    <a:rPr lang="en-US" altLang="zh-CN" sz="1600" i="1" baseline="-25000" dirty="0">
+                      <a:latin typeface="Times New Roman" panose="02020603050405020304" pitchFamily="18" charset="0"/>
+                      <a:cs typeface="Times New Roman" panose="02020603050405020304" pitchFamily="18" charset="0"/>
+                    </a:rPr>
+                    <a:t>o</a:t>
+                  </a:r>
+                  <a:endParaRPr lang="zh-CN" altLang="en-US" sz="1600" i="1" baseline="-25000" dirty="0">
+                    <a:latin typeface="Times New Roman" panose="02020603050405020304" pitchFamily="18" charset="0"/>
+                    <a:cs typeface="Times New Roman" panose="02020603050405020304" pitchFamily="18" charset="0"/>
+                  </a:endParaRPr>
+                </a:p>
+              </p:txBody>
+            </p:sp>
+            <p:cxnSp>
+              <p:nvCxnSpPr>
+                <p:cNvPr id="118" name="直接连接符 117">
+                  <a:extLst>
+                    <a:ext uri="{FF2B5EF4-FFF2-40B4-BE49-F238E27FC236}">
+                      <a16:creationId xmlns:a16="http://schemas.microsoft.com/office/drawing/2014/main" id="{C56F0AE1-4ECD-CA75-1DA1-20941A41C9B0}"/>
+                    </a:ext>
+                  </a:extLst>
+                </p:cNvPr>
+                <p:cNvCxnSpPr>
+                  <a:cxnSpLocks/>
+                </p:cNvCxnSpPr>
+                <p:nvPr/>
+              </p:nvCxnSpPr>
+              <p:spPr>
+                <a:xfrm flipH="1">
+                  <a:off x="4858636" y="3384626"/>
+                  <a:ext cx="366521" cy="495739"/>
+                </a:xfrm>
+                <a:prstGeom prst="line">
+                  <a:avLst/>
+                </a:prstGeom>
+                <a:ln w="9525">
+                  <a:solidFill>
+                    <a:srgbClr val="FF66CC"/>
+                  </a:solidFill>
+                  <a:headEnd type="arrow" w="med" len="med"/>
+                  <a:tailEnd type="none" w="med" len="med"/>
+                </a:ln>
+              </p:spPr>
+              <p:style>
+                <a:lnRef idx="3">
+                  <a:schemeClr val="accent1"/>
+                </a:lnRef>
+                <a:fillRef idx="0">
+                  <a:schemeClr val="accent1"/>
+                </a:fillRef>
+                <a:effectRef idx="2">
+                  <a:schemeClr val="accent1"/>
+                </a:effectRef>
+                <a:fontRef idx="minor">
+                  <a:schemeClr val="tx1"/>
+                </a:fontRef>
+              </p:style>
+            </p:cxnSp>
+            <p:cxnSp>
+              <p:nvCxnSpPr>
+                <p:cNvPr id="123" name="直接连接符 122">
+                  <a:extLst>
+                    <a:ext uri="{FF2B5EF4-FFF2-40B4-BE49-F238E27FC236}">
+                      <a16:creationId xmlns:a16="http://schemas.microsoft.com/office/drawing/2014/main" id="{7AF739DD-58BE-A752-F305-1FD0868A2E20}"/>
+                    </a:ext>
+                  </a:extLst>
+                </p:cNvPr>
+                <p:cNvCxnSpPr>
+                  <a:cxnSpLocks/>
+                </p:cNvCxnSpPr>
+                <p:nvPr/>
+              </p:nvCxnSpPr>
+              <p:spPr>
+                <a:xfrm>
+                  <a:off x="5225157" y="3385114"/>
+                  <a:ext cx="0" cy="502900"/>
+                </a:xfrm>
+                <a:prstGeom prst="line">
+                  <a:avLst/>
+                </a:prstGeom>
+                <a:ln w="9525">
+                  <a:solidFill>
+                    <a:srgbClr val="FF66CC"/>
+                  </a:solidFill>
+                  <a:prstDash val="sysDash"/>
+                  <a:headEnd type="none" w="med" len="med"/>
+                  <a:tailEnd type="none" w="med" len="med"/>
+                </a:ln>
+              </p:spPr>
+              <p:style>
+                <a:lnRef idx="3">
+                  <a:schemeClr val="accent1"/>
+                </a:lnRef>
+                <a:fillRef idx="0">
+                  <a:schemeClr val="accent1"/>
+                </a:fillRef>
+                <a:effectRef idx="2">
+                  <a:schemeClr val="accent1"/>
+                </a:effectRef>
+                <a:fontRef idx="minor">
+                  <a:schemeClr val="tx1"/>
+                </a:fontRef>
+              </p:style>
+            </p:cxnSp>
+            <p:graphicFrame>
+              <p:nvGraphicFramePr>
+                <p:cNvPr id="130" name="对象 129">
+                  <a:extLst>
+                    <a:ext uri="{FF2B5EF4-FFF2-40B4-BE49-F238E27FC236}">
+                      <a16:creationId xmlns:a16="http://schemas.microsoft.com/office/drawing/2014/main" id="{D0CC5AF3-B505-9638-8919-74E4D7C6337D}"/>
+                    </a:ext>
+                  </a:extLst>
+                </p:cNvPr>
+                <p:cNvGraphicFramePr>
+                  <a:graphicFrameLocks noChangeAspect="1"/>
+                </p:cNvGraphicFramePr>
+                <p:nvPr>
+                  <p:extLst>
+                    <p:ext uri="{D42A27DB-BD31-4B8C-83A1-F6EECF244321}">
+                      <p14:modId xmlns:p14="http://schemas.microsoft.com/office/powerpoint/2010/main" val="1601165018"/>
+                    </p:ext>
+                  </p:extLst>
+                </p:nvPr>
+              </p:nvGraphicFramePr>
+              <p:xfrm>
+                <a:off x="5238887" y="3246368"/>
+                <a:ext cx="303212" cy="261938"/>
+              </p:xfrm>
+              <a:graphic>
+                <a:graphicData uri="http://schemas.openxmlformats.org/presentationml/2006/ole">
+                  <mc:AlternateContent xmlns:mc="http://schemas.openxmlformats.org/markup-compatibility/2006">
+                    <mc:Choice xmlns:v="urn:schemas-microsoft-com:vml" Requires="v">
+                      <p:oleObj name="Equation" r:id="rId8" imgW="266400" imgH="228600" progId="Equation.DSMT4">
+                        <p:embed/>
+                      </p:oleObj>
+                    </mc:Choice>
+                    <mc:Fallback>
+                      <p:oleObj name="Equation" r:id="rId8" imgW="266400" imgH="228600" progId="Equation.DSMT4">
+                        <p:embed/>
+                        <p:pic>
+                          <p:nvPicPr>
+                            <p:cNvPr id="105" name="对象 104">
+                              <a:extLst>
+                                <a:ext uri="{FF2B5EF4-FFF2-40B4-BE49-F238E27FC236}">
+                                  <a16:creationId xmlns:a16="http://schemas.microsoft.com/office/drawing/2014/main" id="{4EAAFEA5-AAA6-BC12-EA76-78F6D75829CA}"/>
+                                </a:ext>
+                              </a:extLst>
+                            </p:cNvPr>
+                            <p:cNvPicPr/>
+                            <p:nvPr/>
+                          </p:nvPicPr>
+                          <p:blipFill>
+                            <a:blip r:embed="rId9"/>
+                            <a:stretch>
+                              <a:fillRect/>
+                            </a:stretch>
+                          </p:blipFill>
+                          <p:spPr>
+                            <a:xfrm>
+                              <a:off x="5238887" y="3246368"/>
+                              <a:ext cx="303212" cy="261938"/>
+                            </a:xfrm>
+                            <a:prstGeom prst="rect">
+                              <a:avLst/>
+                            </a:prstGeom>
+                          </p:spPr>
+                        </p:pic>
+                      </p:oleObj>
+                    </mc:Fallback>
+                  </mc:AlternateContent>
+                </a:graphicData>
+              </a:graphic>
+            </p:graphicFrame>
+            <p:sp>
+              <p:nvSpPr>
+                <p:cNvPr id="131" name="文本框 130">
+                  <a:extLst>
+                    <a:ext uri="{FF2B5EF4-FFF2-40B4-BE49-F238E27FC236}">
+                      <a16:creationId xmlns:a16="http://schemas.microsoft.com/office/drawing/2014/main" id="{370B6AFE-8C86-AFAA-E84D-4765B3436A11}"/>
+                    </a:ext>
+                  </a:extLst>
+                </p:cNvPr>
+                <p:cNvSpPr txBox="1"/>
+                <p:nvPr/>
+              </p:nvSpPr>
+              <p:spPr>
+                <a:xfrm>
+                  <a:off x="5067401" y="3826239"/>
+                  <a:ext cx="272457" cy="307777"/>
+                </a:xfrm>
+                <a:prstGeom prst="rect">
+                  <a:avLst/>
+                </a:prstGeom>
+                <a:noFill/>
+              </p:spPr>
+              <p:txBody>
+                <a:bodyPr wrap="square" rtlCol="0">
+                  <a:spAutoFit/>
+                </a:bodyPr>
+                <a:lstStyle/>
+                <a:p>
+                  <a:r>
+                    <a:rPr lang="en-US" altLang="zh-CN" sz="1400" i="1" dirty="0">
+                      <a:latin typeface="Times New Roman" panose="02020603050405020304" pitchFamily="18" charset="0"/>
+                      <a:cs typeface="Times New Roman" panose="02020603050405020304" pitchFamily="18" charset="0"/>
+                    </a:rPr>
+                    <a:t>P</a:t>
+                  </a:r>
+                  <a:endParaRPr lang="zh-CN" altLang="en-US" sz="1400" baseline="-25000" dirty="0">
+                    <a:latin typeface="Times New Roman" panose="02020603050405020304" pitchFamily="18" charset="0"/>
+                    <a:cs typeface="Times New Roman" panose="02020603050405020304" pitchFamily="18" charset="0"/>
+                  </a:endParaRPr>
+                </a:p>
+              </p:txBody>
+            </p:sp>
+            <p:cxnSp>
+              <p:nvCxnSpPr>
+                <p:cNvPr id="133" name="直接连接符 132">
+                  <a:extLst>
+                    <a:ext uri="{FF2B5EF4-FFF2-40B4-BE49-F238E27FC236}">
+                      <a16:creationId xmlns:a16="http://schemas.microsoft.com/office/drawing/2014/main" id="{7AAD7E2F-402B-D8EB-4438-D5F30BA5EC70}"/>
+                    </a:ext>
+                  </a:extLst>
+                </p:cNvPr>
+                <p:cNvCxnSpPr>
+                  <a:cxnSpLocks/>
+                </p:cNvCxnSpPr>
+                <p:nvPr/>
+              </p:nvCxnSpPr>
+              <p:spPr>
+                <a:xfrm flipV="1">
+                  <a:off x="847154" y="3890361"/>
+                  <a:ext cx="1959683" cy="105777"/>
+                </a:xfrm>
+                <a:prstGeom prst="line">
+                  <a:avLst/>
+                </a:prstGeom>
+              </p:spPr>
+              <p:style>
+                <a:lnRef idx="3">
+                  <a:schemeClr val="accent2"/>
+                </a:lnRef>
+                <a:fillRef idx="0">
+                  <a:schemeClr val="accent2"/>
+                </a:fillRef>
+                <a:effectRef idx="2">
+                  <a:schemeClr val="accent2"/>
+                </a:effectRef>
+                <a:fontRef idx="minor">
+                  <a:schemeClr val="tx1"/>
+                </a:fontRef>
+              </p:style>
+            </p:cxnSp>
+            <p:cxnSp>
+              <p:nvCxnSpPr>
+                <p:cNvPr id="139" name="直接连接符 138">
+                  <a:extLst>
+                    <a:ext uri="{FF2B5EF4-FFF2-40B4-BE49-F238E27FC236}">
+                      <a16:creationId xmlns:a16="http://schemas.microsoft.com/office/drawing/2014/main" id="{7FEB7AA5-08D4-EE68-4E50-F65C0F5B8256}"/>
+                    </a:ext>
+                  </a:extLst>
+                </p:cNvPr>
+                <p:cNvCxnSpPr>
+                  <a:cxnSpLocks/>
+                </p:cNvCxnSpPr>
+                <p:nvPr/>
+              </p:nvCxnSpPr>
+              <p:spPr>
+                <a:xfrm flipV="1">
+                  <a:off x="3683583" y="3404164"/>
+                  <a:ext cx="1541574" cy="493860"/>
+                </a:xfrm>
+                <a:prstGeom prst="line">
+                  <a:avLst/>
+                </a:prstGeom>
+                <a:ln>
+                  <a:solidFill>
+                    <a:srgbClr val="002060"/>
+                  </a:solidFill>
+                </a:ln>
+              </p:spPr>
+              <p:style>
+                <a:lnRef idx="3">
+                  <a:schemeClr val="accent2"/>
+                </a:lnRef>
+                <a:fillRef idx="0">
+                  <a:schemeClr val="accent2"/>
+                </a:fillRef>
+                <a:effectRef idx="2">
+                  <a:schemeClr val="accent2"/>
+                </a:effectRef>
+                <a:fontRef idx="minor">
+                  <a:schemeClr val="tx1"/>
+                </a:fontRef>
+              </p:style>
+            </p:cxnSp>
+            <p:sp>
+              <p:nvSpPr>
+                <p:cNvPr id="2" name="文本框 1">
+                  <a:extLst>
+                    <a:ext uri="{FF2B5EF4-FFF2-40B4-BE49-F238E27FC236}">
+                      <a16:creationId xmlns:a16="http://schemas.microsoft.com/office/drawing/2014/main" id="{84DF7BFC-E0B3-7AA6-5626-6BEB4F7155F8}"/>
+                    </a:ext>
+                  </a:extLst>
+                </p:cNvPr>
+                <p:cNvSpPr txBox="1"/>
+                <p:nvPr/>
+              </p:nvSpPr>
+              <p:spPr>
+                <a:xfrm>
+                  <a:off x="4283811" y="4445372"/>
+                  <a:ext cx="1128690" cy="297517"/>
+                </a:xfrm>
+                <a:prstGeom prst="rect">
+                  <a:avLst/>
+                </a:prstGeom>
+                <a:noFill/>
+              </p:spPr>
+              <p:txBody>
+                <a:bodyPr wrap="square" rtlCol="0">
+                  <a:spAutoFit/>
+                </a:bodyPr>
+                <a:lstStyle/>
+                <a:p>
+                  <a:r>
+                    <a:rPr lang="en-US" altLang="zh-CN" sz="2000" baseline="-25000" dirty="0">
+                      <a:latin typeface="Times New Roman" panose="02020603050405020304" pitchFamily="18" charset="0"/>
+                      <a:cs typeface="Times New Roman" panose="02020603050405020304" pitchFamily="18" charset="0"/>
+                    </a:rPr>
+                    <a:t>(c) </a:t>
+                  </a:r>
+                  <a:r>
+                    <a:rPr lang="en-US" altLang="zh-CN" sz="2000" i="1" baseline="-25000" dirty="0" err="1">
+                      <a:latin typeface="Times New Roman" panose="02020603050405020304" pitchFamily="18" charset="0"/>
+                      <a:cs typeface="Times New Roman" panose="02020603050405020304" pitchFamily="18" charset="0"/>
+                    </a:rPr>
+                    <a:t>Otz</a:t>
+                  </a:r>
+                  <a:r>
+                    <a:rPr lang="zh-CN" altLang="en-US" sz="2000" baseline="-25000" dirty="0">
+                      <a:latin typeface="Times New Roman" panose="02020603050405020304" pitchFamily="18" charset="0"/>
+                      <a:cs typeface="Times New Roman" panose="02020603050405020304" pitchFamily="18" charset="0"/>
+                    </a:rPr>
+                    <a:t>平面</a:t>
+                  </a:r>
+                </a:p>
+              </p:txBody>
+            </p:sp>
+            <p:sp>
+              <p:nvSpPr>
+                <p:cNvPr id="8" name="文本框 7">
+                  <a:extLst>
+                    <a:ext uri="{FF2B5EF4-FFF2-40B4-BE49-F238E27FC236}">
+                      <a16:creationId xmlns:a16="http://schemas.microsoft.com/office/drawing/2014/main" id="{8D882B35-BFFC-9D66-E33A-B1AABD278247}"/>
+                    </a:ext>
+                  </a:extLst>
+                </p:cNvPr>
+                <p:cNvSpPr txBox="1"/>
+                <p:nvPr/>
+              </p:nvSpPr>
+              <p:spPr>
+                <a:xfrm>
+                  <a:off x="7250109" y="4443263"/>
+                  <a:ext cx="1128690" cy="297517"/>
+                </a:xfrm>
+                <a:prstGeom prst="rect">
+                  <a:avLst/>
+                </a:prstGeom>
+                <a:noFill/>
+              </p:spPr>
+              <p:txBody>
+                <a:bodyPr wrap="square" rtlCol="0">
+                  <a:spAutoFit/>
+                </a:bodyPr>
+                <a:lstStyle/>
+                <a:p>
+                  <a:r>
+                    <a:rPr lang="en-US" altLang="zh-CN" sz="2000" baseline="-25000" dirty="0">
+                      <a:latin typeface="Times New Roman" panose="02020603050405020304" pitchFamily="18" charset="0"/>
+                      <a:cs typeface="Times New Roman" panose="02020603050405020304" pitchFamily="18" charset="0"/>
+                    </a:rPr>
+                    <a:t>(d) </a:t>
+                  </a:r>
+                  <a:r>
+                    <a:rPr lang="en-US" altLang="zh-CN" sz="2000" i="1" baseline="-25000" dirty="0" err="1">
+                      <a:latin typeface="Times New Roman" panose="02020603050405020304" pitchFamily="18" charset="0"/>
+                      <a:cs typeface="Times New Roman" panose="02020603050405020304" pitchFamily="18" charset="0"/>
+                    </a:rPr>
+                    <a:t>Osz</a:t>
+                  </a:r>
+                  <a:r>
+                    <a:rPr lang="zh-CN" altLang="en-US" sz="2000" baseline="-25000" dirty="0">
+                      <a:latin typeface="Times New Roman" panose="02020603050405020304" pitchFamily="18" charset="0"/>
+                      <a:cs typeface="Times New Roman" panose="02020603050405020304" pitchFamily="18" charset="0"/>
+                    </a:rPr>
+                    <a:t>平面</a:t>
+                  </a:r>
+                </a:p>
+              </p:txBody>
+            </p:sp>
+            <p:cxnSp>
+              <p:nvCxnSpPr>
+                <p:cNvPr id="9" name="直接连接符 8">
+                  <a:extLst>
+                    <a:ext uri="{FF2B5EF4-FFF2-40B4-BE49-F238E27FC236}">
+                      <a16:creationId xmlns:a16="http://schemas.microsoft.com/office/drawing/2014/main" id="{11A26EB2-DFEE-AFDE-9566-4C1A2B894B13}"/>
+                    </a:ext>
+                  </a:extLst>
+                </p:cNvPr>
+                <p:cNvCxnSpPr>
+                  <a:cxnSpLocks/>
+                </p:cNvCxnSpPr>
+                <p:nvPr/>
+              </p:nvCxnSpPr>
+              <p:spPr>
+                <a:xfrm>
+                  <a:off x="6674527" y="2975474"/>
+                  <a:ext cx="2167371" cy="930275"/>
+                </a:xfrm>
+                <a:prstGeom prst="line">
+                  <a:avLst/>
+                </a:prstGeom>
+                <a:ln>
+                  <a:headEnd type="none" w="med" len="med"/>
+                  <a:tailEnd type="triangle" w="med" len="med"/>
+                </a:ln>
+              </p:spPr>
+              <p:style>
+                <a:lnRef idx="3">
+                  <a:schemeClr val="accent1"/>
+                </a:lnRef>
+                <a:fillRef idx="0">
+                  <a:schemeClr val="accent1"/>
+                </a:fillRef>
+                <a:effectRef idx="2">
+                  <a:schemeClr val="accent1"/>
+                </a:effectRef>
+                <a:fontRef idx="minor">
+                  <a:schemeClr val="tx1"/>
+                </a:fontRef>
+              </p:style>
+            </p:cxnSp>
+            <p:cxnSp>
+              <p:nvCxnSpPr>
+                <p:cNvPr id="11" name="直接连接符 10">
+                  <a:extLst>
+                    <a:ext uri="{FF2B5EF4-FFF2-40B4-BE49-F238E27FC236}">
+                      <a16:creationId xmlns:a16="http://schemas.microsoft.com/office/drawing/2014/main" id="{F541D75F-9727-F211-C6AC-156A5D4B0578}"/>
+                    </a:ext>
+                  </a:extLst>
+                </p:cNvPr>
+                <p:cNvCxnSpPr>
+                  <a:cxnSpLocks/>
+                </p:cNvCxnSpPr>
+                <p:nvPr/>
+              </p:nvCxnSpPr>
+              <p:spPr>
+                <a:xfrm>
+                  <a:off x="7744922" y="2188769"/>
+                  <a:ext cx="0" cy="2355358"/>
+                </a:xfrm>
+                <a:prstGeom prst="line">
+                  <a:avLst/>
+                </a:prstGeom>
+                <a:ln>
+                  <a:headEnd type="triangle" w="med" len="med"/>
+                  <a:tailEnd type="none" w="med" len="med"/>
+                </a:ln>
+              </p:spPr>
+              <p:style>
+                <a:lnRef idx="3">
+                  <a:schemeClr val="accent1"/>
+                </a:lnRef>
+                <a:fillRef idx="0">
+                  <a:schemeClr val="accent1"/>
+                </a:fillRef>
+                <a:effectRef idx="2">
+                  <a:schemeClr val="accent1"/>
+                </a:effectRef>
+                <a:fontRef idx="minor">
+                  <a:schemeClr val="tx1"/>
+                </a:fontRef>
+              </p:style>
+            </p:cxnSp>
+            <p:sp>
+              <p:nvSpPr>
+                <p:cNvPr id="12" name="文本框 11">
+                  <a:extLst>
+                    <a:ext uri="{FF2B5EF4-FFF2-40B4-BE49-F238E27FC236}">
+                      <a16:creationId xmlns:a16="http://schemas.microsoft.com/office/drawing/2014/main" id="{82ABBF38-EC60-9F4A-242D-0C449B00B99B}"/>
+                    </a:ext>
+                  </a:extLst>
+                </p:cNvPr>
+                <p:cNvSpPr txBox="1"/>
+                <p:nvPr/>
+              </p:nvSpPr>
+              <p:spPr>
+                <a:xfrm>
+                  <a:off x="8771254" y="3721083"/>
+                  <a:ext cx="272457" cy="369332"/>
+                </a:xfrm>
+                <a:prstGeom prst="rect">
+                  <a:avLst/>
+                </a:prstGeom>
+                <a:noFill/>
+              </p:spPr>
+              <p:txBody>
+                <a:bodyPr wrap="square" rtlCol="0">
+                  <a:spAutoFit/>
+                </a:bodyPr>
+                <a:lstStyle/>
+                <a:p>
+                  <a:r>
+                    <a:rPr lang="en-US" altLang="zh-CN" i="1" dirty="0">
+                      <a:latin typeface="Times New Roman" panose="02020603050405020304" pitchFamily="18" charset="0"/>
+                      <a:cs typeface="Times New Roman" panose="02020603050405020304" pitchFamily="18" charset="0"/>
+                    </a:rPr>
+                    <a:t>s</a:t>
+                  </a:r>
+                  <a:endParaRPr lang="zh-CN" altLang="en-US" baseline="-25000" dirty="0">
+                    <a:latin typeface="Times New Roman" panose="02020603050405020304" pitchFamily="18" charset="0"/>
+                    <a:cs typeface="Times New Roman" panose="02020603050405020304" pitchFamily="18" charset="0"/>
+                  </a:endParaRPr>
+                </a:p>
+              </p:txBody>
+            </p:sp>
+            <p:sp>
+              <p:nvSpPr>
+                <p:cNvPr id="14" name="文本框 13">
+                  <a:extLst>
+                    <a:ext uri="{FF2B5EF4-FFF2-40B4-BE49-F238E27FC236}">
+                      <a16:creationId xmlns:a16="http://schemas.microsoft.com/office/drawing/2014/main" id="{0C33EB13-0CB0-700A-F925-01C2A849A916}"/>
+                    </a:ext>
+                  </a:extLst>
+                </p:cNvPr>
+                <p:cNvSpPr txBox="1"/>
+                <p:nvPr/>
+              </p:nvSpPr>
+              <p:spPr>
+                <a:xfrm>
+                  <a:off x="7705584" y="1978173"/>
+                  <a:ext cx="272457" cy="369332"/>
+                </a:xfrm>
+                <a:prstGeom prst="rect">
+                  <a:avLst/>
+                </a:prstGeom>
+                <a:noFill/>
+              </p:spPr>
+              <p:txBody>
+                <a:bodyPr wrap="square" rtlCol="0">
+                  <a:spAutoFit/>
+                </a:bodyPr>
+                <a:lstStyle/>
+                <a:p>
+                  <a:r>
+                    <a:rPr lang="en-US" altLang="zh-CN" i="1" dirty="0">
+                      <a:latin typeface="Times New Roman" panose="02020603050405020304" pitchFamily="18" charset="0"/>
+                      <a:cs typeface="Times New Roman" panose="02020603050405020304" pitchFamily="18" charset="0"/>
+                    </a:rPr>
+                    <a:t>z</a:t>
+                  </a:r>
+                  <a:endParaRPr lang="zh-CN" altLang="en-US" baseline="-25000" dirty="0">
+                    <a:latin typeface="Times New Roman" panose="02020603050405020304" pitchFamily="18" charset="0"/>
+                    <a:cs typeface="Times New Roman" panose="02020603050405020304" pitchFamily="18" charset="0"/>
+                  </a:endParaRPr>
+                </a:p>
+              </p:txBody>
+            </p:sp>
+            <p:sp>
+              <p:nvSpPr>
+                <p:cNvPr id="15" name="文本框 14">
+                  <a:extLst>
+                    <a:ext uri="{FF2B5EF4-FFF2-40B4-BE49-F238E27FC236}">
+                      <a16:creationId xmlns:a16="http://schemas.microsoft.com/office/drawing/2014/main" id="{23567F62-2B0F-CAD3-7DD6-D93985A10065}"/>
+                    </a:ext>
+                  </a:extLst>
+                </p:cNvPr>
+                <p:cNvSpPr txBox="1"/>
+                <p:nvPr/>
+              </p:nvSpPr>
+              <p:spPr>
+                <a:xfrm>
+                  <a:off x="7504234" y="3359666"/>
+                  <a:ext cx="334228" cy="307777"/>
+                </a:xfrm>
+                <a:prstGeom prst="rect">
+                  <a:avLst/>
+                </a:prstGeom>
+                <a:noFill/>
+                <a:ln>
+                  <a:noFill/>
+                </a:ln>
+              </p:spPr>
+              <p:txBody>
+                <a:bodyPr wrap="square" rtlCol="0">
+                  <a:spAutoFit/>
+                </a:bodyPr>
+                <a:lstStyle/>
+                <a:p>
+                  <a:r>
+                    <a:rPr lang="en-US" altLang="zh-CN" sz="1400" i="1" dirty="0">
+                      <a:solidFill>
+                        <a:srgbClr val="5B9BD5"/>
+                      </a:solidFill>
+                      <a:latin typeface="Times New Roman" panose="02020603050405020304" pitchFamily="18" charset="0"/>
+                      <a:cs typeface="Times New Roman" panose="02020603050405020304" pitchFamily="18" charset="0"/>
+                    </a:rPr>
+                    <a:t>O</a:t>
+                  </a:r>
+                  <a:endParaRPr lang="zh-CN" altLang="en-US" sz="1400" i="1" baseline="-25000" dirty="0">
+                    <a:solidFill>
+                      <a:srgbClr val="5B9BD5"/>
+                    </a:solidFill>
+                    <a:latin typeface="Times New Roman" panose="02020603050405020304" pitchFamily="18" charset="0"/>
+                    <a:cs typeface="Times New Roman" panose="02020603050405020304" pitchFamily="18" charset="0"/>
+                  </a:endParaRPr>
+                </a:p>
+              </p:txBody>
+            </p:sp>
+            <p:cxnSp>
+              <p:nvCxnSpPr>
+                <p:cNvPr id="17" name="直接连接符 16">
+                  <a:extLst>
+                    <a:ext uri="{FF2B5EF4-FFF2-40B4-BE49-F238E27FC236}">
+                      <a16:creationId xmlns:a16="http://schemas.microsoft.com/office/drawing/2014/main" id="{6108CF24-AED2-A148-33B4-24203F2687FC}"/>
+                    </a:ext>
+                  </a:extLst>
+                </p:cNvPr>
+                <p:cNvCxnSpPr>
+                  <a:cxnSpLocks/>
+                </p:cNvCxnSpPr>
+                <p:nvPr/>
+              </p:nvCxnSpPr>
+              <p:spPr>
+                <a:xfrm flipV="1">
+                  <a:off x="6196170" y="3428124"/>
+                  <a:ext cx="1548752" cy="25150"/>
+                </a:xfrm>
+                <a:prstGeom prst="line">
+                  <a:avLst/>
+                </a:prstGeom>
+                <a:ln>
+                  <a:solidFill>
+                    <a:srgbClr val="00B050"/>
+                  </a:solidFill>
+                  <a:headEnd type="oval" w="med" len="med"/>
+                  <a:tailEnd type="oval" w="med" len="med"/>
+                </a:ln>
+              </p:spPr>
+              <p:style>
+                <a:lnRef idx="3">
+                  <a:schemeClr val="accent1"/>
+                </a:lnRef>
+                <a:fillRef idx="0">
+                  <a:schemeClr val="accent1"/>
+                </a:fillRef>
+                <a:effectRef idx="2">
+                  <a:schemeClr val="accent1"/>
+                </a:effectRef>
+                <a:fontRef idx="minor">
+                  <a:schemeClr val="tx1"/>
+                </a:fontRef>
+              </p:style>
+            </p:cxnSp>
+            <p:sp>
+              <p:nvSpPr>
+                <p:cNvPr id="22" name="文本框 21">
+                  <a:extLst>
+                    <a:ext uri="{FF2B5EF4-FFF2-40B4-BE49-F238E27FC236}">
+                      <a16:creationId xmlns:a16="http://schemas.microsoft.com/office/drawing/2014/main" id="{F5FD89C4-1507-4465-0D0D-CB8E7EADF6E2}"/>
+                    </a:ext>
+                  </a:extLst>
+                </p:cNvPr>
+                <p:cNvSpPr txBox="1"/>
+                <p:nvPr/>
+              </p:nvSpPr>
+              <p:spPr>
+                <a:xfrm>
+                  <a:off x="6047822" y="3407726"/>
+                  <a:ext cx="457022" cy="338554"/>
+                </a:xfrm>
+                <a:prstGeom prst="rect">
+                  <a:avLst/>
+                </a:prstGeom>
+                <a:noFill/>
+              </p:spPr>
+              <p:txBody>
+                <a:bodyPr wrap="square" rtlCol="0">
+                  <a:spAutoFit/>
+                </a:bodyPr>
+                <a:lstStyle/>
+                <a:p>
+                  <a:r>
+                    <a:rPr lang="en-US" altLang="zh-CN" sz="1600" i="1" dirty="0">
+                      <a:latin typeface="Times New Roman" panose="02020603050405020304" pitchFamily="18" charset="0"/>
+                      <a:cs typeface="Times New Roman" panose="02020603050405020304" pitchFamily="18" charset="0"/>
+                    </a:rPr>
+                    <a:t>S</a:t>
+                  </a:r>
+                  <a:r>
+                    <a:rPr lang="en-US" altLang="zh-CN" sz="1600" i="1" baseline="-25000" dirty="0">
+                      <a:latin typeface="Times New Roman" panose="02020603050405020304" pitchFamily="18" charset="0"/>
+                      <a:cs typeface="Times New Roman" panose="02020603050405020304" pitchFamily="18" charset="0"/>
+                    </a:rPr>
+                    <a:t>o</a:t>
+                  </a:r>
+                  <a:endParaRPr lang="zh-CN" altLang="en-US" sz="1600" i="1" baseline="-25000" dirty="0">
+                    <a:latin typeface="Times New Roman" panose="02020603050405020304" pitchFamily="18" charset="0"/>
+                    <a:cs typeface="Times New Roman" panose="02020603050405020304" pitchFamily="18" charset="0"/>
+                  </a:endParaRPr>
+                </a:p>
+              </p:txBody>
+            </p:sp>
+            <p:cxnSp>
+              <p:nvCxnSpPr>
+                <p:cNvPr id="23" name="直接连接符 22">
+                  <a:extLst>
+                    <a:ext uri="{FF2B5EF4-FFF2-40B4-BE49-F238E27FC236}">
+                      <a16:creationId xmlns:a16="http://schemas.microsoft.com/office/drawing/2014/main" id="{D38205EB-5B21-3560-2E53-F4C0A501CA94}"/>
+                    </a:ext>
+                  </a:extLst>
+                </p:cNvPr>
+                <p:cNvCxnSpPr>
+                  <a:cxnSpLocks/>
+                </p:cNvCxnSpPr>
+                <p:nvPr/>
+              </p:nvCxnSpPr>
+              <p:spPr>
+                <a:xfrm flipV="1">
+                  <a:off x="7756189" y="2897959"/>
+                  <a:ext cx="673029" cy="530165"/>
+                </a:xfrm>
+                <a:prstGeom prst="line">
+                  <a:avLst/>
+                </a:prstGeom>
+                <a:ln>
+                  <a:headEnd type="none" w="med" len="med"/>
+                  <a:tailEnd type="triangle" w="med" len="med"/>
+                </a:ln>
+              </p:spPr>
+              <p:style>
+                <a:lnRef idx="3">
+                  <a:schemeClr val="accent1"/>
+                </a:lnRef>
+                <a:fillRef idx="0">
+                  <a:schemeClr val="accent1"/>
+                </a:fillRef>
+                <a:effectRef idx="2">
+                  <a:schemeClr val="accent1"/>
+                </a:effectRef>
+                <a:fontRef idx="minor">
+                  <a:schemeClr val="tx1"/>
+                </a:fontRef>
+              </p:style>
+            </p:cxnSp>
+            <p:graphicFrame>
+              <p:nvGraphicFramePr>
+                <p:cNvPr id="26" name="对象 25">
+                  <a:extLst>
+                    <a:ext uri="{FF2B5EF4-FFF2-40B4-BE49-F238E27FC236}">
+                      <a16:creationId xmlns:a16="http://schemas.microsoft.com/office/drawing/2014/main" id="{79EC3194-C235-7A59-A015-744400201F19}"/>
+                    </a:ext>
+                  </a:extLst>
+                </p:cNvPr>
+                <p:cNvGraphicFramePr>
+                  <a:graphicFrameLocks noChangeAspect="1"/>
+                </p:cNvGraphicFramePr>
+                <p:nvPr>
+                  <p:extLst>
+                    <p:ext uri="{D42A27DB-BD31-4B8C-83A1-F6EECF244321}">
+                      <p14:modId xmlns:p14="http://schemas.microsoft.com/office/powerpoint/2010/main" val="1039675308"/>
+                    </p:ext>
+                  </p:extLst>
+                </p:nvPr>
+              </p:nvGraphicFramePr>
+              <p:xfrm>
+                <a:off x="8418513" y="2776538"/>
+                <a:ext cx="317500" cy="261937"/>
+              </p:xfrm>
+              <a:graphic>
+                <a:graphicData uri="http://schemas.openxmlformats.org/presentationml/2006/ole">
+                  <mc:AlternateContent xmlns:mc="http://schemas.openxmlformats.org/markup-compatibility/2006">
+                    <mc:Choice xmlns:v="urn:schemas-microsoft-com:vml" Requires="v">
+                      <p:oleObj name="Equation" r:id="rId10" imgW="279360" imgH="228600" progId="Equation.DSMT4">
+                        <p:embed/>
+                      </p:oleObj>
+                    </mc:Choice>
+                    <mc:Fallback>
+                      <p:oleObj name="Equation" r:id="rId10" imgW="279360" imgH="228600" progId="Equation.DSMT4">
+                        <p:embed/>
+                        <p:pic>
+                          <p:nvPicPr>
+                            <p:cNvPr id="130" name="对象 129">
+                              <a:extLst>
+                                <a:ext uri="{FF2B5EF4-FFF2-40B4-BE49-F238E27FC236}">
+                                  <a16:creationId xmlns:a16="http://schemas.microsoft.com/office/drawing/2014/main" id="{D0CC5AF3-B505-9638-8919-74E4D7C6337D}"/>
+                                </a:ext>
+                              </a:extLst>
+                            </p:cNvPr>
+                            <p:cNvPicPr/>
+                            <p:nvPr/>
+                          </p:nvPicPr>
+                          <p:blipFill>
+                            <a:blip r:embed="rId11"/>
+                            <a:stretch>
+                              <a:fillRect/>
+                            </a:stretch>
+                          </p:blipFill>
+                          <p:spPr>
+                            <a:xfrm>
+                              <a:off x="8418513" y="2776538"/>
+                              <a:ext cx="317500" cy="261937"/>
+                            </a:xfrm>
+                            <a:prstGeom prst="rect">
+                              <a:avLst/>
+                            </a:prstGeom>
+                          </p:spPr>
+                        </p:pic>
+                      </p:oleObj>
+                    </mc:Fallback>
+                  </mc:AlternateContent>
+                </a:graphicData>
+              </a:graphic>
+            </p:graphicFrame>
+            <p:cxnSp>
+              <p:nvCxnSpPr>
+                <p:cNvPr id="27" name="直接连接符 26">
+                  <a:extLst>
+                    <a:ext uri="{FF2B5EF4-FFF2-40B4-BE49-F238E27FC236}">
+                      <a16:creationId xmlns:a16="http://schemas.microsoft.com/office/drawing/2014/main" id="{06F8A529-95FC-4A50-9277-0EC99A3CA9DF}"/>
+                    </a:ext>
+                  </a:extLst>
+                </p:cNvPr>
+                <p:cNvCxnSpPr>
+                  <a:cxnSpLocks/>
+                </p:cNvCxnSpPr>
+                <p:nvPr/>
+              </p:nvCxnSpPr>
+              <p:spPr>
+                <a:xfrm>
+                  <a:off x="7745484" y="2608441"/>
+                  <a:ext cx="673029" cy="288567"/>
+                </a:xfrm>
+                <a:prstGeom prst="line">
+                  <a:avLst/>
+                </a:prstGeom>
+                <a:ln w="9525">
+                  <a:solidFill>
+                    <a:srgbClr val="0070C0"/>
+                  </a:solidFill>
+                  <a:prstDash val="sysDash"/>
+                  <a:headEnd type="none" w="med" len="med"/>
+                  <a:tailEnd type="none" w="med" len="med"/>
+                </a:ln>
+              </p:spPr>
+              <p:style>
+                <a:lnRef idx="3">
+                  <a:schemeClr val="accent1"/>
+                </a:lnRef>
+                <a:fillRef idx="0">
+                  <a:schemeClr val="accent1"/>
+                </a:fillRef>
+                <a:effectRef idx="2">
+                  <a:schemeClr val="accent1"/>
+                </a:effectRef>
+                <a:fontRef idx="minor">
+                  <a:schemeClr val="tx1"/>
+                </a:fontRef>
+              </p:style>
+            </p:cxnSp>
+            <p:cxnSp>
+              <p:nvCxnSpPr>
+                <p:cNvPr id="30" name="直接连接符 29">
+                  <a:extLst>
+                    <a:ext uri="{FF2B5EF4-FFF2-40B4-BE49-F238E27FC236}">
+                      <a16:creationId xmlns:a16="http://schemas.microsoft.com/office/drawing/2014/main" id="{4AACA436-2D40-F639-559A-F5F45C2FF0A9}"/>
+                    </a:ext>
+                  </a:extLst>
+                </p:cNvPr>
+                <p:cNvCxnSpPr>
+                  <a:cxnSpLocks/>
+                </p:cNvCxnSpPr>
+                <p:nvPr/>
+              </p:nvCxnSpPr>
+              <p:spPr>
+                <a:xfrm flipV="1">
+                  <a:off x="8405207" y="2907506"/>
+                  <a:ext cx="13306" cy="813577"/>
+                </a:xfrm>
+                <a:prstGeom prst="line">
+                  <a:avLst/>
+                </a:prstGeom>
+                <a:ln w="9525">
+                  <a:solidFill>
+                    <a:srgbClr val="0070C0"/>
+                  </a:solidFill>
+                  <a:prstDash val="sysDash"/>
+                  <a:headEnd type="none" w="med" len="med"/>
+                  <a:tailEnd type="none" w="med" len="med"/>
+                </a:ln>
+              </p:spPr>
+              <p:style>
+                <a:lnRef idx="3">
+                  <a:schemeClr val="accent1"/>
+                </a:lnRef>
+                <a:fillRef idx="0">
+                  <a:schemeClr val="accent1"/>
+                </a:fillRef>
+                <a:effectRef idx="2">
+                  <a:schemeClr val="accent1"/>
+                </a:effectRef>
+                <a:fontRef idx="minor">
+                  <a:schemeClr val="tx1"/>
+                </a:fontRef>
+              </p:style>
+            </p:cxnSp>
+            <p:cxnSp>
+              <p:nvCxnSpPr>
+                <p:cNvPr id="34" name="直接连接符 33">
+                  <a:extLst>
+                    <a:ext uri="{FF2B5EF4-FFF2-40B4-BE49-F238E27FC236}">
+                      <a16:creationId xmlns:a16="http://schemas.microsoft.com/office/drawing/2014/main" id="{D90B3C6F-5D13-1D76-B4F9-87BB73FDB695}"/>
+                    </a:ext>
+                  </a:extLst>
+                </p:cNvPr>
+                <p:cNvCxnSpPr>
+                  <a:cxnSpLocks/>
+                  <a:endCxn id="26" idx="1"/>
+                </p:cNvCxnSpPr>
+                <p:nvPr/>
+              </p:nvCxnSpPr>
+              <p:spPr>
+                <a:xfrm flipV="1">
+                  <a:off x="6192082" y="2907506"/>
+                  <a:ext cx="2226431" cy="552905"/>
+                </a:xfrm>
+                <a:prstGeom prst="line">
+                  <a:avLst/>
+                </a:prstGeom>
+                <a:ln>
+                  <a:solidFill>
+                    <a:schemeClr val="tx1"/>
+                  </a:solidFill>
+                </a:ln>
+              </p:spPr>
+              <p:style>
+                <a:lnRef idx="3">
+                  <a:schemeClr val="accent2"/>
+                </a:lnRef>
+                <a:fillRef idx="0">
+                  <a:schemeClr val="accent2"/>
+                </a:fillRef>
+                <a:effectRef idx="2">
+                  <a:schemeClr val="accent2"/>
+                </a:effectRef>
+                <a:fontRef idx="minor">
+                  <a:schemeClr val="tx1"/>
+                </a:fontRef>
+              </p:style>
+            </p:cxnSp>
+            <p:graphicFrame>
+              <p:nvGraphicFramePr>
+                <p:cNvPr id="38" name="对象 37">
+                  <a:extLst>
+                    <a:ext uri="{FF2B5EF4-FFF2-40B4-BE49-F238E27FC236}">
+                      <a16:creationId xmlns:a16="http://schemas.microsoft.com/office/drawing/2014/main" id="{30695199-12D3-21EF-7621-B298B071CF36}"/>
+                    </a:ext>
+                  </a:extLst>
+                </p:cNvPr>
+                <p:cNvGraphicFramePr>
+                  <a:graphicFrameLocks noChangeAspect="1"/>
+                </p:cNvGraphicFramePr>
+                <p:nvPr>
+                  <p:extLst>
+                    <p:ext uri="{D42A27DB-BD31-4B8C-83A1-F6EECF244321}">
+                      <p14:modId xmlns:p14="http://schemas.microsoft.com/office/powerpoint/2010/main" val="3321249766"/>
+                    </p:ext>
+                  </p:extLst>
+                </p:nvPr>
+              </p:nvGraphicFramePr>
+              <p:xfrm>
+                <a:off x="5331560" y="4900506"/>
+                <a:ext cx="3640138" cy="1400175"/>
+              </p:xfrm>
+              <a:graphic>
+                <a:graphicData uri="http://schemas.openxmlformats.org/presentationml/2006/ole">
+                  <mc:AlternateContent xmlns:mc="http://schemas.openxmlformats.org/markup-compatibility/2006">
+                    <mc:Choice xmlns:v="urn:schemas-microsoft-com:vml" Requires="v">
+                      <p:oleObj name="Equation" r:id="rId12" imgW="2184120" imgH="838080" progId="Equation.DSMT4">
+                        <p:embed/>
+                      </p:oleObj>
+                    </mc:Choice>
+                    <mc:Fallback>
+                      <p:oleObj name="Equation" r:id="rId12" imgW="2184120" imgH="838080" progId="Equation.DSMT4">
+                        <p:embed/>
+                        <p:pic>
+                          <p:nvPicPr>
+                            <p:cNvPr id="36" name="对象 35">
+                              <a:extLst>
+                                <a:ext uri="{FF2B5EF4-FFF2-40B4-BE49-F238E27FC236}">
+                                  <a16:creationId xmlns:a16="http://schemas.microsoft.com/office/drawing/2014/main" id="{BD5C232D-011B-E797-5E89-71FB24488C23}"/>
+                                </a:ext>
+                              </a:extLst>
+                            </p:cNvPr>
+                            <p:cNvPicPr/>
+                            <p:nvPr/>
+                          </p:nvPicPr>
+                          <p:blipFill>
+                            <a:blip r:embed="rId13"/>
+                            <a:stretch>
+                              <a:fillRect/>
+                            </a:stretch>
+                          </p:blipFill>
+                          <p:spPr>
+                            <a:xfrm>
+                              <a:off x="5331560" y="4900506"/>
+                              <a:ext cx="3640138" cy="1400175"/>
+                            </a:xfrm>
+                            <a:prstGeom prst="rect">
+                              <a:avLst/>
+                            </a:prstGeom>
+                          </p:spPr>
+                        </p:pic>
+                      </p:oleObj>
+                    </mc:Fallback>
+                  </mc:AlternateContent>
+                </a:graphicData>
+              </a:graphic>
+            </p:graphicFrame>
+            <p:cxnSp>
+              <p:nvCxnSpPr>
+                <p:cNvPr id="39" name="直接连接符 38">
+                  <a:extLst>
+                    <a:ext uri="{FF2B5EF4-FFF2-40B4-BE49-F238E27FC236}">
+                      <a16:creationId xmlns:a16="http://schemas.microsoft.com/office/drawing/2014/main" id="{C4A42965-6ED0-D81C-FC6A-132A16F1197D}"/>
+                    </a:ext>
+                  </a:extLst>
+                </p:cNvPr>
+                <p:cNvCxnSpPr>
+                  <a:cxnSpLocks/>
+                </p:cNvCxnSpPr>
+                <p:nvPr/>
+              </p:nvCxnSpPr>
+              <p:spPr>
+                <a:xfrm>
+                  <a:off x="6196170" y="3462475"/>
+                  <a:ext cx="2209037" cy="258608"/>
+                </a:xfrm>
+                <a:prstGeom prst="line">
+                  <a:avLst/>
+                </a:prstGeom>
+                <a:ln>
+                  <a:solidFill>
+                    <a:schemeClr val="tx1"/>
+                  </a:solidFill>
+                </a:ln>
+              </p:spPr>
+              <p:style>
+                <a:lnRef idx="3">
+                  <a:schemeClr val="accent2"/>
+                </a:lnRef>
+                <a:fillRef idx="0">
+                  <a:schemeClr val="accent2"/>
+                </a:fillRef>
+                <a:effectRef idx="2">
+                  <a:schemeClr val="accent2"/>
+                </a:effectRef>
+                <a:fontRef idx="minor">
+                  <a:schemeClr val="tx1"/>
+                </a:fontRef>
+              </p:style>
+            </p:cxnSp>
+            <p:sp>
+              <p:nvSpPr>
+                <p:cNvPr id="42" name="文本框 41">
+                  <a:extLst>
+                    <a:ext uri="{FF2B5EF4-FFF2-40B4-BE49-F238E27FC236}">
+                      <a16:creationId xmlns:a16="http://schemas.microsoft.com/office/drawing/2014/main" id="{8915284A-1EBB-D6A4-FBBC-76937C709C7A}"/>
+                    </a:ext>
+                  </a:extLst>
+                </p:cNvPr>
+                <p:cNvSpPr txBox="1"/>
+                <p:nvPr/>
+              </p:nvSpPr>
+              <p:spPr>
+                <a:xfrm>
+                  <a:off x="8354652" y="3507347"/>
+                  <a:ext cx="334228" cy="307777"/>
+                </a:xfrm>
+                <a:prstGeom prst="rect">
+                  <a:avLst/>
+                </a:prstGeom>
+                <a:noFill/>
+                <a:ln>
+                  <a:noFill/>
+                </a:ln>
+              </p:spPr>
+              <p:txBody>
+                <a:bodyPr wrap="square" rtlCol="0">
+                  <a:spAutoFit/>
+                </a:bodyPr>
+                <a:lstStyle/>
+                <a:p>
+                  <a:r>
+                    <a:rPr lang="en-US" altLang="zh-CN" sz="1400" i="1" dirty="0">
+                      <a:solidFill>
+                        <a:srgbClr val="5B9BD5"/>
+                      </a:solidFill>
+                      <a:latin typeface="Times New Roman" panose="02020603050405020304" pitchFamily="18" charset="0"/>
+                      <a:cs typeface="Times New Roman" panose="02020603050405020304" pitchFamily="18" charset="0"/>
+                    </a:rPr>
+                    <a:t>Q</a:t>
+                  </a:r>
+                  <a:endParaRPr lang="zh-CN" altLang="en-US" sz="1400" i="1" baseline="-25000" dirty="0">
+                    <a:solidFill>
+                      <a:srgbClr val="5B9BD5"/>
+                    </a:solidFill>
+                    <a:latin typeface="Times New Roman" panose="02020603050405020304" pitchFamily="18" charset="0"/>
+                    <a:cs typeface="Times New Roman" panose="02020603050405020304" pitchFamily="18" charset="0"/>
+                  </a:endParaRPr>
+                </a:p>
+              </p:txBody>
+            </p:sp>
+            <p:cxnSp>
+              <p:nvCxnSpPr>
+                <p:cNvPr id="47" name="连接符: 曲线 46">
+                  <a:extLst>
+                    <a:ext uri="{FF2B5EF4-FFF2-40B4-BE49-F238E27FC236}">
+                      <a16:creationId xmlns:a16="http://schemas.microsoft.com/office/drawing/2014/main" id="{EA3DF377-3B78-C5B2-C3A6-1EF5306181D6}"/>
+                    </a:ext>
+                  </a:extLst>
+                </p:cNvPr>
+                <p:cNvCxnSpPr>
+                  <a:cxnSpLocks/>
+                </p:cNvCxnSpPr>
+                <p:nvPr/>
+              </p:nvCxnSpPr>
+              <p:spPr>
+                <a:xfrm rot="5400000" flipH="1" flipV="1">
+                  <a:off x="5355189" y="4006564"/>
+                  <a:ext cx="1760326" cy="704047"/>
+                </a:xfrm>
+                <a:prstGeom prst="curvedConnector3">
+                  <a:avLst/>
+                </a:prstGeom>
+                <a:ln>
+                  <a:tailEnd type="triangle"/>
+                </a:ln>
+              </p:spPr>
+              <p:style>
+                <a:lnRef idx="2">
+                  <a:schemeClr val="accent1"/>
+                </a:lnRef>
+                <a:fillRef idx="0">
+                  <a:schemeClr val="accent1"/>
+                </a:fillRef>
+                <a:effectRef idx="1">
+                  <a:schemeClr val="accent1"/>
+                </a:effectRef>
+                <a:fontRef idx="minor">
+                  <a:schemeClr val="tx1"/>
+                </a:fontRef>
+              </p:style>
+            </p:cxnSp>
+            <p:sp>
+              <p:nvSpPr>
+                <p:cNvPr id="48" name="弧形 47">
+                  <a:extLst>
+                    <a:ext uri="{FF2B5EF4-FFF2-40B4-BE49-F238E27FC236}">
+                      <a16:creationId xmlns:a16="http://schemas.microsoft.com/office/drawing/2014/main" id="{E6661E3E-FF27-BAC6-8287-74A44A9285B6}"/>
                     </a:ext>
                   </a:extLst>
                 </p:cNvPr>
@@ -10210,13 +12868,13 @@
                 <p:nvPr/>
               </p:nvSpPr>
               <p:spPr>
-                <a:xfrm rot="9284281">
-                  <a:off x="5656003" y="3317264"/>
-                  <a:ext cx="328571" cy="73090"/>
+                <a:xfrm rot="7382125">
+                  <a:off x="6425501" y="3366974"/>
+                  <a:ext cx="261597" cy="73090"/>
                 </a:xfrm>
                 <a:prstGeom prst="arc">
                   <a:avLst>
-                    <a:gd name="adj1" fmla="val 16200000"/>
+                    <a:gd name="adj1" fmla="val 18696814"/>
                     <a:gd name="adj2" fmla="val 20926179"/>
                   </a:avLst>
                 </a:prstGeom>
@@ -10249,12 +12907,206 @@
                 </a:p>
               </p:txBody>
             </p:sp>
+            <p:sp>
+              <p:nvSpPr>
+                <p:cNvPr id="52" name="弧形 51">
+                  <a:extLst>
+                    <a:ext uri="{FF2B5EF4-FFF2-40B4-BE49-F238E27FC236}">
+                      <a16:creationId xmlns:a16="http://schemas.microsoft.com/office/drawing/2014/main" id="{B2740383-5E90-D739-2B60-9E9F349D6C26}"/>
+                    </a:ext>
+                  </a:extLst>
+                </p:cNvPr>
+                <p:cNvSpPr/>
+                <p:nvPr/>
+              </p:nvSpPr>
+              <p:spPr>
+                <a:xfrm rot="5803424">
+                  <a:off x="6415672" y="2950303"/>
+                  <a:ext cx="946770" cy="320414"/>
+                </a:xfrm>
+                <a:prstGeom prst="arc">
+                  <a:avLst>
+                    <a:gd name="adj1" fmla="val 18696814"/>
+                    <a:gd name="adj2" fmla="val 21230449"/>
+                  </a:avLst>
+                </a:prstGeom>
+                <a:ln>
+                  <a:solidFill>
+                    <a:schemeClr val="tx1"/>
+                  </a:solidFill>
+                  <a:prstDash val="sysDot"/>
+                </a:ln>
+              </p:spPr>
+              <p:style>
+                <a:lnRef idx="3">
+                  <a:schemeClr val="dk1"/>
+                </a:lnRef>
+                <a:fillRef idx="0">
+                  <a:schemeClr val="dk1"/>
+                </a:fillRef>
+                <a:effectRef idx="2">
+                  <a:schemeClr val="dk1"/>
+                </a:effectRef>
+                <a:fontRef idx="minor">
+                  <a:schemeClr val="tx1"/>
+                </a:fontRef>
+              </p:style>
+              <p:txBody>
+                <a:bodyPr rtlCol="0" anchor="ctr"/>
+                <a:lstStyle/>
+                <a:p>
+                  <a:pPr algn="ctr"/>
+                  <a:endParaRPr lang="zh-CN" altLang="en-US"/>
+                </a:p>
+              </p:txBody>
+            </p:sp>
+            <p:cxnSp>
+              <p:nvCxnSpPr>
+                <p:cNvPr id="53" name="连接符: 曲线 52">
+                  <a:extLst>
+                    <a:ext uri="{FF2B5EF4-FFF2-40B4-BE49-F238E27FC236}">
+                      <a16:creationId xmlns:a16="http://schemas.microsoft.com/office/drawing/2014/main" id="{2BD9EFA6-4B8A-65B7-62E1-7A8C8A4CC9B5}"/>
+                    </a:ext>
+                  </a:extLst>
+                </p:cNvPr>
+                <p:cNvCxnSpPr>
+                  <a:cxnSpLocks/>
+                </p:cNvCxnSpPr>
+                <p:nvPr/>
+              </p:nvCxnSpPr>
+              <p:spPr>
+                <a:xfrm rot="16200000" flipV="1">
+                  <a:off x="6316355" y="4087216"/>
+                  <a:ext cx="1836353" cy="329422"/>
+                </a:xfrm>
+                <a:prstGeom prst="curvedConnector3">
+                  <a:avLst>
+                    <a:gd name="adj1" fmla="val 50000"/>
+                  </a:avLst>
+                </a:prstGeom>
+                <a:ln>
+                  <a:tailEnd type="triangle"/>
+                </a:ln>
+              </p:spPr>
+              <p:style>
+                <a:lnRef idx="2">
+                  <a:schemeClr val="accent1"/>
+                </a:lnRef>
+                <a:fillRef idx="0">
+                  <a:schemeClr val="accent1"/>
+                </a:fillRef>
+                <a:effectRef idx="1">
+                  <a:schemeClr val="accent1"/>
+                </a:effectRef>
+                <a:fontRef idx="minor">
+                  <a:schemeClr val="tx1"/>
+                </a:fontRef>
+              </p:style>
+            </p:cxnSp>
+            <p:sp>
+              <p:nvSpPr>
+                <p:cNvPr id="56" name="文本框 55">
+                  <a:extLst>
+                    <a:ext uri="{FF2B5EF4-FFF2-40B4-BE49-F238E27FC236}">
+                      <a16:creationId xmlns:a16="http://schemas.microsoft.com/office/drawing/2014/main" id="{21501A86-678C-BAE1-2ACA-DAD5081BA6EA}"/>
+                    </a:ext>
+                  </a:extLst>
+                </p:cNvPr>
+                <p:cNvSpPr txBox="1"/>
+                <p:nvPr/>
+              </p:nvSpPr>
+              <p:spPr>
+                <a:xfrm>
+                  <a:off x="6203433" y="3911171"/>
+                  <a:ext cx="633269" cy="297517"/>
+                </a:xfrm>
+                <a:prstGeom prst="rect">
+                  <a:avLst/>
+                </a:prstGeom>
+                <a:noFill/>
+              </p:spPr>
+              <p:txBody>
+                <a:bodyPr wrap="square" rtlCol="0">
+                  <a:spAutoFit/>
+                </a:bodyPr>
+                <a:lstStyle/>
+                <a:p>
+                  <a:r>
+                    <a:rPr lang="zh-CN" altLang="en-US" sz="2000" baseline="-25000" dirty="0">
+                      <a:latin typeface="Times New Roman" panose="02020603050405020304" pitchFamily="18" charset="0"/>
+                      <a:cs typeface="Times New Roman" panose="02020603050405020304" pitchFamily="18" charset="0"/>
+                    </a:rPr>
+                    <a:t>扇角 </a:t>
+                  </a:r>
+                  <a:r>
+                    <a:rPr lang="en-US" altLang="zh-CN" sz="2000" i="1" baseline="-25000" dirty="0">
+                      <a:latin typeface="Times New Roman" panose="02020603050405020304" pitchFamily="18" charset="0"/>
+                      <a:cs typeface="Times New Roman" panose="02020603050405020304" pitchFamily="18" charset="0"/>
+                    </a:rPr>
+                    <a:t>γ</a:t>
+                  </a:r>
+                  <a:endParaRPr lang="zh-CN" altLang="en-US" sz="2000" i="1" baseline="-25000" dirty="0">
+                    <a:latin typeface="Times New Roman" panose="02020603050405020304" pitchFamily="18" charset="0"/>
+                    <a:cs typeface="Times New Roman" panose="02020603050405020304" pitchFamily="18" charset="0"/>
+                  </a:endParaRPr>
+                </a:p>
+              </p:txBody>
+            </p:sp>
+            <p:sp>
+              <p:nvSpPr>
+                <p:cNvPr id="57" name="文本框 56">
+                  <a:extLst>
+                    <a:ext uri="{FF2B5EF4-FFF2-40B4-BE49-F238E27FC236}">
+                      <a16:creationId xmlns:a16="http://schemas.microsoft.com/office/drawing/2014/main" id="{FFCC90C6-3D69-65A9-315E-0734CD6863C3}"/>
+                    </a:ext>
+                  </a:extLst>
+                </p:cNvPr>
+                <p:cNvSpPr txBox="1"/>
+                <p:nvPr/>
+              </p:nvSpPr>
+              <p:spPr>
+                <a:xfrm>
+                  <a:off x="6889057" y="3892203"/>
+                  <a:ext cx="663957" cy="297517"/>
+                </a:xfrm>
+                <a:prstGeom prst="rect">
+                  <a:avLst/>
+                </a:prstGeom>
+                <a:noFill/>
+              </p:spPr>
+              <p:txBody>
+                <a:bodyPr wrap="square" rtlCol="0">
+                  <a:spAutoFit/>
+                </a:bodyPr>
+                <a:lstStyle/>
+                <a:p>
+                  <a:r>
+                    <a:rPr lang="zh-CN" altLang="en-US" sz="2000" baseline="-25000" dirty="0">
+                      <a:latin typeface="Times New Roman" panose="02020603050405020304" pitchFamily="18" charset="0"/>
+                      <a:cs typeface="Times New Roman" panose="02020603050405020304" pitchFamily="18" charset="0"/>
+                    </a:rPr>
+                    <a:t>锥角 </a:t>
+                  </a:r>
+                  <a:r>
+                    <a:rPr lang="en-US" altLang="zh-CN" sz="2000" i="1" baseline="-25000" dirty="0">
+                      <a:latin typeface="Times New Roman" panose="02020603050405020304" pitchFamily="18" charset="0"/>
+                      <a:cs typeface="Times New Roman" panose="02020603050405020304" pitchFamily="18" charset="0"/>
+                    </a:rPr>
+                    <a:t>k</a:t>
+                  </a:r>
+                  <a:endParaRPr lang="zh-CN" altLang="en-US" sz="2000" i="1" baseline="-25000" dirty="0">
+                    <a:latin typeface="Times New Roman" panose="02020603050405020304" pitchFamily="18" charset="0"/>
+                    <a:cs typeface="Times New Roman" panose="02020603050405020304" pitchFamily="18" charset="0"/>
+                  </a:endParaRPr>
+                </a:p>
+              </p:txBody>
+            </p:sp>
             <p:graphicFrame>
               <p:nvGraphicFramePr>
-                <p:cNvPr id="68" name="对象 67">
+                <p:cNvPr id="58" name="对象 57">
                   <a:extLst>
                     <a:ext uri="{FF2B5EF4-FFF2-40B4-BE49-F238E27FC236}">
-                      <a16:creationId xmlns:a16="http://schemas.microsoft.com/office/drawing/2014/main" id="{F1AEA20A-B23D-3773-22C8-01C90D07754F}"/>
+                      <a16:creationId xmlns:a16="http://schemas.microsoft.com/office/drawing/2014/main" id="{4CD5AF74-2DBC-0E63-5BD6-5CA3C6AEC911}"/>
                     </a:ext>
                   </a:extLst>
                 </p:cNvPr>
@@ -10264,32 +13116,32 @@
                 <p:nvPr>
                   <p:extLst>
                     <p:ext uri="{D42A27DB-BD31-4B8C-83A1-F6EECF244321}">
-                      <p14:modId xmlns:p14="http://schemas.microsoft.com/office/powerpoint/2010/main" val="578695422"/>
+                      <p14:modId xmlns:p14="http://schemas.microsoft.com/office/powerpoint/2010/main" val="3352174660"/>
                     </p:ext>
                   </p:extLst>
                 </p:nvPr>
               </p:nvGraphicFramePr>
               <p:xfrm>
-                <a:off x="5809760" y="3391961"/>
-                <a:ext cx="174225" cy="232300"/>
+                <a:off x="1449470" y="5038430"/>
+                <a:ext cx="3863291" cy="928577"/>
               </p:xfrm>
               <a:graphic>
                 <a:graphicData uri="http://schemas.openxmlformats.org/presentationml/2006/ole">
                   <mc:AlternateContent xmlns:mc="http://schemas.openxmlformats.org/markup-compatibility/2006">
                     <mc:Choice xmlns:v="urn:schemas-microsoft-com:vml" Requires="v">
-                      <p:oleObj name="Equation" r:id="rId2" imgW="152280" imgH="203040" progId="Equation.DSMT4">
+                      <p:oleObj name="Equation" r:id="rId14" imgW="1803240" imgH="431640" progId="Equation.DSMT4">
                         <p:embed/>
                       </p:oleObj>
                     </mc:Choice>
                     <mc:Fallback>
-                      <p:oleObj name="Equation" r:id="rId2" imgW="152280" imgH="203040" progId="Equation.DSMT4">
+                      <p:oleObj name="Equation" r:id="rId14" imgW="1803240" imgH="431640" progId="Equation.DSMT4">
                         <p:embed/>
                         <p:pic>
                           <p:nvPicPr>
-                            <p:cNvPr id="4" name="对象 3">
+                            <p:cNvPr id="38" name="对象 37">
                               <a:extLst>
                                 <a:ext uri="{FF2B5EF4-FFF2-40B4-BE49-F238E27FC236}">
-                                  <a16:creationId xmlns:a16="http://schemas.microsoft.com/office/drawing/2014/main" id="{0C448C74-478E-2E29-1666-4D39AE70790D}"/>
+                                  <a16:creationId xmlns:a16="http://schemas.microsoft.com/office/drawing/2014/main" id="{30695199-12D3-21EF-7621-B298B071CF36}"/>
                                 </a:ext>
                               </a:extLst>
                             </p:cNvPr>
@@ -10297,84 +13149,15 @@
                             <p:nvPr/>
                           </p:nvPicPr>
                           <p:blipFill>
-                            <a:blip r:embed="rId3"/>
+                            <a:blip r:embed="rId15"/>
                             <a:stretch>
                               <a:fillRect/>
                             </a:stretch>
                           </p:blipFill>
                           <p:spPr>
                             <a:xfrm>
-                              <a:off x="5809760" y="3391961"/>
-                              <a:ext cx="174225" cy="232300"/>
-                            </a:xfrm>
-                            <a:prstGeom prst="rect">
-                              <a:avLst/>
-                            </a:prstGeom>
-                          </p:spPr>
-                        </p:pic>
-                      </p:oleObj>
-                    </mc:Fallback>
-                  </mc:AlternateContent>
-                </a:graphicData>
-              </a:graphic>
-            </p:graphicFrame>
-            <p:graphicFrame>
-              <p:nvGraphicFramePr>
-                <p:cNvPr id="69" name="对象 68">
-                  <a:extLst>
-                    <a:ext uri="{FF2B5EF4-FFF2-40B4-BE49-F238E27FC236}">
-                      <a16:creationId xmlns:a16="http://schemas.microsoft.com/office/drawing/2014/main" id="{34ED0CFC-6854-21C9-0AF6-D5CB020ECE2E}"/>
-                    </a:ext>
-                  </a:extLst>
-                </p:cNvPr>
-                <p:cNvGraphicFramePr>
-                  <a:graphicFrameLocks noChangeAspect="1"/>
-                </p:cNvGraphicFramePr>
-                <p:nvPr>
-                  <p:extLst>
-                    <p:ext uri="{D42A27DB-BD31-4B8C-83A1-F6EECF244321}">
-                      <p14:modId xmlns:p14="http://schemas.microsoft.com/office/powerpoint/2010/main" val="3122710074"/>
-                    </p:ext>
-                  </p:extLst>
-                </p:nvPr>
-              </p:nvGraphicFramePr>
-              <p:xfrm>
-                <a:off x="6137256" y="3375939"/>
-                <a:ext cx="147080" cy="137814"/>
-              </p:xfrm>
-              <a:graphic>
-                <a:graphicData uri="http://schemas.openxmlformats.org/presentationml/2006/ole">
-                  <mc:AlternateContent xmlns:mc="http://schemas.openxmlformats.org/markup-compatibility/2006">
-                    <mc:Choice xmlns:v="urn:schemas-microsoft-com:vml" Requires="v">
-                      <p:oleObj name="Equation" r:id="rId4" imgW="177480" imgH="164880" progId="Equation.DSMT4">
-                        <p:embed/>
-                      </p:oleObj>
-                    </mc:Choice>
-                    <mc:Fallback>
-                      <p:oleObj name="Equation" r:id="rId4" imgW="177480" imgH="164880" progId="Equation.DSMT4">
-                        <p:embed/>
-                        <p:pic>
-                          <p:nvPicPr>
-                            <p:cNvPr id="68" name="对象 67">
-                              <a:extLst>
-                                <a:ext uri="{FF2B5EF4-FFF2-40B4-BE49-F238E27FC236}">
-                                  <a16:creationId xmlns:a16="http://schemas.microsoft.com/office/drawing/2014/main" id="{F1AEA20A-B23D-3773-22C8-01C90D07754F}"/>
-                                </a:ext>
-                              </a:extLst>
-                            </p:cNvPr>
-                            <p:cNvPicPr/>
-                            <p:nvPr/>
-                          </p:nvPicPr>
-                          <p:blipFill>
-                            <a:blip r:embed="rId5"/>
-                            <a:stretch>
-                              <a:fillRect/>
-                            </a:stretch>
-                          </p:blipFill>
-                          <p:spPr>
-                            <a:xfrm>
-                              <a:off x="6137256" y="3375939"/>
-                              <a:ext cx="147080" cy="137814"/>
+                              <a:off x="1449470" y="5038430"/>
+                              <a:ext cx="3863291" cy="928577"/>
                             </a:xfrm>
                             <a:prstGeom prst="rect">
                               <a:avLst/>
@@ -10389,10 +13172,10 @@
             </p:graphicFrame>
             <p:sp>
               <p:nvSpPr>
-                <p:cNvPr id="70" name="文本框 69">
+                <p:cNvPr id="79" name="文本框 78">
                   <a:extLst>
                     <a:ext uri="{FF2B5EF4-FFF2-40B4-BE49-F238E27FC236}">
-                      <a16:creationId xmlns:a16="http://schemas.microsoft.com/office/drawing/2014/main" id="{27582FA8-1DB2-06C7-9F51-71047D3F6BDB}"/>
+                      <a16:creationId xmlns:a16="http://schemas.microsoft.com/office/drawing/2014/main" id="{D6F300BF-D982-7A82-CBF0-620C7FA62FF1}"/>
                     </a:ext>
                   </a:extLst>
                 </p:cNvPr>
@@ -10401,8 +13184,8 @@
               </p:nvSpPr>
               <p:spPr>
                 <a:xfrm>
-                  <a:off x="6638131" y="3574534"/>
-                  <a:ext cx="272457" cy="369332"/>
+                  <a:off x="2327202" y="3787409"/>
+                  <a:ext cx="201605" cy="276999"/>
                 </a:xfrm>
                 <a:prstGeom prst="rect">
                   <a:avLst/>
@@ -10415,12 +13198,13 @@
                 </a:bodyPr>
                 <a:lstStyle/>
                 <a:p>
+                  <a:pPr algn="ctr"/>
                   <a:r>
-                    <a:rPr lang="en-US" altLang="zh-CN" i="1" dirty="0">
+                    <a:rPr lang="en-US" altLang="zh-CN" i="1" baseline="-25000" dirty="0">
                       <a:latin typeface="Times New Roman" panose="02020603050405020304" pitchFamily="18" charset="0"/>
                       <a:cs typeface="Times New Roman" panose="02020603050405020304" pitchFamily="18" charset="0"/>
                     </a:rPr>
-                    <a:t>s</a:t>
+                    <a:t>F</a:t>
                   </a:r>
                   <a:endParaRPr lang="zh-CN" altLang="en-US" baseline="-25000" dirty="0">
                     <a:latin typeface="Times New Roman" panose="02020603050405020304" pitchFamily="18" charset="0"/>
@@ -10431,10 +13215,10 @@
             </p:sp>
             <p:sp>
               <p:nvSpPr>
-                <p:cNvPr id="71" name="文本框 70">
+                <p:cNvPr id="82" name="文本框 81">
                   <a:extLst>
                     <a:ext uri="{FF2B5EF4-FFF2-40B4-BE49-F238E27FC236}">
-                      <a16:creationId xmlns:a16="http://schemas.microsoft.com/office/drawing/2014/main" id="{5C36112C-CCA0-2A1D-563D-16706BB97E9B}"/>
+                      <a16:creationId xmlns:a16="http://schemas.microsoft.com/office/drawing/2014/main" id="{B0BC32B9-634F-F800-21F7-DA36E28EAB41}"/>
                     </a:ext>
                   </a:extLst>
                 </p:cNvPr>
@@ -10443,8 +13227,8 @@
               </p:nvSpPr>
               <p:spPr>
                 <a:xfrm>
-                  <a:off x="5572461" y="1831624"/>
-                  <a:ext cx="272457" cy="369332"/>
+                  <a:off x="4626244" y="3254164"/>
+                  <a:ext cx="201605" cy="276999"/>
                 </a:xfrm>
                 <a:prstGeom prst="rect">
                   <a:avLst/>
@@ -10457,12 +13241,13 @@
                 </a:bodyPr>
                 <a:lstStyle/>
                 <a:p>
+                  <a:pPr algn="ctr"/>
                   <a:r>
-                    <a:rPr lang="en-US" altLang="zh-CN" i="1" dirty="0">
+                    <a:rPr lang="en-US" altLang="zh-CN" i="1" baseline="-25000" dirty="0">
                       <a:latin typeface="Times New Roman" panose="02020603050405020304" pitchFamily="18" charset="0"/>
                       <a:cs typeface="Times New Roman" panose="02020603050405020304" pitchFamily="18" charset="0"/>
                     </a:rPr>
-                    <a:t>z</a:t>
+                    <a:t>K</a:t>
                   </a:r>
                   <a:endParaRPr lang="zh-CN" altLang="en-US" baseline="-25000" dirty="0">
                     <a:latin typeface="Times New Roman" panose="02020603050405020304" pitchFamily="18" charset="0"/>
@@ -10471,558 +13256,13 @@
                 </a:p>
               </p:txBody>
             </p:sp>
-            <p:sp>
-              <p:nvSpPr>
-                <p:cNvPr id="72" name="文本框 71">
-                  <a:extLst>
-                    <a:ext uri="{FF2B5EF4-FFF2-40B4-BE49-F238E27FC236}">
-                      <a16:creationId xmlns:a16="http://schemas.microsoft.com/office/drawing/2014/main" id="{2D9BB1E3-3CDE-D44D-F6F8-B130B849199E}"/>
-                    </a:ext>
-                  </a:extLst>
-                </p:cNvPr>
-                <p:cNvSpPr txBox="1"/>
-                <p:nvPr/>
-              </p:nvSpPr>
-              <p:spPr>
-                <a:xfrm>
-                  <a:off x="6539249" y="2922791"/>
-                  <a:ext cx="272457" cy="369332"/>
-                </a:xfrm>
-                <a:prstGeom prst="rect">
-                  <a:avLst/>
-                </a:prstGeom>
-                <a:noFill/>
-              </p:spPr>
-              <p:txBody>
-                <a:bodyPr wrap="square" rtlCol="0">
-                  <a:spAutoFit/>
-                </a:bodyPr>
-                <a:lstStyle/>
-                <a:p>
-                  <a:r>
-                    <a:rPr lang="en-US" altLang="zh-CN" i="1" dirty="0">
-                      <a:latin typeface="Times New Roman" panose="02020603050405020304" pitchFamily="18" charset="0"/>
-                      <a:cs typeface="Times New Roman" panose="02020603050405020304" pitchFamily="18" charset="0"/>
-                    </a:rPr>
-                    <a:t>t</a:t>
-                  </a:r>
-                  <a:endParaRPr lang="zh-CN" altLang="en-US" baseline="-25000" dirty="0">
-                    <a:latin typeface="Times New Roman" panose="02020603050405020304" pitchFamily="18" charset="0"/>
-                    <a:cs typeface="Times New Roman" panose="02020603050405020304" pitchFamily="18" charset="0"/>
-                  </a:endParaRPr>
-                </a:p>
-              </p:txBody>
-            </p:sp>
-            <p:sp>
-              <p:nvSpPr>
-                <p:cNvPr id="73" name="文本框 72">
-                  <a:extLst>
-                    <a:ext uri="{FF2B5EF4-FFF2-40B4-BE49-F238E27FC236}">
-                      <a16:creationId xmlns:a16="http://schemas.microsoft.com/office/drawing/2014/main" id="{2B1CEF41-A1C5-A4ED-F413-9498714AEC7C}"/>
-                    </a:ext>
-                  </a:extLst>
-                </p:cNvPr>
-                <p:cNvSpPr txBox="1"/>
-                <p:nvPr/>
-              </p:nvSpPr>
-              <p:spPr>
-                <a:xfrm>
-                  <a:off x="5700849" y="2670611"/>
-                  <a:ext cx="272457" cy="369332"/>
-                </a:xfrm>
-                <a:prstGeom prst="rect">
-                  <a:avLst/>
-                </a:prstGeom>
-                <a:noFill/>
-              </p:spPr>
-              <p:txBody>
-                <a:bodyPr wrap="square" rtlCol="0">
-                  <a:spAutoFit/>
-                </a:bodyPr>
-                <a:lstStyle/>
-                <a:p>
-                  <a:r>
-                    <a:rPr lang="en-US" altLang="zh-CN" i="1" dirty="0">
-                      <a:solidFill>
-                        <a:srgbClr val="FF0000"/>
-                      </a:solidFill>
-                      <a:latin typeface="Times New Roman" panose="02020603050405020304" pitchFamily="18" charset="0"/>
-                      <a:cs typeface="Times New Roman" panose="02020603050405020304" pitchFamily="18" charset="0"/>
-                    </a:rPr>
-                    <a:t>r</a:t>
-                  </a:r>
-                  <a:endParaRPr lang="zh-CN" altLang="en-US" baseline="-25000" dirty="0">
-                    <a:solidFill>
-                      <a:srgbClr val="FF0000"/>
-                    </a:solidFill>
-                    <a:latin typeface="Times New Roman" panose="02020603050405020304" pitchFamily="18" charset="0"/>
-                    <a:cs typeface="Times New Roman" panose="02020603050405020304" pitchFamily="18" charset="0"/>
-                  </a:endParaRPr>
-                </a:p>
-              </p:txBody>
-            </p:sp>
-            <p:sp>
-              <p:nvSpPr>
-                <p:cNvPr id="74" name="文本框 73">
-                  <a:extLst>
-                    <a:ext uri="{FF2B5EF4-FFF2-40B4-BE49-F238E27FC236}">
-                      <a16:creationId xmlns:a16="http://schemas.microsoft.com/office/drawing/2014/main" id="{CB4562CE-8349-6898-D65D-20E3CEDE9390}"/>
-                    </a:ext>
-                  </a:extLst>
-                </p:cNvPr>
-                <p:cNvSpPr txBox="1"/>
-                <p:nvPr/>
-              </p:nvSpPr>
-              <p:spPr>
-                <a:xfrm rot="1490760">
-                  <a:off x="5608220" y="4104075"/>
-                  <a:ext cx="993071" cy="276999"/>
-                </a:xfrm>
-                <a:prstGeom prst="rect">
-                  <a:avLst/>
-                </a:prstGeom>
-                <a:noFill/>
-              </p:spPr>
-              <p:txBody>
-                <a:bodyPr wrap="square" rtlCol="0">
-                  <a:spAutoFit/>
-                </a:bodyPr>
-                <a:lstStyle/>
-                <a:p>
-                  <a:r>
-                    <a:rPr lang="zh-CN" altLang="en-US" baseline="-25000" dirty="0">
-                      <a:latin typeface="Times New Roman" panose="02020603050405020304" pitchFamily="18" charset="0"/>
-                      <a:cs typeface="Times New Roman" panose="02020603050405020304" pitchFamily="18" charset="0"/>
-                    </a:rPr>
-                    <a:t>虚拟探测器</a:t>
-                  </a:r>
-                </a:p>
-              </p:txBody>
-            </p:sp>
           </p:grpSp>
           <p:sp>
             <p:nvSpPr>
-              <p:cNvPr id="76" name="文本框 75">
+              <p:cNvPr id="80" name="椭圆 79">
                 <a:extLst>
                   <a:ext uri="{FF2B5EF4-FFF2-40B4-BE49-F238E27FC236}">
-                    <a16:creationId xmlns:a16="http://schemas.microsoft.com/office/drawing/2014/main" id="{34918443-535E-FD60-9529-466E465B9618}"/>
-                  </a:ext>
-                </a:extLst>
-              </p:cNvPr>
-              <p:cNvSpPr txBox="1"/>
-              <p:nvPr/>
-            </p:nvSpPr>
-            <p:spPr>
-              <a:xfrm>
-                <a:off x="4370943" y="2725241"/>
-                <a:ext cx="1482714" cy="297517"/>
-              </a:xfrm>
-              <a:prstGeom prst="rect">
-                <a:avLst/>
-              </a:prstGeom>
-              <a:noFill/>
-            </p:spPr>
-            <p:txBody>
-              <a:bodyPr wrap="square" rtlCol="0">
-                <a:spAutoFit/>
-              </a:bodyPr>
-              <a:lstStyle/>
-              <a:p>
-                <a:r>
-                  <a:rPr lang="en-US" altLang="zh-CN" sz="2000" baseline="-25000" dirty="0">
-                    <a:latin typeface="Times New Roman" panose="02020603050405020304" pitchFamily="18" charset="0"/>
-                    <a:cs typeface="Times New Roman" panose="02020603050405020304" pitchFamily="18" charset="0"/>
-                  </a:rPr>
-                  <a:t>(a) </a:t>
-                </a:r>
-                <a:r>
-                  <a:rPr lang="zh-CN" altLang="en-US" sz="2000" baseline="-25000" dirty="0">
-                    <a:latin typeface="Times New Roman" panose="02020603050405020304" pitchFamily="18" charset="0"/>
-                    <a:cs typeface="Times New Roman" panose="02020603050405020304" pitchFamily="18" charset="0"/>
-                  </a:rPr>
-                  <a:t>锥形束参数图</a:t>
-                </a:r>
-              </a:p>
-            </p:txBody>
-          </p:sp>
-          <p:sp>
-            <p:nvSpPr>
-              <p:cNvPr id="77" name="文本框 76">
-                <a:extLst>
-                  <a:ext uri="{FF2B5EF4-FFF2-40B4-BE49-F238E27FC236}">
-                    <a16:creationId xmlns:a16="http://schemas.microsoft.com/office/drawing/2014/main" id="{DBB3F81B-BEC1-D556-7651-1E6593704549}"/>
-                  </a:ext>
-                </a:extLst>
-              </p:cNvPr>
-              <p:cNvSpPr txBox="1"/>
-              <p:nvPr/>
-            </p:nvSpPr>
-            <p:spPr>
-              <a:xfrm>
-                <a:off x="1080017" y="4409540"/>
-                <a:ext cx="1624373" cy="297517"/>
-              </a:xfrm>
-              <a:prstGeom prst="rect">
-                <a:avLst/>
-              </a:prstGeom>
-              <a:noFill/>
-            </p:spPr>
-            <p:txBody>
-              <a:bodyPr wrap="square" rtlCol="0">
-                <a:spAutoFit/>
-              </a:bodyPr>
-              <a:lstStyle/>
-              <a:p>
-                <a:r>
-                  <a:rPr lang="en-US" altLang="zh-CN" sz="2000" baseline="-25000" dirty="0">
-                    <a:latin typeface="Times New Roman" panose="02020603050405020304" pitchFamily="18" charset="0"/>
-                    <a:cs typeface="Times New Roman" panose="02020603050405020304" pitchFamily="18" charset="0"/>
-                  </a:rPr>
-                  <a:t>(b) </a:t>
-                </a:r>
-                <a:r>
-                  <a:rPr lang="en-US" altLang="zh-CN" sz="2000" i="1" baseline="-25000" dirty="0">
-                    <a:latin typeface="Times New Roman" panose="02020603050405020304" pitchFamily="18" charset="0"/>
-                    <a:cs typeface="Times New Roman" panose="02020603050405020304" pitchFamily="18" charset="0"/>
-                  </a:rPr>
-                  <a:t>Oxy </a:t>
-                </a:r>
-                <a:r>
-                  <a:rPr lang="zh-CN" altLang="en-US" sz="2000" baseline="-25000" dirty="0">
-                    <a:latin typeface="Times New Roman" panose="02020603050405020304" pitchFamily="18" charset="0"/>
-                    <a:cs typeface="Times New Roman" panose="02020603050405020304" pitchFamily="18" charset="0"/>
-                  </a:rPr>
-                  <a:t>或 </a:t>
-                </a:r>
-                <a:r>
-                  <a:rPr lang="en-US" altLang="zh-CN" sz="2000" i="1" baseline="-25000" dirty="0">
-                    <a:latin typeface="Times New Roman" panose="02020603050405020304" pitchFamily="18" charset="0"/>
-                    <a:cs typeface="Times New Roman" panose="02020603050405020304" pitchFamily="18" charset="0"/>
-                  </a:rPr>
-                  <a:t>Ost </a:t>
-                </a:r>
-                <a:r>
-                  <a:rPr lang="zh-CN" altLang="en-US" sz="2000" baseline="-25000" dirty="0">
-                    <a:latin typeface="Times New Roman" panose="02020603050405020304" pitchFamily="18" charset="0"/>
-                    <a:cs typeface="Times New Roman" panose="02020603050405020304" pitchFamily="18" charset="0"/>
-                  </a:rPr>
-                  <a:t>平面</a:t>
-                </a:r>
-              </a:p>
-            </p:txBody>
-          </p:sp>
-          <p:grpSp>
-            <p:nvGrpSpPr>
-              <p:cNvPr id="86" name="组合 85">
-                <a:extLst>
-                  <a:ext uri="{FF2B5EF4-FFF2-40B4-BE49-F238E27FC236}">
-                    <a16:creationId xmlns:a16="http://schemas.microsoft.com/office/drawing/2014/main" id="{FB5E0D43-012A-1A37-666E-651833898FBD}"/>
-                  </a:ext>
-                </a:extLst>
-              </p:cNvPr>
-              <p:cNvGrpSpPr/>
-              <p:nvPr/>
-            </p:nvGrpSpPr>
-            <p:grpSpPr>
-              <a:xfrm rot="20334310">
-                <a:off x="871021" y="3307685"/>
-                <a:ext cx="2411140" cy="1025785"/>
-                <a:chOff x="2377456" y="3206891"/>
-                <a:chExt cx="2411140" cy="1025785"/>
-              </a:xfrm>
-            </p:grpSpPr>
-            <p:cxnSp>
-              <p:nvCxnSpPr>
-                <p:cNvPr id="78" name="直接连接符 77">
-                  <a:extLst>
-                    <a:ext uri="{FF2B5EF4-FFF2-40B4-BE49-F238E27FC236}">
-                      <a16:creationId xmlns:a16="http://schemas.microsoft.com/office/drawing/2014/main" id="{A5D292B1-FA9A-8C93-A173-A285B5B8E8CE}"/>
-                    </a:ext>
-                  </a:extLst>
-                </p:cNvPr>
-                <p:cNvCxnSpPr>
-                  <a:cxnSpLocks/>
-                </p:cNvCxnSpPr>
-                <p:nvPr/>
-              </p:nvCxnSpPr>
-              <p:spPr>
-                <a:xfrm>
-                  <a:off x="2377456" y="3429000"/>
-                  <a:ext cx="2194544" cy="0"/>
-                </a:xfrm>
-                <a:prstGeom prst="line">
-                  <a:avLst/>
-                </a:prstGeom>
-                <a:ln>
-                  <a:solidFill>
-                    <a:srgbClr val="00B050"/>
-                  </a:solidFill>
-                  <a:headEnd type="oval" w="med" len="med"/>
-                  <a:tailEnd type="triangle" w="med" len="med"/>
-                </a:ln>
-              </p:spPr>
-              <p:style>
-                <a:lnRef idx="3">
-                  <a:schemeClr val="accent1"/>
-                </a:lnRef>
-                <a:fillRef idx="0">
-                  <a:schemeClr val="accent1"/>
-                </a:fillRef>
-                <a:effectRef idx="2">
-                  <a:schemeClr val="accent1"/>
-                </a:effectRef>
-                <a:fontRef idx="minor">
-                  <a:schemeClr val="tx1"/>
-                </a:fontRef>
-              </p:style>
-            </p:cxnSp>
-            <p:sp>
-              <p:nvSpPr>
-                <p:cNvPr id="83" name="文本框 82">
-                  <a:extLst>
-                    <a:ext uri="{FF2B5EF4-FFF2-40B4-BE49-F238E27FC236}">
-                      <a16:creationId xmlns:a16="http://schemas.microsoft.com/office/drawing/2014/main" id="{52AC0814-CBA1-9464-7DA2-E2BC1D6CE341}"/>
-                    </a:ext>
-                  </a:extLst>
-                </p:cNvPr>
-                <p:cNvSpPr txBox="1"/>
-                <p:nvPr/>
-              </p:nvSpPr>
-              <p:spPr>
-                <a:xfrm>
-                  <a:off x="4516139" y="3206891"/>
-                  <a:ext cx="272457" cy="369332"/>
-                </a:xfrm>
-                <a:prstGeom prst="rect">
-                  <a:avLst/>
-                </a:prstGeom>
-                <a:noFill/>
-              </p:spPr>
-              <p:txBody>
-                <a:bodyPr wrap="square" rtlCol="0">
-                  <a:spAutoFit/>
-                </a:bodyPr>
-                <a:lstStyle/>
-                <a:p>
-                  <a:r>
-                    <a:rPr lang="en-US" altLang="zh-CN" i="1" dirty="0">
-                      <a:latin typeface="Times New Roman" panose="02020603050405020304" pitchFamily="18" charset="0"/>
-                      <a:cs typeface="Times New Roman" panose="02020603050405020304" pitchFamily="18" charset="0"/>
-                    </a:rPr>
-                    <a:t>t</a:t>
-                  </a:r>
-                  <a:endParaRPr lang="zh-CN" altLang="en-US" baseline="-25000" dirty="0">
-                    <a:latin typeface="Times New Roman" panose="02020603050405020304" pitchFamily="18" charset="0"/>
-                    <a:cs typeface="Times New Roman" panose="02020603050405020304" pitchFamily="18" charset="0"/>
-                  </a:endParaRPr>
-                </a:p>
-              </p:txBody>
-            </p:sp>
-            <p:cxnSp>
-              <p:nvCxnSpPr>
-                <p:cNvPr id="84" name="直接连接符 83">
-                  <a:extLst>
-                    <a:ext uri="{FF2B5EF4-FFF2-40B4-BE49-F238E27FC236}">
-                      <a16:creationId xmlns:a16="http://schemas.microsoft.com/office/drawing/2014/main" id="{EA6D696C-D9E8-BABA-DD62-5DD8CF734BBF}"/>
-                    </a:ext>
-                  </a:extLst>
-                </p:cNvPr>
-                <p:cNvCxnSpPr>
-                  <a:cxnSpLocks/>
-                </p:cNvCxnSpPr>
-                <p:nvPr/>
-              </p:nvCxnSpPr>
-              <p:spPr>
-                <a:xfrm rot="1265690">
-                  <a:off x="3609518" y="3459489"/>
-                  <a:ext cx="312760" cy="773187"/>
-                </a:xfrm>
-                <a:prstGeom prst="line">
-                  <a:avLst/>
-                </a:prstGeom>
-                <a:ln>
-                  <a:headEnd type="none" w="med" len="med"/>
-                  <a:tailEnd type="triangle" w="med" len="med"/>
-                </a:ln>
-              </p:spPr>
-              <p:style>
-                <a:lnRef idx="3">
-                  <a:schemeClr val="accent1"/>
-                </a:lnRef>
-                <a:fillRef idx="0">
-                  <a:schemeClr val="accent1"/>
-                </a:fillRef>
-                <a:effectRef idx="2">
-                  <a:schemeClr val="accent1"/>
-                </a:effectRef>
-                <a:fontRef idx="minor">
-                  <a:schemeClr val="tx1"/>
-                </a:fontRef>
-              </p:style>
-            </p:cxnSp>
-          </p:grpSp>
-          <p:cxnSp>
-            <p:nvCxnSpPr>
-              <p:cNvPr id="87" name="直接连接符 86">
-                <a:extLst>
-                  <a:ext uri="{FF2B5EF4-FFF2-40B4-BE49-F238E27FC236}">
-                    <a16:creationId xmlns:a16="http://schemas.microsoft.com/office/drawing/2014/main" id="{E2ADBE56-C22C-538E-79DF-4A70E8E812E2}"/>
-                  </a:ext>
-                </a:extLst>
-              </p:cNvPr>
-              <p:cNvCxnSpPr>
-                <a:cxnSpLocks/>
-              </p:cNvCxnSpPr>
-              <p:nvPr/>
-            </p:nvCxnSpPr>
-            <p:spPr>
-              <a:xfrm flipH="1">
-                <a:off x="2063750" y="3478424"/>
-                <a:ext cx="69764" cy="652600"/>
-              </a:xfrm>
-              <a:prstGeom prst="line">
-                <a:avLst/>
-              </a:prstGeom>
-              <a:ln w="12700">
-                <a:solidFill>
-                  <a:schemeClr val="tx1"/>
-                </a:solidFill>
-                <a:headEnd type="none" w="med" len="med"/>
-                <a:tailEnd type="triangle" w="med" len="med"/>
-              </a:ln>
-            </p:spPr>
-            <p:style>
-              <a:lnRef idx="3">
-                <a:schemeClr val="accent1"/>
-              </a:lnRef>
-              <a:fillRef idx="0">
-                <a:schemeClr val="accent1"/>
-              </a:fillRef>
-              <a:effectRef idx="2">
-                <a:schemeClr val="accent1"/>
-              </a:effectRef>
-              <a:fontRef idx="minor">
-                <a:schemeClr val="tx1"/>
-              </a:fontRef>
-            </p:style>
-          </p:cxnSp>
-          <p:sp>
-            <p:nvSpPr>
-              <p:cNvPr id="88" name="文本框 87">
-                <a:extLst>
-                  <a:ext uri="{FF2B5EF4-FFF2-40B4-BE49-F238E27FC236}">
-                    <a16:creationId xmlns:a16="http://schemas.microsoft.com/office/drawing/2014/main" id="{9032DB59-9321-1ABA-5EB2-C8CA9CA17D5D}"/>
-                  </a:ext>
-                </a:extLst>
-              </p:cNvPr>
-              <p:cNvSpPr txBox="1"/>
-              <p:nvPr/>
-            </p:nvSpPr>
-            <p:spPr>
-              <a:xfrm>
-                <a:off x="1908478" y="3987109"/>
-                <a:ext cx="272457" cy="369332"/>
-              </a:xfrm>
-              <a:prstGeom prst="rect">
-                <a:avLst/>
-              </a:prstGeom>
-              <a:noFill/>
-            </p:spPr>
-            <p:txBody>
-              <a:bodyPr wrap="square" rtlCol="0">
-                <a:spAutoFit/>
-              </a:bodyPr>
-              <a:lstStyle/>
-              <a:p>
-                <a:r>
-                  <a:rPr lang="en-US" altLang="zh-CN" i="1" dirty="0">
-                    <a:latin typeface="Times New Roman" panose="02020603050405020304" pitchFamily="18" charset="0"/>
-                    <a:cs typeface="Times New Roman" panose="02020603050405020304" pitchFamily="18" charset="0"/>
-                  </a:rPr>
-                  <a:t>x</a:t>
-                </a:r>
-                <a:endParaRPr lang="zh-CN" altLang="en-US" baseline="-25000" dirty="0">
-                  <a:latin typeface="Times New Roman" panose="02020603050405020304" pitchFamily="18" charset="0"/>
-                  <a:cs typeface="Times New Roman" panose="02020603050405020304" pitchFamily="18" charset="0"/>
-                </a:endParaRPr>
-              </a:p>
-            </p:txBody>
-          </p:sp>
-          <p:graphicFrame>
-            <p:nvGraphicFramePr>
-              <p:cNvPr id="89" name="对象 88">
-                <a:extLst>
-                  <a:ext uri="{FF2B5EF4-FFF2-40B4-BE49-F238E27FC236}">
-                    <a16:creationId xmlns:a16="http://schemas.microsoft.com/office/drawing/2014/main" id="{97AB4ED5-69F1-3E56-7E58-E822831E851F}"/>
-                  </a:ext>
-                </a:extLst>
-              </p:cNvPr>
-              <p:cNvGraphicFramePr>
-                <a:graphicFrameLocks noChangeAspect="1"/>
-              </p:cNvGraphicFramePr>
-              <p:nvPr>
-                <p:extLst>
-                  <p:ext uri="{D42A27DB-BD31-4B8C-83A1-F6EECF244321}">
-                    <p14:modId xmlns:p14="http://schemas.microsoft.com/office/powerpoint/2010/main" val="1822973322"/>
-                  </p:ext>
-                </p:extLst>
-              </p:nvPr>
-            </p:nvGraphicFramePr>
-            <p:xfrm>
-              <a:off x="2071309" y="3710089"/>
-              <a:ext cx="174225" cy="232300"/>
-            </p:xfrm>
-            <a:graphic>
-              <a:graphicData uri="http://schemas.openxmlformats.org/presentationml/2006/ole">
-                <mc:AlternateContent xmlns:mc="http://schemas.openxmlformats.org/markup-compatibility/2006">
-                  <mc:Choice xmlns:v="urn:schemas-microsoft-com:vml" Requires="v">
-                    <p:oleObj name="Equation" r:id="rId2" imgW="152280" imgH="203040" progId="Equation.DSMT4">
-                      <p:embed/>
-                    </p:oleObj>
-                  </mc:Choice>
-                  <mc:Fallback>
-                    <p:oleObj name="Equation" r:id="rId2" imgW="152280" imgH="203040" progId="Equation.DSMT4">
-                      <p:embed/>
-                      <p:pic>
-                        <p:nvPicPr>
-                          <p:cNvPr id="68" name="对象 67">
-                            <a:extLst>
-                              <a:ext uri="{FF2B5EF4-FFF2-40B4-BE49-F238E27FC236}">
-                                <a16:creationId xmlns:a16="http://schemas.microsoft.com/office/drawing/2014/main" id="{F1AEA20A-B23D-3773-22C8-01C90D07754F}"/>
-                              </a:ext>
-                            </a:extLst>
-                          </p:cNvPr>
-                          <p:cNvPicPr/>
-                          <p:nvPr/>
-                        </p:nvPicPr>
-                        <p:blipFill>
-                          <a:blip r:embed="rId3"/>
-                          <a:stretch>
-                            <a:fillRect/>
-                          </a:stretch>
-                        </p:blipFill>
-                        <p:spPr>
-                          <a:xfrm>
-                            <a:off x="2071309" y="3710089"/>
-                            <a:ext cx="174225" cy="232300"/>
-                          </a:xfrm>
-                          <a:prstGeom prst="rect">
-                            <a:avLst/>
-                          </a:prstGeom>
-                        </p:spPr>
-                      </p:pic>
-                    </p:oleObj>
-                  </mc:Fallback>
-                </mc:AlternateContent>
-              </a:graphicData>
-            </a:graphic>
-          </p:graphicFrame>
-          <p:sp>
-            <p:nvSpPr>
-              <p:cNvPr id="92" name="弧形 91">
-                <a:extLst>
-                  <a:ext uri="{FF2B5EF4-FFF2-40B4-BE49-F238E27FC236}">
-                    <a16:creationId xmlns:a16="http://schemas.microsoft.com/office/drawing/2014/main" id="{FF773048-46B6-0D45-DC54-399EA38B732B}"/>
+                    <a16:creationId xmlns:a16="http://schemas.microsoft.com/office/drawing/2014/main" id="{C4D9083D-F38A-EBE7-C6C0-551BC86EBEDC}"/>
                   </a:ext>
                 </a:extLst>
               </p:cNvPr>
@@ -11030,34 +13270,31 @@
               <p:nvPr/>
             </p:nvSpPr>
             <p:spPr>
-              <a:xfrm rot="9284281">
-                <a:off x="2038727" y="3592695"/>
-                <a:ext cx="328571" cy="73090"/>
+              <a:xfrm>
+                <a:off x="2262621" y="3878938"/>
+                <a:ext cx="79200" cy="77304"/>
               </a:xfrm>
-              <a:prstGeom prst="arc">
-                <a:avLst>
-                  <a:gd name="adj1" fmla="val 16200000"/>
-                  <a:gd name="adj2" fmla="val 20926179"/>
-                </a:avLst>
+              <a:prstGeom prst="ellipse">
+                <a:avLst/>
               </a:prstGeom>
               <a:ln>
-                <a:solidFill>
-                  <a:schemeClr val="accent6"/>
-                </a:solidFill>
+                <a:noFill/>
               </a:ln>
             </p:spPr>
             <p:style>
-              <a:lnRef idx="3">
-                <a:schemeClr val="dk1"/>
+              <a:lnRef idx="2">
+                <a:schemeClr val="accent1">
+                  <a:shade val="15000"/>
+                </a:schemeClr>
               </a:lnRef>
-              <a:fillRef idx="0">
-                <a:schemeClr val="dk1"/>
+              <a:fillRef idx="1">
+                <a:schemeClr val="accent1"/>
               </a:fillRef>
-              <a:effectRef idx="2">
-                <a:schemeClr val="dk1"/>
+              <a:effectRef idx="0">
+                <a:schemeClr val="accent1"/>
               </a:effectRef>
               <a:fontRef idx="minor">
-                <a:schemeClr val="tx1"/>
+                <a:schemeClr val="lt1"/>
               </a:fontRef>
             </p:style>
             <p:txBody>
@@ -11071,1824 +13308,10 @@
           </p:sp>
           <p:sp>
             <p:nvSpPr>
-              <p:cNvPr id="93" name="文本框 92">
+              <p:cNvPr id="81" name="椭圆 80">
                 <a:extLst>
                   <a:ext uri="{FF2B5EF4-FFF2-40B4-BE49-F238E27FC236}">
-                    <a16:creationId xmlns:a16="http://schemas.microsoft.com/office/drawing/2014/main" id="{CF068CDA-C48C-FE66-DF53-E1F12035B332}"/>
-                  </a:ext>
-                </a:extLst>
-              </p:cNvPr>
-              <p:cNvSpPr txBox="1"/>
-              <p:nvPr/>
-            </p:nvSpPr>
-            <p:spPr>
-              <a:xfrm>
-                <a:off x="2348200" y="4090958"/>
-                <a:ext cx="272457" cy="369332"/>
-              </a:xfrm>
-              <a:prstGeom prst="rect">
-                <a:avLst/>
-              </a:prstGeom>
-              <a:noFill/>
-            </p:spPr>
-            <p:txBody>
-              <a:bodyPr wrap="square" rtlCol="0">
-                <a:spAutoFit/>
-              </a:bodyPr>
-              <a:lstStyle/>
-              <a:p>
-                <a:r>
-                  <a:rPr lang="en-US" altLang="zh-CN" i="1" dirty="0">
-                    <a:latin typeface="Times New Roman" panose="02020603050405020304" pitchFamily="18" charset="0"/>
-                    <a:cs typeface="Times New Roman" panose="02020603050405020304" pitchFamily="18" charset="0"/>
-                  </a:rPr>
-                  <a:t>s</a:t>
-                </a:r>
-                <a:endParaRPr lang="zh-CN" altLang="en-US" baseline="-25000" dirty="0">
-                  <a:latin typeface="Times New Roman" panose="02020603050405020304" pitchFamily="18" charset="0"/>
-                  <a:cs typeface="Times New Roman" panose="02020603050405020304" pitchFamily="18" charset="0"/>
-                </a:endParaRPr>
-              </a:p>
-            </p:txBody>
-          </p:sp>
-          <p:cxnSp>
-            <p:nvCxnSpPr>
-              <p:cNvPr id="94" name="直接连接符 93">
-                <a:extLst>
-                  <a:ext uri="{FF2B5EF4-FFF2-40B4-BE49-F238E27FC236}">
-                    <a16:creationId xmlns:a16="http://schemas.microsoft.com/office/drawing/2014/main" id="{1C654F05-CEBC-E35D-2415-546596094E53}"/>
-                  </a:ext>
-                </a:extLst>
-              </p:cNvPr>
-              <p:cNvCxnSpPr>
-                <a:cxnSpLocks/>
-              </p:cNvCxnSpPr>
-              <p:nvPr/>
-            </p:nvCxnSpPr>
-            <p:spPr>
-              <a:xfrm flipH="1" flipV="1">
-                <a:off x="2141346" y="3485778"/>
-                <a:ext cx="665491" cy="406425"/>
-              </a:xfrm>
-              <a:prstGeom prst="line">
-                <a:avLst/>
-              </a:prstGeom>
-              <a:ln w="9525">
-                <a:solidFill>
-                  <a:srgbClr val="FF0000"/>
-                </a:solidFill>
-                <a:headEnd type="arrow" w="med" len="med"/>
-                <a:tailEnd type="none" w="med" len="med"/>
-              </a:ln>
-            </p:spPr>
-            <p:style>
-              <a:lnRef idx="3">
-                <a:schemeClr val="accent1"/>
-              </a:lnRef>
-              <a:fillRef idx="0">
-                <a:schemeClr val="accent1"/>
-              </a:fillRef>
-              <a:effectRef idx="2">
-                <a:schemeClr val="accent1"/>
-              </a:effectRef>
-              <a:fontRef idx="minor">
-                <a:schemeClr val="tx1"/>
-              </a:fontRef>
-            </p:style>
-          </p:cxnSp>
-          <p:cxnSp>
-            <p:nvCxnSpPr>
-              <p:cNvPr id="98" name="直接连接符 97">
-                <a:extLst>
-                  <a:ext uri="{FF2B5EF4-FFF2-40B4-BE49-F238E27FC236}">
-                    <a16:creationId xmlns:a16="http://schemas.microsoft.com/office/drawing/2014/main" id="{1240FB83-DFCC-D90B-C915-FA65E1F91C96}"/>
-                  </a:ext>
-                </a:extLst>
-              </p:cNvPr>
-              <p:cNvCxnSpPr>
-                <a:cxnSpLocks/>
-              </p:cNvCxnSpPr>
-              <p:nvPr/>
-            </p:nvCxnSpPr>
-            <p:spPr>
-              <a:xfrm>
-                <a:off x="2561065" y="3333750"/>
-                <a:ext cx="234306" cy="551979"/>
-              </a:xfrm>
-              <a:prstGeom prst="line">
-                <a:avLst/>
-              </a:prstGeom>
-              <a:ln w="9525">
-                <a:solidFill>
-                  <a:srgbClr val="FF0000"/>
-                </a:solidFill>
-                <a:prstDash val="sysDash"/>
-                <a:headEnd type="none" w="med" len="med"/>
-                <a:tailEnd type="none" w="med" len="med"/>
-              </a:ln>
-            </p:spPr>
-            <p:style>
-              <a:lnRef idx="3">
-                <a:schemeClr val="accent1"/>
-              </a:lnRef>
-              <a:fillRef idx="0">
-                <a:schemeClr val="accent1"/>
-              </a:fillRef>
-              <a:effectRef idx="2">
-                <a:schemeClr val="accent1"/>
-              </a:effectRef>
-              <a:fontRef idx="minor">
-                <a:schemeClr val="tx1"/>
-              </a:fontRef>
-            </p:style>
-          </p:cxnSp>
-          <p:sp>
-            <p:nvSpPr>
-              <p:cNvPr id="103" name="文本框 102">
-                <a:extLst>
-                  <a:ext uri="{FF2B5EF4-FFF2-40B4-BE49-F238E27FC236}">
-                    <a16:creationId xmlns:a16="http://schemas.microsoft.com/office/drawing/2014/main" id="{8A5969A9-FF7B-102D-9E8F-5E4ACCEAC33F}"/>
-                  </a:ext>
-                </a:extLst>
-              </p:cNvPr>
-              <p:cNvSpPr txBox="1"/>
-              <p:nvPr/>
-            </p:nvSpPr>
-            <p:spPr>
-              <a:xfrm>
-                <a:off x="2389363" y="3110511"/>
-                <a:ext cx="272457" cy="307777"/>
-              </a:xfrm>
-              <a:prstGeom prst="rect">
-                <a:avLst/>
-              </a:prstGeom>
-              <a:noFill/>
-            </p:spPr>
-            <p:txBody>
-              <a:bodyPr wrap="square" rtlCol="0">
-                <a:spAutoFit/>
-              </a:bodyPr>
-              <a:lstStyle/>
-              <a:p>
-                <a:r>
-                  <a:rPr lang="en-US" altLang="zh-CN" sz="1400" i="1" dirty="0">
-                    <a:latin typeface="Times New Roman" panose="02020603050405020304" pitchFamily="18" charset="0"/>
-                    <a:cs typeface="Times New Roman" panose="02020603050405020304" pitchFamily="18" charset="0"/>
-                  </a:rPr>
-                  <a:t>P</a:t>
-                </a:r>
-                <a:endParaRPr lang="zh-CN" altLang="en-US" sz="1400" baseline="-25000" dirty="0">
-                  <a:latin typeface="Times New Roman" panose="02020603050405020304" pitchFamily="18" charset="0"/>
-                  <a:cs typeface="Times New Roman" panose="02020603050405020304" pitchFamily="18" charset="0"/>
-                </a:endParaRPr>
-              </a:p>
-            </p:txBody>
-          </p:sp>
-          <p:graphicFrame>
-            <p:nvGraphicFramePr>
-              <p:cNvPr id="105" name="对象 104">
-                <a:extLst>
-                  <a:ext uri="{FF2B5EF4-FFF2-40B4-BE49-F238E27FC236}">
-                    <a16:creationId xmlns:a16="http://schemas.microsoft.com/office/drawing/2014/main" id="{4EAAFEA5-AAA6-BC12-EA76-78F6D75829CA}"/>
-                  </a:ext>
-                </a:extLst>
-              </p:cNvPr>
-              <p:cNvGraphicFramePr>
-                <a:graphicFrameLocks noChangeAspect="1"/>
-              </p:cNvGraphicFramePr>
-              <p:nvPr>
-                <p:extLst>
-                  <p:ext uri="{D42A27DB-BD31-4B8C-83A1-F6EECF244321}">
-                    <p14:modId xmlns:p14="http://schemas.microsoft.com/office/powerpoint/2010/main" val="2667810736"/>
-                  </p:ext>
-                </p:extLst>
-              </p:nvPr>
-            </p:nvGraphicFramePr>
-            <p:xfrm>
-              <a:off x="2798557" y="3754012"/>
-              <a:ext cx="303212" cy="261938"/>
-            </p:xfrm>
-            <a:graphic>
-              <a:graphicData uri="http://schemas.openxmlformats.org/presentationml/2006/ole">
-                <mc:AlternateContent xmlns:mc="http://schemas.openxmlformats.org/markup-compatibility/2006">
-                  <mc:Choice xmlns:v="urn:schemas-microsoft-com:vml" Requires="v">
-                    <p:oleObj name="Equation" r:id="rId6" imgW="266400" imgH="228600" progId="Equation.DSMT4">
-                      <p:embed/>
-                    </p:oleObj>
-                  </mc:Choice>
-                  <mc:Fallback>
-                    <p:oleObj name="Equation" r:id="rId6" imgW="266400" imgH="228600" progId="Equation.DSMT4">
-                      <p:embed/>
-                      <p:pic>
-                        <p:nvPicPr>
-                          <p:cNvPr id="89" name="对象 88">
-                            <a:extLst>
-                              <a:ext uri="{FF2B5EF4-FFF2-40B4-BE49-F238E27FC236}">
-                                <a16:creationId xmlns:a16="http://schemas.microsoft.com/office/drawing/2014/main" id="{97AB4ED5-69F1-3E56-7E58-E822831E851F}"/>
-                              </a:ext>
-                            </a:extLst>
-                          </p:cNvPr>
-                          <p:cNvPicPr/>
-                          <p:nvPr/>
-                        </p:nvPicPr>
-                        <p:blipFill>
-                          <a:blip r:embed="rId7"/>
-                          <a:stretch>
-                            <a:fillRect/>
-                          </a:stretch>
-                        </p:blipFill>
-                        <p:spPr>
-                          <a:xfrm>
-                            <a:off x="2798557" y="3754012"/>
-                            <a:ext cx="303212" cy="261938"/>
-                          </a:xfrm>
-                          <a:prstGeom prst="rect">
-                            <a:avLst/>
-                          </a:prstGeom>
-                        </p:spPr>
-                      </p:pic>
-                    </p:oleObj>
-                  </mc:Fallback>
-                </mc:AlternateContent>
-              </a:graphicData>
-            </a:graphic>
-          </p:graphicFrame>
-          <p:sp>
-            <p:nvSpPr>
-              <p:cNvPr id="106" name="文本框 105">
-                <a:extLst>
-                  <a:ext uri="{FF2B5EF4-FFF2-40B4-BE49-F238E27FC236}">
-                    <a16:creationId xmlns:a16="http://schemas.microsoft.com/office/drawing/2014/main" id="{3B6E933A-FA34-8E15-06A7-F98FB6E9EFFA}"/>
-                  </a:ext>
-                </a:extLst>
-              </p:cNvPr>
-              <p:cNvSpPr txBox="1"/>
-              <p:nvPr/>
-            </p:nvSpPr>
-            <p:spPr>
-              <a:xfrm>
-                <a:off x="549840" y="3815124"/>
-                <a:ext cx="457022" cy="338554"/>
-              </a:xfrm>
-              <a:prstGeom prst="rect">
-                <a:avLst/>
-              </a:prstGeom>
-              <a:noFill/>
-            </p:spPr>
-            <p:txBody>
-              <a:bodyPr wrap="square" rtlCol="0">
-                <a:spAutoFit/>
-              </a:bodyPr>
-              <a:lstStyle/>
-              <a:p>
-                <a:r>
-                  <a:rPr lang="en-US" altLang="zh-CN" sz="1600" i="1" dirty="0">
-                    <a:latin typeface="Times New Roman" panose="02020603050405020304" pitchFamily="18" charset="0"/>
-                    <a:cs typeface="Times New Roman" panose="02020603050405020304" pitchFamily="18" charset="0"/>
-                  </a:rPr>
-                  <a:t>S</a:t>
-                </a:r>
-                <a:r>
-                  <a:rPr lang="en-US" altLang="zh-CN" sz="1600" i="1" baseline="-25000" dirty="0">
-                    <a:latin typeface="Times New Roman" panose="02020603050405020304" pitchFamily="18" charset="0"/>
-                    <a:cs typeface="Times New Roman" panose="02020603050405020304" pitchFamily="18" charset="0"/>
-                  </a:rPr>
-                  <a:t>o</a:t>
-                </a:r>
-                <a:endParaRPr lang="zh-CN" altLang="en-US" sz="1600" i="1" baseline="-25000" dirty="0">
-                  <a:latin typeface="Times New Roman" panose="02020603050405020304" pitchFamily="18" charset="0"/>
-                  <a:cs typeface="Times New Roman" panose="02020603050405020304" pitchFamily="18" charset="0"/>
-                </a:endParaRPr>
-              </a:p>
-            </p:txBody>
-          </p:sp>
-          <p:cxnSp>
-            <p:nvCxnSpPr>
-              <p:cNvPr id="107" name="直接连接符 106">
-                <a:extLst>
-                  <a:ext uri="{FF2B5EF4-FFF2-40B4-BE49-F238E27FC236}">
-                    <a16:creationId xmlns:a16="http://schemas.microsoft.com/office/drawing/2014/main" id="{81D71B46-990B-220E-4D11-22DA4E79EC22}"/>
-                  </a:ext>
-                </a:extLst>
-              </p:cNvPr>
-              <p:cNvCxnSpPr>
-                <a:cxnSpLocks/>
-              </p:cNvCxnSpPr>
-              <p:nvPr/>
-            </p:nvCxnSpPr>
-            <p:spPr>
-              <a:xfrm flipV="1">
-                <a:off x="3689350" y="3890299"/>
-                <a:ext cx="1865385" cy="15450"/>
-              </a:xfrm>
-              <a:prstGeom prst="line">
-                <a:avLst/>
-              </a:prstGeom>
-              <a:ln>
-                <a:solidFill>
-                  <a:srgbClr val="00B050"/>
-                </a:solidFill>
-                <a:headEnd type="oval" w="med" len="med"/>
-                <a:tailEnd type="triangle" w="med" len="med"/>
-              </a:ln>
-            </p:spPr>
-            <p:style>
-              <a:lnRef idx="3">
-                <a:schemeClr val="accent1"/>
-              </a:lnRef>
-              <a:fillRef idx="0">
-                <a:schemeClr val="accent1"/>
-              </a:fillRef>
-              <a:effectRef idx="2">
-                <a:schemeClr val="accent1"/>
-              </a:effectRef>
-              <a:fontRef idx="minor">
-                <a:schemeClr val="tx1"/>
-              </a:fontRef>
-            </p:style>
-          </p:cxnSp>
-          <p:cxnSp>
-            <p:nvCxnSpPr>
-              <p:cNvPr id="108" name="直接连接符 107">
-                <a:extLst>
-                  <a:ext uri="{FF2B5EF4-FFF2-40B4-BE49-F238E27FC236}">
-                    <a16:creationId xmlns:a16="http://schemas.microsoft.com/office/drawing/2014/main" id="{B0603066-7155-035F-EEB1-83368368847A}"/>
-                  </a:ext>
-                </a:extLst>
-              </p:cNvPr>
-              <p:cNvCxnSpPr>
-                <a:cxnSpLocks/>
-              </p:cNvCxnSpPr>
-              <p:nvPr/>
-            </p:nvCxnSpPr>
-            <p:spPr>
-              <a:xfrm>
-                <a:off x="4848156" y="3158528"/>
-                <a:ext cx="0" cy="1141301"/>
-              </a:xfrm>
-              <a:prstGeom prst="line">
-                <a:avLst/>
-              </a:prstGeom>
-              <a:ln>
-                <a:headEnd type="triangle" w="med" len="med"/>
-                <a:tailEnd type="none" w="med" len="med"/>
-              </a:ln>
-            </p:spPr>
-            <p:style>
-              <a:lnRef idx="3">
-                <a:schemeClr val="accent1"/>
-              </a:lnRef>
-              <a:fillRef idx="0">
-                <a:schemeClr val="accent1"/>
-              </a:fillRef>
-              <a:effectRef idx="2">
-                <a:schemeClr val="accent1"/>
-              </a:effectRef>
-              <a:fontRef idx="minor">
-                <a:schemeClr val="tx1"/>
-              </a:fontRef>
-            </p:style>
-          </p:cxnSp>
-          <p:sp>
-            <p:nvSpPr>
-              <p:cNvPr id="112" name="文本框 111">
-                <a:extLst>
-                  <a:ext uri="{FF2B5EF4-FFF2-40B4-BE49-F238E27FC236}">
-                    <a16:creationId xmlns:a16="http://schemas.microsoft.com/office/drawing/2014/main" id="{0D031568-13E2-3921-843D-F2B90DF5AA9F}"/>
-                  </a:ext>
-                </a:extLst>
-              </p:cNvPr>
-              <p:cNvSpPr txBox="1"/>
-              <p:nvPr/>
-            </p:nvSpPr>
-            <p:spPr>
-              <a:xfrm>
-                <a:off x="1931518" y="3238776"/>
-                <a:ext cx="334228" cy="307777"/>
-              </a:xfrm>
-              <a:prstGeom prst="rect">
-                <a:avLst/>
-              </a:prstGeom>
-              <a:noFill/>
-              <a:ln>
-                <a:noFill/>
-              </a:ln>
-            </p:spPr>
-            <p:txBody>
-              <a:bodyPr wrap="square" rtlCol="0">
-                <a:spAutoFit/>
-              </a:bodyPr>
-              <a:lstStyle/>
-              <a:p>
-                <a:r>
-                  <a:rPr lang="en-US" altLang="zh-CN" sz="1400" i="1" dirty="0">
-                    <a:solidFill>
-                      <a:srgbClr val="5B9BD5"/>
-                    </a:solidFill>
-                    <a:latin typeface="Times New Roman" panose="02020603050405020304" pitchFamily="18" charset="0"/>
-                    <a:cs typeface="Times New Roman" panose="02020603050405020304" pitchFamily="18" charset="0"/>
-                  </a:rPr>
-                  <a:t>O</a:t>
-                </a:r>
-                <a:endParaRPr lang="zh-CN" altLang="en-US" sz="1400" i="1" baseline="-25000" dirty="0">
-                  <a:solidFill>
-                    <a:srgbClr val="5B9BD5"/>
-                  </a:solidFill>
-                  <a:latin typeface="Times New Roman" panose="02020603050405020304" pitchFamily="18" charset="0"/>
-                  <a:cs typeface="Times New Roman" panose="02020603050405020304" pitchFamily="18" charset="0"/>
-                </a:endParaRPr>
-              </a:p>
-            </p:txBody>
-          </p:sp>
-          <p:sp>
-            <p:nvSpPr>
-              <p:cNvPr id="113" name="文本框 112">
-                <a:extLst>
-                  <a:ext uri="{FF2B5EF4-FFF2-40B4-BE49-F238E27FC236}">
-                    <a16:creationId xmlns:a16="http://schemas.microsoft.com/office/drawing/2014/main" id="{45AEA4EA-8FFF-904C-F5EB-700300B07043}"/>
-                  </a:ext>
-                </a:extLst>
-              </p:cNvPr>
-              <p:cNvSpPr txBox="1"/>
-              <p:nvPr/>
-            </p:nvSpPr>
-            <p:spPr>
-              <a:xfrm>
-                <a:off x="4583460" y="3827339"/>
-                <a:ext cx="334228" cy="307777"/>
-              </a:xfrm>
-              <a:prstGeom prst="rect">
-                <a:avLst/>
-              </a:prstGeom>
-              <a:noFill/>
-              <a:ln>
-                <a:noFill/>
-              </a:ln>
-            </p:spPr>
-            <p:txBody>
-              <a:bodyPr wrap="square" rtlCol="0">
-                <a:spAutoFit/>
-              </a:bodyPr>
-              <a:lstStyle/>
-              <a:p>
-                <a:r>
-                  <a:rPr lang="en-US" altLang="zh-CN" sz="1400" i="1" dirty="0">
-                    <a:solidFill>
-                      <a:srgbClr val="5B9BD5"/>
-                    </a:solidFill>
-                    <a:latin typeface="Times New Roman" panose="02020603050405020304" pitchFamily="18" charset="0"/>
-                    <a:cs typeface="Times New Roman" panose="02020603050405020304" pitchFamily="18" charset="0"/>
-                  </a:rPr>
-                  <a:t>O</a:t>
-                </a:r>
-                <a:endParaRPr lang="zh-CN" altLang="en-US" sz="1400" i="1" baseline="-25000" dirty="0">
-                  <a:solidFill>
-                    <a:srgbClr val="5B9BD5"/>
-                  </a:solidFill>
-                  <a:latin typeface="Times New Roman" panose="02020603050405020304" pitchFamily="18" charset="0"/>
-                  <a:cs typeface="Times New Roman" panose="02020603050405020304" pitchFamily="18" charset="0"/>
-                </a:endParaRPr>
-              </a:p>
-            </p:txBody>
-          </p:sp>
-          <p:sp>
-            <p:nvSpPr>
-              <p:cNvPr id="114" name="文本框 113">
-                <a:extLst>
-                  <a:ext uri="{FF2B5EF4-FFF2-40B4-BE49-F238E27FC236}">
-                    <a16:creationId xmlns:a16="http://schemas.microsoft.com/office/drawing/2014/main" id="{79E1E583-B85C-471E-3365-06F9895E79A8}"/>
-                  </a:ext>
-                </a:extLst>
-              </p:cNvPr>
-              <p:cNvSpPr txBox="1"/>
-              <p:nvPr/>
-            </p:nvSpPr>
-            <p:spPr>
-              <a:xfrm>
-                <a:off x="5546974" y="3701063"/>
-                <a:ext cx="272457" cy="369332"/>
-              </a:xfrm>
-              <a:prstGeom prst="rect">
-                <a:avLst/>
-              </a:prstGeom>
-              <a:noFill/>
-            </p:spPr>
-            <p:txBody>
-              <a:bodyPr wrap="square" rtlCol="0">
-                <a:spAutoFit/>
-              </a:bodyPr>
-              <a:lstStyle/>
-              <a:p>
-                <a:r>
-                  <a:rPr lang="en-US" altLang="zh-CN" i="1" dirty="0">
-                    <a:latin typeface="Times New Roman" panose="02020603050405020304" pitchFamily="18" charset="0"/>
-                    <a:cs typeface="Times New Roman" panose="02020603050405020304" pitchFamily="18" charset="0"/>
-                  </a:rPr>
-                  <a:t>t</a:t>
-                </a:r>
-                <a:endParaRPr lang="zh-CN" altLang="en-US" baseline="-25000" dirty="0">
-                  <a:latin typeface="Times New Roman" panose="02020603050405020304" pitchFamily="18" charset="0"/>
-                  <a:cs typeface="Times New Roman" panose="02020603050405020304" pitchFamily="18" charset="0"/>
-                </a:endParaRPr>
-              </a:p>
-            </p:txBody>
-          </p:sp>
-          <p:sp>
-            <p:nvSpPr>
-              <p:cNvPr id="115" name="文本框 114">
-                <a:extLst>
-                  <a:ext uri="{FF2B5EF4-FFF2-40B4-BE49-F238E27FC236}">
-                    <a16:creationId xmlns:a16="http://schemas.microsoft.com/office/drawing/2014/main" id="{FA9C8696-1F76-65D1-BCFD-8FB35BED082F}"/>
-                  </a:ext>
-                </a:extLst>
-              </p:cNvPr>
-              <p:cNvSpPr txBox="1"/>
-              <p:nvPr/>
-            </p:nvSpPr>
-            <p:spPr>
-              <a:xfrm>
-                <a:off x="4812284" y="2964680"/>
-                <a:ext cx="272457" cy="369332"/>
-              </a:xfrm>
-              <a:prstGeom prst="rect">
-                <a:avLst/>
-              </a:prstGeom>
-              <a:noFill/>
-            </p:spPr>
-            <p:txBody>
-              <a:bodyPr wrap="square" rtlCol="0">
-                <a:spAutoFit/>
-              </a:bodyPr>
-              <a:lstStyle/>
-              <a:p>
-                <a:r>
-                  <a:rPr lang="en-US" altLang="zh-CN" i="1" dirty="0">
-                    <a:latin typeface="Times New Roman" panose="02020603050405020304" pitchFamily="18" charset="0"/>
-                    <a:cs typeface="Times New Roman" panose="02020603050405020304" pitchFamily="18" charset="0"/>
-                  </a:rPr>
-                  <a:t>z</a:t>
-                </a:r>
-                <a:endParaRPr lang="zh-CN" altLang="en-US" baseline="-25000" dirty="0">
-                  <a:latin typeface="Times New Roman" panose="02020603050405020304" pitchFamily="18" charset="0"/>
-                  <a:cs typeface="Times New Roman" panose="02020603050405020304" pitchFamily="18" charset="0"/>
-                </a:endParaRPr>
-              </a:p>
-            </p:txBody>
-          </p:sp>
-          <p:sp>
-            <p:nvSpPr>
-              <p:cNvPr id="117" name="文本框 116">
-                <a:extLst>
-                  <a:ext uri="{FF2B5EF4-FFF2-40B4-BE49-F238E27FC236}">
-                    <a16:creationId xmlns:a16="http://schemas.microsoft.com/office/drawing/2014/main" id="{6DEE1A18-2055-7A87-DF47-5E8C86B1D604}"/>
-                  </a:ext>
-                </a:extLst>
-              </p:cNvPr>
-              <p:cNvSpPr txBox="1"/>
-              <p:nvPr/>
-            </p:nvSpPr>
-            <p:spPr>
-              <a:xfrm>
-                <a:off x="3381116" y="3689547"/>
-                <a:ext cx="457022" cy="338554"/>
-              </a:xfrm>
-              <a:prstGeom prst="rect">
-                <a:avLst/>
-              </a:prstGeom>
-              <a:noFill/>
-            </p:spPr>
-            <p:txBody>
-              <a:bodyPr wrap="square" rtlCol="0">
-                <a:spAutoFit/>
-              </a:bodyPr>
-              <a:lstStyle/>
-              <a:p>
-                <a:r>
-                  <a:rPr lang="en-US" altLang="zh-CN" sz="1600" i="1" dirty="0">
-                    <a:latin typeface="Times New Roman" panose="02020603050405020304" pitchFamily="18" charset="0"/>
-                    <a:cs typeface="Times New Roman" panose="02020603050405020304" pitchFamily="18" charset="0"/>
-                  </a:rPr>
-                  <a:t>S</a:t>
-                </a:r>
-                <a:r>
-                  <a:rPr lang="en-US" altLang="zh-CN" sz="1600" i="1" baseline="-25000" dirty="0">
-                    <a:latin typeface="Times New Roman" panose="02020603050405020304" pitchFamily="18" charset="0"/>
-                    <a:cs typeface="Times New Roman" panose="02020603050405020304" pitchFamily="18" charset="0"/>
-                  </a:rPr>
-                  <a:t>o</a:t>
-                </a:r>
-                <a:endParaRPr lang="zh-CN" altLang="en-US" sz="1600" i="1" baseline="-25000" dirty="0">
-                  <a:latin typeface="Times New Roman" panose="02020603050405020304" pitchFamily="18" charset="0"/>
-                  <a:cs typeface="Times New Roman" panose="02020603050405020304" pitchFamily="18" charset="0"/>
-                </a:endParaRPr>
-              </a:p>
-            </p:txBody>
-          </p:sp>
-          <p:cxnSp>
-            <p:nvCxnSpPr>
-              <p:cNvPr id="118" name="直接连接符 117">
-                <a:extLst>
-                  <a:ext uri="{FF2B5EF4-FFF2-40B4-BE49-F238E27FC236}">
-                    <a16:creationId xmlns:a16="http://schemas.microsoft.com/office/drawing/2014/main" id="{C56F0AE1-4ECD-CA75-1DA1-20941A41C9B0}"/>
-                  </a:ext>
-                </a:extLst>
-              </p:cNvPr>
-              <p:cNvCxnSpPr>
-                <a:cxnSpLocks/>
-              </p:cNvCxnSpPr>
-              <p:nvPr/>
-            </p:nvCxnSpPr>
-            <p:spPr>
-              <a:xfrm flipH="1">
-                <a:off x="4858636" y="3384626"/>
-                <a:ext cx="366521" cy="495739"/>
-              </a:xfrm>
-              <a:prstGeom prst="line">
-                <a:avLst/>
-              </a:prstGeom>
-              <a:ln w="9525">
-                <a:solidFill>
-                  <a:srgbClr val="FF66CC"/>
-                </a:solidFill>
-                <a:headEnd type="arrow" w="med" len="med"/>
-                <a:tailEnd type="none" w="med" len="med"/>
-              </a:ln>
-            </p:spPr>
-            <p:style>
-              <a:lnRef idx="3">
-                <a:schemeClr val="accent1"/>
-              </a:lnRef>
-              <a:fillRef idx="0">
-                <a:schemeClr val="accent1"/>
-              </a:fillRef>
-              <a:effectRef idx="2">
-                <a:schemeClr val="accent1"/>
-              </a:effectRef>
-              <a:fontRef idx="minor">
-                <a:schemeClr val="tx1"/>
-              </a:fontRef>
-            </p:style>
-          </p:cxnSp>
-          <p:cxnSp>
-            <p:nvCxnSpPr>
-              <p:cNvPr id="123" name="直接连接符 122">
-                <a:extLst>
-                  <a:ext uri="{FF2B5EF4-FFF2-40B4-BE49-F238E27FC236}">
-                    <a16:creationId xmlns:a16="http://schemas.microsoft.com/office/drawing/2014/main" id="{7AF739DD-58BE-A752-F305-1FD0868A2E20}"/>
-                  </a:ext>
-                </a:extLst>
-              </p:cNvPr>
-              <p:cNvCxnSpPr>
-                <a:cxnSpLocks/>
-              </p:cNvCxnSpPr>
-              <p:nvPr/>
-            </p:nvCxnSpPr>
-            <p:spPr>
-              <a:xfrm>
-                <a:off x="5225157" y="3385114"/>
-                <a:ext cx="0" cy="502900"/>
-              </a:xfrm>
-              <a:prstGeom prst="line">
-                <a:avLst/>
-              </a:prstGeom>
-              <a:ln w="9525">
-                <a:solidFill>
-                  <a:srgbClr val="FF66CC"/>
-                </a:solidFill>
-                <a:prstDash val="sysDash"/>
-                <a:headEnd type="none" w="med" len="med"/>
-                <a:tailEnd type="none" w="med" len="med"/>
-              </a:ln>
-            </p:spPr>
-            <p:style>
-              <a:lnRef idx="3">
-                <a:schemeClr val="accent1"/>
-              </a:lnRef>
-              <a:fillRef idx="0">
-                <a:schemeClr val="accent1"/>
-              </a:fillRef>
-              <a:effectRef idx="2">
-                <a:schemeClr val="accent1"/>
-              </a:effectRef>
-              <a:fontRef idx="minor">
-                <a:schemeClr val="tx1"/>
-              </a:fontRef>
-            </p:style>
-          </p:cxnSp>
-          <p:graphicFrame>
-            <p:nvGraphicFramePr>
-              <p:cNvPr id="130" name="对象 129">
-                <a:extLst>
-                  <a:ext uri="{FF2B5EF4-FFF2-40B4-BE49-F238E27FC236}">
-                    <a16:creationId xmlns:a16="http://schemas.microsoft.com/office/drawing/2014/main" id="{D0CC5AF3-B505-9638-8919-74E4D7C6337D}"/>
-                  </a:ext>
-                </a:extLst>
-              </p:cNvPr>
-              <p:cNvGraphicFramePr>
-                <a:graphicFrameLocks noChangeAspect="1"/>
-              </p:cNvGraphicFramePr>
-              <p:nvPr>
-                <p:extLst>
-                  <p:ext uri="{D42A27DB-BD31-4B8C-83A1-F6EECF244321}">
-                    <p14:modId xmlns:p14="http://schemas.microsoft.com/office/powerpoint/2010/main" val="1601165018"/>
-                  </p:ext>
-                </p:extLst>
-              </p:nvPr>
-            </p:nvGraphicFramePr>
-            <p:xfrm>
-              <a:off x="5238887" y="3246368"/>
-              <a:ext cx="303212" cy="261938"/>
-            </p:xfrm>
-            <a:graphic>
-              <a:graphicData uri="http://schemas.openxmlformats.org/presentationml/2006/ole">
-                <mc:AlternateContent xmlns:mc="http://schemas.openxmlformats.org/markup-compatibility/2006">
-                  <mc:Choice xmlns:v="urn:schemas-microsoft-com:vml" Requires="v">
-                    <p:oleObj name="Equation" r:id="rId8" imgW="266400" imgH="228600" progId="Equation.DSMT4">
-                      <p:embed/>
-                    </p:oleObj>
-                  </mc:Choice>
-                  <mc:Fallback>
-                    <p:oleObj name="Equation" r:id="rId8" imgW="266400" imgH="228600" progId="Equation.DSMT4">
-                      <p:embed/>
-                      <p:pic>
-                        <p:nvPicPr>
-                          <p:cNvPr id="105" name="对象 104">
-                            <a:extLst>
-                              <a:ext uri="{FF2B5EF4-FFF2-40B4-BE49-F238E27FC236}">
-                                <a16:creationId xmlns:a16="http://schemas.microsoft.com/office/drawing/2014/main" id="{4EAAFEA5-AAA6-BC12-EA76-78F6D75829CA}"/>
-                              </a:ext>
-                            </a:extLst>
-                          </p:cNvPr>
-                          <p:cNvPicPr/>
-                          <p:nvPr/>
-                        </p:nvPicPr>
-                        <p:blipFill>
-                          <a:blip r:embed="rId9"/>
-                          <a:stretch>
-                            <a:fillRect/>
-                          </a:stretch>
-                        </p:blipFill>
-                        <p:spPr>
-                          <a:xfrm>
-                            <a:off x="5238887" y="3246368"/>
-                            <a:ext cx="303212" cy="261938"/>
-                          </a:xfrm>
-                          <a:prstGeom prst="rect">
-                            <a:avLst/>
-                          </a:prstGeom>
-                        </p:spPr>
-                      </p:pic>
-                    </p:oleObj>
-                  </mc:Fallback>
-                </mc:AlternateContent>
-              </a:graphicData>
-            </a:graphic>
-          </p:graphicFrame>
-          <p:sp>
-            <p:nvSpPr>
-              <p:cNvPr id="131" name="文本框 130">
-                <a:extLst>
-                  <a:ext uri="{FF2B5EF4-FFF2-40B4-BE49-F238E27FC236}">
-                    <a16:creationId xmlns:a16="http://schemas.microsoft.com/office/drawing/2014/main" id="{370B6AFE-8C86-AFAA-E84D-4765B3436A11}"/>
-                  </a:ext>
-                </a:extLst>
-              </p:cNvPr>
-              <p:cNvSpPr txBox="1"/>
-              <p:nvPr/>
-            </p:nvSpPr>
-            <p:spPr>
-              <a:xfrm>
-                <a:off x="5067401" y="3826239"/>
-                <a:ext cx="272457" cy="307777"/>
-              </a:xfrm>
-              <a:prstGeom prst="rect">
-                <a:avLst/>
-              </a:prstGeom>
-              <a:noFill/>
-            </p:spPr>
-            <p:txBody>
-              <a:bodyPr wrap="square" rtlCol="0">
-                <a:spAutoFit/>
-              </a:bodyPr>
-              <a:lstStyle/>
-              <a:p>
-                <a:r>
-                  <a:rPr lang="en-US" altLang="zh-CN" sz="1400" i="1" dirty="0">
-                    <a:latin typeface="Times New Roman" panose="02020603050405020304" pitchFamily="18" charset="0"/>
-                    <a:cs typeface="Times New Roman" panose="02020603050405020304" pitchFamily="18" charset="0"/>
-                  </a:rPr>
-                  <a:t>P</a:t>
-                </a:r>
-                <a:endParaRPr lang="zh-CN" altLang="en-US" sz="1400" baseline="-25000" dirty="0">
-                  <a:latin typeface="Times New Roman" panose="02020603050405020304" pitchFamily="18" charset="0"/>
-                  <a:cs typeface="Times New Roman" panose="02020603050405020304" pitchFamily="18" charset="0"/>
-                </a:endParaRPr>
-              </a:p>
-            </p:txBody>
-          </p:sp>
-          <p:cxnSp>
-            <p:nvCxnSpPr>
-              <p:cNvPr id="133" name="直接连接符 132">
-                <a:extLst>
-                  <a:ext uri="{FF2B5EF4-FFF2-40B4-BE49-F238E27FC236}">
-                    <a16:creationId xmlns:a16="http://schemas.microsoft.com/office/drawing/2014/main" id="{7AAD7E2F-402B-D8EB-4438-D5F30BA5EC70}"/>
-                  </a:ext>
-                </a:extLst>
-              </p:cNvPr>
-              <p:cNvCxnSpPr>
-                <a:cxnSpLocks/>
-              </p:cNvCxnSpPr>
-              <p:nvPr/>
-            </p:nvCxnSpPr>
-            <p:spPr>
-              <a:xfrm flipV="1">
-                <a:off x="847154" y="3890361"/>
-                <a:ext cx="1959683" cy="105777"/>
-              </a:xfrm>
-              <a:prstGeom prst="line">
-                <a:avLst/>
-              </a:prstGeom>
-            </p:spPr>
-            <p:style>
-              <a:lnRef idx="3">
-                <a:schemeClr val="accent2"/>
-              </a:lnRef>
-              <a:fillRef idx="0">
-                <a:schemeClr val="accent2"/>
-              </a:fillRef>
-              <a:effectRef idx="2">
-                <a:schemeClr val="accent2"/>
-              </a:effectRef>
-              <a:fontRef idx="minor">
-                <a:schemeClr val="tx1"/>
-              </a:fontRef>
-            </p:style>
-          </p:cxnSp>
-          <p:cxnSp>
-            <p:nvCxnSpPr>
-              <p:cNvPr id="139" name="直接连接符 138">
-                <a:extLst>
-                  <a:ext uri="{FF2B5EF4-FFF2-40B4-BE49-F238E27FC236}">
-                    <a16:creationId xmlns:a16="http://schemas.microsoft.com/office/drawing/2014/main" id="{7FEB7AA5-08D4-EE68-4E50-F65C0F5B8256}"/>
-                  </a:ext>
-                </a:extLst>
-              </p:cNvPr>
-              <p:cNvCxnSpPr>
-                <a:cxnSpLocks/>
-              </p:cNvCxnSpPr>
-              <p:nvPr/>
-            </p:nvCxnSpPr>
-            <p:spPr>
-              <a:xfrm flipV="1">
-                <a:off x="3683583" y="3404164"/>
-                <a:ext cx="1541574" cy="493860"/>
-              </a:xfrm>
-              <a:prstGeom prst="line">
-                <a:avLst/>
-              </a:prstGeom>
-              <a:ln>
-                <a:solidFill>
-                  <a:srgbClr val="002060"/>
-                </a:solidFill>
-              </a:ln>
-            </p:spPr>
-            <p:style>
-              <a:lnRef idx="3">
-                <a:schemeClr val="accent2"/>
-              </a:lnRef>
-              <a:fillRef idx="0">
-                <a:schemeClr val="accent2"/>
-              </a:fillRef>
-              <a:effectRef idx="2">
-                <a:schemeClr val="accent2"/>
-              </a:effectRef>
-              <a:fontRef idx="minor">
-                <a:schemeClr val="tx1"/>
-              </a:fontRef>
-            </p:style>
-          </p:cxnSp>
-          <p:sp>
-            <p:nvSpPr>
-              <p:cNvPr id="2" name="文本框 1">
-                <a:extLst>
-                  <a:ext uri="{FF2B5EF4-FFF2-40B4-BE49-F238E27FC236}">
-                    <a16:creationId xmlns:a16="http://schemas.microsoft.com/office/drawing/2014/main" id="{84DF7BFC-E0B3-7AA6-5626-6BEB4F7155F8}"/>
-                  </a:ext>
-                </a:extLst>
-              </p:cNvPr>
-              <p:cNvSpPr txBox="1"/>
-              <p:nvPr/>
-            </p:nvSpPr>
-            <p:spPr>
-              <a:xfrm>
-                <a:off x="4283811" y="4445372"/>
-                <a:ext cx="1128690" cy="297517"/>
-              </a:xfrm>
-              <a:prstGeom prst="rect">
-                <a:avLst/>
-              </a:prstGeom>
-              <a:noFill/>
-            </p:spPr>
-            <p:txBody>
-              <a:bodyPr wrap="square" rtlCol="0">
-                <a:spAutoFit/>
-              </a:bodyPr>
-              <a:lstStyle/>
-              <a:p>
-                <a:r>
-                  <a:rPr lang="en-US" altLang="zh-CN" sz="2000" baseline="-25000" dirty="0">
-                    <a:latin typeface="Times New Roman" panose="02020603050405020304" pitchFamily="18" charset="0"/>
-                    <a:cs typeface="Times New Roman" panose="02020603050405020304" pitchFamily="18" charset="0"/>
-                  </a:rPr>
-                  <a:t>(c) </a:t>
-                </a:r>
-                <a:r>
-                  <a:rPr lang="en-US" altLang="zh-CN" sz="2000" i="1" baseline="-25000" dirty="0" err="1">
-                    <a:latin typeface="Times New Roman" panose="02020603050405020304" pitchFamily="18" charset="0"/>
-                    <a:cs typeface="Times New Roman" panose="02020603050405020304" pitchFamily="18" charset="0"/>
-                  </a:rPr>
-                  <a:t>Otz</a:t>
-                </a:r>
-                <a:r>
-                  <a:rPr lang="zh-CN" altLang="en-US" sz="2000" baseline="-25000" dirty="0">
-                    <a:latin typeface="Times New Roman" panose="02020603050405020304" pitchFamily="18" charset="0"/>
-                    <a:cs typeface="Times New Roman" panose="02020603050405020304" pitchFamily="18" charset="0"/>
-                  </a:rPr>
-                  <a:t>平面</a:t>
-                </a:r>
-              </a:p>
-            </p:txBody>
-          </p:sp>
-          <p:sp>
-            <p:nvSpPr>
-              <p:cNvPr id="8" name="文本框 7">
-                <a:extLst>
-                  <a:ext uri="{FF2B5EF4-FFF2-40B4-BE49-F238E27FC236}">
-                    <a16:creationId xmlns:a16="http://schemas.microsoft.com/office/drawing/2014/main" id="{8D882B35-BFFC-9D66-E33A-B1AABD278247}"/>
-                  </a:ext>
-                </a:extLst>
-              </p:cNvPr>
-              <p:cNvSpPr txBox="1"/>
-              <p:nvPr/>
-            </p:nvSpPr>
-            <p:spPr>
-              <a:xfrm>
-                <a:off x="7250109" y="4443263"/>
-                <a:ext cx="1128690" cy="297517"/>
-              </a:xfrm>
-              <a:prstGeom prst="rect">
-                <a:avLst/>
-              </a:prstGeom>
-              <a:noFill/>
-            </p:spPr>
-            <p:txBody>
-              <a:bodyPr wrap="square" rtlCol="0">
-                <a:spAutoFit/>
-              </a:bodyPr>
-              <a:lstStyle/>
-              <a:p>
-                <a:r>
-                  <a:rPr lang="en-US" altLang="zh-CN" sz="2000" baseline="-25000" dirty="0">
-                    <a:latin typeface="Times New Roman" panose="02020603050405020304" pitchFamily="18" charset="0"/>
-                    <a:cs typeface="Times New Roman" panose="02020603050405020304" pitchFamily="18" charset="0"/>
-                  </a:rPr>
-                  <a:t>(d) </a:t>
-                </a:r>
-                <a:r>
-                  <a:rPr lang="en-US" altLang="zh-CN" sz="2000" i="1" baseline="-25000" dirty="0" err="1">
-                    <a:latin typeface="Times New Roman" panose="02020603050405020304" pitchFamily="18" charset="0"/>
-                    <a:cs typeface="Times New Roman" panose="02020603050405020304" pitchFamily="18" charset="0"/>
-                  </a:rPr>
-                  <a:t>Osz</a:t>
-                </a:r>
-                <a:r>
-                  <a:rPr lang="zh-CN" altLang="en-US" sz="2000" baseline="-25000" dirty="0">
-                    <a:latin typeface="Times New Roman" panose="02020603050405020304" pitchFamily="18" charset="0"/>
-                    <a:cs typeface="Times New Roman" panose="02020603050405020304" pitchFamily="18" charset="0"/>
-                  </a:rPr>
-                  <a:t>平面</a:t>
-                </a:r>
-              </a:p>
-            </p:txBody>
-          </p:sp>
-          <p:cxnSp>
-            <p:nvCxnSpPr>
-              <p:cNvPr id="9" name="直接连接符 8">
-                <a:extLst>
-                  <a:ext uri="{FF2B5EF4-FFF2-40B4-BE49-F238E27FC236}">
-                    <a16:creationId xmlns:a16="http://schemas.microsoft.com/office/drawing/2014/main" id="{11A26EB2-DFEE-AFDE-9566-4C1A2B894B13}"/>
-                  </a:ext>
-                </a:extLst>
-              </p:cNvPr>
-              <p:cNvCxnSpPr>
-                <a:cxnSpLocks/>
-              </p:cNvCxnSpPr>
-              <p:nvPr/>
-            </p:nvCxnSpPr>
-            <p:spPr>
-              <a:xfrm>
-                <a:off x="6674527" y="2975474"/>
-                <a:ext cx="2167371" cy="930275"/>
-              </a:xfrm>
-              <a:prstGeom prst="line">
-                <a:avLst/>
-              </a:prstGeom>
-              <a:ln>
-                <a:headEnd type="none" w="med" len="med"/>
-                <a:tailEnd type="triangle" w="med" len="med"/>
-              </a:ln>
-            </p:spPr>
-            <p:style>
-              <a:lnRef idx="3">
-                <a:schemeClr val="accent1"/>
-              </a:lnRef>
-              <a:fillRef idx="0">
-                <a:schemeClr val="accent1"/>
-              </a:fillRef>
-              <a:effectRef idx="2">
-                <a:schemeClr val="accent1"/>
-              </a:effectRef>
-              <a:fontRef idx="minor">
-                <a:schemeClr val="tx1"/>
-              </a:fontRef>
-            </p:style>
-          </p:cxnSp>
-          <p:cxnSp>
-            <p:nvCxnSpPr>
-              <p:cNvPr id="11" name="直接连接符 10">
-                <a:extLst>
-                  <a:ext uri="{FF2B5EF4-FFF2-40B4-BE49-F238E27FC236}">
-                    <a16:creationId xmlns:a16="http://schemas.microsoft.com/office/drawing/2014/main" id="{F541D75F-9727-F211-C6AC-156A5D4B0578}"/>
-                  </a:ext>
-                </a:extLst>
-              </p:cNvPr>
-              <p:cNvCxnSpPr>
-                <a:cxnSpLocks/>
-              </p:cNvCxnSpPr>
-              <p:nvPr/>
-            </p:nvCxnSpPr>
-            <p:spPr>
-              <a:xfrm>
-                <a:off x="7744922" y="2188769"/>
-                <a:ext cx="0" cy="2355358"/>
-              </a:xfrm>
-              <a:prstGeom prst="line">
-                <a:avLst/>
-              </a:prstGeom>
-              <a:ln>
-                <a:headEnd type="triangle" w="med" len="med"/>
-                <a:tailEnd type="none" w="med" len="med"/>
-              </a:ln>
-            </p:spPr>
-            <p:style>
-              <a:lnRef idx="3">
-                <a:schemeClr val="accent1"/>
-              </a:lnRef>
-              <a:fillRef idx="0">
-                <a:schemeClr val="accent1"/>
-              </a:fillRef>
-              <a:effectRef idx="2">
-                <a:schemeClr val="accent1"/>
-              </a:effectRef>
-              <a:fontRef idx="minor">
-                <a:schemeClr val="tx1"/>
-              </a:fontRef>
-            </p:style>
-          </p:cxnSp>
-          <p:sp>
-            <p:nvSpPr>
-              <p:cNvPr id="12" name="文本框 11">
-                <a:extLst>
-                  <a:ext uri="{FF2B5EF4-FFF2-40B4-BE49-F238E27FC236}">
-                    <a16:creationId xmlns:a16="http://schemas.microsoft.com/office/drawing/2014/main" id="{82ABBF38-EC60-9F4A-242D-0C449B00B99B}"/>
-                  </a:ext>
-                </a:extLst>
-              </p:cNvPr>
-              <p:cNvSpPr txBox="1"/>
-              <p:nvPr/>
-            </p:nvSpPr>
-            <p:spPr>
-              <a:xfrm>
-                <a:off x="8771254" y="3721083"/>
-                <a:ext cx="272457" cy="369332"/>
-              </a:xfrm>
-              <a:prstGeom prst="rect">
-                <a:avLst/>
-              </a:prstGeom>
-              <a:noFill/>
-            </p:spPr>
-            <p:txBody>
-              <a:bodyPr wrap="square" rtlCol="0">
-                <a:spAutoFit/>
-              </a:bodyPr>
-              <a:lstStyle/>
-              <a:p>
-                <a:r>
-                  <a:rPr lang="en-US" altLang="zh-CN" i="1" dirty="0">
-                    <a:latin typeface="Times New Roman" panose="02020603050405020304" pitchFamily="18" charset="0"/>
-                    <a:cs typeface="Times New Roman" panose="02020603050405020304" pitchFamily="18" charset="0"/>
-                  </a:rPr>
-                  <a:t>s</a:t>
-                </a:r>
-                <a:endParaRPr lang="zh-CN" altLang="en-US" baseline="-25000" dirty="0">
-                  <a:latin typeface="Times New Roman" panose="02020603050405020304" pitchFamily="18" charset="0"/>
-                  <a:cs typeface="Times New Roman" panose="02020603050405020304" pitchFamily="18" charset="0"/>
-                </a:endParaRPr>
-              </a:p>
-            </p:txBody>
-          </p:sp>
-          <p:sp>
-            <p:nvSpPr>
-              <p:cNvPr id="14" name="文本框 13">
-                <a:extLst>
-                  <a:ext uri="{FF2B5EF4-FFF2-40B4-BE49-F238E27FC236}">
-                    <a16:creationId xmlns:a16="http://schemas.microsoft.com/office/drawing/2014/main" id="{0C33EB13-0CB0-700A-F925-01C2A849A916}"/>
-                  </a:ext>
-                </a:extLst>
-              </p:cNvPr>
-              <p:cNvSpPr txBox="1"/>
-              <p:nvPr/>
-            </p:nvSpPr>
-            <p:spPr>
-              <a:xfrm>
-                <a:off x="7705584" y="1978173"/>
-                <a:ext cx="272457" cy="369332"/>
-              </a:xfrm>
-              <a:prstGeom prst="rect">
-                <a:avLst/>
-              </a:prstGeom>
-              <a:noFill/>
-            </p:spPr>
-            <p:txBody>
-              <a:bodyPr wrap="square" rtlCol="0">
-                <a:spAutoFit/>
-              </a:bodyPr>
-              <a:lstStyle/>
-              <a:p>
-                <a:r>
-                  <a:rPr lang="en-US" altLang="zh-CN" i="1" dirty="0">
-                    <a:latin typeface="Times New Roman" panose="02020603050405020304" pitchFamily="18" charset="0"/>
-                    <a:cs typeface="Times New Roman" panose="02020603050405020304" pitchFamily="18" charset="0"/>
-                  </a:rPr>
-                  <a:t>z</a:t>
-                </a:r>
-                <a:endParaRPr lang="zh-CN" altLang="en-US" baseline="-25000" dirty="0">
-                  <a:latin typeface="Times New Roman" panose="02020603050405020304" pitchFamily="18" charset="0"/>
-                  <a:cs typeface="Times New Roman" panose="02020603050405020304" pitchFamily="18" charset="0"/>
-                </a:endParaRPr>
-              </a:p>
-            </p:txBody>
-          </p:sp>
-          <p:sp>
-            <p:nvSpPr>
-              <p:cNvPr id="15" name="文本框 14">
-                <a:extLst>
-                  <a:ext uri="{FF2B5EF4-FFF2-40B4-BE49-F238E27FC236}">
-                    <a16:creationId xmlns:a16="http://schemas.microsoft.com/office/drawing/2014/main" id="{23567F62-2B0F-CAD3-7DD6-D93985A10065}"/>
-                  </a:ext>
-                </a:extLst>
-              </p:cNvPr>
-              <p:cNvSpPr txBox="1"/>
-              <p:nvPr/>
-            </p:nvSpPr>
-            <p:spPr>
-              <a:xfrm>
-                <a:off x="7504234" y="3359666"/>
-                <a:ext cx="334228" cy="307777"/>
-              </a:xfrm>
-              <a:prstGeom prst="rect">
-                <a:avLst/>
-              </a:prstGeom>
-              <a:noFill/>
-              <a:ln>
-                <a:noFill/>
-              </a:ln>
-            </p:spPr>
-            <p:txBody>
-              <a:bodyPr wrap="square" rtlCol="0">
-                <a:spAutoFit/>
-              </a:bodyPr>
-              <a:lstStyle/>
-              <a:p>
-                <a:r>
-                  <a:rPr lang="en-US" altLang="zh-CN" sz="1400" i="1" dirty="0">
-                    <a:solidFill>
-                      <a:srgbClr val="5B9BD5"/>
-                    </a:solidFill>
-                    <a:latin typeface="Times New Roman" panose="02020603050405020304" pitchFamily="18" charset="0"/>
-                    <a:cs typeface="Times New Roman" panose="02020603050405020304" pitchFamily="18" charset="0"/>
-                  </a:rPr>
-                  <a:t>O</a:t>
-                </a:r>
-                <a:endParaRPr lang="zh-CN" altLang="en-US" sz="1400" i="1" baseline="-25000" dirty="0">
-                  <a:solidFill>
-                    <a:srgbClr val="5B9BD5"/>
-                  </a:solidFill>
-                  <a:latin typeface="Times New Roman" panose="02020603050405020304" pitchFamily="18" charset="0"/>
-                  <a:cs typeface="Times New Roman" panose="02020603050405020304" pitchFamily="18" charset="0"/>
-                </a:endParaRPr>
-              </a:p>
-            </p:txBody>
-          </p:sp>
-          <p:cxnSp>
-            <p:nvCxnSpPr>
-              <p:cNvPr id="17" name="直接连接符 16">
-                <a:extLst>
-                  <a:ext uri="{FF2B5EF4-FFF2-40B4-BE49-F238E27FC236}">
-                    <a16:creationId xmlns:a16="http://schemas.microsoft.com/office/drawing/2014/main" id="{6108CF24-AED2-A148-33B4-24203F2687FC}"/>
-                  </a:ext>
-                </a:extLst>
-              </p:cNvPr>
-              <p:cNvCxnSpPr>
-                <a:cxnSpLocks/>
-              </p:cNvCxnSpPr>
-              <p:nvPr/>
-            </p:nvCxnSpPr>
-            <p:spPr>
-              <a:xfrm flipV="1">
-                <a:off x="6196170" y="3428124"/>
-                <a:ext cx="1548752" cy="25150"/>
-              </a:xfrm>
-              <a:prstGeom prst="line">
-                <a:avLst/>
-              </a:prstGeom>
-              <a:ln>
-                <a:solidFill>
-                  <a:srgbClr val="00B050"/>
-                </a:solidFill>
-                <a:headEnd type="oval" w="med" len="med"/>
-                <a:tailEnd type="oval" w="med" len="med"/>
-              </a:ln>
-            </p:spPr>
-            <p:style>
-              <a:lnRef idx="3">
-                <a:schemeClr val="accent1"/>
-              </a:lnRef>
-              <a:fillRef idx="0">
-                <a:schemeClr val="accent1"/>
-              </a:fillRef>
-              <a:effectRef idx="2">
-                <a:schemeClr val="accent1"/>
-              </a:effectRef>
-              <a:fontRef idx="minor">
-                <a:schemeClr val="tx1"/>
-              </a:fontRef>
-            </p:style>
-          </p:cxnSp>
-          <p:sp>
-            <p:nvSpPr>
-              <p:cNvPr id="22" name="文本框 21">
-                <a:extLst>
-                  <a:ext uri="{FF2B5EF4-FFF2-40B4-BE49-F238E27FC236}">
-                    <a16:creationId xmlns:a16="http://schemas.microsoft.com/office/drawing/2014/main" id="{F5FD89C4-1507-4465-0D0D-CB8E7EADF6E2}"/>
-                  </a:ext>
-                </a:extLst>
-              </p:cNvPr>
-              <p:cNvSpPr txBox="1"/>
-              <p:nvPr/>
-            </p:nvSpPr>
-            <p:spPr>
-              <a:xfrm>
-                <a:off x="6047822" y="3407726"/>
-                <a:ext cx="457022" cy="338554"/>
-              </a:xfrm>
-              <a:prstGeom prst="rect">
-                <a:avLst/>
-              </a:prstGeom>
-              <a:noFill/>
-            </p:spPr>
-            <p:txBody>
-              <a:bodyPr wrap="square" rtlCol="0">
-                <a:spAutoFit/>
-              </a:bodyPr>
-              <a:lstStyle/>
-              <a:p>
-                <a:r>
-                  <a:rPr lang="en-US" altLang="zh-CN" sz="1600" i="1" dirty="0">
-                    <a:latin typeface="Times New Roman" panose="02020603050405020304" pitchFamily="18" charset="0"/>
-                    <a:cs typeface="Times New Roman" panose="02020603050405020304" pitchFamily="18" charset="0"/>
-                  </a:rPr>
-                  <a:t>S</a:t>
-                </a:r>
-                <a:r>
-                  <a:rPr lang="en-US" altLang="zh-CN" sz="1600" i="1" baseline="-25000" dirty="0">
-                    <a:latin typeface="Times New Roman" panose="02020603050405020304" pitchFamily="18" charset="0"/>
-                    <a:cs typeface="Times New Roman" panose="02020603050405020304" pitchFamily="18" charset="0"/>
-                  </a:rPr>
-                  <a:t>o</a:t>
-                </a:r>
-                <a:endParaRPr lang="zh-CN" altLang="en-US" sz="1600" i="1" baseline="-25000" dirty="0">
-                  <a:latin typeface="Times New Roman" panose="02020603050405020304" pitchFamily="18" charset="0"/>
-                  <a:cs typeface="Times New Roman" panose="02020603050405020304" pitchFamily="18" charset="0"/>
-                </a:endParaRPr>
-              </a:p>
-            </p:txBody>
-          </p:sp>
-          <p:cxnSp>
-            <p:nvCxnSpPr>
-              <p:cNvPr id="23" name="直接连接符 22">
-                <a:extLst>
-                  <a:ext uri="{FF2B5EF4-FFF2-40B4-BE49-F238E27FC236}">
-                    <a16:creationId xmlns:a16="http://schemas.microsoft.com/office/drawing/2014/main" id="{D38205EB-5B21-3560-2E53-F4C0A501CA94}"/>
-                  </a:ext>
-                </a:extLst>
-              </p:cNvPr>
-              <p:cNvCxnSpPr>
-                <a:cxnSpLocks/>
-              </p:cNvCxnSpPr>
-              <p:nvPr/>
-            </p:nvCxnSpPr>
-            <p:spPr>
-              <a:xfrm flipV="1">
-                <a:off x="7756189" y="2897959"/>
-                <a:ext cx="673029" cy="530165"/>
-              </a:xfrm>
-              <a:prstGeom prst="line">
-                <a:avLst/>
-              </a:prstGeom>
-              <a:ln>
-                <a:headEnd type="none" w="med" len="med"/>
-                <a:tailEnd type="triangle" w="med" len="med"/>
-              </a:ln>
-            </p:spPr>
-            <p:style>
-              <a:lnRef idx="3">
-                <a:schemeClr val="accent1"/>
-              </a:lnRef>
-              <a:fillRef idx="0">
-                <a:schemeClr val="accent1"/>
-              </a:fillRef>
-              <a:effectRef idx="2">
-                <a:schemeClr val="accent1"/>
-              </a:effectRef>
-              <a:fontRef idx="minor">
-                <a:schemeClr val="tx1"/>
-              </a:fontRef>
-            </p:style>
-          </p:cxnSp>
-          <p:graphicFrame>
-            <p:nvGraphicFramePr>
-              <p:cNvPr id="26" name="对象 25">
-                <a:extLst>
-                  <a:ext uri="{FF2B5EF4-FFF2-40B4-BE49-F238E27FC236}">
-                    <a16:creationId xmlns:a16="http://schemas.microsoft.com/office/drawing/2014/main" id="{79EC3194-C235-7A59-A015-744400201F19}"/>
-                  </a:ext>
-                </a:extLst>
-              </p:cNvPr>
-              <p:cNvGraphicFramePr>
-                <a:graphicFrameLocks noChangeAspect="1"/>
-              </p:cNvGraphicFramePr>
-              <p:nvPr>
-                <p:extLst>
-                  <p:ext uri="{D42A27DB-BD31-4B8C-83A1-F6EECF244321}">
-                    <p14:modId xmlns:p14="http://schemas.microsoft.com/office/powerpoint/2010/main" val="1039675308"/>
-                  </p:ext>
-                </p:extLst>
-              </p:nvPr>
-            </p:nvGraphicFramePr>
-            <p:xfrm>
-              <a:off x="8418513" y="2776538"/>
-              <a:ext cx="317500" cy="261937"/>
-            </p:xfrm>
-            <a:graphic>
-              <a:graphicData uri="http://schemas.openxmlformats.org/presentationml/2006/ole">
-                <mc:AlternateContent xmlns:mc="http://schemas.openxmlformats.org/markup-compatibility/2006">
-                  <mc:Choice xmlns:v="urn:schemas-microsoft-com:vml" Requires="v">
-                    <p:oleObj name="Equation" r:id="rId10" imgW="279360" imgH="228600" progId="Equation.DSMT4">
-                      <p:embed/>
-                    </p:oleObj>
-                  </mc:Choice>
-                  <mc:Fallback>
-                    <p:oleObj name="Equation" r:id="rId10" imgW="279360" imgH="228600" progId="Equation.DSMT4">
-                      <p:embed/>
-                      <p:pic>
-                        <p:nvPicPr>
-                          <p:cNvPr id="130" name="对象 129">
-                            <a:extLst>
-                              <a:ext uri="{FF2B5EF4-FFF2-40B4-BE49-F238E27FC236}">
-                                <a16:creationId xmlns:a16="http://schemas.microsoft.com/office/drawing/2014/main" id="{D0CC5AF3-B505-9638-8919-74E4D7C6337D}"/>
-                              </a:ext>
-                            </a:extLst>
-                          </p:cNvPr>
-                          <p:cNvPicPr/>
-                          <p:nvPr/>
-                        </p:nvPicPr>
-                        <p:blipFill>
-                          <a:blip r:embed="rId11"/>
-                          <a:stretch>
-                            <a:fillRect/>
-                          </a:stretch>
-                        </p:blipFill>
-                        <p:spPr>
-                          <a:xfrm>
-                            <a:off x="8418513" y="2776538"/>
-                            <a:ext cx="317500" cy="261937"/>
-                          </a:xfrm>
-                          <a:prstGeom prst="rect">
-                            <a:avLst/>
-                          </a:prstGeom>
-                        </p:spPr>
-                      </p:pic>
-                    </p:oleObj>
-                  </mc:Fallback>
-                </mc:AlternateContent>
-              </a:graphicData>
-            </a:graphic>
-          </p:graphicFrame>
-          <p:cxnSp>
-            <p:nvCxnSpPr>
-              <p:cNvPr id="27" name="直接连接符 26">
-                <a:extLst>
-                  <a:ext uri="{FF2B5EF4-FFF2-40B4-BE49-F238E27FC236}">
-                    <a16:creationId xmlns:a16="http://schemas.microsoft.com/office/drawing/2014/main" id="{06F8A529-95FC-4A50-9277-0EC99A3CA9DF}"/>
-                  </a:ext>
-                </a:extLst>
-              </p:cNvPr>
-              <p:cNvCxnSpPr>
-                <a:cxnSpLocks/>
-              </p:cNvCxnSpPr>
-              <p:nvPr/>
-            </p:nvCxnSpPr>
-            <p:spPr>
-              <a:xfrm>
-                <a:off x="7745484" y="2608441"/>
-                <a:ext cx="673029" cy="288567"/>
-              </a:xfrm>
-              <a:prstGeom prst="line">
-                <a:avLst/>
-              </a:prstGeom>
-              <a:ln w="9525">
-                <a:solidFill>
-                  <a:srgbClr val="0070C0"/>
-                </a:solidFill>
-                <a:prstDash val="sysDash"/>
-                <a:headEnd type="none" w="med" len="med"/>
-                <a:tailEnd type="none" w="med" len="med"/>
-              </a:ln>
-            </p:spPr>
-            <p:style>
-              <a:lnRef idx="3">
-                <a:schemeClr val="accent1"/>
-              </a:lnRef>
-              <a:fillRef idx="0">
-                <a:schemeClr val="accent1"/>
-              </a:fillRef>
-              <a:effectRef idx="2">
-                <a:schemeClr val="accent1"/>
-              </a:effectRef>
-              <a:fontRef idx="minor">
-                <a:schemeClr val="tx1"/>
-              </a:fontRef>
-            </p:style>
-          </p:cxnSp>
-          <p:cxnSp>
-            <p:nvCxnSpPr>
-              <p:cNvPr id="30" name="直接连接符 29">
-                <a:extLst>
-                  <a:ext uri="{FF2B5EF4-FFF2-40B4-BE49-F238E27FC236}">
-                    <a16:creationId xmlns:a16="http://schemas.microsoft.com/office/drawing/2014/main" id="{4AACA436-2D40-F639-559A-F5F45C2FF0A9}"/>
-                  </a:ext>
-                </a:extLst>
-              </p:cNvPr>
-              <p:cNvCxnSpPr>
-                <a:cxnSpLocks/>
-              </p:cNvCxnSpPr>
-              <p:nvPr/>
-            </p:nvCxnSpPr>
-            <p:spPr>
-              <a:xfrm flipV="1">
-                <a:off x="8405207" y="2907506"/>
-                <a:ext cx="13306" cy="813577"/>
-              </a:xfrm>
-              <a:prstGeom prst="line">
-                <a:avLst/>
-              </a:prstGeom>
-              <a:ln w="9525">
-                <a:solidFill>
-                  <a:srgbClr val="0070C0"/>
-                </a:solidFill>
-                <a:prstDash val="sysDash"/>
-                <a:headEnd type="none" w="med" len="med"/>
-                <a:tailEnd type="none" w="med" len="med"/>
-              </a:ln>
-            </p:spPr>
-            <p:style>
-              <a:lnRef idx="3">
-                <a:schemeClr val="accent1"/>
-              </a:lnRef>
-              <a:fillRef idx="0">
-                <a:schemeClr val="accent1"/>
-              </a:fillRef>
-              <a:effectRef idx="2">
-                <a:schemeClr val="accent1"/>
-              </a:effectRef>
-              <a:fontRef idx="minor">
-                <a:schemeClr val="tx1"/>
-              </a:fontRef>
-            </p:style>
-          </p:cxnSp>
-          <p:cxnSp>
-            <p:nvCxnSpPr>
-              <p:cNvPr id="34" name="直接连接符 33">
-                <a:extLst>
-                  <a:ext uri="{FF2B5EF4-FFF2-40B4-BE49-F238E27FC236}">
-                    <a16:creationId xmlns:a16="http://schemas.microsoft.com/office/drawing/2014/main" id="{D90B3C6F-5D13-1D76-B4F9-87BB73FDB695}"/>
-                  </a:ext>
-                </a:extLst>
-              </p:cNvPr>
-              <p:cNvCxnSpPr>
-                <a:cxnSpLocks/>
-                <a:endCxn id="26" idx="1"/>
-              </p:cNvCxnSpPr>
-              <p:nvPr/>
-            </p:nvCxnSpPr>
-            <p:spPr>
-              <a:xfrm flipV="1">
-                <a:off x="6192082" y="2907506"/>
-                <a:ext cx="2226431" cy="552905"/>
-              </a:xfrm>
-              <a:prstGeom prst="line">
-                <a:avLst/>
-              </a:prstGeom>
-              <a:ln>
-                <a:solidFill>
-                  <a:schemeClr val="tx1"/>
-                </a:solidFill>
-              </a:ln>
-            </p:spPr>
-            <p:style>
-              <a:lnRef idx="3">
-                <a:schemeClr val="accent2"/>
-              </a:lnRef>
-              <a:fillRef idx="0">
-                <a:schemeClr val="accent2"/>
-              </a:fillRef>
-              <a:effectRef idx="2">
-                <a:schemeClr val="accent2"/>
-              </a:effectRef>
-              <a:fontRef idx="minor">
-                <a:schemeClr val="tx1"/>
-              </a:fontRef>
-            </p:style>
-          </p:cxnSp>
-          <p:graphicFrame>
-            <p:nvGraphicFramePr>
-              <p:cNvPr id="38" name="对象 37">
-                <a:extLst>
-                  <a:ext uri="{FF2B5EF4-FFF2-40B4-BE49-F238E27FC236}">
-                    <a16:creationId xmlns:a16="http://schemas.microsoft.com/office/drawing/2014/main" id="{30695199-12D3-21EF-7621-B298B071CF36}"/>
-                  </a:ext>
-                </a:extLst>
-              </p:cNvPr>
-              <p:cNvGraphicFramePr>
-                <a:graphicFrameLocks noChangeAspect="1"/>
-              </p:cNvGraphicFramePr>
-              <p:nvPr>
-                <p:extLst>
-                  <p:ext uri="{D42A27DB-BD31-4B8C-83A1-F6EECF244321}">
-                    <p14:modId xmlns:p14="http://schemas.microsoft.com/office/powerpoint/2010/main" val="2115065447"/>
-                  </p:ext>
-                </p:extLst>
-              </p:nvPr>
-            </p:nvGraphicFramePr>
-            <p:xfrm>
-              <a:off x="5331560" y="4900506"/>
-              <a:ext cx="3640138" cy="1400175"/>
-            </p:xfrm>
-            <a:graphic>
-              <a:graphicData uri="http://schemas.openxmlformats.org/presentationml/2006/ole">
-                <mc:AlternateContent xmlns:mc="http://schemas.openxmlformats.org/markup-compatibility/2006">
-                  <mc:Choice xmlns:v="urn:schemas-microsoft-com:vml" Requires="v">
-                    <p:oleObj name="Equation" r:id="rId12" imgW="2184120" imgH="838080" progId="Equation.DSMT4">
-                      <p:embed/>
-                    </p:oleObj>
-                  </mc:Choice>
-                  <mc:Fallback>
-                    <p:oleObj name="Equation" r:id="rId12" imgW="2184120" imgH="838080" progId="Equation.DSMT4">
-                      <p:embed/>
-                      <p:pic>
-                        <p:nvPicPr>
-                          <p:cNvPr id="36" name="对象 35">
-                            <a:extLst>
-                              <a:ext uri="{FF2B5EF4-FFF2-40B4-BE49-F238E27FC236}">
-                                <a16:creationId xmlns:a16="http://schemas.microsoft.com/office/drawing/2014/main" id="{BD5C232D-011B-E797-5E89-71FB24488C23}"/>
-                              </a:ext>
-                            </a:extLst>
-                          </p:cNvPr>
-                          <p:cNvPicPr/>
-                          <p:nvPr/>
-                        </p:nvPicPr>
-                        <p:blipFill>
-                          <a:blip r:embed="rId13"/>
-                          <a:stretch>
-                            <a:fillRect/>
-                          </a:stretch>
-                        </p:blipFill>
-                        <p:spPr>
-                          <a:xfrm>
-                            <a:off x="5331560" y="4900506"/>
-                            <a:ext cx="3640138" cy="1400175"/>
-                          </a:xfrm>
-                          <a:prstGeom prst="rect">
-                            <a:avLst/>
-                          </a:prstGeom>
-                        </p:spPr>
-                      </p:pic>
-                    </p:oleObj>
-                  </mc:Fallback>
-                </mc:AlternateContent>
-              </a:graphicData>
-            </a:graphic>
-          </p:graphicFrame>
-          <p:cxnSp>
-            <p:nvCxnSpPr>
-              <p:cNvPr id="39" name="直接连接符 38">
-                <a:extLst>
-                  <a:ext uri="{FF2B5EF4-FFF2-40B4-BE49-F238E27FC236}">
-                    <a16:creationId xmlns:a16="http://schemas.microsoft.com/office/drawing/2014/main" id="{C4A42965-6ED0-D81C-FC6A-132A16F1197D}"/>
-                  </a:ext>
-                </a:extLst>
-              </p:cNvPr>
-              <p:cNvCxnSpPr>
-                <a:cxnSpLocks/>
-              </p:cNvCxnSpPr>
-              <p:nvPr/>
-            </p:nvCxnSpPr>
-            <p:spPr>
-              <a:xfrm>
-                <a:off x="6196170" y="3462475"/>
-                <a:ext cx="2209037" cy="258608"/>
-              </a:xfrm>
-              <a:prstGeom prst="line">
-                <a:avLst/>
-              </a:prstGeom>
-              <a:ln>
-                <a:solidFill>
-                  <a:schemeClr val="tx1"/>
-                </a:solidFill>
-              </a:ln>
-            </p:spPr>
-            <p:style>
-              <a:lnRef idx="3">
-                <a:schemeClr val="accent2"/>
-              </a:lnRef>
-              <a:fillRef idx="0">
-                <a:schemeClr val="accent2"/>
-              </a:fillRef>
-              <a:effectRef idx="2">
-                <a:schemeClr val="accent2"/>
-              </a:effectRef>
-              <a:fontRef idx="minor">
-                <a:schemeClr val="tx1"/>
-              </a:fontRef>
-            </p:style>
-          </p:cxnSp>
-          <p:sp>
-            <p:nvSpPr>
-              <p:cNvPr id="42" name="文本框 41">
-                <a:extLst>
-                  <a:ext uri="{FF2B5EF4-FFF2-40B4-BE49-F238E27FC236}">
-                    <a16:creationId xmlns:a16="http://schemas.microsoft.com/office/drawing/2014/main" id="{8915284A-1EBB-D6A4-FBBC-76937C709C7A}"/>
-                  </a:ext>
-                </a:extLst>
-              </p:cNvPr>
-              <p:cNvSpPr txBox="1"/>
-              <p:nvPr/>
-            </p:nvSpPr>
-            <p:spPr>
-              <a:xfrm>
-                <a:off x="8354652" y="3507347"/>
-                <a:ext cx="334228" cy="307777"/>
-              </a:xfrm>
-              <a:prstGeom prst="rect">
-                <a:avLst/>
-              </a:prstGeom>
-              <a:noFill/>
-              <a:ln>
-                <a:noFill/>
-              </a:ln>
-            </p:spPr>
-            <p:txBody>
-              <a:bodyPr wrap="square" rtlCol="0">
-                <a:spAutoFit/>
-              </a:bodyPr>
-              <a:lstStyle/>
-              <a:p>
-                <a:r>
-                  <a:rPr lang="en-US" altLang="zh-CN" sz="1400" i="1" dirty="0">
-                    <a:solidFill>
-                      <a:srgbClr val="5B9BD5"/>
-                    </a:solidFill>
-                    <a:latin typeface="Times New Roman" panose="02020603050405020304" pitchFamily="18" charset="0"/>
-                    <a:cs typeface="Times New Roman" panose="02020603050405020304" pitchFamily="18" charset="0"/>
-                  </a:rPr>
-                  <a:t>F</a:t>
-                </a:r>
-                <a:endParaRPr lang="zh-CN" altLang="en-US" sz="1400" i="1" baseline="-25000" dirty="0">
-                  <a:solidFill>
-                    <a:srgbClr val="5B9BD5"/>
-                  </a:solidFill>
-                  <a:latin typeface="Times New Roman" panose="02020603050405020304" pitchFamily="18" charset="0"/>
-                  <a:cs typeface="Times New Roman" panose="02020603050405020304" pitchFamily="18" charset="0"/>
-                </a:endParaRPr>
-              </a:p>
-            </p:txBody>
-          </p:sp>
-          <p:sp>
-            <p:nvSpPr>
-              <p:cNvPr id="44" name="文本框 43">
-                <a:extLst>
-                  <a:ext uri="{FF2B5EF4-FFF2-40B4-BE49-F238E27FC236}">
-                    <a16:creationId xmlns:a16="http://schemas.microsoft.com/office/drawing/2014/main" id="{0AD1DD86-3998-C942-301F-441DB4E860EF}"/>
-                  </a:ext>
-                </a:extLst>
-              </p:cNvPr>
-              <p:cNvSpPr txBox="1"/>
-              <p:nvPr/>
-            </p:nvSpPr>
-            <p:spPr>
-              <a:xfrm>
-                <a:off x="7992527" y="3270639"/>
-                <a:ext cx="272457" cy="369332"/>
-              </a:xfrm>
-              <a:prstGeom prst="rect">
-                <a:avLst/>
-              </a:prstGeom>
-              <a:noFill/>
-            </p:spPr>
-            <p:txBody>
-              <a:bodyPr wrap="square" rtlCol="0">
-                <a:spAutoFit/>
-              </a:bodyPr>
-              <a:lstStyle/>
-              <a:p>
-                <a:r>
-                  <a:rPr lang="en-US" altLang="zh-CN" i="1" dirty="0">
-                    <a:solidFill>
-                      <a:srgbClr val="FF0000"/>
-                    </a:solidFill>
-                    <a:latin typeface="Times New Roman" panose="02020603050405020304" pitchFamily="18" charset="0"/>
-                    <a:cs typeface="Times New Roman" panose="02020603050405020304" pitchFamily="18" charset="0"/>
-                  </a:rPr>
-                  <a:t>s</a:t>
-                </a:r>
-                <a:endParaRPr lang="zh-CN" altLang="en-US" baseline="-25000" dirty="0">
-                  <a:solidFill>
-                    <a:srgbClr val="FF0000"/>
-                  </a:solidFill>
-                  <a:latin typeface="Times New Roman" panose="02020603050405020304" pitchFamily="18" charset="0"/>
-                  <a:cs typeface="Times New Roman" panose="02020603050405020304" pitchFamily="18" charset="0"/>
-                </a:endParaRPr>
-              </a:p>
-            </p:txBody>
-          </p:sp>
-          <p:cxnSp>
-            <p:nvCxnSpPr>
-              <p:cNvPr id="47" name="连接符: 曲线 46">
-                <a:extLst>
-                  <a:ext uri="{FF2B5EF4-FFF2-40B4-BE49-F238E27FC236}">
-                    <a16:creationId xmlns:a16="http://schemas.microsoft.com/office/drawing/2014/main" id="{EA3DF377-3B78-C5B2-C3A6-1EF5306181D6}"/>
-                  </a:ext>
-                </a:extLst>
-              </p:cNvPr>
-              <p:cNvCxnSpPr>
-                <a:cxnSpLocks/>
-              </p:cNvCxnSpPr>
-              <p:nvPr/>
-            </p:nvCxnSpPr>
-            <p:spPr>
-              <a:xfrm rot="5400000" flipH="1" flipV="1">
-                <a:off x="5355189" y="4006564"/>
-                <a:ext cx="1760326" cy="704047"/>
-              </a:xfrm>
-              <a:prstGeom prst="curvedConnector3">
-                <a:avLst/>
-              </a:prstGeom>
-              <a:ln>
-                <a:tailEnd type="triangle"/>
-              </a:ln>
-            </p:spPr>
-            <p:style>
-              <a:lnRef idx="2">
-                <a:schemeClr val="accent1"/>
-              </a:lnRef>
-              <a:fillRef idx="0">
-                <a:schemeClr val="accent1"/>
-              </a:fillRef>
-              <a:effectRef idx="1">
-                <a:schemeClr val="accent1"/>
-              </a:effectRef>
-              <a:fontRef idx="minor">
-                <a:schemeClr val="tx1"/>
-              </a:fontRef>
-            </p:style>
-          </p:cxnSp>
-          <p:sp>
-            <p:nvSpPr>
-              <p:cNvPr id="48" name="弧形 47">
-                <a:extLst>
-                  <a:ext uri="{FF2B5EF4-FFF2-40B4-BE49-F238E27FC236}">
-                    <a16:creationId xmlns:a16="http://schemas.microsoft.com/office/drawing/2014/main" id="{E6661E3E-FF27-BAC6-8287-74A44A9285B6}"/>
+                    <a16:creationId xmlns:a16="http://schemas.microsoft.com/office/drawing/2014/main" id="{2225F46D-4174-6540-266A-FB804C51F26F}"/>
                   </a:ext>
                 </a:extLst>
               </p:cNvPr>
@@ -12896,34 +13319,31 @@
               <p:nvPr/>
             </p:nvSpPr>
             <p:spPr>
-              <a:xfrm rot="7382125">
-                <a:off x="6425501" y="3366974"/>
-                <a:ext cx="261597" cy="73090"/>
+              <a:xfrm>
+                <a:off x="4801772" y="3478431"/>
+                <a:ext cx="79200" cy="77304"/>
               </a:xfrm>
-              <a:prstGeom prst="arc">
-                <a:avLst>
-                  <a:gd name="adj1" fmla="val 18696814"/>
-                  <a:gd name="adj2" fmla="val 20926179"/>
-                </a:avLst>
+              <a:prstGeom prst="ellipse">
+                <a:avLst/>
               </a:prstGeom>
               <a:ln>
-                <a:solidFill>
-                  <a:schemeClr val="accent6"/>
-                </a:solidFill>
+                <a:noFill/>
               </a:ln>
             </p:spPr>
             <p:style>
-              <a:lnRef idx="3">
-                <a:schemeClr val="dk1"/>
+              <a:lnRef idx="2">
+                <a:schemeClr val="accent1">
+                  <a:shade val="15000"/>
+                </a:schemeClr>
               </a:lnRef>
-              <a:fillRef idx="0">
-                <a:schemeClr val="dk1"/>
+              <a:fillRef idx="1">
+                <a:schemeClr val="accent1"/>
               </a:fillRef>
-              <a:effectRef idx="2">
-                <a:schemeClr val="dk1"/>
+              <a:effectRef idx="0">
+                <a:schemeClr val="accent1"/>
               </a:effectRef>
               <a:fontRef idx="minor">
-                <a:schemeClr val="tx1"/>
+                <a:schemeClr val="lt1"/>
               </a:fontRef>
             </p:style>
             <p:txBody>
@@ -12935,518 +13355,733 @@
               </a:p>
             </p:txBody>
           </p:sp>
-          <p:sp>
-            <p:nvSpPr>
-              <p:cNvPr id="52" name="弧形 51">
-                <a:extLst>
-                  <a:ext uri="{FF2B5EF4-FFF2-40B4-BE49-F238E27FC236}">
-                    <a16:creationId xmlns:a16="http://schemas.microsoft.com/office/drawing/2014/main" id="{B2740383-5E90-D739-2B60-9E9F349D6C26}"/>
-                  </a:ext>
-                </a:extLst>
-              </p:cNvPr>
-              <p:cNvSpPr/>
-              <p:nvPr/>
-            </p:nvSpPr>
-            <p:spPr>
-              <a:xfrm rot="5803424">
-                <a:off x="6415672" y="2950303"/>
-                <a:ext cx="946770" cy="320414"/>
-              </a:xfrm>
-              <a:prstGeom prst="arc">
-                <a:avLst>
-                  <a:gd name="adj1" fmla="val 18696814"/>
-                  <a:gd name="adj2" fmla="val 21230449"/>
-                </a:avLst>
-              </a:prstGeom>
-              <a:ln>
-                <a:solidFill>
-                  <a:schemeClr val="tx1"/>
-                </a:solidFill>
-                <a:prstDash val="sysDot"/>
-              </a:ln>
-            </p:spPr>
-            <p:style>
-              <a:lnRef idx="3">
-                <a:schemeClr val="dk1"/>
-              </a:lnRef>
-              <a:fillRef idx="0">
-                <a:schemeClr val="dk1"/>
-              </a:fillRef>
-              <a:effectRef idx="2">
-                <a:schemeClr val="dk1"/>
-              </a:effectRef>
-              <a:fontRef idx="minor">
-                <a:schemeClr val="tx1"/>
-              </a:fontRef>
-            </p:style>
-            <p:txBody>
-              <a:bodyPr rtlCol="0" anchor="ctr"/>
-              <a:lstStyle/>
-              <a:p>
-                <a:pPr algn="ctr"/>
-                <a:endParaRPr lang="zh-CN" altLang="en-US"/>
-              </a:p>
-            </p:txBody>
-          </p:sp>
-          <p:cxnSp>
-            <p:nvCxnSpPr>
-              <p:cNvPr id="53" name="连接符: 曲线 52">
-                <a:extLst>
-                  <a:ext uri="{FF2B5EF4-FFF2-40B4-BE49-F238E27FC236}">
-                    <a16:creationId xmlns:a16="http://schemas.microsoft.com/office/drawing/2014/main" id="{2BD9EFA6-4B8A-65B7-62E1-7A8C8A4CC9B5}"/>
-                  </a:ext>
-                </a:extLst>
-              </p:cNvPr>
-              <p:cNvCxnSpPr>
-                <a:cxnSpLocks/>
-              </p:cNvCxnSpPr>
-              <p:nvPr/>
-            </p:nvCxnSpPr>
-            <p:spPr>
-              <a:xfrm rot="16200000" flipV="1">
-                <a:off x="6316355" y="4087216"/>
-                <a:ext cx="1836353" cy="329422"/>
-              </a:xfrm>
-              <a:prstGeom prst="curvedConnector3">
-                <a:avLst>
-                  <a:gd name="adj1" fmla="val 50000"/>
-                </a:avLst>
-              </a:prstGeom>
-              <a:ln>
-                <a:tailEnd type="triangle"/>
-              </a:ln>
-            </p:spPr>
-            <p:style>
-              <a:lnRef idx="2">
-                <a:schemeClr val="accent1"/>
-              </a:lnRef>
-              <a:fillRef idx="0">
-                <a:schemeClr val="accent1"/>
-              </a:fillRef>
-              <a:effectRef idx="1">
-                <a:schemeClr val="accent1"/>
-              </a:effectRef>
-              <a:fontRef idx="minor">
-                <a:schemeClr val="tx1"/>
-              </a:fontRef>
-            </p:style>
-          </p:cxnSp>
-          <p:sp>
-            <p:nvSpPr>
-              <p:cNvPr id="56" name="文本框 55">
-                <a:extLst>
-                  <a:ext uri="{FF2B5EF4-FFF2-40B4-BE49-F238E27FC236}">
-                    <a16:creationId xmlns:a16="http://schemas.microsoft.com/office/drawing/2014/main" id="{21501A86-678C-BAE1-2ACA-DAD5081BA6EA}"/>
-                  </a:ext>
-                </a:extLst>
-              </p:cNvPr>
-              <p:cNvSpPr txBox="1"/>
-              <p:nvPr/>
-            </p:nvSpPr>
-            <p:spPr>
-              <a:xfrm>
-                <a:off x="6203433" y="3911171"/>
-                <a:ext cx="633269" cy="297517"/>
-              </a:xfrm>
-              <a:prstGeom prst="rect">
-                <a:avLst/>
-              </a:prstGeom>
-              <a:noFill/>
-            </p:spPr>
-            <p:txBody>
-              <a:bodyPr wrap="square" rtlCol="0">
-                <a:spAutoFit/>
-              </a:bodyPr>
-              <a:lstStyle/>
-              <a:p>
-                <a:r>
-                  <a:rPr lang="zh-CN" altLang="en-US" sz="2000" baseline="-25000" dirty="0">
-                    <a:latin typeface="Times New Roman" panose="02020603050405020304" pitchFamily="18" charset="0"/>
-                    <a:cs typeface="Times New Roman" panose="02020603050405020304" pitchFamily="18" charset="0"/>
-                  </a:rPr>
-                  <a:t>扇角 </a:t>
-                </a:r>
-                <a:r>
-                  <a:rPr lang="en-US" altLang="zh-CN" sz="2000" i="1" baseline="-25000" dirty="0">
-                    <a:latin typeface="Times New Roman" panose="02020603050405020304" pitchFamily="18" charset="0"/>
-                    <a:cs typeface="Times New Roman" panose="02020603050405020304" pitchFamily="18" charset="0"/>
-                  </a:rPr>
-                  <a:t>γ</a:t>
-                </a:r>
-                <a:endParaRPr lang="zh-CN" altLang="en-US" sz="2000" i="1" baseline="-25000" dirty="0">
-                  <a:latin typeface="Times New Roman" panose="02020603050405020304" pitchFamily="18" charset="0"/>
-                  <a:cs typeface="Times New Roman" panose="02020603050405020304" pitchFamily="18" charset="0"/>
-                </a:endParaRPr>
-              </a:p>
-            </p:txBody>
-          </p:sp>
-          <p:sp>
-            <p:nvSpPr>
-              <p:cNvPr id="57" name="文本框 56">
-                <a:extLst>
-                  <a:ext uri="{FF2B5EF4-FFF2-40B4-BE49-F238E27FC236}">
-                    <a16:creationId xmlns:a16="http://schemas.microsoft.com/office/drawing/2014/main" id="{FFCC90C6-3D69-65A9-315E-0734CD6863C3}"/>
-                  </a:ext>
-                </a:extLst>
-              </p:cNvPr>
-              <p:cNvSpPr txBox="1"/>
-              <p:nvPr/>
-            </p:nvSpPr>
-            <p:spPr>
-              <a:xfrm>
-                <a:off x="6889057" y="3892203"/>
-                <a:ext cx="663957" cy="297517"/>
-              </a:xfrm>
-              <a:prstGeom prst="rect">
-                <a:avLst/>
-              </a:prstGeom>
-              <a:noFill/>
-            </p:spPr>
-            <p:txBody>
-              <a:bodyPr wrap="square" rtlCol="0">
-                <a:spAutoFit/>
-              </a:bodyPr>
-              <a:lstStyle/>
-              <a:p>
-                <a:r>
-                  <a:rPr lang="zh-CN" altLang="en-US" sz="2000" baseline="-25000" dirty="0">
-                    <a:latin typeface="Times New Roman" panose="02020603050405020304" pitchFamily="18" charset="0"/>
-                    <a:cs typeface="Times New Roman" panose="02020603050405020304" pitchFamily="18" charset="0"/>
-                  </a:rPr>
-                  <a:t>锥角 </a:t>
-                </a:r>
-                <a:r>
-                  <a:rPr lang="en-US" altLang="zh-CN" sz="2000" i="1" baseline="-25000" dirty="0">
-                    <a:latin typeface="Times New Roman" panose="02020603050405020304" pitchFamily="18" charset="0"/>
-                    <a:cs typeface="Times New Roman" panose="02020603050405020304" pitchFamily="18" charset="0"/>
-                  </a:rPr>
-                  <a:t>k</a:t>
-                </a:r>
-                <a:endParaRPr lang="zh-CN" altLang="en-US" sz="2000" i="1" baseline="-25000" dirty="0">
-                  <a:latin typeface="Times New Roman" panose="02020603050405020304" pitchFamily="18" charset="0"/>
-                  <a:cs typeface="Times New Roman" panose="02020603050405020304" pitchFamily="18" charset="0"/>
-                </a:endParaRPr>
-              </a:p>
-            </p:txBody>
-          </p:sp>
-          <p:graphicFrame>
-            <p:nvGraphicFramePr>
-              <p:cNvPr id="58" name="对象 57">
-                <a:extLst>
-                  <a:ext uri="{FF2B5EF4-FFF2-40B4-BE49-F238E27FC236}">
-                    <a16:creationId xmlns:a16="http://schemas.microsoft.com/office/drawing/2014/main" id="{4CD5AF74-2DBC-0E63-5BD6-5CA3C6AEC911}"/>
-                  </a:ext>
-                </a:extLst>
-              </p:cNvPr>
-              <p:cNvGraphicFramePr>
-                <a:graphicFrameLocks noChangeAspect="1"/>
-              </p:cNvGraphicFramePr>
-              <p:nvPr>
-                <p:extLst>
-                  <p:ext uri="{D42A27DB-BD31-4B8C-83A1-F6EECF244321}">
-                    <p14:modId xmlns:p14="http://schemas.microsoft.com/office/powerpoint/2010/main" val="3352174660"/>
-                  </p:ext>
-                </p:extLst>
-              </p:nvPr>
-            </p:nvGraphicFramePr>
-            <p:xfrm>
-              <a:off x="1449470" y="5038430"/>
-              <a:ext cx="3863291" cy="928577"/>
-            </p:xfrm>
-            <a:graphic>
-              <a:graphicData uri="http://schemas.openxmlformats.org/presentationml/2006/ole">
-                <mc:AlternateContent xmlns:mc="http://schemas.openxmlformats.org/markup-compatibility/2006">
-                  <mc:Choice xmlns:v="urn:schemas-microsoft-com:vml" Requires="v">
-                    <p:oleObj name="Equation" r:id="rId14" imgW="1803240" imgH="431640" progId="Equation.DSMT4">
-                      <p:embed/>
-                    </p:oleObj>
-                  </mc:Choice>
-                  <mc:Fallback>
-                    <p:oleObj name="Equation" r:id="rId14" imgW="1803240" imgH="431640" progId="Equation.DSMT4">
-                      <p:embed/>
-                      <p:pic>
-                        <p:nvPicPr>
-                          <p:cNvPr id="38" name="对象 37">
-                            <a:extLst>
-                              <a:ext uri="{FF2B5EF4-FFF2-40B4-BE49-F238E27FC236}">
-                                <a16:creationId xmlns:a16="http://schemas.microsoft.com/office/drawing/2014/main" id="{30695199-12D3-21EF-7621-B298B071CF36}"/>
-                              </a:ext>
-                            </a:extLst>
-                          </p:cNvPr>
-                          <p:cNvPicPr/>
-                          <p:nvPr/>
-                        </p:nvPicPr>
-                        <p:blipFill>
-                          <a:blip r:embed="rId15"/>
-                          <a:stretch>
-                            <a:fillRect/>
-                          </a:stretch>
-                        </p:blipFill>
-                        <p:spPr>
-                          <a:xfrm>
-                            <a:off x="1449470" y="5038430"/>
-                            <a:ext cx="3863291" cy="928577"/>
-                          </a:xfrm>
-                          <a:prstGeom prst="rect">
-                            <a:avLst/>
-                          </a:prstGeom>
-                        </p:spPr>
-                      </p:pic>
-                    </p:oleObj>
-                  </mc:Fallback>
-                </mc:AlternateContent>
-              </a:graphicData>
-            </a:graphic>
-          </p:graphicFrame>
-          <p:sp>
-            <p:nvSpPr>
-              <p:cNvPr id="79" name="文本框 78">
-                <a:extLst>
-                  <a:ext uri="{FF2B5EF4-FFF2-40B4-BE49-F238E27FC236}">
-                    <a16:creationId xmlns:a16="http://schemas.microsoft.com/office/drawing/2014/main" id="{D6F300BF-D982-7A82-CBF0-620C7FA62FF1}"/>
-                  </a:ext>
-                </a:extLst>
-              </p:cNvPr>
-              <p:cNvSpPr txBox="1"/>
-              <p:nvPr/>
-            </p:nvSpPr>
-            <p:spPr>
-              <a:xfrm>
-                <a:off x="2327202" y="3787409"/>
-                <a:ext cx="201605" cy="276999"/>
-              </a:xfrm>
-              <a:prstGeom prst="rect">
-                <a:avLst/>
-              </a:prstGeom>
-              <a:noFill/>
-            </p:spPr>
-            <p:txBody>
-              <a:bodyPr wrap="square" rtlCol="0">
-                <a:spAutoFit/>
-              </a:bodyPr>
-              <a:lstStyle/>
-              <a:p>
-                <a:pPr algn="ctr"/>
-                <a:r>
-                  <a:rPr lang="en-US" altLang="zh-CN" i="1" baseline="-25000" dirty="0">
-                    <a:latin typeface="Times New Roman" panose="02020603050405020304" pitchFamily="18" charset="0"/>
-                    <a:cs typeface="Times New Roman" panose="02020603050405020304" pitchFamily="18" charset="0"/>
-                  </a:rPr>
-                  <a:t>F</a:t>
-                </a:r>
-                <a:endParaRPr lang="zh-CN" altLang="en-US" baseline="-25000" dirty="0">
-                  <a:latin typeface="Times New Roman" panose="02020603050405020304" pitchFamily="18" charset="0"/>
-                  <a:cs typeface="Times New Roman" panose="02020603050405020304" pitchFamily="18" charset="0"/>
-                </a:endParaRPr>
-              </a:p>
-            </p:txBody>
-          </p:sp>
-          <p:sp>
-            <p:nvSpPr>
-              <p:cNvPr id="82" name="文本框 81">
-                <a:extLst>
-                  <a:ext uri="{FF2B5EF4-FFF2-40B4-BE49-F238E27FC236}">
-                    <a16:creationId xmlns:a16="http://schemas.microsoft.com/office/drawing/2014/main" id="{B0BC32B9-634F-F800-21F7-DA36E28EAB41}"/>
-                  </a:ext>
-                </a:extLst>
-              </p:cNvPr>
-              <p:cNvSpPr txBox="1"/>
-              <p:nvPr/>
-            </p:nvSpPr>
-            <p:spPr>
-              <a:xfrm>
-                <a:off x="4626244" y="3254164"/>
-                <a:ext cx="201605" cy="276999"/>
-              </a:xfrm>
-              <a:prstGeom prst="rect">
-                <a:avLst/>
-              </a:prstGeom>
-              <a:noFill/>
-            </p:spPr>
-            <p:txBody>
-              <a:bodyPr wrap="square" rtlCol="0">
-                <a:spAutoFit/>
-              </a:bodyPr>
-              <a:lstStyle/>
-              <a:p>
-                <a:pPr algn="ctr"/>
-                <a:r>
-                  <a:rPr lang="en-US" altLang="zh-CN" i="1" baseline="-25000" dirty="0">
-                    <a:latin typeface="Times New Roman" panose="02020603050405020304" pitchFamily="18" charset="0"/>
-                    <a:cs typeface="Times New Roman" panose="02020603050405020304" pitchFamily="18" charset="0"/>
-                  </a:rPr>
-                  <a:t>K</a:t>
-                </a:r>
-                <a:endParaRPr lang="zh-CN" altLang="en-US" baseline="-25000" dirty="0">
-                  <a:latin typeface="Times New Roman" panose="02020603050405020304" pitchFamily="18" charset="0"/>
-                  <a:cs typeface="Times New Roman" panose="02020603050405020304" pitchFamily="18" charset="0"/>
-                </a:endParaRPr>
-              </a:p>
-            </p:txBody>
-          </p:sp>
         </p:grpSp>
-        <p:sp>
-          <p:nvSpPr>
-            <p:cNvPr id="80" name="椭圆 79">
+        <p:graphicFrame>
+          <p:nvGraphicFramePr>
+            <p:cNvPr id="5" name="对象 4">
               <a:extLst>
                 <a:ext uri="{FF2B5EF4-FFF2-40B4-BE49-F238E27FC236}">
-                  <a16:creationId xmlns:a16="http://schemas.microsoft.com/office/drawing/2014/main" id="{C4D9083D-F38A-EBE7-C6C0-551BC86EBEDC}"/>
+                  <a16:creationId xmlns:a16="http://schemas.microsoft.com/office/drawing/2014/main" id="{7F1B50E9-6C5B-649D-8576-8DBBC17E8605}"/>
                 </a:ext>
               </a:extLst>
             </p:cNvPr>
-            <p:cNvSpPr/>
+            <p:cNvGraphicFramePr>
+              <a:graphicFrameLocks noChangeAspect="1"/>
+            </p:cNvGraphicFramePr>
+            <p:nvPr>
+              <p:extLst>
+                <p:ext uri="{D42A27DB-BD31-4B8C-83A1-F6EECF244321}">
+                  <p14:modId xmlns:p14="http://schemas.microsoft.com/office/powerpoint/2010/main" val="2032961312"/>
+                </p:ext>
+              </p:extLst>
+            </p:nvPr>
+          </p:nvGraphicFramePr>
+          <p:xfrm>
+            <a:off x="1371600" y="414338"/>
+            <a:ext cx="1663700" cy="457200"/>
+          </p:xfrm>
+          <a:graphic>
+            <a:graphicData uri="http://schemas.openxmlformats.org/presentationml/2006/ole">
+              <mc:AlternateContent xmlns:mc="http://schemas.openxmlformats.org/markup-compatibility/2006">
+                <mc:Choice xmlns:v="urn:schemas-microsoft-com:vml" Requires="v">
+                  <p:oleObj name="Equation" r:id="rId16" imgW="1663560" imgH="457200" progId="Equation.DSMT4">
+                    <p:embed/>
+                  </p:oleObj>
+                </mc:Choice>
+                <mc:Fallback>
+                  <p:oleObj name="Equation" r:id="rId16" imgW="1663560" imgH="457200" progId="Equation.DSMT4">
+                    <p:embed/>
+                    <p:pic>
+                      <p:nvPicPr>
+                        <p:cNvPr id="0" name=""/>
+                        <p:cNvPicPr/>
+                        <p:nvPr/>
+                      </p:nvPicPr>
+                      <p:blipFill>
+                        <a:blip r:embed="rId17"/>
+                        <a:stretch>
+                          <a:fillRect/>
+                        </a:stretch>
+                      </p:blipFill>
+                      <p:spPr>
+                        <a:xfrm>
+                          <a:off x="1371600" y="414338"/>
+                          <a:ext cx="1663700" cy="457200"/>
+                        </a:xfrm>
+                        <a:prstGeom prst="rect">
+                          <a:avLst/>
+                        </a:prstGeom>
+                      </p:spPr>
+                    </p:pic>
+                  </p:oleObj>
+                </mc:Fallback>
+              </mc:AlternateContent>
+            </a:graphicData>
+          </a:graphic>
+        </p:graphicFrame>
+        <p:graphicFrame>
+          <p:nvGraphicFramePr>
+            <p:cNvPr id="3" name="对象 2">
+              <a:extLst>
+                <a:ext uri="{FF2B5EF4-FFF2-40B4-BE49-F238E27FC236}">
+                  <a16:creationId xmlns:a16="http://schemas.microsoft.com/office/drawing/2014/main" id="{098D6510-DB49-786B-C476-76B920065384}"/>
+                </a:ext>
+              </a:extLst>
+            </p:cNvPr>
+            <p:cNvGraphicFramePr>
+              <a:graphicFrameLocks noChangeAspect="1"/>
+            </p:cNvGraphicFramePr>
+            <p:nvPr>
+              <p:extLst>
+                <p:ext uri="{D42A27DB-BD31-4B8C-83A1-F6EECF244321}">
+                  <p14:modId xmlns:p14="http://schemas.microsoft.com/office/powerpoint/2010/main" val="171771337"/>
+                </p:ext>
+              </p:extLst>
+            </p:nvPr>
+          </p:nvGraphicFramePr>
+          <p:xfrm>
+            <a:off x="2693060" y="3444195"/>
+            <a:ext cx="254000" cy="177800"/>
+          </p:xfrm>
+          <a:graphic>
+            <a:graphicData uri="http://schemas.openxmlformats.org/presentationml/2006/ole">
+              <mc:AlternateContent xmlns:mc="http://schemas.openxmlformats.org/markup-compatibility/2006">
+                <mc:Choice xmlns:v="urn:schemas-microsoft-com:vml" Requires="v">
+                  <p:oleObj name="Equation" r:id="rId18" imgW="253800" imgH="177480" progId="Equation.DSMT4">
+                    <p:embed/>
+                  </p:oleObj>
+                </mc:Choice>
+                <mc:Fallback>
+                  <p:oleObj name="Equation" r:id="rId18" imgW="253800" imgH="177480" progId="Equation.DSMT4">
+                    <p:embed/>
+                    <p:pic>
+                      <p:nvPicPr>
+                        <p:cNvPr id="5" name="对象 4">
+                          <a:extLst>
+                            <a:ext uri="{FF2B5EF4-FFF2-40B4-BE49-F238E27FC236}">
+                              <a16:creationId xmlns:a16="http://schemas.microsoft.com/office/drawing/2014/main" id="{7F1B50E9-6C5B-649D-8576-8DBBC17E8605}"/>
+                            </a:ext>
+                          </a:extLst>
+                        </p:cNvPr>
+                        <p:cNvPicPr/>
+                        <p:nvPr/>
+                      </p:nvPicPr>
+                      <p:blipFill>
+                        <a:blip r:embed="rId19"/>
+                        <a:stretch>
+                          <a:fillRect/>
+                        </a:stretch>
+                      </p:blipFill>
+                      <p:spPr>
+                        <a:xfrm>
+                          <a:off x="2693060" y="3444195"/>
+                          <a:ext cx="254000" cy="177800"/>
+                        </a:xfrm>
+                        <a:prstGeom prst="rect">
+                          <a:avLst/>
+                        </a:prstGeom>
+                      </p:spPr>
+                    </p:pic>
+                  </p:oleObj>
+                </mc:Fallback>
+              </mc:AlternateContent>
+            </a:graphicData>
+          </a:graphic>
+        </p:graphicFrame>
+        <p:graphicFrame>
+          <p:nvGraphicFramePr>
+            <p:cNvPr id="4" name="对象 3">
+              <a:extLst>
+                <a:ext uri="{FF2B5EF4-FFF2-40B4-BE49-F238E27FC236}">
+                  <a16:creationId xmlns:a16="http://schemas.microsoft.com/office/drawing/2014/main" id="{C0E9150C-0129-D57F-73B8-A325D55EEF7B}"/>
+                </a:ext>
+              </a:extLst>
+            </p:cNvPr>
+            <p:cNvGraphicFramePr>
+              <a:graphicFrameLocks noChangeAspect="1"/>
+            </p:cNvGraphicFramePr>
+            <p:nvPr>
+              <p:extLst>
+                <p:ext uri="{D42A27DB-BD31-4B8C-83A1-F6EECF244321}">
+                  <p14:modId xmlns:p14="http://schemas.microsoft.com/office/powerpoint/2010/main" val="2337214192"/>
+                </p:ext>
+              </p:extLst>
+            </p:nvPr>
+          </p:nvGraphicFramePr>
+          <p:xfrm>
+            <a:off x="5222875" y="3584575"/>
+            <a:ext cx="254000" cy="165100"/>
+          </p:xfrm>
+          <a:graphic>
+            <a:graphicData uri="http://schemas.openxmlformats.org/presentationml/2006/ole">
+              <mc:AlternateContent xmlns:mc="http://schemas.openxmlformats.org/markup-compatibility/2006">
+                <mc:Choice xmlns:v="urn:schemas-microsoft-com:vml" Requires="v">
+                  <p:oleObj name="Equation" r:id="rId20" imgW="253800" imgH="164880" progId="Equation.DSMT4">
+                    <p:embed/>
+                  </p:oleObj>
+                </mc:Choice>
+                <mc:Fallback>
+                  <p:oleObj name="Equation" r:id="rId20" imgW="253800" imgH="164880" progId="Equation.DSMT4">
+                    <p:embed/>
+                    <p:pic>
+                      <p:nvPicPr>
+                        <p:cNvPr id="3" name="对象 2">
+                          <a:extLst>
+                            <a:ext uri="{FF2B5EF4-FFF2-40B4-BE49-F238E27FC236}">
+                              <a16:creationId xmlns:a16="http://schemas.microsoft.com/office/drawing/2014/main" id="{098D6510-DB49-786B-C476-76B920065384}"/>
+                            </a:ext>
+                          </a:extLst>
+                        </p:cNvPr>
+                        <p:cNvPicPr/>
+                        <p:nvPr/>
+                      </p:nvPicPr>
+                      <p:blipFill>
+                        <a:blip r:embed="rId21"/>
+                        <a:stretch>
+                          <a:fillRect/>
+                        </a:stretch>
+                      </p:blipFill>
+                      <p:spPr>
+                        <a:xfrm>
+                          <a:off x="5222875" y="3584575"/>
+                          <a:ext cx="254000" cy="165100"/>
+                        </a:xfrm>
+                        <a:prstGeom prst="rect">
+                          <a:avLst/>
+                        </a:prstGeom>
+                      </p:spPr>
+                    </p:pic>
+                  </p:oleObj>
+                </mc:Fallback>
+              </mc:AlternateContent>
+            </a:graphicData>
+          </a:graphic>
+        </p:graphicFrame>
+        <p:graphicFrame>
+          <p:nvGraphicFramePr>
+            <p:cNvPr id="6" name="对象 5">
+              <a:extLst>
+                <a:ext uri="{FF2B5EF4-FFF2-40B4-BE49-F238E27FC236}">
+                  <a16:creationId xmlns:a16="http://schemas.microsoft.com/office/drawing/2014/main" id="{59C4A308-5977-7D8A-948C-1FB230061111}"/>
+                </a:ext>
+              </a:extLst>
+            </p:cNvPr>
+            <p:cNvGraphicFramePr>
+              <a:graphicFrameLocks noChangeAspect="1"/>
+            </p:cNvGraphicFramePr>
+            <p:nvPr>
+              <p:extLst>
+                <p:ext uri="{D42A27DB-BD31-4B8C-83A1-F6EECF244321}">
+                  <p14:modId xmlns:p14="http://schemas.microsoft.com/office/powerpoint/2010/main" val="871146187"/>
+                </p:ext>
+              </p:extLst>
+            </p:nvPr>
+          </p:nvGraphicFramePr>
+          <p:xfrm>
+            <a:off x="2210413" y="3205876"/>
+            <a:ext cx="254000" cy="190500"/>
+          </p:xfrm>
+          <a:graphic>
+            <a:graphicData uri="http://schemas.openxmlformats.org/presentationml/2006/ole">
+              <mc:AlternateContent xmlns:mc="http://schemas.openxmlformats.org/markup-compatibility/2006">
+                <mc:Choice xmlns:v="urn:schemas-microsoft-com:vml" Requires="v">
+                  <p:oleObj name="Equation" r:id="rId22" imgW="253800" imgH="190440" progId="Equation.DSMT4">
+                    <p:embed/>
+                  </p:oleObj>
+                </mc:Choice>
+                <mc:Fallback>
+                  <p:oleObj name="Equation" r:id="rId22" imgW="253800" imgH="190440" progId="Equation.DSMT4">
+                    <p:embed/>
+                    <p:pic>
+                      <p:nvPicPr>
+                        <p:cNvPr id="3" name="对象 2">
+                          <a:extLst>
+                            <a:ext uri="{FF2B5EF4-FFF2-40B4-BE49-F238E27FC236}">
+                              <a16:creationId xmlns:a16="http://schemas.microsoft.com/office/drawing/2014/main" id="{098D6510-DB49-786B-C476-76B920065384}"/>
+                            </a:ext>
+                          </a:extLst>
+                        </p:cNvPr>
+                        <p:cNvPicPr/>
+                        <p:nvPr/>
+                      </p:nvPicPr>
+                      <p:blipFill>
+                        <a:blip r:embed="rId23"/>
+                        <a:stretch>
+                          <a:fillRect/>
+                        </a:stretch>
+                      </p:blipFill>
+                      <p:spPr>
+                        <a:xfrm>
+                          <a:off x="2210413" y="3205876"/>
+                          <a:ext cx="254000" cy="190500"/>
+                        </a:xfrm>
+                        <a:prstGeom prst="rect">
+                          <a:avLst/>
+                        </a:prstGeom>
+                      </p:spPr>
+                    </p:pic>
+                  </p:oleObj>
+                </mc:Fallback>
+              </mc:AlternateContent>
+            </a:graphicData>
+          </a:graphic>
+        </p:graphicFrame>
+        <p:graphicFrame>
+          <p:nvGraphicFramePr>
+            <p:cNvPr id="7" name="对象 6">
+              <a:extLst>
+                <a:ext uri="{FF2B5EF4-FFF2-40B4-BE49-F238E27FC236}">
+                  <a16:creationId xmlns:a16="http://schemas.microsoft.com/office/drawing/2014/main" id="{6F4FF280-4B9B-4C78-DDE3-32621EFE4BEA}"/>
+                </a:ext>
+              </a:extLst>
+            </p:cNvPr>
+            <p:cNvGraphicFramePr>
+              <a:graphicFrameLocks noChangeAspect="1"/>
+            </p:cNvGraphicFramePr>
+            <p:nvPr>
+              <p:extLst>
+                <p:ext uri="{D42A27DB-BD31-4B8C-83A1-F6EECF244321}">
+                  <p14:modId xmlns:p14="http://schemas.microsoft.com/office/powerpoint/2010/main" val="3770653649"/>
+                </p:ext>
+              </p:extLst>
+            </p:nvPr>
+          </p:nvGraphicFramePr>
+          <p:xfrm>
+            <a:off x="4886642" y="3898024"/>
+            <a:ext cx="254000" cy="190500"/>
+          </p:xfrm>
+          <a:graphic>
+            <a:graphicData uri="http://schemas.openxmlformats.org/presentationml/2006/ole">
+              <mc:AlternateContent xmlns:mc="http://schemas.openxmlformats.org/markup-compatibility/2006">
+                <mc:Choice xmlns:v="urn:schemas-microsoft-com:vml" Requires="v">
+                  <p:oleObj name="Equation" r:id="rId22" imgW="253800" imgH="190440" progId="Equation.DSMT4">
+                    <p:embed/>
+                  </p:oleObj>
+                </mc:Choice>
+                <mc:Fallback>
+                  <p:oleObj name="Equation" r:id="rId22" imgW="253800" imgH="190440" progId="Equation.DSMT4">
+                    <p:embed/>
+                    <p:pic>
+                      <p:nvPicPr>
+                        <p:cNvPr id="6" name="对象 5">
+                          <a:extLst>
+                            <a:ext uri="{FF2B5EF4-FFF2-40B4-BE49-F238E27FC236}">
+                              <a16:creationId xmlns:a16="http://schemas.microsoft.com/office/drawing/2014/main" id="{59C4A308-5977-7D8A-948C-1FB230061111}"/>
+                            </a:ext>
+                          </a:extLst>
+                        </p:cNvPr>
+                        <p:cNvPicPr/>
+                        <p:nvPr/>
+                      </p:nvPicPr>
+                      <p:blipFill>
+                        <a:blip r:embed="rId23"/>
+                        <a:stretch>
+                          <a:fillRect/>
+                        </a:stretch>
+                      </p:blipFill>
+                      <p:spPr>
+                        <a:xfrm>
+                          <a:off x="4886642" y="3898024"/>
+                          <a:ext cx="254000" cy="190500"/>
+                        </a:xfrm>
+                        <a:prstGeom prst="rect">
+                          <a:avLst/>
+                        </a:prstGeom>
+                      </p:spPr>
+                    </p:pic>
+                  </p:oleObj>
+                </mc:Fallback>
+              </mc:AlternateContent>
+            </a:graphicData>
+          </a:graphic>
+        </p:graphicFrame>
+        <p:cxnSp>
+          <p:nvCxnSpPr>
+            <p:cNvPr id="19" name="连接符: 肘形 18">
+              <a:extLst>
+                <a:ext uri="{FF2B5EF4-FFF2-40B4-BE49-F238E27FC236}">
+                  <a16:creationId xmlns:a16="http://schemas.microsoft.com/office/drawing/2014/main" id="{6C8BF05F-8D8D-F246-14C5-7BA183C4EA6B}"/>
+                </a:ext>
+              </a:extLst>
+            </p:cNvPr>
+            <p:cNvCxnSpPr>
+              <a:cxnSpLocks/>
+            </p:cNvCxnSpPr>
             <p:nvPr/>
-          </p:nvSpPr>
+          </p:nvCxnSpPr>
           <p:spPr>
-            <a:xfrm>
-              <a:off x="2262621" y="3878938"/>
-              <a:ext cx="79200" cy="77304"/>
+            <a:xfrm rot="9720000" flipH="1">
+              <a:off x="2584766" y="3301996"/>
+              <a:ext cx="97631" cy="84481"/>
             </a:xfrm>
-            <a:prstGeom prst="ellipse">
-              <a:avLst/>
+            <a:prstGeom prst="bentConnector3">
+              <a:avLst>
+                <a:gd name="adj1" fmla="val 98781"/>
+              </a:avLst>
             </a:prstGeom>
-            <a:ln>
-              <a:noFill/>
-            </a:ln>
           </p:spPr>
           <p:style>
-            <a:lnRef idx="2">
-              <a:schemeClr val="accent1">
-                <a:shade val="15000"/>
-              </a:schemeClr>
+            <a:lnRef idx="1">
+              <a:schemeClr val="accent1"/>
             </a:lnRef>
-            <a:fillRef idx="1">
+            <a:fillRef idx="0">
               <a:schemeClr val="accent1"/>
             </a:fillRef>
             <a:effectRef idx="0">
               <a:schemeClr val="accent1"/>
             </a:effectRef>
             <a:fontRef idx="minor">
-              <a:schemeClr val="lt1"/>
+              <a:schemeClr val="tx1"/>
             </a:fontRef>
           </p:style>
-          <p:txBody>
-            <a:bodyPr rtlCol="0" anchor="ctr"/>
-            <a:lstStyle/>
-            <a:p>
-              <a:pPr algn="ctr"/>
-              <a:endParaRPr lang="zh-CN" altLang="en-US"/>
-            </a:p>
-          </p:txBody>
-        </p:sp>
-        <p:sp>
-          <p:nvSpPr>
-            <p:cNvPr id="81" name="椭圆 80">
+        </p:cxnSp>
+        <p:cxnSp>
+          <p:nvCxnSpPr>
+            <p:cNvPr id="29" name="连接符: 肘形 28">
               <a:extLst>
                 <a:ext uri="{FF2B5EF4-FFF2-40B4-BE49-F238E27FC236}">
-                  <a16:creationId xmlns:a16="http://schemas.microsoft.com/office/drawing/2014/main" id="{2225F46D-4174-6540-266A-FB804C51F26F}"/>
+                  <a16:creationId xmlns:a16="http://schemas.microsoft.com/office/drawing/2014/main" id="{AA0BD2F1-DD55-3578-799C-253808C1A3E3}"/>
                 </a:ext>
               </a:extLst>
             </p:cNvPr>
-            <p:cNvSpPr/>
+            <p:cNvCxnSpPr>
+              <a:cxnSpLocks/>
+            </p:cNvCxnSpPr>
             <p:nvPr/>
-          </p:nvSpPr>
+          </p:nvCxnSpPr>
           <p:spPr>
-            <a:xfrm>
-              <a:off x="4801772" y="3478431"/>
-              <a:ext cx="79200" cy="77304"/>
+            <a:xfrm rot="5340000" flipH="1">
+              <a:off x="5219659" y="3807115"/>
+              <a:ext cx="97631" cy="84481"/>
             </a:xfrm>
-            <a:prstGeom prst="ellipse">
-              <a:avLst/>
+            <a:prstGeom prst="bentConnector3">
+              <a:avLst>
+                <a:gd name="adj1" fmla="val 98781"/>
+              </a:avLst>
             </a:prstGeom>
-            <a:ln>
-              <a:noFill/>
-            </a:ln>
           </p:spPr>
           <p:style>
-            <a:lnRef idx="2">
-              <a:schemeClr val="accent1">
-                <a:shade val="15000"/>
-              </a:schemeClr>
+            <a:lnRef idx="1">
+              <a:schemeClr val="accent1"/>
             </a:lnRef>
-            <a:fillRef idx="1">
+            <a:fillRef idx="0">
               <a:schemeClr val="accent1"/>
             </a:fillRef>
             <a:effectRef idx="0">
               <a:schemeClr val="accent1"/>
             </a:effectRef>
             <a:fontRef idx="minor">
-              <a:schemeClr val="lt1"/>
+              <a:schemeClr val="tx1"/>
             </a:fontRef>
           </p:style>
-          <p:txBody>
-            <a:bodyPr rtlCol="0" anchor="ctr"/>
-            <a:lstStyle/>
-            <a:p>
-              <a:pPr algn="ctr"/>
-              <a:endParaRPr lang="zh-CN" altLang="en-US"/>
-            </a:p>
-          </p:txBody>
-        </p:sp>
+        </p:cxnSp>
+        <p:pic>
+          <p:nvPicPr>
+            <p:cNvPr id="32" name="图片 31">
+              <a:extLst>
+                <a:ext uri="{FF2B5EF4-FFF2-40B4-BE49-F238E27FC236}">
+                  <a16:creationId xmlns:a16="http://schemas.microsoft.com/office/drawing/2014/main" id="{BC3E4A36-23FB-CF66-5631-655F8D2F2413}"/>
+                </a:ext>
+              </a:extLst>
+            </p:cNvPr>
+            <p:cNvPicPr>
+              <a:picLocks noChangeAspect="1"/>
+            </p:cNvPicPr>
+            <p:nvPr/>
+          </p:nvPicPr>
+          <p:blipFill>
+            <a:blip r:embed="rId24"/>
+            <a:stretch>
+              <a:fillRect/>
+            </a:stretch>
+          </p:blipFill>
+          <p:spPr>
+            <a:xfrm rot="1303895">
+              <a:off x="7904273" y="3417924"/>
+              <a:ext cx="470916" cy="179832"/>
+            </a:xfrm>
+            <a:prstGeom prst="rect">
+              <a:avLst/>
+            </a:prstGeom>
+          </p:spPr>
+        </p:pic>
+        <p:graphicFrame>
+          <p:nvGraphicFramePr>
+            <p:cNvPr id="33" name="对象 32">
+              <a:extLst>
+                <a:ext uri="{FF2B5EF4-FFF2-40B4-BE49-F238E27FC236}">
+                  <a16:creationId xmlns:a16="http://schemas.microsoft.com/office/drawing/2014/main" id="{060B0368-379E-678A-EC00-5475CE2386EB}"/>
+                </a:ext>
+              </a:extLst>
+            </p:cNvPr>
+            <p:cNvGraphicFramePr>
+              <a:graphicFrameLocks noChangeAspect="1"/>
+            </p:cNvGraphicFramePr>
+            <p:nvPr>
+              <p:extLst>
+                <p:ext uri="{D42A27DB-BD31-4B8C-83A1-F6EECF244321}">
+                  <p14:modId xmlns:p14="http://schemas.microsoft.com/office/powerpoint/2010/main" val="3426762660"/>
+                </p:ext>
+              </p:extLst>
+            </p:nvPr>
+          </p:nvGraphicFramePr>
+          <p:xfrm>
+            <a:off x="6128991" y="3024863"/>
+            <a:ext cx="558800" cy="254000"/>
+          </p:xfrm>
+          <a:graphic>
+            <a:graphicData uri="http://schemas.openxmlformats.org/presentationml/2006/ole">
+              <mc:AlternateContent xmlns:mc="http://schemas.openxmlformats.org/markup-compatibility/2006">
+                <mc:Choice xmlns:v="urn:schemas-microsoft-com:vml" Requires="v">
+                  <p:oleObj name="Equation" r:id="rId25" imgW="558720" imgH="253800" progId="Equation.DSMT4">
+                    <p:embed/>
+                  </p:oleObj>
+                </mc:Choice>
+                <mc:Fallback>
+                  <p:oleObj name="Equation" r:id="rId25" imgW="558720" imgH="253800" progId="Equation.DSMT4">
+                    <p:embed/>
+                    <p:pic>
+                      <p:nvPicPr>
+                        <p:cNvPr id="6" name="对象 5">
+                          <a:extLst>
+                            <a:ext uri="{FF2B5EF4-FFF2-40B4-BE49-F238E27FC236}">
+                              <a16:creationId xmlns:a16="http://schemas.microsoft.com/office/drawing/2014/main" id="{59C4A308-5977-7D8A-948C-1FB230061111}"/>
+                            </a:ext>
+                          </a:extLst>
+                        </p:cNvPr>
+                        <p:cNvPicPr/>
+                        <p:nvPr/>
+                      </p:nvPicPr>
+                      <p:blipFill>
+                        <a:blip r:embed="rId26"/>
+                        <a:stretch>
+                          <a:fillRect/>
+                        </a:stretch>
+                      </p:blipFill>
+                      <p:spPr>
+                        <a:xfrm>
+                          <a:off x="6128991" y="3024863"/>
+                          <a:ext cx="558800" cy="254000"/>
+                        </a:xfrm>
+                        <a:prstGeom prst="rect">
+                          <a:avLst/>
+                        </a:prstGeom>
+                      </p:spPr>
+                    </p:pic>
+                  </p:oleObj>
+                </mc:Fallback>
+              </mc:AlternateContent>
+            </a:graphicData>
+          </a:graphic>
+        </p:graphicFrame>
+        <p:graphicFrame>
+          <p:nvGraphicFramePr>
+            <p:cNvPr id="35" name="对象 34">
+              <a:extLst>
+                <a:ext uri="{FF2B5EF4-FFF2-40B4-BE49-F238E27FC236}">
+                  <a16:creationId xmlns:a16="http://schemas.microsoft.com/office/drawing/2014/main" id="{B1E91A59-F5CB-0FEB-74A2-5E771522F6AA}"/>
+                </a:ext>
+              </a:extLst>
+            </p:cNvPr>
+            <p:cNvGraphicFramePr>
+              <a:graphicFrameLocks noChangeAspect="1"/>
+            </p:cNvGraphicFramePr>
+            <p:nvPr>
+              <p:extLst>
+                <p:ext uri="{D42A27DB-BD31-4B8C-83A1-F6EECF244321}">
+                  <p14:modId xmlns:p14="http://schemas.microsoft.com/office/powerpoint/2010/main" val="2219880736"/>
+                </p:ext>
+              </p:extLst>
+            </p:nvPr>
+          </p:nvGraphicFramePr>
+          <p:xfrm>
+            <a:off x="7767544" y="3925908"/>
+            <a:ext cx="1016000" cy="279400"/>
+          </p:xfrm>
+          <a:graphic>
+            <a:graphicData uri="http://schemas.openxmlformats.org/presentationml/2006/ole">
+              <mc:AlternateContent xmlns:mc="http://schemas.openxmlformats.org/markup-compatibility/2006">
+                <mc:Choice xmlns:v="urn:schemas-microsoft-com:vml" Requires="v">
+                  <p:oleObj name="Equation" r:id="rId27" imgW="1015920" imgH="279360" progId="Equation.DSMT4">
+                    <p:embed/>
+                  </p:oleObj>
+                </mc:Choice>
+                <mc:Fallback>
+                  <p:oleObj name="Equation" r:id="rId27" imgW="1015920" imgH="279360" progId="Equation.DSMT4">
+                    <p:embed/>
+                    <p:pic>
+                      <p:nvPicPr>
+                        <p:cNvPr id="33" name="对象 32">
+                          <a:extLst>
+                            <a:ext uri="{FF2B5EF4-FFF2-40B4-BE49-F238E27FC236}">
+                              <a16:creationId xmlns:a16="http://schemas.microsoft.com/office/drawing/2014/main" id="{060B0368-379E-678A-EC00-5475CE2386EB}"/>
+                            </a:ext>
+                          </a:extLst>
+                        </p:cNvPr>
+                        <p:cNvPicPr/>
+                        <p:nvPr/>
+                      </p:nvPicPr>
+                      <p:blipFill>
+                        <a:blip r:embed="rId28"/>
+                        <a:stretch>
+                          <a:fillRect/>
+                        </a:stretch>
+                      </p:blipFill>
+                      <p:spPr>
+                        <a:xfrm>
+                          <a:off x="7767544" y="3925908"/>
+                          <a:ext cx="1016000" cy="279400"/>
+                        </a:xfrm>
+                        <a:prstGeom prst="rect">
+                          <a:avLst/>
+                        </a:prstGeom>
+                      </p:spPr>
+                    </p:pic>
+                  </p:oleObj>
+                </mc:Fallback>
+              </mc:AlternateContent>
+            </a:graphicData>
+          </a:graphic>
+        </p:graphicFrame>
+        <p:graphicFrame>
+          <p:nvGraphicFramePr>
+            <p:cNvPr id="36" name="对象 35">
+              <a:extLst>
+                <a:ext uri="{FF2B5EF4-FFF2-40B4-BE49-F238E27FC236}">
+                  <a16:creationId xmlns:a16="http://schemas.microsoft.com/office/drawing/2014/main" id="{09ADD2DC-A99E-43CA-2BB4-5EE993DB7491}"/>
+                </a:ext>
+              </a:extLst>
+            </p:cNvPr>
+            <p:cNvGraphicFramePr>
+              <a:graphicFrameLocks noChangeAspect="1"/>
+            </p:cNvGraphicFramePr>
+            <p:nvPr>
+              <p:extLst>
+                <p:ext uri="{D42A27DB-BD31-4B8C-83A1-F6EECF244321}">
+                  <p14:modId xmlns:p14="http://schemas.microsoft.com/office/powerpoint/2010/main" val="29272668"/>
+                </p:ext>
+              </p:extLst>
+            </p:nvPr>
+          </p:nvGraphicFramePr>
+          <p:xfrm>
+            <a:off x="6276333" y="2517617"/>
+            <a:ext cx="1422400" cy="279400"/>
+          </p:xfrm>
+          <a:graphic>
+            <a:graphicData uri="http://schemas.openxmlformats.org/presentationml/2006/ole">
+              <mc:AlternateContent xmlns:mc="http://schemas.openxmlformats.org/markup-compatibility/2006">
+                <mc:Choice xmlns:v="urn:schemas-microsoft-com:vml" Requires="v">
+                  <p:oleObj name="Equation" r:id="rId29" imgW="1422360" imgH="279360" progId="Equation.DSMT4">
+                    <p:embed/>
+                  </p:oleObj>
+                </mc:Choice>
+                <mc:Fallback>
+                  <p:oleObj name="Equation" r:id="rId29" imgW="1422360" imgH="279360" progId="Equation.DSMT4">
+                    <p:embed/>
+                    <p:pic>
+                      <p:nvPicPr>
+                        <p:cNvPr id="35" name="对象 34">
+                          <a:extLst>
+                            <a:ext uri="{FF2B5EF4-FFF2-40B4-BE49-F238E27FC236}">
+                              <a16:creationId xmlns:a16="http://schemas.microsoft.com/office/drawing/2014/main" id="{B1E91A59-F5CB-0FEB-74A2-5E771522F6AA}"/>
+                            </a:ext>
+                          </a:extLst>
+                        </p:cNvPr>
+                        <p:cNvPicPr/>
+                        <p:nvPr/>
+                      </p:nvPicPr>
+                      <p:blipFill>
+                        <a:blip r:embed="rId30"/>
+                        <a:stretch>
+                          <a:fillRect/>
+                        </a:stretch>
+                      </p:blipFill>
+                      <p:spPr>
+                        <a:xfrm>
+                          <a:off x="6276333" y="2517617"/>
+                          <a:ext cx="1422400" cy="279400"/>
+                        </a:xfrm>
+                        <a:prstGeom prst="rect">
+                          <a:avLst/>
+                        </a:prstGeom>
+                      </p:spPr>
+                    </p:pic>
+                  </p:oleObj>
+                </mc:Fallback>
+              </mc:AlternateContent>
+            </a:graphicData>
+          </a:graphic>
+        </p:graphicFrame>
+        <p:graphicFrame>
+          <p:nvGraphicFramePr>
+            <p:cNvPr id="41" name="对象 40">
+              <a:extLst>
+                <a:ext uri="{FF2B5EF4-FFF2-40B4-BE49-F238E27FC236}">
+                  <a16:creationId xmlns:a16="http://schemas.microsoft.com/office/drawing/2014/main" id="{977CBDD6-D166-F61D-35DD-B64819B9C602}"/>
+                </a:ext>
+              </a:extLst>
+            </p:cNvPr>
+            <p:cNvGraphicFramePr>
+              <a:graphicFrameLocks noChangeAspect="1"/>
+            </p:cNvGraphicFramePr>
+            <p:nvPr>
+              <p:extLst>
+                <p:ext uri="{D42A27DB-BD31-4B8C-83A1-F6EECF244321}">
+                  <p14:modId xmlns:p14="http://schemas.microsoft.com/office/powerpoint/2010/main" val="2765458749"/>
+                </p:ext>
+              </p:extLst>
+            </p:nvPr>
+          </p:nvGraphicFramePr>
+          <p:xfrm>
+            <a:off x="8441448" y="3185553"/>
+            <a:ext cx="482600" cy="165100"/>
+          </p:xfrm>
+          <a:graphic>
+            <a:graphicData uri="http://schemas.openxmlformats.org/presentationml/2006/ole">
+              <mc:AlternateContent xmlns:mc="http://schemas.openxmlformats.org/markup-compatibility/2006">
+                <mc:Choice xmlns:v="urn:schemas-microsoft-com:vml" Requires="v">
+                  <p:oleObj name="Equation" r:id="rId31" imgW="482400" imgH="164880" progId="Equation.DSMT4">
+                    <p:embed/>
+                  </p:oleObj>
+                </mc:Choice>
+                <mc:Fallback>
+                  <p:oleObj name="Equation" r:id="rId31" imgW="482400" imgH="164880" progId="Equation.DSMT4">
+                    <p:embed/>
+                    <p:pic>
+                      <p:nvPicPr>
+                        <p:cNvPr id="4" name="对象 3">
+                          <a:extLst>
+                            <a:ext uri="{FF2B5EF4-FFF2-40B4-BE49-F238E27FC236}">
+                              <a16:creationId xmlns:a16="http://schemas.microsoft.com/office/drawing/2014/main" id="{C0E9150C-0129-D57F-73B8-A325D55EEF7B}"/>
+                            </a:ext>
+                          </a:extLst>
+                        </p:cNvPr>
+                        <p:cNvPicPr/>
+                        <p:nvPr/>
+                      </p:nvPicPr>
+                      <p:blipFill>
+                        <a:blip r:embed="rId32"/>
+                        <a:stretch>
+                          <a:fillRect/>
+                        </a:stretch>
+                      </p:blipFill>
+                      <p:spPr>
+                        <a:xfrm>
+                          <a:off x="8441448" y="3185553"/>
+                          <a:ext cx="482600" cy="165100"/>
+                        </a:xfrm>
+                        <a:prstGeom prst="rect">
+                          <a:avLst/>
+                        </a:prstGeom>
+                      </p:spPr>
+                    </p:pic>
+                  </p:oleObj>
+                </mc:Fallback>
+              </mc:AlternateContent>
+            </a:graphicData>
+          </a:graphic>
+        </p:graphicFrame>
       </p:grpSp>
-      <p:graphicFrame>
-        <p:nvGraphicFramePr>
-          <p:cNvPr id="5" name="对象 4">
-            <a:extLst>
-              <a:ext uri="{FF2B5EF4-FFF2-40B4-BE49-F238E27FC236}">
-                <a16:creationId xmlns:a16="http://schemas.microsoft.com/office/drawing/2014/main" id="{7F1B50E9-6C5B-649D-8576-8DBBC17E8605}"/>
-              </a:ext>
-            </a:extLst>
-          </p:cNvPr>
-          <p:cNvGraphicFramePr>
-            <a:graphicFrameLocks noChangeAspect="1"/>
-          </p:cNvGraphicFramePr>
-          <p:nvPr>
-            <p:extLst>
-              <p:ext uri="{D42A27DB-BD31-4B8C-83A1-F6EECF244321}">
-                <p14:modId xmlns:p14="http://schemas.microsoft.com/office/powerpoint/2010/main" val="1936644759"/>
-              </p:ext>
-            </p:extLst>
-          </p:nvPr>
-        </p:nvGraphicFramePr>
-        <p:xfrm>
-          <a:off x="1371600" y="414338"/>
-          <a:ext cx="1663700" cy="457200"/>
-        </p:xfrm>
-        <a:graphic>
-          <a:graphicData uri="http://schemas.openxmlformats.org/presentationml/2006/ole">
-            <mc:AlternateContent xmlns:mc="http://schemas.openxmlformats.org/markup-compatibility/2006">
-              <mc:Choice xmlns:v="urn:schemas-microsoft-com:vml" Requires="v">
-                <p:oleObj name="Equation" r:id="rId16" imgW="1663560" imgH="457200" progId="Equation.DSMT4">
-                  <p:embed/>
-                </p:oleObj>
-              </mc:Choice>
-              <mc:Fallback>
-                <p:oleObj name="Equation" r:id="rId16" imgW="1663560" imgH="457200" progId="Equation.DSMT4">
-                  <p:embed/>
-                  <p:pic>
-                    <p:nvPicPr>
-                      <p:cNvPr id="0" name=""/>
-                      <p:cNvPicPr/>
-                      <p:nvPr/>
-                    </p:nvPicPr>
-                    <p:blipFill>
-                      <a:blip r:embed="rId17"/>
-                      <a:stretch>
-                        <a:fillRect/>
-                      </a:stretch>
-                    </p:blipFill>
-                    <p:spPr>
-                      <a:xfrm>
-                        <a:off x="1371600" y="414338"/>
-                        <a:ext cx="1663700" cy="457200"/>
-                      </a:xfrm>
-                      <a:prstGeom prst="rect">
-                        <a:avLst/>
-                      </a:prstGeom>
-                    </p:spPr>
-                  </p:pic>
-                </p:oleObj>
-              </mc:Fallback>
-            </mc:AlternateContent>
-          </a:graphicData>
-        </a:graphic>
-      </p:graphicFrame>
     </p:spTree>
     <p:extLst>
       <p:ext uri="{BB962C8B-B14F-4D97-AF65-F5344CB8AC3E}">

--- a/CT平行束和扇形束算法的转换.pptx
+++ b/CT平行束和扇形束算法的转换.pptx
@@ -5,7 +5,7 @@
     <p:sldMasterId id="2147483648" r:id="rId1"/>
   </p:sldMasterIdLst>
   <p:notesMasterIdLst>
-    <p:notesMasterId r:id="rId32"/>
+    <p:notesMasterId r:id="rId33"/>
   </p:notesMasterIdLst>
   <p:sldIdLst>
     <p:sldId id="256" r:id="rId2"/>
@@ -38,6 +38,7 @@
     <p:sldId id="327" r:id="rId29"/>
     <p:sldId id="328" r:id="rId30"/>
     <p:sldId id="329" r:id="rId31"/>
+    <p:sldId id="330" r:id="rId32"/>
   </p:sldIdLst>
   <p:sldSz cx="9144000" cy="6858000" type="screen4x3"/>
   <p:notesSz cx="7104063" cy="10234613"/>
@@ -14095,6 +14096,3654 @@
 </p:sld>
 </file>
 
+<file path=ppt/slides/slide31.xml><?xml version="1.0" encoding="utf-8"?>
+<p:sld xmlns:a="http://schemas.openxmlformats.org/drawingml/2006/main" xmlns:r="http://schemas.openxmlformats.org/officeDocument/2006/relationships" xmlns:p="http://schemas.openxmlformats.org/presentationml/2006/main">
+  <p:cSld>
+    <p:spTree>
+      <p:nvGrpSpPr>
+        <p:cNvPr id="1" name="">
+          <a:extLst>
+            <a:ext uri="{FF2B5EF4-FFF2-40B4-BE49-F238E27FC236}">
+              <a16:creationId xmlns:a16="http://schemas.microsoft.com/office/drawing/2014/main" id="{C5CC622B-9C67-DA5A-07B8-DACF4B37B075}"/>
+            </a:ext>
+          </a:extLst>
+        </p:cNvPr>
+        <p:cNvGrpSpPr/>
+        <p:nvPr/>
+      </p:nvGrpSpPr>
+      <p:grpSpPr>
+        <a:xfrm>
+          <a:off x="0" y="0"/>
+          <a:ext cx="0" cy="0"/>
+          <a:chOff x="0" y="0"/>
+          <a:chExt cx="0" cy="0"/>
+        </a:xfrm>
+      </p:grpSpPr>
+      <p:grpSp>
+        <p:nvGrpSpPr>
+          <p:cNvPr id="178" name="组合 177">
+            <a:extLst>
+              <a:ext uri="{FF2B5EF4-FFF2-40B4-BE49-F238E27FC236}">
+                <a16:creationId xmlns:a16="http://schemas.microsoft.com/office/drawing/2014/main" id="{5D436860-F1B6-3DE2-2A70-810AA3AA8BA4}"/>
+              </a:ext>
+            </a:extLst>
+          </p:cNvPr>
+          <p:cNvGrpSpPr/>
+          <p:nvPr/>
+        </p:nvGrpSpPr>
+        <p:grpSpPr>
+          <a:xfrm>
+            <a:off x="246545" y="94264"/>
+            <a:ext cx="8920310" cy="6432872"/>
+            <a:chOff x="246545" y="94264"/>
+            <a:chExt cx="8920310" cy="6432872"/>
+          </a:xfrm>
+        </p:grpSpPr>
+        <p:grpSp>
+          <p:nvGrpSpPr>
+            <p:cNvPr id="75" name="组合 74">
+              <a:extLst>
+                <a:ext uri="{FF2B5EF4-FFF2-40B4-BE49-F238E27FC236}">
+                  <a16:creationId xmlns:a16="http://schemas.microsoft.com/office/drawing/2014/main" id="{48115936-31A7-F480-B588-7900728A898B}"/>
+                </a:ext>
+              </a:extLst>
+            </p:cNvPr>
+            <p:cNvGrpSpPr/>
+            <p:nvPr/>
+          </p:nvGrpSpPr>
+          <p:grpSpPr>
+            <a:xfrm>
+              <a:off x="2246560" y="94264"/>
+              <a:ext cx="4340816" cy="2565954"/>
+              <a:chOff x="2688520" y="1831624"/>
+              <a:chExt cx="4340816" cy="2565954"/>
+            </a:xfrm>
+          </p:grpSpPr>
+          <p:cxnSp>
+            <p:nvCxnSpPr>
+              <p:cNvPr id="13" name="直接连接符 12">
+                <a:extLst>
+                  <a:ext uri="{FF2B5EF4-FFF2-40B4-BE49-F238E27FC236}">
+                    <a16:creationId xmlns:a16="http://schemas.microsoft.com/office/drawing/2014/main" id="{7D6631D9-B8F5-9B2E-BC46-9369F91CADA8}"/>
+                  </a:ext>
+                </a:extLst>
+              </p:cNvPr>
+              <p:cNvCxnSpPr>
+                <a:cxnSpLocks/>
+              </p:cNvCxnSpPr>
+              <p:nvPr/>
+            </p:nvCxnSpPr>
+            <p:spPr>
+              <a:xfrm flipH="1">
+                <a:off x="3012281" y="3130550"/>
+                <a:ext cx="3601244" cy="526039"/>
+              </a:xfrm>
+              <a:prstGeom prst="line">
+                <a:avLst/>
+              </a:prstGeom>
+              <a:ln>
+                <a:solidFill>
+                  <a:srgbClr val="00B050"/>
+                </a:solidFill>
+                <a:headEnd type="triangle" w="med" len="med"/>
+                <a:tailEnd type="none" w="med" len="med"/>
+              </a:ln>
+            </p:spPr>
+            <p:style>
+              <a:lnRef idx="3">
+                <a:schemeClr val="accent1"/>
+              </a:lnRef>
+              <a:fillRef idx="0">
+                <a:schemeClr val="accent1"/>
+              </a:fillRef>
+              <a:effectRef idx="2">
+                <a:schemeClr val="accent1"/>
+              </a:effectRef>
+              <a:fontRef idx="minor">
+                <a:schemeClr val="tx1"/>
+              </a:fontRef>
+            </p:style>
+          </p:cxnSp>
+          <p:cxnSp>
+            <p:nvCxnSpPr>
+              <p:cNvPr id="16" name="直接连接符 15">
+                <a:extLst>
+                  <a:ext uri="{FF2B5EF4-FFF2-40B4-BE49-F238E27FC236}">
+                    <a16:creationId xmlns:a16="http://schemas.microsoft.com/office/drawing/2014/main" id="{0072FB5E-F0C1-0579-0073-FCA730941900}"/>
+                  </a:ext>
+                </a:extLst>
+              </p:cNvPr>
+              <p:cNvCxnSpPr>
+                <a:cxnSpLocks/>
+              </p:cNvCxnSpPr>
+              <p:nvPr/>
+            </p:nvCxnSpPr>
+            <p:spPr>
+              <a:xfrm>
+                <a:off x="4541404" y="2828925"/>
+                <a:ext cx="2167371" cy="930275"/>
+              </a:xfrm>
+              <a:prstGeom prst="line">
+                <a:avLst/>
+              </a:prstGeom>
+              <a:ln>
+                <a:headEnd type="none" w="med" len="med"/>
+                <a:tailEnd type="triangle" w="med" len="med"/>
+              </a:ln>
+            </p:spPr>
+            <p:style>
+              <a:lnRef idx="3">
+                <a:schemeClr val="accent1"/>
+              </a:lnRef>
+              <a:fillRef idx="0">
+                <a:schemeClr val="accent1"/>
+              </a:fillRef>
+              <a:effectRef idx="2">
+                <a:schemeClr val="accent1"/>
+              </a:effectRef>
+              <a:fontRef idx="minor">
+                <a:schemeClr val="tx1"/>
+              </a:fontRef>
+            </p:style>
+          </p:cxnSp>
+          <p:cxnSp>
+            <p:nvCxnSpPr>
+              <p:cNvPr id="21" name="直接连接符 20">
+                <a:extLst>
+                  <a:ext uri="{FF2B5EF4-FFF2-40B4-BE49-F238E27FC236}">
+                    <a16:creationId xmlns:a16="http://schemas.microsoft.com/office/drawing/2014/main" id="{462B3768-955C-0F4F-5ECE-2E16D0B2D337}"/>
+                  </a:ext>
+                </a:extLst>
+              </p:cNvPr>
+              <p:cNvCxnSpPr>
+                <a:cxnSpLocks/>
+              </p:cNvCxnSpPr>
+              <p:nvPr/>
+            </p:nvCxnSpPr>
+            <p:spPr>
+              <a:xfrm>
+                <a:off x="5611799" y="2042220"/>
+                <a:ext cx="0" cy="2355358"/>
+              </a:xfrm>
+              <a:prstGeom prst="line">
+                <a:avLst/>
+              </a:prstGeom>
+              <a:ln>
+                <a:headEnd type="triangle" w="med" len="med"/>
+                <a:tailEnd type="none" w="med" len="med"/>
+              </a:ln>
+            </p:spPr>
+            <p:style>
+              <a:lnRef idx="3">
+                <a:schemeClr val="accent1"/>
+              </a:lnRef>
+              <a:fillRef idx="0">
+                <a:schemeClr val="accent1"/>
+              </a:fillRef>
+              <a:effectRef idx="2">
+                <a:schemeClr val="accent1"/>
+              </a:effectRef>
+              <a:fontRef idx="minor">
+                <a:schemeClr val="tx1"/>
+              </a:fontRef>
+            </p:style>
+          </p:cxnSp>
+          <p:sp>
+            <p:nvSpPr>
+              <p:cNvPr id="25" name="平行四边形 24">
+                <a:extLst>
+                  <a:ext uri="{FF2B5EF4-FFF2-40B4-BE49-F238E27FC236}">
+                    <a16:creationId xmlns:a16="http://schemas.microsoft.com/office/drawing/2014/main" id="{DF4044F4-1C16-3851-1D3C-8F2D735DE57F}"/>
+                  </a:ext>
+                </a:extLst>
+              </p:cNvPr>
+              <p:cNvSpPr/>
+              <p:nvPr/>
+            </p:nvSpPr>
+            <p:spPr>
+              <a:xfrm rot="1406411" flipH="1">
+                <a:off x="4281606" y="2506938"/>
+                <a:ext cx="2677612" cy="1644325"/>
+              </a:xfrm>
+              <a:prstGeom prst="parallelogram">
+                <a:avLst>
+                  <a:gd name="adj" fmla="val 46381"/>
+                </a:avLst>
+              </a:prstGeom>
+              <a:noFill/>
+            </p:spPr>
+            <p:style>
+              <a:lnRef idx="2">
+                <a:schemeClr val="accent1">
+                  <a:shade val="15000"/>
+                </a:schemeClr>
+              </a:lnRef>
+              <a:fillRef idx="1">
+                <a:schemeClr val="accent1"/>
+              </a:fillRef>
+              <a:effectRef idx="0">
+                <a:schemeClr val="accent1"/>
+              </a:effectRef>
+              <a:fontRef idx="minor">
+                <a:schemeClr val="lt1"/>
+              </a:fontRef>
+            </p:style>
+            <p:txBody>
+              <a:bodyPr rtlCol="0" anchor="ctr"/>
+              <a:lstStyle/>
+              <a:p>
+                <a:pPr algn="ctr"/>
+                <a:endParaRPr lang="zh-CN" altLang="en-US"/>
+              </a:p>
+            </p:txBody>
+          </p:sp>
+          <p:cxnSp>
+            <p:nvCxnSpPr>
+              <p:cNvPr id="10" name="直接连接符 9">
+                <a:extLst>
+                  <a:ext uri="{FF2B5EF4-FFF2-40B4-BE49-F238E27FC236}">
+                    <a16:creationId xmlns:a16="http://schemas.microsoft.com/office/drawing/2014/main" id="{28F20C28-8B46-EA4A-6EC1-F92ED16243AD}"/>
+                  </a:ext>
+                </a:extLst>
+              </p:cNvPr>
+              <p:cNvCxnSpPr>
+                <a:cxnSpLocks/>
+              </p:cNvCxnSpPr>
+              <p:nvPr/>
+            </p:nvCxnSpPr>
+            <p:spPr>
+              <a:xfrm>
+                <a:off x="5611799" y="3294062"/>
+                <a:ext cx="367520" cy="449510"/>
+              </a:xfrm>
+              <a:prstGeom prst="line">
+                <a:avLst/>
+              </a:prstGeom>
+              <a:ln w="12700">
+                <a:solidFill>
+                  <a:schemeClr val="tx1"/>
+                </a:solidFill>
+                <a:headEnd type="none" w="med" len="med"/>
+                <a:tailEnd type="triangle" w="med" len="med"/>
+              </a:ln>
+            </p:spPr>
+            <p:style>
+              <a:lnRef idx="3">
+                <a:schemeClr val="accent1"/>
+              </a:lnRef>
+              <a:fillRef idx="0">
+                <a:schemeClr val="accent1"/>
+              </a:fillRef>
+              <a:effectRef idx="2">
+                <a:schemeClr val="accent1"/>
+              </a:effectRef>
+              <a:fontRef idx="minor">
+                <a:schemeClr val="tx1"/>
+              </a:fontRef>
+            </p:style>
+          </p:cxnSp>
+          <p:cxnSp>
+            <p:nvCxnSpPr>
+              <p:cNvPr id="37" name="直接连接符 36">
+                <a:extLst>
+                  <a:ext uri="{FF2B5EF4-FFF2-40B4-BE49-F238E27FC236}">
+                    <a16:creationId xmlns:a16="http://schemas.microsoft.com/office/drawing/2014/main" id="{29B9ACCF-12C2-EF7B-69CB-E7493BC036EE}"/>
+                  </a:ext>
+                </a:extLst>
+              </p:cNvPr>
+              <p:cNvCxnSpPr>
+                <a:cxnSpLocks/>
+              </p:cNvCxnSpPr>
+              <p:nvPr/>
+            </p:nvCxnSpPr>
+            <p:spPr>
+              <a:xfrm>
+                <a:off x="5611798" y="3294062"/>
+                <a:ext cx="678737" cy="42069"/>
+              </a:xfrm>
+              <a:prstGeom prst="line">
+                <a:avLst/>
+              </a:prstGeom>
+              <a:ln w="12700">
+                <a:solidFill>
+                  <a:schemeClr val="tx1"/>
+                </a:solidFill>
+                <a:headEnd type="none" w="med" len="med"/>
+                <a:tailEnd type="triangle" w="med" len="med"/>
+              </a:ln>
+            </p:spPr>
+            <p:style>
+              <a:lnRef idx="3">
+                <a:schemeClr val="accent1"/>
+              </a:lnRef>
+              <a:fillRef idx="0">
+                <a:schemeClr val="accent1"/>
+              </a:fillRef>
+              <a:effectRef idx="2">
+                <a:schemeClr val="accent1"/>
+              </a:effectRef>
+              <a:fontRef idx="minor">
+                <a:schemeClr val="tx1"/>
+              </a:fontRef>
+            </p:style>
+          </p:cxnSp>
+          <p:cxnSp>
+            <p:nvCxnSpPr>
+              <p:cNvPr id="40" name="直接连接符 39">
+                <a:extLst>
+                  <a:ext uri="{FF2B5EF4-FFF2-40B4-BE49-F238E27FC236}">
+                    <a16:creationId xmlns:a16="http://schemas.microsoft.com/office/drawing/2014/main" id="{1293978A-6257-3C94-F6A3-582E758958C7}"/>
+                  </a:ext>
+                </a:extLst>
+              </p:cNvPr>
+              <p:cNvCxnSpPr>
+                <a:cxnSpLocks/>
+              </p:cNvCxnSpPr>
+              <p:nvPr/>
+            </p:nvCxnSpPr>
+            <p:spPr>
+              <a:xfrm flipH="1">
+                <a:off x="5611798" y="2521414"/>
+                <a:ext cx="547422" cy="772648"/>
+              </a:xfrm>
+              <a:prstGeom prst="line">
+                <a:avLst/>
+              </a:prstGeom>
+              <a:ln w="9525">
+                <a:solidFill>
+                  <a:srgbClr val="FF0000"/>
+                </a:solidFill>
+                <a:headEnd type="none" w="med" len="med"/>
+                <a:tailEnd type="none" w="med" len="med"/>
+              </a:ln>
+            </p:spPr>
+            <p:style>
+              <a:lnRef idx="3">
+                <a:schemeClr val="accent1"/>
+              </a:lnRef>
+              <a:fillRef idx="0">
+                <a:schemeClr val="accent1"/>
+              </a:fillRef>
+              <a:effectRef idx="2">
+                <a:schemeClr val="accent1"/>
+              </a:effectRef>
+              <a:fontRef idx="minor">
+                <a:schemeClr val="tx1"/>
+              </a:fontRef>
+            </p:style>
+          </p:cxnSp>
+          <p:cxnSp>
+            <p:nvCxnSpPr>
+              <p:cNvPr id="43" name="直接连接符 42">
+                <a:extLst>
+                  <a:ext uri="{FF2B5EF4-FFF2-40B4-BE49-F238E27FC236}">
+                    <a16:creationId xmlns:a16="http://schemas.microsoft.com/office/drawing/2014/main" id="{1797C8D5-DDBA-98A1-6D4B-5E0644416490}"/>
+                  </a:ext>
+                </a:extLst>
+              </p:cNvPr>
+              <p:cNvCxnSpPr>
+                <a:cxnSpLocks/>
+              </p:cNvCxnSpPr>
+              <p:nvPr/>
+            </p:nvCxnSpPr>
+            <p:spPr>
+              <a:xfrm flipH="1">
+                <a:off x="2992703" y="2521414"/>
+                <a:ext cx="3166517" cy="1135175"/>
+              </a:xfrm>
+              <a:prstGeom prst="line">
+                <a:avLst/>
+              </a:prstGeom>
+              <a:ln w="19050">
+                <a:solidFill>
+                  <a:schemeClr val="accent6"/>
+                </a:solidFill>
+                <a:headEnd type="oval" w="med" len="med"/>
+                <a:tailEnd type="oval" w="med" len="med"/>
+              </a:ln>
+            </p:spPr>
+            <p:style>
+              <a:lnRef idx="3">
+                <a:schemeClr val="accent1"/>
+              </a:lnRef>
+              <a:fillRef idx="0">
+                <a:schemeClr val="accent1"/>
+              </a:fillRef>
+              <a:effectRef idx="2">
+                <a:schemeClr val="accent1"/>
+              </a:effectRef>
+              <a:fontRef idx="minor">
+                <a:schemeClr val="tx1"/>
+              </a:fontRef>
+            </p:style>
+          </p:cxnSp>
+          <p:cxnSp>
+            <p:nvCxnSpPr>
+              <p:cNvPr id="45" name="直接连接符 44">
+                <a:extLst>
+                  <a:ext uri="{FF2B5EF4-FFF2-40B4-BE49-F238E27FC236}">
+                    <a16:creationId xmlns:a16="http://schemas.microsoft.com/office/drawing/2014/main" id="{BF907D7B-DF7D-8AD1-B2B7-FAFA147C1F5F}"/>
+                  </a:ext>
+                </a:extLst>
+              </p:cNvPr>
+              <p:cNvCxnSpPr>
+                <a:cxnSpLocks/>
+              </p:cNvCxnSpPr>
+              <p:nvPr/>
+            </p:nvCxnSpPr>
+            <p:spPr>
+              <a:xfrm>
+                <a:off x="6177742" y="2546350"/>
+                <a:ext cx="0" cy="867206"/>
+              </a:xfrm>
+              <a:prstGeom prst="line">
+                <a:avLst/>
+              </a:prstGeom>
+              <a:ln w="9525">
+                <a:solidFill>
+                  <a:srgbClr val="FF0000"/>
+                </a:solidFill>
+                <a:prstDash val="sysDash"/>
+                <a:headEnd type="none" w="med" len="med"/>
+                <a:tailEnd type="none" w="med" len="med"/>
+              </a:ln>
+            </p:spPr>
+            <p:style>
+              <a:lnRef idx="3">
+                <a:schemeClr val="accent1"/>
+              </a:lnRef>
+              <a:fillRef idx="0">
+                <a:schemeClr val="accent1"/>
+              </a:fillRef>
+              <a:effectRef idx="2">
+                <a:schemeClr val="accent1"/>
+              </a:effectRef>
+              <a:fontRef idx="minor">
+                <a:schemeClr val="tx1"/>
+              </a:fontRef>
+            </p:style>
+          </p:cxnSp>
+          <p:cxnSp>
+            <p:nvCxnSpPr>
+              <p:cNvPr id="50" name="直接连接符 49">
+                <a:extLst>
+                  <a:ext uri="{FF2B5EF4-FFF2-40B4-BE49-F238E27FC236}">
+                    <a16:creationId xmlns:a16="http://schemas.microsoft.com/office/drawing/2014/main" id="{9F20E116-D90F-F3F5-73A8-D26214510C91}"/>
+                  </a:ext>
+                </a:extLst>
+              </p:cNvPr>
+              <p:cNvCxnSpPr>
+                <a:cxnSpLocks/>
+              </p:cNvCxnSpPr>
+              <p:nvPr/>
+            </p:nvCxnSpPr>
+            <p:spPr>
+              <a:xfrm flipH="1" flipV="1">
+                <a:off x="5607963" y="3294062"/>
+                <a:ext cx="569779" cy="119494"/>
+              </a:xfrm>
+              <a:prstGeom prst="line">
+                <a:avLst/>
+              </a:prstGeom>
+              <a:ln w="9525">
+                <a:solidFill>
+                  <a:srgbClr val="FF0000"/>
+                </a:solidFill>
+                <a:headEnd type="arrow" w="med" len="med"/>
+                <a:tailEnd type="none" w="med" len="med"/>
+              </a:ln>
+            </p:spPr>
+            <p:style>
+              <a:lnRef idx="3">
+                <a:schemeClr val="accent1"/>
+              </a:lnRef>
+              <a:fillRef idx="0">
+                <a:schemeClr val="accent1"/>
+              </a:fillRef>
+              <a:effectRef idx="2">
+                <a:schemeClr val="accent1"/>
+              </a:effectRef>
+              <a:fontRef idx="minor">
+                <a:schemeClr val="tx1"/>
+              </a:fontRef>
+            </p:style>
+          </p:cxnSp>
+          <p:sp>
+            <p:nvSpPr>
+              <p:cNvPr id="62" name="文本框 61">
+                <a:extLst>
+                  <a:ext uri="{FF2B5EF4-FFF2-40B4-BE49-F238E27FC236}">
+                    <a16:creationId xmlns:a16="http://schemas.microsoft.com/office/drawing/2014/main" id="{29CC08CD-EDF2-1217-E095-0EF42054D565}"/>
+                  </a:ext>
+                </a:extLst>
+              </p:cNvPr>
+              <p:cNvSpPr txBox="1"/>
+              <p:nvPr/>
+            </p:nvSpPr>
+            <p:spPr>
+              <a:xfrm>
+                <a:off x="2688520" y="3470965"/>
+                <a:ext cx="457022" cy="369332"/>
+              </a:xfrm>
+              <a:prstGeom prst="rect">
+                <a:avLst/>
+              </a:prstGeom>
+              <a:noFill/>
+            </p:spPr>
+            <p:txBody>
+              <a:bodyPr wrap="square" rtlCol="0">
+                <a:spAutoFit/>
+              </a:bodyPr>
+              <a:lstStyle/>
+              <a:p>
+                <a:r>
+                  <a:rPr lang="en-US" altLang="zh-CN" i="1" dirty="0">
+                    <a:latin typeface="Times New Roman" panose="02020603050405020304" pitchFamily="18" charset="0"/>
+                    <a:cs typeface="Times New Roman" panose="02020603050405020304" pitchFamily="18" charset="0"/>
+                  </a:rPr>
+                  <a:t>S</a:t>
+                </a:r>
+                <a:r>
+                  <a:rPr lang="en-US" altLang="zh-CN" i="1" baseline="-25000" dirty="0">
+                    <a:latin typeface="Times New Roman" panose="02020603050405020304" pitchFamily="18" charset="0"/>
+                    <a:cs typeface="Times New Roman" panose="02020603050405020304" pitchFamily="18" charset="0"/>
+                  </a:rPr>
+                  <a:t>o</a:t>
+                </a:r>
+                <a:endParaRPr lang="zh-CN" altLang="en-US" i="1" baseline="-25000" dirty="0">
+                  <a:latin typeface="Times New Roman" panose="02020603050405020304" pitchFamily="18" charset="0"/>
+                  <a:cs typeface="Times New Roman" panose="02020603050405020304" pitchFamily="18" charset="0"/>
+                </a:endParaRPr>
+              </a:p>
+            </p:txBody>
+          </p:sp>
+          <p:sp>
+            <p:nvSpPr>
+              <p:cNvPr id="63" name="文本框 62">
+                <a:extLst>
+                  <a:ext uri="{FF2B5EF4-FFF2-40B4-BE49-F238E27FC236}">
+                    <a16:creationId xmlns:a16="http://schemas.microsoft.com/office/drawing/2014/main" id="{990BEEF1-E009-ED83-646F-E78E173EC511}"/>
+                  </a:ext>
+                </a:extLst>
+              </p:cNvPr>
+              <p:cNvSpPr txBox="1"/>
+              <p:nvPr/>
+            </p:nvSpPr>
+            <p:spPr>
+              <a:xfrm>
+                <a:off x="5351627" y="3229039"/>
+                <a:ext cx="334228" cy="307777"/>
+              </a:xfrm>
+              <a:prstGeom prst="rect">
+                <a:avLst/>
+              </a:prstGeom>
+              <a:noFill/>
+              <a:ln>
+                <a:noFill/>
+              </a:ln>
+            </p:spPr>
+            <p:txBody>
+              <a:bodyPr wrap="square" rtlCol="0">
+                <a:spAutoFit/>
+              </a:bodyPr>
+              <a:lstStyle/>
+              <a:p>
+                <a:r>
+                  <a:rPr lang="en-US" altLang="zh-CN" sz="1400" i="1" dirty="0">
+                    <a:solidFill>
+                      <a:srgbClr val="5B9BD5"/>
+                    </a:solidFill>
+                    <a:latin typeface="Times New Roman" panose="02020603050405020304" pitchFamily="18" charset="0"/>
+                    <a:cs typeface="Times New Roman" panose="02020603050405020304" pitchFamily="18" charset="0"/>
+                  </a:rPr>
+                  <a:t>O</a:t>
+                </a:r>
+                <a:endParaRPr lang="zh-CN" altLang="en-US" sz="1400" i="1" baseline="-25000" dirty="0">
+                  <a:solidFill>
+                    <a:srgbClr val="5B9BD5"/>
+                  </a:solidFill>
+                  <a:latin typeface="Times New Roman" panose="02020603050405020304" pitchFamily="18" charset="0"/>
+                  <a:cs typeface="Times New Roman" panose="02020603050405020304" pitchFamily="18" charset="0"/>
+                </a:endParaRPr>
+              </a:p>
+            </p:txBody>
+          </p:sp>
+          <p:sp>
+            <p:nvSpPr>
+              <p:cNvPr id="64" name="文本框 63">
+                <a:extLst>
+                  <a:ext uri="{FF2B5EF4-FFF2-40B4-BE49-F238E27FC236}">
+                    <a16:creationId xmlns:a16="http://schemas.microsoft.com/office/drawing/2014/main" id="{16EFF744-322D-E532-586C-5C520D8B1552}"/>
+                  </a:ext>
+                </a:extLst>
+              </p:cNvPr>
+              <p:cNvSpPr txBox="1"/>
+              <p:nvPr/>
+            </p:nvSpPr>
+            <p:spPr>
+              <a:xfrm>
+                <a:off x="6137256" y="2294679"/>
+                <a:ext cx="892080" cy="369332"/>
+              </a:xfrm>
+              <a:prstGeom prst="rect">
+                <a:avLst/>
+              </a:prstGeom>
+              <a:noFill/>
+            </p:spPr>
+            <p:txBody>
+              <a:bodyPr wrap="square" rtlCol="0">
+                <a:spAutoFit/>
+              </a:bodyPr>
+              <a:lstStyle/>
+              <a:p>
+                <a:r>
+                  <a:rPr lang="en-US" altLang="zh-CN" i="1" dirty="0">
+                    <a:solidFill>
+                      <a:schemeClr val="accent6"/>
+                    </a:solidFill>
+                    <a:latin typeface="Times New Roman" panose="02020603050405020304" pitchFamily="18" charset="0"/>
+                    <a:cs typeface="Times New Roman" panose="02020603050405020304" pitchFamily="18" charset="0"/>
+                  </a:rPr>
+                  <a:t>A</a:t>
+                </a:r>
+                <a:r>
+                  <a:rPr lang="en-US" altLang="zh-CN" dirty="0">
+                    <a:solidFill>
+                      <a:schemeClr val="accent6"/>
+                    </a:solidFill>
+                    <a:latin typeface="Times New Roman" panose="02020603050405020304" pitchFamily="18" charset="0"/>
+                    <a:cs typeface="Times New Roman" panose="02020603050405020304" pitchFamily="18" charset="0"/>
+                  </a:rPr>
+                  <a:t>(</a:t>
+                </a:r>
+                <a:r>
+                  <a:rPr lang="en-US" altLang="zh-CN" i="1" dirty="0" err="1">
+                    <a:solidFill>
+                      <a:schemeClr val="accent6"/>
+                    </a:solidFill>
+                    <a:latin typeface="Times New Roman" panose="02020603050405020304" pitchFamily="18" charset="0"/>
+                    <a:cs typeface="Times New Roman" panose="02020603050405020304" pitchFamily="18" charset="0"/>
+                  </a:rPr>
+                  <a:t>x,y,z</a:t>
+                </a:r>
+                <a:r>
+                  <a:rPr lang="en-US" altLang="zh-CN" dirty="0">
+                    <a:solidFill>
+                      <a:schemeClr val="accent6"/>
+                    </a:solidFill>
+                    <a:latin typeface="Times New Roman" panose="02020603050405020304" pitchFamily="18" charset="0"/>
+                    <a:cs typeface="Times New Roman" panose="02020603050405020304" pitchFamily="18" charset="0"/>
+                  </a:rPr>
+                  <a:t>)</a:t>
+                </a:r>
+                <a:endParaRPr lang="zh-CN" altLang="en-US" baseline="-25000" dirty="0">
+                  <a:solidFill>
+                    <a:schemeClr val="accent6"/>
+                  </a:solidFill>
+                  <a:latin typeface="Times New Roman" panose="02020603050405020304" pitchFamily="18" charset="0"/>
+                  <a:cs typeface="Times New Roman" panose="02020603050405020304" pitchFamily="18" charset="0"/>
+                </a:endParaRPr>
+              </a:p>
+            </p:txBody>
+          </p:sp>
+          <p:sp>
+            <p:nvSpPr>
+              <p:cNvPr id="65" name="文本框 64">
+                <a:extLst>
+                  <a:ext uri="{FF2B5EF4-FFF2-40B4-BE49-F238E27FC236}">
+                    <a16:creationId xmlns:a16="http://schemas.microsoft.com/office/drawing/2014/main" id="{1A389112-077B-4C5E-CFFA-0FC4AD542A4B}"/>
+                  </a:ext>
+                </a:extLst>
+              </p:cNvPr>
+              <p:cNvSpPr txBox="1"/>
+              <p:nvPr/>
+            </p:nvSpPr>
+            <p:spPr>
+              <a:xfrm>
+                <a:off x="5708690" y="3539804"/>
+                <a:ext cx="272457" cy="369332"/>
+              </a:xfrm>
+              <a:prstGeom prst="rect">
+                <a:avLst/>
+              </a:prstGeom>
+              <a:noFill/>
+            </p:spPr>
+            <p:txBody>
+              <a:bodyPr wrap="square" rtlCol="0">
+                <a:spAutoFit/>
+              </a:bodyPr>
+              <a:lstStyle/>
+              <a:p>
+                <a:r>
+                  <a:rPr lang="en-US" altLang="zh-CN" i="1" dirty="0">
+                    <a:latin typeface="Times New Roman" panose="02020603050405020304" pitchFamily="18" charset="0"/>
+                    <a:cs typeface="Times New Roman" panose="02020603050405020304" pitchFamily="18" charset="0"/>
+                  </a:rPr>
+                  <a:t>x</a:t>
+                </a:r>
+                <a:endParaRPr lang="zh-CN" altLang="en-US" baseline="-25000" dirty="0">
+                  <a:latin typeface="Times New Roman" panose="02020603050405020304" pitchFamily="18" charset="0"/>
+                  <a:cs typeface="Times New Roman" panose="02020603050405020304" pitchFamily="18" charset="0"/>
+                </a:endParaRPr>
+              </a:p>
+            </p:txBody>
+          </p:sp>
+          <p:sp>
+            <p:nvSpPr>
+              <p:cNvPr id="66" name="文本框 65">
+                <a:extLst>
+                  <a:ext uri="{FF2B5EF4-FFF2-40B4-BE49-F238E27FC236}">
+                    <a16:creationId xmlns:a16="http://schemas.microsoft.com/office/drawing/2014/main" id="{FCB10137-5A19-209B-BF08-6574252DBAF4}"/>
+                  </a:ext>
+                </a:extLst>
+              </p:cNvPr>
+              <p:cNvSpPr txBox="1"/>
+              <p:nvPr/>
+            </p:nvSpPr>
+            <p:spPr>
+              <a:xfrm>
+                <a:off x="6235968" y="3101007"/>
+                <a:ext cx="272457" cy="369332"/>
+              </a:xfrm>
+              <a:prstGeom prst="rect">
+                <a:avLst/>
+              </a:prstGeom>
+              <a:noFill/>
+            </p:spPr>
+            <p:txBody>
+              <a:bodyPr wrap="square" rtlCol="0">
+                <a:spAutoFit/>
+              </a:bodyPr>
+              <a:lstStyle/>
+              <a:p>
+                <a:r>
+                  <a:rPr lang="en-US" altLang="zh-CN" i="1" dirty="0">
+                    <a:latin typeface="Times New Roman" panose="02020603050405020304" pitchFamily="18" charset="0"/>
+                    <a:cs typeface="Times New Roman" panose="02020603050405020304" pitchFamily="18" charset="0"/>
+                  </a:rPr>
+                  <a:t>y</a:t>
+                </a:r>
+                <a:endParaRPr lang="zh-CN" altLang="en-US" baseline="-25000" dirty="0">
+                  <a:latin typeface="Times New Roman" panose="02020603050405020304" pitchFamily="18" charset="0"/>
+                  <a:cs typeface="Times New Roman" panose="02020603050405020304" pitchFamily="18" charset="0"/>
+                </a:endParaRPr>
+              </a:p>
+            </p:txBody>
+          </p:sp>
+          <p:sp>
+            <p:nvSpPr>
+              <p:cNvPr id="67" name="弧形 66">
+                <a:extLst>
+                  <a:ext uri="{FF2B5EF4-FFF2-40B4-BE49-F238E27FC236}">
+                    <a16:creationId xmlns:a16="http://schemas.microsoft.com/office/drawing/2014/main" id="{C184B149-E7DE-7FA2-A0D3-B119FFCC527E}"/>
+                  </a:ext>
+                </a:extLst>
+              </p:cNvPr>
+              <p:cNvSpPr/>
+              <p:nvPr/>
+            </p:nvSpPr>
+            <p:spPr>
+              <a:xfrm rot="9284281">
+                <a:off x="5656003" y="3317264"/>
+                <a:ext cx="328571" cy="73090"/>
+              </a:xfrm>
+              <a:prstGeom prst="arc">
+                <a:avLst>
+                  <a:gd name="adj1" fmla="val 16200000"/>
+                  <a:gd name="adj2" fmla="val 20926179"/>
+                </a:avLst>
+              </a:prstGeom>
+              <a:ln>
+                <a:solidFill>
+                  <a:schemeClr val="accent6"/>
+                </a:solidFill>
+              </a:ln>
+            </p:spPr>
+            <p:style>
+              <a:lnRef idx="3">
+                <a:schemeClr val="dk1"/>
+              </a:lnRef>
+              <a:fillRef idx="0">
+                <a:schemeClr val="dk1"/>
+              </a:fillRef>
+              <a:effectRef idx="2">
+                <a:schemeClr val="dk1"/>
+              </a:effectRef>
+              <a:fontRef idx="minor">
+                <a:schemeClr val="tx1"/>
+              </a:fontRef>
+            </p:style>
+            <p:txBody>
+              <a:bodyPr rtlCol="0" anchor="ctr"/>
+              <a:lstStyle/>
+              <a:p>
+                <a:pPr algn="ctr"/>
+                <a:endParaRPr lang="zh-CN" altLang="en-US"/>
+              </a:p>
+            </p:txBody>
+          </p:sp>
+          <p:graphicFrame>
+            <p:nvGraphicFramePr>
+              <p:cNvPr id="68" name="对象 67">
+                <a:extLst>
+                  <a:ext uri="{FF2B5EF4-FFF2-40B4-BE49-F238E27FC236}">
+                    <a16:creationId xmlns:a16="http://schemas.microsoft.com/office/drawing/2014/main" id="{5DD5B832-4E61-3247-F9A2-51169FDAA9CB}"/>
+                  </a:ext>
+                </a:extLst>
+              </p:cNvPr>
+              <p:cNvGraphicFramePr>
+                <a:graphicFrameLocks noChangeAspect="1"/>
+              </p:cNvGraphicFramePr>
+              <p:nvPr/>
+            </p:nvGraphicFramePr>
+            <p:xfrm>
+              <a:off x="5809760" y="3391961"/>
+              <a:ext cx="174225" cy="232300"/>
+            </p:xfrm>
+            <a:graphic>
+              <a:graphicData uri="http://schemas.openxmlformats.org/presentationml/2006/ole">
+                <mc:AlternateContent xmlns:mc="http://schemas.openxmlformats.org/markup-compatibility/2006">
+                  <mc:Choice xmlns:v="urn:schemas-microsoft-com:vml" Requires="v">
+                    <p:oleObj name="Equation" r:id="rId2" imgW="152280" imgH="203040" progId="Equation.DSMT4">
+                      <p:embed/>
+                    </p:oleObj>
+                  </mc:Choice>
+                  <mc:Fallback>
+                    <p:oleObj name="Equation" r:id="rId2" imgW="152280" imgH="203040" progId="Equation.DSMT4">
+                      <p:embed/>
+                      <p:pic>
+                        <p:nvPicPr>
+                          <p:cNvPr id="68" name="对象 67">
+                            <a:extLst>
+                              <a:ext uri="{FF2B5EF4-FFF2-40B4-BE49-F238E27FC236}">
+                                <a16:creationId xmlns:a16="http://schemas.microsoft.com/office/drawing/2014/main" id="{F1AEA20A-B23D-3773-22C8-01C90D07754F}"/>
+                              </a:ext>
+                            </a:extLst>
+                          </p:cNvPr>
+                          <p:cNvPicPr/>
+                          <p:nvPr/>
+                        </p:nvPicPr>
+                        <p:blipFill>
+                          <a:blip r:embed="rId3"/>
+                          <a:stretch>
+                            <a:fillRect/>
+                          </a:stretch>
+                        </p:blipFill>
+                        <p:spPr>
+                          <a:xfrm>
+                            <a:off x="5809760" y="3391961"/>
+                            <a:ext cx="174225" cy="232300"/>
+                          </a:xfrm>
+                          <a:prstGeom prst="rect">
+                            <a:avLst/>
+                          </a:prstGeom>
+                        </p:spPr>
+                      </p:pic>
+                    </p:oleObj>
+                  </mc:Fallback>
+                </mc:AlternateContent>
+              </a:graphicData>
+            </a:graphic>
+          </p:graphicFrame>
+          <p:graphicFrame>
+            <p:nvGraphicFramePr>
+              <p:cNvPr id="69" name="对象 68">
+                <a:extLst>
+                  <a:ext uri="{FF2B5EF4-FFF2-40B4-BE49-F238E27FC236}">
+                    <a16:creationId xmlns:a16="http://schemas.microsoft.com/office/drawing/2014/main" id="{B6853B3B-1523-ED28-3676-351B849753FE}"/>
+                  </a:ext>
+                </a:extLst>
+              </p:cNvPr>
+              <p:cNvGraphicFramePr>
+                <a:graphicFrameLocks noChangeAspect="1"/>
+              </p:cNvGraphicFramePr>
+              <p:nvPr/>
+            </p:nvGraphicFramePr>
+            <p:xfrm>
+              <a:off x="6137256" y="3375939"/>
+              <a:ext cx="147080" cy="137814"/>
+            </p:xfrm>
+            <a:graphic>
+              <a:graphicData uri="http://schemas.openxmlformats.org/presentationml/2006/ole">
+                <mc:AlternateContent xmlns:mc="http://schemas.openxmlformats.org/markup-compatibility/2006">
+                  <mc:Choice xmlns:v="urn:schemas-microsoft-com:vml" Requires="v">
+                    <p:oleObj name="Equation" r:id="rId4" imgW="177480" imgH="164880" progId="Equation.DSMT4">
+                      <p:embed/>
+                    </p:oleObj>
+                  </mc:Choice>
+                  <mc:Fallback>
+                    <p:oleObj name="Equation" r:id="rId4" imgW="177480" imgH="164880" progId="Equation.DSMT4">
+                      <p:embed/>
+                      <p:pic>
+                        <p:nvPicPr>
+                          <p:cNvPr id="69" name="对象 68">
+                            <a:extLst>
+                              <a:ext uri="{FF2B5EF4-FFF2-40B4-BE49-F238E27FC236}">
+                                <a16:creationId xmlns:a16="http://schemas.microsoft.com/office/drawing/2014/main" id="{34ED0CFC-6854-21C9-0AF6-D5CB020ECE2E}"/>
+                              </a:ext>
+                            </a:extLst>
+                          </p:cNvPr>
+                          <p:cNvPicPr/>
+                          <p:nvPr/>
+                        </p:nvPicPr>
+                        <p:blipFill>
+                          <a:blip r:embed="rId5"/>
+                          <a:stretch>
+                            <a:fillRect/>
+                          </a:stretch>
+                        </p:blipFill>
+                        <p:spPr>
+                          <a:xfrm>
+                            <a:off x="6137256" y="3375939"/>
+                            <a:ext cx="147080" cy="137814"/>
+                          </a:xfrm>
+                          <a:prstGeom prst="rect">
+                            <a:avLst/>
+                          </a:prstGeom>
+                        </p:spPr>
+                      </p:pic>
+                    </p:oleObj>
+                  </mc:Fallback>
+                </mc:AlternateContent>
+              </a:graphicData>
+            </a:graphic>
+          </p:graphicFrame>
+          <p:sp>
+            <p:nvSpPr>
+              <p:cNvPr id="70" name="文本框 69">
+                <a:extLst>
+                  <a:ext uri="{FF2B5EF4-FFF2-40B4-BE49-F238E27FC236}">
+                    <a16:creationId xmlns:a16="http://schemas.microsoft.com/office/drawing/2014/main" id="{957BDF4D-3208-8479-8612-8907CA504681}"/>
+                  </a:ext>
+                </a:extLst>
+              </p:cNvPr>
+              <p:cNvSpPr txBox="1"/>
+              <p:nvPr/>
+            </p:nvSpPr>
+            <p:spPr>
+              <a:xfrm>
+                <a:off x="6638131" y="3574534"/>
+                <a:ext cx="272457" cy="369332"/>
+              </a:xfrm>
+              <a:prstGeom prst="rect">
+                <a:avLst/>
+              </a:prstGeom>
+              <a:noFill/>
+            </p:spPr>
+            <p:txBody>
+              <a:bodyPr wrap="square" rtlCol="0">
+                <a:spAutoFit/>
+              </a:bodyPr>
+              <a:lstStyle/>
+              <a:p>
+                <a:r>
+                  <a:rPr lang="en-US" altLang="zh-CN" i="1" dirty="0">
+                    <a:latin typeface="Times New Roman" panose="02020603050405020304" pitchFamily="18" charset="0"/>
+                    <a:cs typeface="Times New Roman" panose="02020603050405020304" pitchFamily="18" charset="0"/>
+                  </a:rPr>
+                  <a:t>s</a:t>
+                </a:r>
+                <a:endParaRPr lang="zh-CN" altLang="en-US" baseline="-25000" dirty="0">
+                  <a:latin typeface="Times New Roman" panose="02020603050405020304" pitchFamily="18" charset="0"/>
+                  <a:cs typeface="Times New Roman" panose="02020603050405020304" pitchFamily="18" charset="0"/>
+                </a:endParaRPr>
+              </a:p>
+            </p:txBody>
+          </p:sp>
+          <p:sp>
+            <p:nvSpPr>
+              <p:cNvPr id="71" name="文本框 70">
+                <a:extLst>
+                  <a:ext uri="{FF2B5EF4-FFF2-40B4-BE49-F238E27FC236}">
+                    <a16:creationId xmlns:a16="http://schemas.microsoft.com/office/drawing/2014/main" id="{DE3C18B9-F914-7548-A5CB-2C45D28FEC5F}"/>
+                  </a:ext>
+                </a:extLst>
+              </p:cNvPr>
+              <p:cNvSpPr txBox="1"/>
+              <p:nvPr/>
+            </p:nvSpPr>
+            <p:spPr>
+              <a:xfrm>
+                <a:off x="5572461" y="1831624"/>
+                <a:ext cx="272457" cy="369332"/>
+              </a:xfrm>
+              <a:prstGeom prst="rect">
+                <a:avLst/>
+              </a:prstGeom>
+              <a:noFill/>
+            </p:spPr>
+            <p:txBody>
+              <a:bodyPr wrap="square" rtlCol="0">
+                <a:spAutoFit/>
+              </a:bodyPr>
+              <a:lstStyle/>
+              <a:p>
+                <a:r>
+                  <a:rPr lang="en-US" altLang="zh-CN" i="1" dirty="0">
+                    <a:latin typeface="Times New Roman" panose="02020603050405020304" pitchFamily="18" charset="0"/>
+                    <a:cs typeface="Times New Roman" panose="02020603050405020304" pitchFamily="18" charset="0"/>
+                  </a:rPr>
+                  <a:t>z</a:t>
+                </a:r>
+                <a:endParaRPr lang="zh-CN" altLang="en-US" baseline="-25000" dirty="0">
+                  <a:latin typeface="Times New Roman" panose="02020603050405020304" pitchFamily="18" charset="0"/>
+                  <a:cs typeface="Times New Roman" panose="02020603050405020304" pitchFamily="18" charset="0"/>
+                </a:endParaRPr>
+              </a:p>
+            </p:txBody>
+          </p:sp>
+          <p:sp>
+            <p:nvSpPr>
+              <p:cNvPr id="72" name="文本框 71">
+                <a:extLst>
+                  <a:ext uri="{FF2B5EF4-FFF2-40B4-BE49-F238E27FC236}">
+                    <a16:creationId xmlns:a16="http://schemas.microsoft.com/office/drawing/2014/main" id="{B260E1C2-1D27-E104-FA30-2C8CF2339C05}"/>
+                  </a:ext>
+                </a:extLst>
+              </p:cNvPr>
+              <p:cNvSpPr txBox="1"/>
+              <p:nvPr/>
+            </p:nvSpPr>
+            <p:spPr>
+              <a:xfrm>
+                <a:off x="6539249" y="2922791"/>
+                <a:ext cx="272457" cy="369332"/>
+              </a:xfrm>
+              <a:prstGeom prst="rect">
+                <a:avLst/>
+              </a:prstGeom>
+              <a:noFill/>
+            </p:spPr>
+            <p:txBody>
+              <a:bodyPr wrap="square" rtlCol="0">
+                <a:spAutoFit/>
+              </a:bodyPr>
+              <a:lstStyle/>
+              <a:p>
+                <a:r>
+                  <a:rPr lang="en-US" altLang="zh-CN" i="1" dirty="0">
+                    <a:latin typeface="Times New Roman" panose="02020603050405020304" pitchFamily="18" charset="0"/>
+                    <a:cs typeface="Times New Roman" panose="02020603050405020304" pitchFamily="18" charset="0"/>
+                  </a:rPr>
+                  <a:t>t</a:t>
+                </a:r>
+                <a:endParaRPr lang="zh-CN" altLang="en-US" baseline="-25000" dirty="0">
+                  <a:latin typeface="Times New Roman" panose="02020603050405020304" pitchFamily="18" charset="0"/>
+                  <a:cs typeface="Times New Roman" panose="02020603050405020304" pitchFamily="18" charset="0"/>
+                </a:endParaRPr>
+              </a:p>
+            </p:txBody>
+          </p:sp>
+          <p:sp>
+            <p:nvSpPr>
+              <p:cNvPr id="73" name="文本框 72">
+                <a:extLst>
+                  <a:ext uri="{FF2B5EF4-FFF2-40B4-BE49-F238E27FC236}">
+                    <a16:creationId xmlns:a16="http://schemas.microsoft.com/office/drawing/2014/main" id="{FBD079CC-030E-6CEE-36A1-B118A5F41FAD}"/>
+                  </a:ext>
+                </a:extLst>
+              </p:cNvPr>
+              <p:cNvSpPr txBox="1"/>
+              <p:nvPr/>
+            </p:nvSpPr>
+            <p:spPr>
+              <a:xfrm>
+                <a:off x="5700849" y="2670611"/>
+                <a:ext cx="272457" cy="369332"/>
+              </a:xfrm>
+              <a:prstGeom prst="rect">
+                <a:avLst/>
+              </a:prstGeom>
+              <a:noFill/>
+            </p:spPr>
+            <p:txBody>
+              <a:bodyPr wrap="square" rtlCol="0">
+                <a:spAutoFit/>
+              </a:bodyPr>
+              <a:lstStyle/>
+              <a:p>
+                <a:r>
+                  <a:rPr lang="en-US" altLang="zh-CN" i="1" dirty="0">
+                    <a:solidFill>
+                      <a:srgbClr val="FF0000"/>
+                    </a:solidFill>
+                    <a:latin typeface="Times New Roman" panose="02020603050405020304" pitchFamily="18" charset="0"/>
+                    <a:cs typeface="Times New Roman" panose="02020603050405020304" pitchFamily="18" charset="0"/>
+                  </a:rPr>
+                  <a:t>r</a:t>
+                </a:r>
+                <a:endParaRPr lang="zh-CN" altLang="en-US" baseline="-25000" dirty="0">
+                  <a:solidFill>
+                    <a:srgbClr val="FF0000"/>
+                  </a:solidFill>
+                  <a:latin typeface="Times New Roman" panose="02020603050405020304" pitchFamily="18" charset="0"/>
+                  <a:cs typeface="Times New Roman" panose="02020603050405020304" pitchFamily="18" charset="0"/>
+                </a:endParaRPr>
+              </a:p>
+            </p:txBody>
+          </p:sp>
+          <p:sp>
+            <p:nvSpPr>
+              <p:cNvPr id="74" name="文本框 73">
+                <a:extLst>
+                  <a:ext uri="{FF2B5EF4-FFF2-40B4-BE49-F238E27FC236}">
+                    <a16:creationId xmlns:a16="http://schemas.microsoft.com/office/drawing/2014/main" id="{D760172D-5A9B-50C1-C1E7-3B4EEBAD3A68}"/>
+                  </a:ext>
+                </a:extLst>
+              </p:cNvPr>
+              <p:cNvSpPr txBox="1"/>
+              <p:nvPr/>
+            </p:nvSpPr>
+            <p:spPr>
+              <a:xfrm rot="1490760">
+                <a:off x="5608220" y="4104075"/>
+                <a:ext cx="993071" cy="276999"/>
+              </a:xfrm>
+              <a:prstGeom prst="rect">
+                <a:avLst/>
+              </a:prstGeom>
+              <a:noFill/>
+            </p:spPr>
+            <p:txBody>
+              <a:bodyPr wrap="square" rtlCol="0">
+                <a:spAutoFit/>
+              </a:bodyPr>
+              <a:lstStyle/>
+              <a:p>
+                <a:r>
+                  <a:rPr lang="zh-CN" altLang="en-US" baseline="-25000" dirty="0">
+                    <a:latin typeface="Times New Roman" panose="02020603050405020304" pitchFamily="18" charset="0"/>
+                    <a:cs typeface="Times New Roman" panose="02020603050405020304" pitchFamily="18" charset="0"/>
+                  </a:rPr>
+                  <a:t>虚拟探测器</a:t>
+                </a:r>
+              </a:p>
+            </p:txBody>
+          </p:sp>
+        </p:grpSp>
+        <p:sp>
+          <p:nvSpPr>
+            <p:cNvPr id="76" name="文本框 75">
+              <a:extLst>
+                <a:ext uri="{FF2B5EF4-FFF2-40B4-BE49-F238E27FC236}">
+                  <a16:creationId xmlns:a16="http://schemas.microsoft.com/office/drawing/2014/main" id="{C5B91FF6-DB2F-3EF4-C724-004754C935F8}"/>
+                </a:ext>
+              </a:extLst>
+            </p:cNvPr>
+            <p:cNvSpPr txBox="1"/>
+            <p:nvPr/>
+          </p:nvSpPr>
+          <p:spPr>
+            <a:xfrm>
+              <a:off x="1237117" y="6195601"/>
+              <a:ext cx="1820739" cy="297517"/>
+            </a:xfrm>
+            <a:prstGeom prst="rect">
+              <a:avLst/>
+            </a:prstGeom>
+            <a:noFill/>
+          </p:spPr>
+          <p:txBody>
+            <a:bodyPr wrap="square" rtlCol="0">
+              <a:spAutoFit/>
+            </a:bodyPr>
+            <a:lstStyle/>
+            <a:p>
+              <a:r>
+                <a:rPr lang="en-US" altLang="zh-CN" sz="2000" baseline="-25000" dirty="0">
+                  <a:latin typeface="Times New Roman" panose="02020603050405020304" pitchFamily="18" charset="0"/>
+                  <a:cs typeface="Times New Roman" panose="02020603050405020304" pitchFamily="18" charset="0"/>
+                </a:rPr>
+                <a:t>(a) </a:t>
+              </a:r>
+              <a:r>
+                <a:rPr lang="zh-CN" altLang="en-US" sz="2000" baseline="-25000" dirty="0">
+                  <a:latin typeface="Times New Roman" panose="02020603050405020304" pitchFamily="18" charset="0"/>
+                  <a:cs typeface="Times New Roman" panose="02020603050405020304" pitchFamily="18" charset="0"/>
+                </a:rPr>
+                <a:t>扇形束旋转角定义</a:t>
+              </a:r>
+            </a:p>
+          </p:txBody>
+        </p:sp>
+        <p:sp>
+          <p:nvSpPr>
+            <p:cNvPr id="18" name="文本框 17">
+              <a:extLst>
+                <a:ext uri="{FF2B5EF4-FFF2-40B4-BE49-F238E27FC236}">
+                  <a16:creationId xmlns:a16="http://schemas.microsoft.com/office/drawing/2014/main" id="{BAFA25B1-52B1-E4C4-0E1D-C757F2939F11}"/>
+                </a:ext>
+              </a:extLst>
+            </p:cNvPr>
+            <p:cNvSpPr txBox="1"/>
+            <p:nvPr/>
+          </p:nvSpPr>
+          <p:spPr>
+            <a:xfrm>
+              <a:off x="2425496" y="2522030"/>
+              <a:ext cx="304801" cy="369332"/>
+            </a:xfrm>
+            <a:prstGeom prst="rect">
+              <a:avLst/>
+            </a:prstGeom>
+            <a:noFill/>
+          </p:spPr>
+          <p:txBody>
+            <a:bodyPr wrap="square" rtlCol="0">
+              <a:spAutoFit/>
+            </a:bodyPr>
+            <a:lstStyle/>
+            <a:p>
+              <a:r>
+                <a:rPr lang="en-US" altLang="zh-CN" i="1" dirty="0">
+                  <a:latin typeface="Times New Roman" panose="02020603050405020304" pitchFamily="18" charset="0"/>
+                  <a:cs typeface="Times New Roman" panose="02020603050405020304" pitchFamily="18" charset="0"/>
+                </a:rPr>
+                <a:t>y</a:t>
+              </a:r>
+              <a:endParaRPr lang="zh-CN" altLang="en-US" i="1" dirty="0">
+                <a:latin typeface="Times New Roman" panose="02020603050405020304" pitchFamily="18" charset="0"/>
+                <a:cs typeface="Times New Roman" panose="02020603050405020304" pitchFamily="18" charset="0"/>
+              </a:endParaRPr>
+            </a:p>
+          </p:txBody>
+        </p:sp>
+        <p:cxnSp>
+          <p:nvCxnSpPr>
+            <p:cNvPr id="24" name="直接箭头连接符 23">
+              <a:extLst>
+                <a:ext uri="{FF2B5EF4-FFF2-40B4-BE49-F238E27FC236}">
+                  <a16:creationId xmlns:a16="http://schemas.microsoft.com/office/drawing/2014/main" id="{EB7E892E-5FAC-576C-A360-5E1581919EB4}"/>
+                </a:ext>
+              </a:extLst>
+            </p:cNvPr>
+            <p:cNvCxnSpPr/>
+            <p:nvPr/>
+          </p:nvCxnSpPr>
+          <p:spPr>
+            <a:xfrm>
+              <a:off x="475056" y="4955319"/>
+              <a:ext cx="3900880" cy="0"/>
+            </a:xfrm>
+            <a:prstGeom prst="straightConnector1">
+              <a:avLst/>
+            </a:prstGeom>
+            <a:ln>
+              <a:tailEnd type="triangle"/>
+            </a:ln>
+          </p:spPr>
+          <p:style>
+            <a:lnRef idx="3">
+              <a:schemeClr val="accent5"/>
+            </a:lnRef>
+            <a:fillRef idx="0">
+              <a:schemeClr val="accent5"/>
+            </a:fillRef>
+            <a:effectRef idx="2">
+              <a:schemeClr val="accent5"/>
+            </a:effectRef>
+            <a:fontRef idx="minor">
+              <a:schemeClr val="tx1"/>
+            </a:fontRef>
+          </p:style>
+        </p:cxnSp>
+        <p:cxnSp>
+          <p:nvCxnSpPr>
+            <p:cNvPr id="28" name="直接箭头连接符 27">
+              <a:extLst>
+                <a:ext uri="{FF2B5EF4-FFF2-40B4-BE49-F238E27FC236}">
+                  <a16:creationId xmlns:a16="http://schemas.microsoft.com/office/drawing/2014/main" id="{BC0C393D-43B5-36CC-ED8E-8BB938D64917}"/>
+                </a:ext>
+              </a:extLst>
+            </p:cNvPr>
+            <p:cNvCxnSpPr>
+              <a:cxnSpLocks/>
+            </p:cNvCxnSpPr>
+            <p:nvPr/>
+          </p:nvCxnSpPr>
+          <p:spPr>
+            <a:xfrm flipH="1" flipV="1">
+              <a:off x="2425496" y="2648347"/>
+              <a:ext cx="1" cy="3556932"/>
+            </a:xfrm>
+            <a:prstGeom prst="straightConnector1">
+              <a:avLst/>
+            </a:prstGeom>
+            <a:ln>
+              <a:tailEnd type="triangle"/>
+            </a:ln>
+          </p:spPr>
+          <p:style>
+            <a:lnRef idx="3">
+              <a:schemeClr val="accent5"/>
+            </a:lnRef>
+            <a:fillRef idx="0">
+              <a:schemeClr val="accent5"/>
+            </a:fillRef>
+            <a:effectRef idx="2">
+              <a:schemeClr val="accent5"/>
+            </a:effectRef>
+            <a:fontRef idx="minor">
+              <a:schemeClr val="tx1"/>
+            </a:fontRef>
+          </p:style>
+        </p:cxnSp>
+        <p:cxnSp>
+          <p:nvCxnSpPr>
+            <p:cNvPr id="31" name="直接箭头连接符 30">
+              <a:extLst>
+                <a:ext uri="{FF2B5EF4-FFF2-40B4-BE49-F238E27FC236}">
+                  <a16:creationId xmlns:a16="http://schemas.microsoft.com/office/drawing/2014/main" id="{71C5650A-0A3D-51F1-3EE0-94C8D6EE558C}"/>
+                </a:ext>
+              </a:extLst>
+            </p:cNvPr>
+            <p:cNvCxnSpPr>
+              <a:cxnSpLocks/>
+            </p:cNvCxnSpPr>
+            <p:nvPr/>
+          </p:nvCxnSpPr>
+          <p:spPr>
+            <a:xfrm>
+              <a:off x="550557" y="3441106"/>
+              <a:ext cx="1874940" cy="1514213"/>
+            </a:xfrm>
+            <a:prstGeom prst="straightConnector1">
+              <a:avLst/>
+            </a:prstGeom>
+            <a:ln>
+              <a:solidFill>
+                <a:schemeClr val="tx1"/>
+              </a:solidFill>
+              <a:headEnd type="none" w="med" len="med"/>
+              <a:tailEnd type="none" w="med" len="med"/>
+            </a:ln>
+          </p:spPr>
+          <p:style>
+            <a:lnRef idx="3">
+              <a:schemeClr val="accent5"/>
+            </a:lnRef>
+            <a:fillRef idx="0">
+              <a:schemeClr val="accent5"/>
+            </a:fillRef>
+            <a:effectRef idx="2">
+              <a:schemeClr val="accent5"/>
+            </a:effectRef>
+            <a:fontRef idx="minor">
+              <a:schemeClr val="tx1"/>
+            </a:fontRef>
+          </p:style>
+        </p:cxnSp>
+        <p:cxnSp>
+          <p:nvCxnSpPr>
+            <p:cNvPr id="44" name="直接箭头连接符 43">
+              <a:extLst>
+                <a:ext uri="{FF2B5EF4-FFF2-40B4-BE49-F238E27FC236}">
+                  <a16:creationId xmlns:a16="http://schemas.microsoft.com/office/drawing/2014/main" id="{B30D7C3E-F7ED-41A0-BD5E-9148E16C3E26}"/>
+                </a:ext>
+              </a:extLst>
+            </p:cNvPr>
+            <p:cNvCxnSpPr>
+              <a:cxnSpLocks/>
+            </p:cNvCxnSpPr>
+            <p:nvPr/>
+          </p:nvCxnSpPr>
+          <p:spPr>
+            <a:xfrm>
+              <a:off x="550556" y="3441105"/>
+              <a:ext cx="3397542" cy="1037964"/>
+            </a:xfrm>
+            <a:prstGeom prst="straightConnector1">
+              <a:avLst/>
+            </a:prstGeom>
+            <a:ln>
+              <a:solidFill>
+                <a:schemeClr val="tx1"/>
+              </a:solidFill>
+              <a:headEnd type="none" w="med" len="med"/>
+              <a:tailEnd type="none" w="med" len="med"/>
+            </a:ln>
+          </p:spPr>
+          <p:style>
+            <a:lnRef idx="3">
+              <a:schemeClr val="accent5"/>
+            </a:lnRef>
+            <a:fillRef idx="0">
+              <a:schemeClr val="accent5"/>
+            </a:fillRef>
+            <a:effectRef idx="2">
+              <a:schemeClr val="accent5"/>
+            </a:effectRef>
+            <a:fontRef idx="minor">
+              <a:schemeClr val="tx1"/>
+            </a:fontRef>
+          </p:style>
+        </p:cxnSp>
+        <p:cxnSp>
+          <p:nvCxnSpPr>
+            <p:cNvPr id="51" name="直接箭头连接符 50">
+              <a:extLst>
+                <a:ext uri="{FF2B5EF4-FFF2-40B4-BE49-F238E27FC236}">
+                  <a16:creationId xmlns:a16="http://schemas.microsoft.com/office/drawing/2014/main" id="{E3A1B3D7-F4C4-2D61-D5AF-0EF48C56209F}"/>
+                </a:ext>
+              </a:extLst>
+            </p:cNvPr>
+            <p:cNvCxnSpPr>
+              <a:cxnSpLocks/>
+            </p:cNvCxnSpPr>
+            <p:nvPr/>
+          </p:nvCxnSpPr>
+          <p:spPr>
+            <a:xfrm>
+              <a:off x="2403059" y="4936487"/>
+              <a:ext cx="692573" cy="574821"/>
+            </a:xfrm>
+            <a:prstGeom prst="straightConnector1">
+              <a:avLst/>
+            </a:prstGeom>
+            <a:ln>
+              <a:solidFill>
+                <a:schemeClr val="tx1"/>
+              </a:solidFill>
+              <a:prstDash val="sysDash"/>
+              <a:headEnd type="none" w="med" len="med"/>
+              <a:tailEnd type="none" w="med" len="med"/>
+            </a:ln>
+          </p:spPr>
+          <p:style>
+            <a:lnRef idx="3">
+              <a:schemeClr val="accent5"/>
+            </a:lnRef>
+            <a:fillRef idx="0">
+              <a:schemeClr val="accent5"/>
+            </a:fillRef>
+            <a:effectRef idx="2">
+              <a:schemeClr val="accent5"/>
+            </a:effectRef>
+            <a:fontRef idx="minor">
+              <a:schemeClr val="tx1"/>
+            </a:fontRef>
+          </p:style>
+        </p:cxnSp>
+        <p:cxnSp>
+          <p:nvCxnSpPr>
+            <p:cNvPr id="54" name="直接箭头连接符 53">
+              <a:extLst>
+                <a:ext uri="{FF2B5EF4-FFF2-40B4-BE49-F238E27FC236}">
+                  <a16:creationId xmlns:a16="http://schemas.microsoft.com/office/drawing/2014/main" id="{10BE9898-5A07-4CF1-0E8A-2541A4CBEC93}"/>
+                </a:ext>
+              </a:extLst>
+            </p:cNvPr>
+            <p:cNvCxnSpPr>
+              <a:cxnSpLocks/>
+            </p:cNvCxnSpPr>
+            <p:nvPr/>
+          </p:nvCxnSpPr>
+          <p:spPr>
+            <a:xfrm flipV="1">
+              <a:off x="1605249" y="3668910"/>
+              <a:ext cx="1853042" cy="2319063"/>
+            </a:xfrm>
+            <a:prstGeom prst="straightConnector1">
+              <a:avLst/>
+            </a:prstGeom>
+            <a:ln>
+              <a:solidFill>
+                <a:srgbClr val="FF0000"/>
+              </a:solidFill>
+              <a:prstDash val="sysDash"/>
+              <a:headEnd type="none" w="med" len="med"/>
+              <a:tailEnd type="arrow" w="med" len="med"/>
+            </a:ln>
+          </p:spPr>
+          <p:style>
+            <a:lnRef idx="3">
+              <a:schemeClr val="accent5"/>
+            </a:lnRef>
+            <a:fillRef idx="0">
+              <a:schemeClr val="accent5"/>
+            </a:fillRef>
+            <a:effectRef idx="2">
+              <a:schemeClr val="accent5"/>
+            </a:effectRef>
+            <a:fontRef idx="minor">
+              <a:schemeClr val="tx1"/>
+            </a:fontRef>
+          </p:style>
+        </p:cxnSp>
+        <p:cxnSp>
+          <p:nvCxnSpPr>
+            <p:cNvPr id="55" name="连接符: 肘形 54">
+              <a:extLst>
+                <a:ext uri="{FF2B5EF4-FFF2-40B4-BE49-F238E27FC236}">
+                  <a16:creationId xmlns:a16="http://schemas.microsoft.com/office/drawing/2014/main" id="{647447DB-1F20-4A5F-365C-84602426A04F}"/>
+                </a:ext>
+              </a:extLst>
+            </p:cNvPr>
+            <p:cNvCxnSpPr>
+              <a:cxnSpLocks/>
+            </p:cNvCxnSpPr>
+            <p:nvPr/>
+          </p:nvCxnSpPr>
+          <p:spPr>
+            <a:xfrm rot="2400000">
+              <a:off x="2440254" y="4899797"/>
+              <a:ext cx="131540" cy="93904"/>
+            </a:xfrm>
+            <a:prstGeom prst="bentConnector3">
+              <a:avLst>
+                <a:gd name="adj1" fmla="val 103102"/>
+              </a:avLst>
+            </a:prstGeom>
+            <a:ln w="19050">
+              <a:solidFill>
+                <a:srgbClr val="00B050"/>
+              </a:solidFill>
+            </a:ln>
+          </p:spPr>
+          <p:style>
+            <a:lnRef idx="1">
+              <a:schemeClr val="accent1"/>
+            </a:lnRef>
+            <a:fillRef idx="0">
+              <a:schemeClr val="accent1"/>
+            </a:fillRef>
+            <a:effectRef idx="0">
+              <a:schemeClr val="accent1"/>
+            </a:effectRef>
+            <a:fontRef idx="minor">
+              <a:schemeClr val="tx1"/>
+            </a:fontRef>
+          </p:style>
+        </p:cxnSp>
+        <p:sp>
+          <p:nvSpPr>
+            <p:cNvPr id="60" name="文本框 59">
+              <a:extLst>
+                <a:ext uri="{FF2B5EF4-FFF2-40B4-BE49-F238E27FC236}">
+                  <a16:creationId xmlns:a16="http://schemas.microsoft.com/office/drawing/2014/main" id="{73733972-26B3-6DDA-171F-3563A46B1AFB}"/>
+                </a:ext>
+              </a:extLst>
+            </p:cNvPr>
+            <p:cNvSpPr txBox="1"/>
+            <p:nvPr/>
+          </p:nvSpPr>
+          <p:spPr>
+            <a:xfrm>
+              <a:off x="3701206" y="4097859"/>
+              <a:ext cx="304801" cy="369332"/>
+            </a:xfrm>
+            <a:prstGeom prst="rect">
+              <a:avLst/>
+            </a:prstGeom>
+            <a:noFill/>
+          </p:spPr>
+          <p:txBody>
+            <a:bodyPr wrap="square" rtlCol="0">
+              <a:spAutoFit/>
+            </a:bodyPr>
+            <a:lstStyle/>
+            <a:p>
+              <a:r>
+                <a:rPr lang="en-US" altLang="zh-CN" i="1" dirty="0">
+                  <a:latin typeface="Times New Roman" panose="02020603050405020304" pitchFamily="18" charset="0"/>
+                  <a:cs typeface="Times New Roman" panose="02020603050405020304" pitchFamily="18" charset="0"/>
+                </a:rPr>
+                <a:t>M</a:t>
+              </a:r>
+              <a:endParaRPr lang="zh-CN" altLang="en-US" i="1" dirty="0">
+                <a:latin typeface="Times New Roman" panose="02020603050405020304" pitchFamily="18" charset="0"/>
+                <a:cs typeface="Times New Roman" panose="02020603050405020304" pitchFamily="18" charset="0"/>
+              </a:endParaRPr>
+            </a:p>
+          </p:txBody>
+        </p:sp>
+        <p:sp>
+          <p:nvSpPr>
+            <p:cNvPr id="61" name="文本框 60">
+              <a:extLst>
+                <a:ext uri="{FF2B5EF4-FFF2-40B4-BE49-F238E27FC236}">
+                  <a16:creationId xmlns:a16="http://schemas.microsoft.com/office/drawing/2014/main" id="{89245369-A6F3-4A23-3829-481368E2FDB1}"/>
+                </a:ext>
+              </a:extLst>
+            </p:cNvPr>
+            <p:cNvSpPr txBox="1"/>
+            <p:nvPr/>
+          </p:nvSpPr>
+          <p:spPr>
+            <a:xfrm>
+              <a:off x="4159468" y="4869805"/>
+              <a:ext cx="304801" cy="369332"/>
+            </a:xfrm>
+            <a:prstGeom prst="rect">
+              <a:avLst/>
+            </a:prstGeom>
+            <a:noFill/>
+          </p:spPr>
+          <p:txBody>
+            <a:bodyPr wrap="square" rtlCol="0">
+              <a:spAutoFit/>
+            </a:bodyPr>
+            <a:lstStyle/>
+            <a:p>
+              <a:r>
+                <a:rPr lang="en-US" altLang="zh-CN" i="1" dirty="0">
+                  <a:latin typeface="Times New Roman" panose="02020603050405020304" pitchFamily="18" charset="0"/>
+                  <a:cs typeface="Times New Roman" panose="02020603050405020304" pitchFamily="18" charset="0"/>
+                </a:rPr>
+                <a:t>x</a:t>
+              </a:r>
+              <a:endParaRPr lang="zh-CN" altLang="en-US" i="1" dirty="0">
+                <a:latin typeface="Times New Roman" panose="02020603050405020304" pitchFamily="18" charset="0"/>
+                <a:cs typeface="Times New Roman" panose="02020603050405020304" pitchFamily="18" charset="0"/>
+              </a:endParaRPr>
+            </a:p>
+          </p:txBody>
+        </p:sp>
+        <p:sp>
+          <p:nvSpPr>
+            <p:cNvPr id="90" name="文本框 89">
+              <a:extLst>
+                <a:ext uri="{FF2B5EF4-FFF2-40B4-BE49-F238E27FC236}">
+                  <a16:creationId xmlns:a16="http://schemas.microsoft.com/office/drawing/2014/main" id="{F924B805-C86D-E4F0-0233-F7EC0531A01B}"/>
+                </a:ext>
+              </a:extLst>
+            </p:cNvPr>
+            <p:cNvSpPr txBox="1"/>
+            <p:nvPr/>
+          </p:nvSpPr>
+          <p:spPr>
+            <a:xfrm>
+              <a:off x="246545" y="3247023"/>
+              <a:ext cx="457022" cy="369332"/>
+            </a:xfrm>
+            <a:prstGeom prst="rect">
+              <a:avLst/>
+            </a:prstGeom>
+            <a:noFill/>
+          </p:spPr>
+          <p:txBody>
+            <a:bodyPr wrap="square" rtlCol="0">
+              <a:spAutoFit/>
+            </a:bodyPr>
+            <a:lstStyle/>
+            <a:p>
+              <a:r>
+                <a:rPr lang="en-US" altLang="zh-CN" i="1" dirty="0">
+                  <a:latin typeface="Times New Roman" panose="02020603050405020304" pitchFamily="18" charset="0"/>
+                  <a:cs typeface="Times New Roman" panose="02020603050405020304" pitchFamily="18" charset="0"/>
+                </a:rPr>
+                <a:t>S</a:t>
+              </a:r>
+              <a:r>
+                <a:rPr lang="en-US" altLang="zh-CN" i="1" baseline="-25000" dirty="0">
+                  <a:latin typeface="Times New Roman" panose="02020603050405020304" pitchFamily="18" charset="0"/>
+                  <a:cs typeface="Times New Roman" panose="02020603050405020304" pitchFamily="18" charset="0"/>
+                </a:rPr>
+                <a:t>o</a:t>
+              </a:r>
+              <a:endParaRPr lang="zh-CN" altLang="en-US" i="1" baseline="-25000" dirty="0">
+                <a:latin typeface="Times New Roman" panose="02020603050405020304" pitchFamily="18" charset="0"/>
+                <a:cs typeface="Times New Roman" panose="02020603050405020304" pitchFamily="18" charset="0"/>
+              </a:endParaRPr>
+            </a:p>
+          </p:txBody>
+        </p:sp>
+        <p:sp>
+          <p:nvSpPr>
+            <p:cNvPr id="91" name="文本框 90">
+              <a:extLst>
+                <a:ext uri="{FF2B5EF4-FFF2-40B4-BE49-F238E27FC236}">
+                  <a16:creationId xmlns:a16="http://schemas.microsoft.com/office/drawing/2014/main" id="{94C29103-6591-73E9-5A57-70EF47BF1B43}"/>
+                </a:ext>
+              </a:extLst>
+            </p:cNvPr>
+            <p:cNvSpPr txBox="1"/>
+            <p:nvPr/>
+          </p:nvSpPr>
+          <p:spPr>
+            <a:xfrm>
+              <a:off x="1937166" y="4931882"/>
+              <a:ext cx="304801" cy="369332"/>
+            </a:xfrm>
+            <a:prstGeom prst="rect">
+              <a:avLst/>
+            </a:prstGeom>
+            <a:noFill/>
+          </p:spPr>
+          <p:txBody>
+            <a:bodyPr wrap="square" rtlCol="0">
+              <a:spAutoFit/>
+            </a:bodyPr>
+            <a:lstStyle/>
+            <a:p>
+              <a:r>
+                <a:rPr lang="en-US" altLang="zh-CN" i="1" dirty="0">
+                  <a:latin typeface="Times New Roman" panose="02020603050405020304" pitchFamily="18" charset="0"/>
+                  <a:cs typeface="Times New Roman" panose="02020603050405020304" pitchFamily="18" charset="0"/>
+                </a:rPr>
+                <a:t>O</a:t>
+              </a:r>
+              <a:endParaRPr lang="zh-CN" altLang="en-US" i="1" dirty="0">
+                <a:latin typeface="Times New Roman" panose="02020603050405020304" pitchFamily="18" charset="0"/>
+                <a:cs typeface="Times New Roman" panose="02020603050405020304" pitchFamily="18" charset="0"/>
+              </a:endParaRPr>
+            </a:p>
+          </p:txBody>
+        </p:sp>
+        <p:sp>
+          <p:nvSpPr>
+            <p:cNvPr id="95" name="弧形 94">
+              <a:extLst>
+                <a:ext uri="{FF2B5EF4-FFF2-40B4-BE49-F238E27FC236}">
+                  <a16:creationId xmlns:a16="http://schemas.microsoft.com/office/drawing/2014/main" id="{00CE8A9B-74BA-534E-9212-8F8E2B8F3BA2}"/>
+                </a:ext>
+              </a:extLst>
+            </p:cNvPr>
+            <p:cNvSpPr/>
+            <p:nvPr/>
+          </p:nvSpPr>
+          <p:spPr>
+            <a:xfrm>
+              <a:off x="2094131" y="4808142"/>
+              <a:ext cx="328571" cy="73090"/>
+            </a:xfrm>
+            <a:prstGeom prst="arc">
+              <a:avLst/>
+            </a:prstGeom>
+            <a:ln>
+              <a:solidFill>
+                <a:schemeClr val="accent6"/>
+              </a:solidFill>
+            </a:ln>
+          </p:spPr>
+          <p:style>
+            <a:lnRef idx="3">
+              <a:schemeClr val="dk1"/>
+            </a:lnRef>
+            <a:fillRef idx="0">
+              <a:schemeClr val="dk1"/>
+            </a:fillRef>
+            <a:effectRef idx="2">
+              <a:schemeClr val="dk1"/>
+            </a:effectRef>
+            <a:fontRef idx="minor">
+              <a:schemeClr val="tx1"/>
+            </a:fontRef>
+          </p:style>
+          <p:txBody>
+            <a:bodyPr rtlCol="0" anchor="ctr"/>
+            <a:lstStyle/>
+            <a:p>
+              <a:pPr algn="ctr"/>
+              <a:endParaRPr lang="zh-CN" altLang="en-US"/>
+            </a:p>
+          </p:txBody>
+        </p:sp>
+        <p:graphicFrame>
+          <p:nvGraphicFramePr>
+            <p:cNvPr id="96" name="对象 95">
+              <a:extLst>
+                <a:ext uri="{FF2B5EF4-FFF2-40B4-BE49-F238E27FC236}">
+                  <a16:creationId xmlns:a16="http://schemas.microsoft.com/office/drawing/2014/main" id="{26665773-9054-7173-8E2D-9DFF6AD3330D}"/>
+                </a:ext>
+              </a:extLst>
+            </p:cNvPr>
+            <p:cNvGraphicFramePr>
+              <a:graphicFrameLocks noChangeAspect="1"/>
+            </p:cNvGraphicFramePr>
+            <p:nvPr>
+              <p:extLst>
+                <p:ext uri="{D42A27DB-BD31-4B8C-83A1-F6EECF244321}">
+                  <p14:modId xmlns:p14="http://schemas.microsoft.com/office/powerpoint/2010/main" val="1438249630"/>
+                </p:ext>
+              </p:extLst>
+            </p:nvPr>
+          </p:nvGraphicFramePr>
+          <p:xfrm>
+            <a:off x="2174098" y="4466653"/>
+            <a:ext cx="239625" cy="319500"/>
+          </p:xfrm>
+          <a:graphic>
+            <a:graphicData uri="http://schemas.openxmlformats.org/presentationml/2006/ole">
+              <mc:AlternateContent xmlns:mc="http://schemas.openxmlformats.org/markup-compatibility/2006">
+                <mc:Choice xmlns:v="urn:schemas-microsoft-com:vml" Requires="v">
+                  <p:oleObj name="Equation" r:id="rId2" imgW="152280" imgH="203040" progId="Equation.DSMT4">
+                    <p:embed/>
+                  </p:oleObj>
+                </mc:Choice>
+                <mc:Fallback>
+                  <p:oleObj name="Equation" r:id="rId2" imgW="152280" imgH="203040" progId="Equation.DSMT4">
+                    <p:embed/>
+                    <p:pic>
+                      <p:nvPicPr>
+                        <p:cNvPr id="40" name="对象 39">
+                          <a:extLst>
+                            <a:ext uri="{FF2B5EF4-FFF2-40B4-BE49-F238E27FC236}">
+                              <a16:creationId xmlns:a16="http://schemas.microsoft.com/office/drawing/2014/main" id="{B79EEDD3-02CA-4661-3442-DB93B03DA854}"/>
+                            </a:ext>
+                          </a:extLst>
+                        </p:cNvPr>
+                        <p:cNvPicPr/>
+                        <p:nvPr/>
+                      </p:nvPicPr>
+                      <p:blipFill>
+                        <a:blip r:embed="rId3"/>
+                        <a:stretch>
+                          <a:fillRect/>
+                        </a:stretch>
+                      </p:blipFill>
+                      <p:spPr>
+                        <a:xfrm>
+                          <a:off x="2174098" y="4466653"/>
+                          <a:ext cx="239625" cy="319500"/>
+                        </a:xfrm>
+                        <a:prstGeom prst="rect">
+                          <a:avLst/>
+                        </a:prstGeom>
+                      </p:spPr>
+                    </p:pic>
+                  </p:oleObj>
+                </mc:Fallback>
+              </mc:AlternateContent>
+            </a:graphicData>
+          </a:graphic>
+        </p:graphicFrame>
+        <p:sp>
+          <p:nvSpPr>
+            <p:cNvPr id="97" name="弧形 96">
+              <a:extLst>
+                <a:ext uri="{FF2B5EF4-FFF2-40B4-BE49-F238E27FC236}">
+                  <a16:creationId xmlns:a16="http://schemas.microsoft.com/office/drawing/2014/main" id="{0A93CEEE-53E5-A631-CF39-4A95E6802EE4}"/>
+                </a:ext>
+              </a:extLst>
+            </p:cNvPr>
+            <p:cNvSpPr/>
+            <p:nvPr/>
+          </p:nvSpPr>
+          <p:spPr>
+            <a:xfrm rot="7717470">
+              <a:off x="758945" y="3503218"/>
+              <a:ext cx="328571" cy="73090"/>
+            </a:xfrm>
+            <a:prstGeom prst="arc">
+              <a:avLst/>
+            </a:prstGeom>
+            <a:ln>
+              <a:solidFill>
+                <a:schemeClr val="accent6"/>
+              </a:solidFill>
+            </a:ln>
+          </p:spPr>
+          <p:style>
+            <a:lnRef idx="3">
+              <a:schemeClr val="dk1"/>
+            </a:lnRef>
+            <a:fillRef idx="0">
+              <a:schemeClr val="dk1"/>
+            </a:fillRef>
+            <a:effectRef idx="2">
+              <a:schemeClr val="dk1"/>
+            </a:effectRef>
+            <a:fontRef idx="minor">
+              <a:schemeClr val="tx1"/>
+            </a:fontRef>
+          </p:style>
+          <p:txBody>
+            <a:bodyPr rtlCol="0" anchor="ctr"/>
+            <a:lstStyle/>
+            <a:p>
+              <a:pPr algn="ctr"/>
+              <a:endParaRPr lang="zh-CN" altLang="en-US"/>
+            </a:p>
+          </p:txBody>
+        </p:sp>
+        <p:sp>
+          <p:nvSpPr>
+            <p:cNvPr id="104" name="弧形 103">
+              <a:extLst>
+                <a:ext uri="{FF2B5EF4-FFF2-40B4-BE49-F238E27FC236}">
+                  <a16:creationId xmlns:a16="http://schemas.microsoft.com/office/drawing/2014/main" id="{6E20C631-DD49-7912-1E27-61B71405BA82}"/>
+                </a:ext>
+              </a:extLst>
+            </p:cNvPr>
+            <p:cNvSpPr/>
+            <p:nvPr/>
+          </p:nvSpPr>
+          <p:spPr>
+            <a:xfrm rot="3255547">
+              <a:off x="2325688" y="4695785"/>
+              <a:ext cx="480651" cy="142714"/>
+            </a:xfrm>
+            <a:prstGeom prst="arc">
+              <a:avLst/>
+            </a:prstGeom>
+            <a:ln>
+              <a:solidFill>
+                <a:srgbClr val="FF0000"/>
+              </a:solidFill>
+            </a:ln>
+          </p:spPr>
+          <p:style>
+            <a:lnRef idx="3">
+              <a:schemeClr val="dk1"/>
+            </a:lnRef>
+            <a:fillRef idx="0">
+              <a:schemeClr val="dk1"/>
+            </a:fillRef>
+            <a:effectRef idx="2">
+              <a:schemeClr val="dk1"/>
+            </a:effectRef>
+            <a:fontRef idx="minor">
+              <a:schemeClr val="tx1"/>
+            </a:fontRef>
+          </p:style>
+          <p:txBody>
+            <a:bodyPr rtlCol="0" anchor="ctr"/>
+            <a:lstStyle/>
+            <a:p>
+              <a:pPr algn="ctr"/>
+              <a:endParaRPr lang="zh-CN" altLang="en-US"/>
+            </a:p>
+          </p:txBody>
+        </p:sp>
+        <p:graphicFrame>
+          <p:nvGraphicFramePr>
+            <p:cNvPr id="109" name="对象 108">
+              <a:extLst>
+                <a:ext uri="{FF2B5EF4-FFF2-40B4-BE49-F238E27FC236}">
+                  <a16:creationId xmlns:a16="http://schemas.microsoft.com/office/drawing/2014/main" id="{BC73F9AB-50A3-B1C9-6BA7-8F8CD698104C}"/>
+                </a:ext>
+              </a:extLst>
+            </p:cNvPr>
+            <p:cNvGraphicFramePr>
+              <a:graphicFrameLocks noChangeAspect="1"/>
+            </p:cNvGraphicFramePr>
+            <p:nvPr>
+              <p:extLst>
+                <p:ext uri="{D42A27DB-BD31-4B8C-83A1-F6EECF244321}">
+                  <p14:modId xmlns:p14="http://schemas.microsoft.com/office/powerpoint/2010/main" val="3053726194"/>
+                </p:ext>
+              </p:extLst>
+            </p:nvPr>
+          </p:nvGraphicFramePr>
+          <p:xfrm>
+            <a:off x="2733875" y="4605269"/>
+            <a:ext cx="239625" cy="319500"/>
+          </p:xfrm>
+          <a:graphic>
+            <a:graphicData uri="http://schemas.openxmlformats.org/presentationml/2006/ole">
+              <mc:AlternateContent xmlns:mc="http://schemas.openxmlformats.org/markup-compatibility/2006">
+                <mc:Choice xmlns:v="urn:schemas-microsoft-com:vml" Requires="v">
+                  <p:oleObj name="Equation" r:id="rId2" imgW="152280" imgH="203040" progId="Equation.DSMT4">
+                    <p:embed/>
+                  </p:oleObj>
+                </mc:Choice>
+                <mc:Fallback>
+                  <p:oleObj name="Equation" r:id="rId2" imgW="152280" imgH="203040" progId="Equation.DSMT4">
+                    <p:embed/>
+                    <p:pic>
+                      <p:nvPicPr>
+                        <p:cNvPr id="8" name="对象 7">
+                          <a:extLst>
+                            <a:ext uri="{FF2B5EF4-FFF2-40B4-BE49-F238E27FC236}">
+                              <a16:creationId xmlns:a16="http://schemas.microsoft.com/office/drawing/2014/main" id="{912C9342-70AA-DD1B-E6F7-677B67FF0618}"/>
+                            </a:ext>
+                          </a:extLst>
+                        </p:cNvPr>
+                        <p:cNvPicPr/>
+                        <p:nvPr/>
+                      </p:nvPicPr>
+                      <p:blipFill>
+                        <a:blip r:embed="rId3"/>
+                        <a:stretch>
+                          <a:fillRect/>
+                        </a:stretch>
+                      </p:blipFill>
+                      <p:spPr>
+                        <a:xfrm>
+                          <a:off x="2733875" y="4605269"/>
+                          <a:ext cx="239625" cy="319500"/>
+                        </a:xfrm>
+                        <a:prstGeom prst="rect">
+                          <a:avLst/>
+                        </a:prstGeom>
+                      </p:spPr>
+                    </p:pic>
+                  </p:oleObj>
+                </mc:Fallback>
+              </mc:AlternateContent>
+            </a:graphicData>
+          </a:graphic>
+        </p:graphicFrame>
+        <p:cxnSp>
+          <p:nvCxnSpPr>
+            <p:cNvPr id="119" name="连接符: 曲线 118">
+              <a:extLst>
+                <a:ext uri="{FF2B5EF4-FFF2-40B4-BE49-F238E27FC236}">
+                  <a16:creationId xmlns:a16="http://schemas.microsoft.com/office/drawing/2014/main" id="{0BDF79E4-76D9-EA11-926C-BB6E68B7DCC4}"/>
+                </a:ext>
+              </a:extLst>
+            </p:cNvPr>
+            <p:cNvCxnSpPr>
+              <a:cxnSpLocks/>
+            </p:cNvCxnSpPr>
+            <p:nvPr/>
+          </p:nvCxnSpPr>
+          <p:spPr>
+            <a:xfrm rot="10800000">
+              <a:off x="7131826" y="5388171"/>
+              <a:ext cx="714883" cy="312960"/>
+            </a:xfrm>
+            <a:prstGeom prst="curvedConnector3">
+              <a:avLst/>
+            </a:prstGeom>
+            <a:ln>
+              <a:tailEnd type="triangle"/>
+            </a:ln>
+          </p:spPr>
+          <p:style>
+            <a:lnRef idx="2">
+              <a:schemeClr val="accent1"/>
+            </a:lnRef>
+            <a:fillRef idx="0">
+              <a:schemeClr val="accent1"/>
+            </a:fillRef>
+            <a:effectRef idx="1">
+              <a:schemeClr val="accent1"/>
+            </a:effectRef>
+            <a:fontRef idx="minor">
+              <a:schemeClr val="tx1"/>
+            </a:fontRef>
+          </p:style>
+        </p:cxnSp>
+        <p:sp>
+          <p:nvSpPr>
+            <p:cNvPr id="126" name="文本框 125">
+              <a:extLst>
+                <a:ext uri="{FF2B5EF4-FFF2-40B4-BE49-F238E27FC236}">
+                  <a16:creationId xmlns:a16="http://schemas.microsoft.com/office/drawing/2014/main" id="{7BBAA3C7-B04C-883B-1DA0-01FB545EDBE4}"/>
+                </a:ext>
+              </a:extLst>
+            </p:cNvPr>
+            <p:cNvSpPr txBox="1"/>
+            <p:nvPr/>
+          </p:nvSpPr>
+          <p:spPr>
+            <a:xfrm>
+              <a:off x="6996512" y="2537903"/>
+              <a:ext cx="304801" cy="369332"/>
+            </a:xfrm>
+            <a:prstGeom prst="rect">
+              <a:avLst/>
+            </a:prstGeom>
+            <a:noFill/>
+          </p:spPr>
+          <p:txBody>
+            <a:bodyPr wrap="square" rtlCol="0">
+              <a:spAutoFit/>
+            </a:bodyPr>
+            <a:lstStyle/>
+            <a:p>
+              <a:r>
+                <a:rPr lang="en-US" altLang="zh-CN" i="1" dirty="0">
+                  <a:latin typeface="Times New Roman" panose="02020603050405020304" pitchFamily="18" charset="0"/>
+                  <a:cs typeface="Times New Roman" panose="02020603050405020304" pitchFamily="18" charset="0"/>
+                </a:rPr>
+                <a:t>y</a:t>
+              </a:r>
+              <a:endParaRPr lang="zh-CN" altLang="en-US" i="1" dirty="0">
+                <a:latin typeface="Times New Roman" panose="02020603050405020304" pitchFamily="18" charset="0"/>
+                <a:cs typeface="Times New Roman" panose="02020603050405020304" pitchFamily="18" charset="0"/>
+              </a:endParaRPr>
+            </a:p>
+          </p:txBody>
+        </p:sp>
+        <p:cxnSp>
+          <p:nvCxnSpPr>
+            <p:cNvPr id="127" name="直接箭头连接符 126">
+              <a:extLst>
+                <a:ext uri="{FF2B5EF4-FFF2-40B4-BE49-F238E27FC236}">
+                  <a16:creationId xmlns:a16="http://schemas.microsoft.com/office/drawing/2014/main" id="{A921442D-6C9E-B7A2-1241-C25A81F3B910}"/>
+                </a:ext>
+              </a:extLst>
+            </p:cNvPr>
+            <p:cNvCxnSpPr/>
+            <p:nvPr/>
+          </p:nvCxnSpPr>
+          <p:spPr>
+            <a:xfrm>
+              <a:off x="5046072" y="4971192"/>
+              <a:ext cx="3900880" cy="0"/>
+            </a:xfrm>
+            <a:prstGeom prst="straightConnector1">
+              <a:avLst/>
+            </a:prstGeom>
+            <a:ln>
+              <a:tailEnd type="triangle"/>
+            </a:ln>
+          </p:spPr>
+          <p:style>
+            <a:lnRef idx="3">
+              <a:schemeClr val="accent5"/>
+            </a:lnRef>
+            <a:fillRef idx="0">
+              <a:schemeClr val="accent5"/>
+            </a:fillRef>
+            <a:effectRef idx="2">
+              <a:schemeClr val="accent5"/>
+            </a:effectRef>
+            <a:fontRef idx="minor">
+              <a:schemeClr val="tx1"/>
+            </a:fontRef>
+          </p:style>
+        </p:cxnSp>
+        <p:cxnSp>
+          <p:nvCxnSpPr>
+            <p:cNvPr id="128" name="直接箭头连接符 127">
+              <a:extLst>
+                <a:ext uri="{FF2B5EF4-FFF2-40B4-BE49-F238E27FC236}">
+                  <a16:creationId xmlns:a16="http://schemas.microsoft.com/office/drawing/2014/main" id="{DE6D2D6A-05C4-5097-5EC0-6BD8BCD6F043}"/>
+                </a:ext>
+              </a:extLst>
+            </p:cNvPr>
+            <p:cNvCxnSpPr>
+              <a:cxnSpLocks/>
+            </p:cNvCxnSpPr>
+            <p:nvPr/>
+          </p:nvCxnSpPr>
+          <p:spPr>
+            <a:xfrm flipH="1" flipV="1">
+              <a:off x="6996512" y="2664220"/>
+              <a:ext cx="1" cy="3556932"/>
+            </a:xfrm>
+            <a:prstGeom prst="straightConnector1">
+              <a:avLst/>
+            </a:prstGeom>
+            <a:ln>
+              <a:tailEnd type="triangle"/>
+            </a:ln>
+          </p:spPr>
+          <p:style>
+            <a:lnRef idx="3">
+              <a:schemeClr val="accent5"/>
+            </a:lnRef>
+            <a:fillRef idx="0">
+              <a:schemeClr val="accent5"/>
+            </a:fillRef>
+            <a:effectRef idx="2">
+              <a:schemeClr val="accent5"/>
+            </a:effectRef>
+            <a:fontRef idx="minor">
+              <a:schemeClr val="tx1"/>
+            </a:fontRef>
+          </p:style>
+        </p:cxnSp>
+        <p:cxnSp>
+          <p:nvCxnSpPr>
+            <p:cNvPr id="129" name="直接箭头连接符 128">
+              <a:extLst>
+                <a:ext uri="{FF2B5EF4-FFF2-40B4-BE49-F238E27FC236}">
+                  <a16:creationId xmlns:a16="http://schemas.microsoft.com/office/drawing/2014/main" id="{06604433-1CB2-F550-AFD4-AC7A4B6448C7}"/>
+                </a:ext>
+              </a:extLst>
+            </p:cNvPr>
+            <p:cNvCxnSpPr>
+              <a:cxnSpLocks/>
+            </p:cNvCxnSpPr>
+            <p:nvPr/>
+          </p:nvCxnSpPr>
+          <p:spPr>
+            <a:xfrm>
+              <a:off x="5121573" y="3456979"/>
+              <a:ext cx="1874940" cy="1514213"/>
+            </a:xfrm>
+            <a:prstGeom prst="straightConnector1">
+              <a:avLst/>
+            </a:prstGeom>
+            <a:ln>
+              <a:solidFill>
+                <a:schemeClr val="tx1"/>
+              </a:solidFill>
+              <a:headEnd type="none" w="med" len="med"/>
+              <a:tailEnd type="none" w="med" len="med"/>
+            </a:ln>
+          </p:spPr>
+          <p:style>
+            <a:lnRef idx="3">
+              <a:schemeClr val="accent5"/>
+            </a:lnRef>
+            <a:fillRef idx="0">
+              <a:schemeClr val="accent5"/>
+            </a:fillRef>
+            <a:effectRef idx="2">
+              <a:schemeClr val="accent5"/>
+            </a:effectRef>
+            <a:fontRef idx="minor">
+              <a:schemeClr val="tx1"/>
+            </a:fontRef>
+          </p:style>
+        </p:cxnSp>
+        <p:cxnSp>
+          <p:nvCxnSpPr>
+            <p:cNvPr id="132" name="直接箭头连接符 131">
+              <a:extLst>
+                <a:ext uri="{FF2B5EF4-FFF2-40B4-BE49-F238E27FC236}">
+                  <a16:creationId xmlns:a16="http://schemas.microsoft.com/office/drawing/2014/main" id="{D71F74E0-E716-73CE-05DA-E93C013A8094}"/>
+                </a:ext>
+              </a:extLst>
+            </p:cNvPr>
+            <p:cNvCxnSpPr>
+              <a:cxnSpLocks/>
+            </p:cNvCxnSpPr>
+            <p:nvPr/>
+          </p:nvCxnSpPr>
+          <p:spPr>
+            <a:xfrm>
+              <a:off x="5121572" y="3456978"/>
+              <a:ext cx="3397542" cy="1037964"/>
+            </a:xfrm>
+            <a:prstGeom prst="straightConnector1">
+              <a:avLst/>
+            </a:prstGeom>
+            <a:ln>
+              <a:solidFill>
+                <a:schemeClr val="tx1"/>
+              </a:solidFill>
+              <a:headEnd type="none" w="med" len="med"/>
+              <a:tailEnd type="none" w="med" len="med"/>
+            </a:ln>
+          </p:spPr>
+          <p:style>
+            <a:lnRef idx="3">
+              <a:schemeClr val="accent5"/>
+            </a:lnRef>
+            <a:fillRef idx="0">
+              <a:schemeClr val="accent5"/>
+            </a:fillRef>
+            <a:effectRef idx="2">
+              <a:schemeClr val="accent5"/>
+            </a:effectRef>
+            <a:fontRef idx="minor">
+              <a:schemeClr val="tx1"/>
+            </a:fontRef>
+          </p:style>
+        </p:cxnSp>
+        <p:cxnSp>
+          <p:nvCxnSpPr>
+            <p:cNvPr id="134" name="直接箭头连接符 133">
+              <a:extLst>
+                <a:ext uri="{FF2B5EF4-FFF2-40B4-BE49-F238E27FC236}">
+                  <a16:creationId xmlns:a16="http://schemas.microsoft.com/office/drawing/2014/main" id="{222D3581-CE84-3361-F3DB-2FCFD5197D2B}"/>
+                </a:ext>
+              </a:extLst>
+            </p:cNvPr>
+            <p:cNvCxnSpPr>
+              <a:cxnSpLocks/>
+            </p:cNvCxnSpPr>
+            <p:nvPr/>
+          </p:nvCxnSpPr>
+          <p:spPr>
+            <a:xfrm>
+              <a:off x="6974075" y="4952360"/>
+              <a:ext cx="692573" cy="574821"/>
+            </a:xfrm>
+            <a:prstGeom prst="straightConnector1">
+              <a:avLst/>
+            </a:prstGeom>
+            <a:ln>
+              <a:solidFill>
+                <a:schemeClr val="tx1"/>
+              </a:solidFill>
+              <a:prstDash val="sysDash"/>
+              <a:headEnd type="none" w="med" len="med"/>
+              <a:tailEnd type="arrow" w="med" len="med"/>
+            </a:ln>
+          </p:spPr>
+          <p:style>
+            <a:lnRef idx="3">
+              <a:schemeClr val="accent5"/>
+            </a:lnRef>
+            <a:fillRef idx="0">
+              <a:schemeClr val="accent5"/>
+            </a:fillRef>
+            <a:effectRef idx="2">
+              <a:schemeClr val="accent5"/>
+            </a:effectRef>
+            <a:fontRef idx="minor">
+              <a:schemeClr val="tx1"/>
+            </a:fontRef>
+          </p:style>
+        </p:cxnSp>
+        <p:cxnSp>
+          <p:nvCxnSpPr>
+            <p:cNvPr id="135" name="直接箭头连接符 134">
+              <a:extLst>
+                <a:ext uri="{FF2B5EF4-FFF2-40B4-BE49-F238E27FC236}">
+                  <a16:creationId xmlns:a16="http://schemas.microsoft.com/office/drawing/2014/main" id="{6752D86E-13B4-8D51-D59F-DBBC6A105689}"/>
+                </a:ext>
+              </a:extLst>
+            </p:cNvPr>
+            <p:cNvCxnSpPr>
+              <a:cxnSpLocks/>
+            </p:cNvCxnSpPr>
+            <p:nvPr/>
+          </p:nvCxnSpPr>
+          <p:spPr>
+            <a:xfrm flipV="1">
+              <a:off x="6176265" y="3684783"/>
+              <a:ext cx="1853042" cy="2319063"/>
+            </a:xfrm>
+            <a:prstGeom prst="straightConnector1">
+              <a:avLst/>
+            </a:prstGeom>
+            <a:ln>
+              <a:solidFill>
+                <a:srgbClr val="FF0000"/>
+              </a:solidFill>
+              <a:prstDash val="sysDash"/>
+              <a:headEnd type="arrow" w="med" len="med"/>
+              <a:tailEnd type="none" w="med" len="med"/>
+            </a:ln>
+          </p:spPr>
+          <p:style>
+            <a:lnRef idx="3">
+              <a:schemeClr val="accent5"/>
+            </a:lnRef>
+            <a:fillRef idx="0">
+              <a:schemeClr val="accent5"/>
+            </a:fillRef>
+            <a:effectRef idx="2">
+              <a:schemeClr val="accent5"/>
+            </a:effectRef>
+            <a:fontRef idx="minor">
+              <a:schemeClr val="tx1"/>
+            </a:fontRef>
+          </p:style>
+        </p:cxnSp>
+        <p:cxnSp>
+          <p:nvCxnSpPr>
+            <p:cNvPr id="136" name="连接符: 肘形 135">
+              <a:extLst>
+                <a:ext uri="{FF2B5EF4-FFF2-40B4-BE49-F238E27FC236}">
+                  <a16:creationId xmlns:a16="http://schemas.microsoft.com/office/drawing/2014/main" id="{695CE73F-26B5-214E-E42E-0176EC4BF304}"/>
+                </a:ext>
+              </a:extLst>
+            </p:cNvPr>
+            <p:cNvCxnSpPr>
+              <a:cxnSpLocks/>
+            </p:cNvCxnSpPr>
+            <p:nvPr/>
+          </p:nvCxnSpPr>
+          <p:spPr>
+            <a:xfrm rot="2400000">
+              <a:off x="7011270" y="4915670"/>
+              <a:ext cx="131540" cy="93904"/>
+            </a:xfrm>
+            <a:prstGeom prst="bentConnector3">
+              <a:avLst>
+                <a:gd name="adj1" fmla="val 103102"/>
+              </a:avLst>
+            </a:prstGeom>
+            <a:ln w="19050">
+              <a:solidFill>
+                <a:srgbClr val="00B050"/>
+              </a:solidFill>
+            </a:ln>
+          </p:spPr>
+          <p:style>
+            <a:lnRef idx="1">
+              <a:schemeClr val="accent1"/>
+            </a:lnRef>
+            <a:fillRef idx="0">
+              <a:schemeClr val="accent1"/>
+            </a:fillRef>
+            <a:effectRef idx="0">
+              <a:schemeClr val="accent1"/>
+            </a:effectRef>
+            <a:fontRef idx="minor">
+              <a:schemeClr val="tx1"/>
+            </a:fontRef>
+          </p:style>
+        </p:cxnSp>
+        <p:sp>
+          <p:nvSpPr>
+            <p:cNvPr id="137" name="文本框 136">
+              <a:extLst>
+                <a:ext uri="{FF2B5EF4-FFF2-40B4-BE49-F238E27FC236}">
+                  <a16:creationId xmlns:a16="http://schemas.microsoft.com/office/drawing/2014/main" id="{692D476D-F299-42C3-EF2D-36362EF2E8A4}"/>
+                </a:ext>
+              </a:extLst>
+            </p:cNvPr>
+            <p:cNvSpPr txBox="1"/>
+            <p:nvPr/>
+          </p:nvSpPr>
+          <p:spPr>
+            <a:xfrm>
+              <a:off x="8272222" y="4113732"/>
+              <a:ext cx="304801" cy="369332"/>
+            </a:xfrm>
+            <a:prstGeom prst="rect">
+              <a:avLst/>
+            </a:prstGeom>
+            <a:noFill/>
+          </p:spPr>
+          <p:txBody>
+            <a:bodyPr wrap="square" rtlCol="0">
+              <a:spAutoFit/>
+            </a:bodyPr>
+            <a:lstStyle/>
+            <a:p>
+              <a:r>
+                <a:rPr lang="en-US" altLang="zh-CN" i="1" dirty="0">
+                  <a:latin typeface="Times New Roman" panose="02020603050405020304" pitchFamily="18" charset="0"/>
+                  <a:cs typeface="Times New Roman" panose="02020603050405020304" pitchFamily="18" charset="0"/>
+                </a:rPr>
+                <a:t>M</a:t>
+              </a:r>
+              <a:endParaRPr lang="zh-CN" altLang="en-US" i="1" dirty="0">
+                <a:latin typeface="Times New Roman" panose="02020603050405020304" pitchFamily="18" charset="0"/>
+                <a:cs typeface="Times New Roman" panose="02020603050405020304" pitchFamily="18" charset="0"/>
+              </a:endParaRPr>
+            </a:p>
+          </p:txBody>
+        </p:sp>
+        <p:sp>
+          <p:nvSpPr>
+            <p:cNvPr id="138" name="文本框 137">
+              <a:extLst>
+                <a:ext uri="{FF2B5EF4-FFF2-40B4-BE49-F238E27FC236}">
+                  <a16:creationId xmlns:a16="http://schemas.microsoft.com/office/drawing/2014/main" id="{EFAF9EA7-990E-FAA2-6B4A-6155BC4FD4DC}"/>
+                </a:ext>
+              </a:extLst>
+            </p:cNvPr>
+            <p:cNvSpPr txBox="1"/>
+            <p:nvPr/>
+          </p:nvSpPr>
+          <p:spPr>
+            <a:xfrm>
+              <a:off x="8730484" y="4885678"/>
+              <a:ext cx="304801" cy="369332"/>
+            </a:xfrm>
+            <a:prstGeom prst="rect">
+              <a:avLst/>
+            </a:prstGeom>
+            <a:noFill/>
+          </p:spPr>
+          <p:txBody>
+            <a:bodyPr wrap="square" rtlCol="0">
+              <a:spAutoFit/>
+            </a:bodyPr>
+            <a:lstStyle/>
+            <a:p>
+              <a:r>
+                <a:rPr lang="en-US" altLang="zh-CN" i="1" dirty="0">
+                  <a:latin typeface="Times New Roman" panose="02020603050405020304" pitchFamily="18" charset="0"/>
+                  <a:cs typeface="Times New Roman" panose="02020603050405020304" pitchFamily="18" charset="0"/>
+                </a:rPr>
+                <a:t>x</a:t>
+              </a:r>
+              <a:endParaRPr lang="zh-CN" altLang="en-US" i="1" dirty="0">
+                <a:latin typeface="Times New Roman" panose="02020603050405020304" pitchFamily="18" charset="0"/>
+                <a:cs typeface="Times New Roman" panose="02020603050405020304" pitchFamily="18" charset="0"/>
+              </a:endParaRPr>
+            </a:p>
+          </p:txBody>
+        </p:sp>
+        <p:sp>
+          <p:nvSpPr>
+            <p:cNvPr id="140" name="文本框 139">
+              <a:extLst>
+                <a:ext uri="{FF2B5EF4-FFF2-40B4-BE49-F238E27FC236}">
+                  <a16:creationId xmlns:a16="http://schemas.microsoft.com/office/drawing/2014/main" id="{C11DA402-2887-95C1-F2BC-B2F35694B232}"/>
+                </a:ext>
+              </a:extLst>
+            </p:cNvPr>
+            <p:cNvSpPr txBox="1"/>
+            <p:nvPr/>
+          </p:nvSpPr>
+          <p:spPr>
+            <a:xfrm>
+              <a:off x="4817561" y="3262896"/>
+              <a:ext cx="457022" cy="369332"/>
+            </a:xfrm>
+            <a:prstGeom prst="rect">
+              <a:avLst/>
+            </a:prstGeom>
+            <a:noFill/>
+          </p:spPr>
+          <p:txBody>
+            <a:bodyPr wrap="square" rtlCol="0">
+              <a:spAutoFit/>
+            </a:bodyPr>
+            <a:lstStyle/>
+            <a:p>
+              <a:r>
+                <a:rPr lang="en-US" altLang="zh-CN" i="1" dirty="0">
+                  <a:latin typeface="Times New Roman" panose="02020603050405020304" pitchFamily="18" charset="0"/>
+                  <a:cs typeface="Times New Roman" panose="02020603050405020304" pitchFamily="18" charset="0"/>
+                </a:rPr>
+                <a:t>S</a:t>
+              </a:r>
+              <a:r>
+                <a:rPr lang="en-US" altLang="zh-CN" i="1" baseline="-25000" dirty="0">
+                  <a:latin typeface="Times New Roman" panose="02020603050405020304" pitchFamily="18" charset="0"/>
+                  <a:cs typeface="Times New Roman" panose="02020603050405020304" pitchFamily="18" charset="0"/>
+                </a:rPr>
+                <a:t>o</a:t>
+              </a:r>
+              <a:endParaRPr lang="zh-CN" altLang="en-US" i="1" baseline="-25000" dirty="0">
+                <a:latin typeface="Times New Roman" panose="02020603050405020304" pitchFamily="18" charset="0"/>
+                <a:cs typeface="Times New Roman" panose="02020603050405020304" pitchFamily="18" charset="0"/>
+              </a:endParaRPr>
+            </a:p>
+          </p:txBody>
+        </p:sp>
+        <p:sp>
+          <p:nvSpPr>
+            <p:cNvPr id="141" name="文本框 140">
+              <a:extLst>
+                <a:ext uri="{FF2B5EF4-FFF2-40B4-BE49-F238E27FC236}">
+                  <a16:creationId xmlns:a16="http://schemas.microsoft.com/office/drawing/2014/main" id="{9AA05ADE-A6B2-389D-12F1-9518F1455C02}"/>
+                </a:ext>
+              </a:extLst>
+            </p:cNvPr>
+            <p:cNvSpPr txBox="1"/>
+            <p:nvPr/>
+          </p:nvSpPr>
+          <p:spPr>
+            <a:xfrm>
+              <a:off x="6508182" y="4947755"/>
+              <a:ext cx="304801" cy="369332"/>
+            </a:xfrm>
+            <a:prstGeom prst="rect">
+              <a:avLst/>
+            </a:prstGeom>
+            <a:noFill/>
+          </p:spPr>
+          <p:txBody>
+            <a:bodyPr wrap="square" rtlCol="0">
+              <a:spAutoFit/>
+            </a:bodyPr>
+            <a:lstStyle/>
+            <a:p>
+              <a:r>
+                <a:rPr lang="en-US" altLang="zh-CN" i="1" dirty="0">
+                  <a:latin typeface="Times New Roman" panose="02020603050405020304" pitchFamily="18" charset="0"/>
+                  <a:cs typeface="Times New Roman" panose="02020603050405020304" pitchFamily="18" charset="0"/>
+                </a:rPr>
+                <a:t>O</a:t>
+              </a:r>
+              <a:endParaRPr lang="zh-CN" altLang="en-US" i="1" dirty="0">
+                <a:latin typeface="Times New Roman" panose="02020603050405020304" pitchFamily="18" charset="0"/>
+                <a:cs typeface="Times New Roman" panose="02020603050405020304" pitchFamily="18" charset="0"/>
+              </a:endParaRPr>
+            </a:p>
+          </p:txBody>
+        </p:sp>
+        <p:sp>
+          <p:nvSpPr>
+            <p:cNvPr id="142" name="弧形 141">
+              <a:extLst>
+                <a:ext uri="{FF2B5EF4-FFF2-40B4-BE49-F238E27FC236}">
+                  <a16:creationId xmlns:a16="http://schemas.microsoft.com/office/drawing/2014/main" id="{24DAEC74-FD63-26AD-D564-B470AC6A463D}"/>
+                </a:ext>
+              </a:extLst>
+            </p:cNvPr>
+            <p:cNvSpPr/>
+            <p:nvPr/>
+          </p:nvSpPr>
+          <p:spPr>
+            <a:xfrm>
+              <a:off x="6665147" y="4824015"/>
+              <a:ext cx="328571" cy="73090"/>
+            </a:xfrm>
+            <a:prstGeom prst="arc">
+              <a:avLst/>
+            </a:prstGeom>
+            <a:ln>
+              <a:solidFill>
+                <a:schemeClr val="accent6"/>
+              </a:solidFill>
+            </a:ln>
+          </p:spPr>
+          <p:style>
+            <a:lnRef idx="3">
+              <a:schemeClr val="dk1"/>
+            </a:lnRef>
+            <a:fillRef idx="0">
+              <a:schemeClr val="dk1"/>
+            </a:fillRef>
+            <a:effectRef idx="2">
+              <a:schemeClr val="dk1"/>
+            </a:effectRef>
+            <a:fontRef idx="minor">
+              <a:schemeClr val="tx1"/>
+            </a:fontRef>
+          </p:style>
+          <p:txBody>
+            <a:bodyPr rtlCol="0" anchor="ctr"/>
+            <a:lstStyle/>
+            <a:p>
+              <a:pPr algn="ctr"/>
+              <a:endParaRPr lang="zh-CN" altLang="en-US"/>
+            </a:p>
+          </p:txBody>
+        </p:sp>
+        <p:graphicFrame>
+          <p:nvGraphicFramePr>
+            <p:cNvPr id="143" name="对象 142">
+              <a:extLst>
+                <a:ext uri="{FF2B5EF4-FFF2-40B4-BE49-F238E27FC236}">
+                  <a16:creationId xmlns:a16="http://schemas.microsoft.com/office/drawing/2014/main" id="{E36B4B99-2E4B-269A-581B-322FA77628AD}"/>
+                </a:ext>
+              </a:extLst>
+            </p:cNvPr>
+            <p:cNvGraphicFramePr>
+              <a:graphicFrameLocks noChangeAspect="1"/>
+            </p:cNvGraphicFramePr>
+            <p:nvPr>
+              <p:extLst>
+                <p:ext uri="{D42A27DB-BD31-4B8C-83A1-F6EECF244321}">
+                  <p14:modId xmlns:p14="http://schemas.microsoft.com/office/powerpoint/2010/main" val="663433231"/>
+                </p:ext>
+              </p:extLst>
+            </p:nvPr>
+          </p:nvGraphicFramePr>
+          <p:xfrm>
+            <a:off x="6745114" y="4482526"/>
+            <a:ext cx="239625" cy="319500"/>
+          </p:xfrm>
+          <a:graphic>
+            <a:graphicData uri="http://schemas.openxmlformats.org/presentationml/2006/ole">
+              <mc:AlternateContent xmlns:mc="http://schemas.openxmlformats.org/markup-compatibility/2006">
+                <mc:Choice xmlns:v="urn:schemas-microsoft-com:vml" Requires="v">
+                  <p:oleObj name="Equation" r:id="rId2" imgW="152280" imgH="203040" progId="Equation.DSMT4">
+                    <p:embed/>
+                  </p:oleObj>
+                </mc:Choice>
+                <mc:Fallback>
+                  <p:oleObj name="Equation" r:id="rId2" imgW="152280" imgH="203040" progId="Equation.DSMT4">
+                    <p:embed/>
+                    <p:pic>
+                      <p:nvPicPr>
+                        <p:cNvPr id="96" name="对象 95">
+                          <a:extLst>
+                            <a:ext uri="{FF2B5EF4-FFF2-40B4-BE49-F238E27FC236}">
+                              <a16:creationId xmlns:a16="http://schemas.microsoft.com/office/drawing/2014/main" id="{26665773-9054-7173-8E2D-9DFF6AD3330D}"/>
+                            </a:ext>
+                          </a:extLst>
+                        </p:cNvPr>
+                        <p:cNvPicPr/>
+                        <p:nvPr/>
+                      </p:nvPicPr>
+                      <p:blipFill>
+                        <a:blip r:embed="rId3"/>
+                        <a:stretch>
+                          <a:fillRect/>
+                        </a:stretch>
+                      </p:blipFill>
+                      <p:spPr>
+                        <a:xfrm>
+                          <a:off x="6745114" y="4482526"/>
+                          <a:ext cx="239625" cy="319500"/>
+                        </a:xfrm>
+                        <a:prstGeom prst="rect">
+                          <a:avLst/>
+                        </a:prstGeom>
+                      </p:spPr>
+                    </p:pic>
+                  </p:oleObj>
+                </mc:Fallback>
+              </mc:AlternateContent>
+            </a:graphicData>
+          </a:graphic>
+        </p:graphicFrame>
+        <p:sp>
+          <p:nvSpPr>
+            <p:cNvPr id="144" name="弧形 143">
+              <a:extLst>
+                <a:ext uri="{FF2B5EF4-FFF2-40B4-BE49-F238E27FC236}">
+                  <a16:creationId xmlns:a16="http://schemas.microsoft.com/office/drawing/2014/main" id="{E27E15CD-5BA9-AC80-3A80-401716B8005D}"/>
+                </a:ext>
+              </a:extLst>
+            </p:cNvPr>
+            <p:cNvSpPr/>
+            <p:nvPr/>
+          </p:nvSpPr>
+          <p:spPr>
+            <a:xfrm rot="7717470">
+              <a:off x="5329961" y="3519091"/>
+              <a:ext cx="328571" cy="73090"/>
+            </a:xfrm>
+            <a:prstGeom prst="arc">
+              <a:avLst/>
+            </a:prstGeom>
+            <a:ln>
+              <a:solidFill>
+                <a:schemeClr val="accent6"/>
+              </a:solidFill>
+            </a:ln>
+          </p:spPr>
+          <p:style>
+            <a:lnRef idx="3">
+              <a:schemeClr val="dk1"/>
+            </a:lnRef>
+            <a:fillRef idx="0">
+              <a:schemeClr val="dk1"/>
+            </a:fillRef>
+            <a:effectRef idx="2">
+              <a:schemeClr val="dk1"/>
+            </a:effectRef>
+            <a:fontRef idx="minor">
+              <a:schemeClr val="tx1"/>
+            </a:fontRef>
+          </p:style>
+          <p:txBody>
+            <a:bodyPr rtlCol="0" anchor="ctr"/>
+            <a:lstStyle/>
+            <a:p>
+              <a:pPr algn="ctr"/>
+              <a:endParaRPr lang="zh-CN" altLang="en-US"/>
+            </a:p>
+          </p:txBody>
+        </p:sp>
+        <p:sp>
+          <p:nvSpPr>
+            <p:cNvPr id="146" name="弧形 145">
+              <a:extLst>
+                <a:ext uri="{FF2B5EF4-FFF2-40B4-BE49-F238E27FC236}">
+                  <a16:creationId xmlns:a16="http://schemas.microsoft.com/office/drawing/2014/main" id="{41360184-3B2B-E650-990E-8A07976F6BBE}"/>
+                </a:ext>
+              </a:extLst>
+            </p:cNvPr>
+            <p:cNvSpPr/>
+            <p:nvPr/>
+          </p:nvSpPr>
+          <p:spPr>
+            <a:xfrm rot="3255547">
+              <a:off x="6896704" y="4711658"/>
+              <a:ext cx="480651" cy="142714"/>
+            </a:xfrm>
+            <a:prstGeom prst="arc">
+              <a:avLst/>
+            </a:prstGeom>
+            <a:ln>
+              <a:solidFill>
+                <a:srgbClr val="FF0000"/>
+              </a:solidFill>
+            </a:ln>
+          </p:spPr>
+          <p:style>
+            <a:lnRef idx="3">
+              <a:schemeClr val="dk1"/>
+            </a:lnRef>
+            <a:fillRef idx="0">
+              <a:schemeClr val="dk1"/>
+            </a:fillRef>
+            <a:effectRef idx="2">
+              <a:schemeClr val="dk1"/>
+            </a:effectRef>
+            <a:fontRef idx="minor">
+              <a:schemeClr val="tx1"/>
+            </a:fontRef>
+          </p:style>
+          <p:txBody>
+            <a:bodyPr rtlCol="0" anchor="ctr"/>
+            <a:lstStyle/>
+            <a:p>
+              <a:pPr algn="ctr"/>
+              <a:endParaRPr lang="zh-CN" altLang="en-US"/>
+            </a:p>
+          </p:txBody>
+        </p:sp>
+        <p:graphicFrame>
+          <p:nvGraphicFramePr>
+            <p:cNvPr id="147" name="对象 146">
+              <a:extLst>
+                <a:ext uri="{FF2B5EF4-FFF2-40B4-BE49-F238E27FC236}">
+                  <a16:creationId xmlns:a16="http://schemas.microsoft.com/office/drawing/2014/main" id="{A3E179E5-391F-2FB4-BF14-C527353989DC}"/>
+                </a:ext>
+              </a:extLst>
+            </p:cNvPr>
+            <p:cNvGraphicFramePr>
+              <a:graphicFrameLocks noChangeAspect="1"/>
+            </p:cNvGraphicFramePr>
+            <p:nvPr>
+              <p:extLst>
+                <p:ext uri="{D42A27DB-BD31-4B8C-83A1-F6EECF244321}">
+                  <p14:modId xmlns:p14="http://schemas.microsoft.com/office/powerpoint/2010/main" val="2502489282"/>
+                </p:ext>
+              </p:extLst>
+            </p:nvPr>
+          </p:nvGraphicFramePr>
+          <p:xfrm>
+            <a:off x="7304891" y="4621142"/>
+            <a:ext cx="239625" cy="319500"/>
+          </p:xfrm>
+          <a:graphic>
+            <a:graphicData uri="http://schemas.openxmlformats.org/presentationml/2006/ole">
+              <mc:AlternateContent xmlns:mc="http://schemas.openxmlformats.org/markup-compatibility/2006">
+                <mc:Choice xmlns:v="urn:schemas-microsoft-com:vml" Requires="v">
+                  <p:oleObj name="Equation" r:id="rId2" imgW="152280" imgH="203040" progId="Equation.DSMT4">
+                    <p:embed/>
+                  </p:oleObj>
+                </mc:Choice>
+                <mc:Fallback>
+                  <p:oleObj name="Equation" r:id="rId2" imgW="152280" imgH="203040" progId="Equation.DSMT4">
+                    <p:embed/>
+                    <p:pic>
+                      <p:nvPicPr>
+                        <p:cNvPr id="109" name="对象 108">
+                          <a:extLst>
+                            <a:ext uri="{FF2B5EF4-FFF2-40B4-BE49-F238E27FC236}">
+                              <a16:creationId xmlns:a16="http://schemas.microsoft.com/office/drawing/2014/main" id="{BC73F9AB-50A3-B1C9-6BA7-8F8CD698104C}"/>
+                            </a:ext>
+                          </a:extLst>
+                        </p:cNvPr>
+                        <p:cNvPicPr/>
+                        <p:nvPr/>
+                      </p:nvPicPr>
+                      <p:blipFill>
+                        <a:blip r:embed="rId3"/>
+                        <a:stretch>
+                          <a:fillRect/>
+                        </a:stretch>
+                      </p:blipFill>
+                      <p:spPr>
+                        <a:xfrm>
+                          <a:off x="7304891" y="4621142"/>
+                          <a:ext cx="239625" cy="319500"/>
+                        </a:xfrm>
+                        <a:prstGeom prst="rect">
+                          <a:avLst/>
+                        </a:prstGeom>
+                      </p:spPr>
+                    </p:pic>
+                  </p:oleObj>
+                </mc:Fallback>
+              </mc:AlternateContent>
+            </a:graphicData>
+          </a:graphic>
+        </p:graphicFrame>
+        <p:cxnSp>
+          <p:nvCxnSpPr>
+            <p:cNvPr id="150" name="直接箭头连接符 149">
+              <a:extLst>
+                <a:ext uri="{FF2B5EF4-FFF2-40B4-BE49-F238E27FC236}">
+                  <a16:creationId xmlns:a16="http://schemas.microsoft.com/office/drawing/2014/main" id="{7057ECEA-192D-570D-2E32-5F8FDEBD63A3}"/>
+                </a:ext>
+              </a:extLst>
+            </p:cNvPr>
+            <p:cNvCxnSpPr>
+              <a:cxnSpLocks/>
+            </p:cNvCxnSpPr>
+            <p:nvPr/>
+          </p:nvCxnSpPr>
+          <p:spPr>
+            <a:xfrm>
+              <a:off x="1499873" y="4204667"/>
+              <a:ext cx="682708" cy="552002"/>
+            </a:xfrm>
+            <a:prstGeom prst="straightConnector1">
+              <a:avLst/>
+            </a:prstGeom>
+            <a:ln>
+              <a:solidFill>
+                <a:schemeClr val="tx1"/>
+              </a:solidFill>
+              <a:headEnd type="arrow" w="med" len="med"/>
+              <a:tailEnd type="none" w="med" len="med"/>
+            </a:ln>
+          </p:spPr>
+          <p:style>
+            <a:lnRef idx="3">
+              <a:schemeClr val="accent5"/>
+            </a:lnRef>
+            <a:fillRef idx="0">
+              <a:schemeClr val="accent5"/>
+            </a:fillRef>
+            <a:effectRef idx="2">
+              <a:schemeClr val="accent5"/>
+            </a:effectRef>
+            <a:fontRef idx="minor">
+              <a:schemeClr val="tx1"/>
+            </a:fontRef>
+          </p:style>
+        </p:cxnSp>
+        <p:sp>
+          <p:nvSpPr>
+            <p:cNvPr id="156" name="文本框 155">
+              <a:extLst>
+                <a:ext uri="{FF2B5EF4-FFF2-40B4-BE49-F238E27FC236}">
+                  <a16:creationId xmlns:a16="http://schemas.microsoft.com/office/drawing/2014/main" id="{26B8373B-A54C-F896-6730-C4F33648A971}"/>
+                </a:ext>
+              </a:extLst>
+            </p:cNvPr>
+            <p:cNvSpPr txBox="1"/>
+            <p:nvPr/>
+          </p:nvSpPr>
+          <p:spPr>
+            <a:xfrm>
+              <a:off x="5960879" y="5720256"/>
+              <a:ext cx="304801" cy="369332"/>
+            </a:xfrm>
+            <a:prstGeom prst="rect">
+              <a:avLst/>
+            </a:prstGeom>
+            <a:noFill/>
+          </p:spPr>
+          <p:txBody>
+            <a:bodyPr wrap="square" rtlCol="0">
+              <a:spAutoFit/>
+            </a:bodyPr>
+            <a:lstStyle/>
+            <a:p>
+              <a:r>
+                <a:rPr lang="en-US" altLang="zh-CN" i="1" dirty="0">
+                  <a:latin typeface="Times New Roman" panose="02020603050405020304" pitchFamily="18" charset="0"/>
+                  <a:cs typeface="Times New Roman" panose="02020603050405020304" pitchFamily="18" charset="0"/>
+                </a:rPr>
+                <a:t>s</a:t>
+              </a:r>
+              <a:endParaRPr lang="zh-CN" altLang="en-US" i="1" dirty="0">
+                <a:latin typeface="Times New Roman" panose="02020603050405020304" pitchFamily="18" charset="0"/>
+                <a:cs typeface="Times New Roman" panose="02020603050405020304" pitchFamily="18" charset="0"/>
+              </a:endParaRPr>
+            </a:p>
+          </p:txBody>
+        </p:sp>
+        <p:sp>
+          <p:nvSpPr>
+            <p:cNvPr id="157" name="文本框 156">
+              <a:extLst>
+                <a:ext uri="{FF2B5EF4-FFF2-40B4-BE49-F238E27FC236}">
+                  <a16:creationId xmlns:a16="http://schemas.microsoft.com/office/drawing/2014/main" id="{B1199BCF-BAF9-49B4-1D71-92758A8FD001}"/>
+                </a:ext>
+              </a:extLst>
+            </p:cNvPr>
+            <p:cNvSpPr txBox="1"/>
+            <p:nvPr/>
+          </p:nvSpPr>
+          <p:spPr>
+            <a:xfrm>
+              <a:off x="7581348" y="5251177"/>
+              <a:ext cx="304801" cy="369332"/>
+            </a:xfrm>
+            <a:prstGeom prst="rect">
+              <a:avLst/>
+            </a:prstGeom>
+            <a:noFill/>
+          </p:spPr>
+          <p:txBody>
+            <a:bodyPr wrap="square" rtlCol="0">
+              <a:spAutoFit/>
+            </a:bodyPr>
+            <a:lstStyle/>
+            <a:p>
+              <a:r>
+                <a:rPr lang="en-US" altLang="zh-CN" i="1" dirty="0">
+                  <a:latin typeface="Times New Roman" panose="02020603050405020304" pitchFamily="18" charset="0"/>
+                  <a:cs typeface="Times New Roman" panose="02020603050405020304" pitchFamily="18" charset="0"/>
+                </a:rPr>
+                <a:t>t</a:t>
+              </a:r>
+              <a:endParaRPr lang="zh-CN" altLang="en-US" i="1" dirty="0">
+                <a:latin typeface="Times New Roman" panose="02020603050405020304" pitchFamily="18" charset="0"/>
+                <a:cs typeface="Times New Roman" panose="02020603050405020304" pitchFamily="18" charset="0"/>
+              </a:endParaRPr>
+            </a:p>
+          </p:txBody>
+        </p:sp>
+        <p:sp>
+          <p:nvSpPr>
+            <p:cNvPr id="158" name="文本框 157">
+              <a:extLst>
+                <a:ext uri="{FF2B5EF4-FFF2-40B4-BE49-F238E27FC236}">
+                  <a16:creationId xmlns:a16="http://schemas.microsoft.com/office/drawing/2014/main" id="{66002A1E-6917-F1DA-D327-1A5CF9636D7D}"/>
+                </a:ext>
+              </a:extLst>
+            </p:cNvPr>
+            <p:cNvSpPr txBox="1"/>
+            <p:nvPr/>
+          </p:nvSpPr>
+          <p:spPr>
+            <a:xfrm>
+              <a:off x="3261964" y="3668910"/>
+              <a:ext cx="304801" cy="369332"/>
+            </a:xfrm>
+            <a:prstGeom prst="rect">
+              <a:avLst/>
+            </a:prstGeom>
+            <a:noFill/>
+          </p:spPr>
+          <p:txBody>
+            <a:bodyPr wrap="square" rtlCol="0">
+              <a:spAutoFit/>
+            </a:bodyPr>
+            <a:lstStyle/>
+            <a:p>
+              <a:r>
+                <a:rPr lang="en-US" altLang="zh-CN" i="1" dirty="0">
+                  <a:latin typeface="Times New Roman" panose="02020603050405020304" pitchFamily="18" charset="0"/>
+                  <a:cs typeface="Times New Roman" panose="02020603050405020304" pitchFamily="18" charset="0"/>
+                </a:rPr>
+                <a:t>s</a:t>
+              </a:r>
+              <a:endParaRPr lang="zh-CN" altLang="en-US" i="1" dirty="0">
+                <a:latin typeface="Times New Roman" panose="02020603050405020304" pitchFamily="18" charset="0"/>
+                <a:cs typeface="Times New Roman" panose="02020603050405020304" pitchFamily="18" charset="0"/>
+              </a:endParaRPr>
+            </a:p>
+          </p:txBody>
+        </p:sp>
+        <p:sp>
+          <p:nvSpPr>
+            <p:cNvPr id="159" name="文本框 158">
+              <a:extLst>
+                <a:ext uri="{FF2B5EF4-FFF2-40B4-BE49-F238E27FC236}">
+                  <a16:creationId xmlns:a16="http://schemas.microsoft.com/office/drawing/2014/main" id="{1BEAA2C0-764D-4E4B-E7C9-154A04B594C6}"/>
+                </a:ext>
+              </a:extLst>
+            </p:cNvPr>
+            <p:cNvSpPr txBox="1"/>
+            <p:nvPr/>
+          </p:nvSpPr>
+          <p:spPr>
+            <a:xfrm>
+              <a:off x="1368935" y="4218390"/>
+              <a:ext cx="304801" cy="369332"/>
+            </a:xfrm>
+            <a:prstGeom prst="rect">
+              <a:avLst/>
+            </a:prstGeom>
+            <a:noFill/>
+          </p:spPr>
+          <p:txBody>
+            <a:bodyPr wrap="square" rtlCol="0">
+              <a:spAutoFit/>
+            </a:bodyPr>
+            <a:lstStyle/>
+            <a:p>
+              <a:r>
+                <a:rPr lang="en-US" altLang="zh-CN" i="1" dirty="0">
+                  <a:latin typeface="Times New Roman" panose="02020603050405020304" pitchFamily="18" charset="0"/>
+                  <a:cs typeface="Times New Roman" panose="02020603050405020304" pitchFamily="18" charset="0"/>
+                </a:rPr>
+                <a:t>t</a:t>
+              </a:r>
+              <a:endParaRPr lang="zh-CN" altLang="en-US" i="1" dirty="0">
+                <a:latin typeface="Times New Roman" panose="02020603050405020304" pitchFamily="18" charset="0"/>
+                <a:cs typeface="Times New Roman" panose="02020603050405020304" pitchFamily="18" charset="0"/>
+              </a:endParaRPr>
+            </a:p>
+          </p:txBody>
+        </p:sp>
+        <p:sp>
+          <p:nvSpPr>
+            <p:cNvPr id="161" name="任意多边形: 形状 160">
+              <a:extLst>
+                <a:ext uri="{FF2B5EF4-FFF2-40B4-BE49-F238E27FC236}">
+                  <a16:creationId xmlns:a16="http://schemas.microsoft.com/office/drawing/2014/main" id="{6DD353C0-E1B7-F148-F719-3B36162D6AE4}"/>
+                </a:ext>
+              </a:extLst>
+            </p:cNvPr>
+            <p:cNvSpPr/>
+            <p:nvPr/>
+          </p:nvSpPr>
+          <p:spPr>
+            <a:xfrm>
+              <a:off x="6762349" y="4972391"/>
+              <a:ext cx="661987" cy="448756"/>
+            </a:xfrm>
+            <a:custGeom>
+              <a:avLst/>
+              <a:gdLst>
+                <a:gd name="connsiteX0" fmla="*/ 0 w 661987"/>
+                <a:gd name="connsiteY0" fmla="*/ 309563 h 448756"/>
+                <a:gd name="connsiteX1" fmla="*/ 328612 w 661987"/>
+                <a:gd name="connsiteY1" fmla="*/ 433388 h 448756"/>
+                <a:gd name="connsiteX2" fmla="*/ 661987 w 661987"/>
+                <a:gd name="connsiteY2" fmla="*/ 0 h 448756"/>
+              </a:gdLst>
+              <a:ahLst/>
+              <a:cxnLst>
+                <a:cxn ang="0">
+                  <a:pos x="connsiteX0" y="connsiteY0"/>
+                </a:cxn>
+                <a:cxn ang="0">
+                  <a:pos x="connsiteX1" y="connsiteY1"/>
+                </a:cxn>
+                <a:cxn ang="0">
+                  <a:pos x="connsiteX2" y="connsiteY2"/>
+                </a:cxn>
+              </a:cxnLst>
+              <a:rect l="l" t="t" r="r" b="b"/>
+              <a:pathLst>
+                <a:path w="661987" h="448756">
+                  <a:moveTo>
+                    <a:pt x="0" y="309563"/>
+                  </a:moveTo>
+                  <a:cubicBezTo>
+                    <a:pt x="109140" y="397272"/>
+                    <a:pt x="218281" y="484982"/>
+                    <a:pt x="328612" y="433388"/>
+                  </a:cubicBezTo>
+                  <a:cubicBezTo>
+                    <a:pt x="438943" y="381794"/>
+                    <a:pt x="550465" y="190897"/>
+                    <a:pt x="661987" y="0"/>
+                  </a:cubicBezTo>
+                </a:path>
+              </a:pathLst>
+            </a:custGeom>
+            <a:noFill/>
+          </p:spPr>
+          <p:style>
+            <a:lnRef idx="2">
+              <a:schemeClr val="accent1">
+                <a:shade val="15000"/>
+              </a:schemeClr>
+            </a:lnRef>
+            <a:fillRef idx="1">
+              <a:schemeClr val="accent1"/>
+            </a:fillRef>
+            <a:effectRef idx="0">
+              <a:schemeClr val="accent1"/>
+            </a:effectRef>
+            <a:fontRef idx="minor">
+              <a:schemeClr val="lt1"/>
+            </a:fontRef>
+          </p:style>
+          <p:txBody>
+            <a:bodyPr rtlCol="0" anchor="ctr"/>
+            <a:lstStyle/>
+            <a:p>
+              <a:pPr algn="ctr"/>
+              <a:endParaRPr lang="zh-CN" altLang="en-US"/>
+            </a:p>
+          </p:txBody>
+        </p:sp>
+        <p:sp>
+          <p:nvSpPr>
+            <p:cNvPr id="164" name="文本框 163">
+              <a:extLst>
+                <a:ext uri="{FF2B5EF4-FFF2-40B4-BE49-F238E27FC236}">
+                  <a16:creationId xmlns:a16="http://schemas.microsoft.com/office/drawing/2014/main" id="{44CB11BE-2E1D-BEFB-D2FC-352AB4CB23B6}"/>
+                </a:ext>
+              </a:extLst>
+            </p:cNvPr>
+            <p:cNvSpPr txBox="1"/>
+            <p:nvPr/>
+          </p:nvSpPr>
+          <p:spPr>
+            <a:xfrm>
+              <a:off x="7769770" y="5317087"/>
+              <a:ext cx="1397085" cy="954107"/>
+            </a:xfrm>
+            <a:prstGeom prst="rect">
+              <a:avLst/>
+            </a:prstGeom>
+            <a:noFill/>
+          </p:spPr>
+          <p:txBody>
+            <a:bodyPr wrap="square" rtlCol="0">
+              <a:spAutoFit/>
+            </a:bodyPr>
+            <a:lstStyle/>
+            <a:p>
+              <a:r>
+                <a:rPr lang="zh-CN" altLang="en-US" sz="1400" dirty="0">
+                  <a:latin typeface="Times New Roman" panose="02020603050405020304" pitchFamily="18" charset="0"/>
+                  <a:cs typeface="Times New Roman" panose="02020603050405020304" pitchFamily="18" charset="0"/>
+                </a:rPr>
+                <a:t>锥形束中旋转角的定义</a:t>
+              </a:r>
+              <a:endParaRPr lang="en-US" altLang="zh-CN" sz="1400" dirty="0">
+                <a:latin typeface="Times New Roman" panose="02020603050405020304" pitchFamily="18" charset="0"/>
+                <a:cs typeface="Times New Roman" panose="02020603050405020304" pitchFamily="18" charset="0"/>
+              </a:endParaRPr>
+            </a:p>
+            <a:p>
+              <a:r>
+                <a:rPr lang="en-US" altLang="zh-CN" sz="1400" i="1" dirty="0">
+                  <a:latin typeface="Times New Roman" panose="02020603050405020304" pitchFamily="18" charset="0"/>
+                  <a:cs typeface="Times New Roman" panose="02020603050405020304" pitchFamily="18" charset="0"/>
+                </a:rPr>
+                <a:t>s </a:t>
+              </a:r>
+              <a:r>
+                <a:rPr lang="zh-CN" altLang="en-US" sz="1400" dirty="0">
+                  <a:latin typeface="Times New Roman" panose="02020603050405020304" pitchFamily="18" charset="0"/>
+                  <a:cs typeface="Times New Roman" panose="02020603050405020304" pitchFamily="18" charset="0"/>
+                </a:rPr>
+                <a:t>在 </a:t>
+              </a:r>
+              <a:r>
+                <a:rPr lang="en-US" altLang="zh-CN" sz="1400" i="1" dirty="0">
+                  <a:latin typeface="Times New Roman" panose="02020603050405020304" pitchFamily="18" charset="0"/>
+                  <a:cs typeface="Times New Roman" panose="02020603050405020304" pitchFamily="18" charset="0"/>
+                </a:rPr>
+                <a:t>x </a:t>
+              </a:r>
+              <a:r>
+                <a:rPr lang="zh-CN" altLang="en-US" sz="1400" dirty="0">
+                  <a:latin typeface="Times New Roman" panose="02020603050405020304" pitchFamily="18" charset="0"/>
+                  <a:cs typeface="Times New Roman" panose="02020603050405020304" pitchFamily="18" charset="0"/>
+                </a:rPr>
+                <a:t>的前面因此为负角度</a:t>
+              </a:r>
+            </a:p>
+          </p:txBody>
+        </p:sp>
+        <p:graphicFrame>
+          <p:nvGraphicFramePr>
+            <p:cNvPr id="166" name="对象 165">
+              <a:extLst>
+                <a:ext uri="{FF2B5EF4-FFF2-40B4-BE49-F238E27FC236}">
+                  <a16:creationId xmlns:a16="http://schemas.microsoft.com/office/drawing/2014/main" id="{A6A38690-2456-9C79-C0C0-E8FD8ACFED7B}"/>
+                </a:ext>
+              </a:extLst>
+            </p:cNvPr>
+            <p:cNvGraphicFramePr>
+              <a:graphicFrameLocks noChangeAspect="1"/>
+            </p:cNvGraphicFramePr>
+            <p:nvPr>
+              <p:extLst>
+                <p:ext uri="{D42A27DB-BD31-4B8C-83A1-F6EECF244321}">
+                  <p14:modId xmlns:p14="http://schemas.microsoft.com/office/powerpoint/2010/main" val="3556187638"/>
+                </p:ext>
+              </p:extLst>
+            </p:nvPr>
+          </p:nvGraphicFramePr>
+          <p:xfrm>
+            <a:off x="6499820" y="5470423"/>
+            <a:ext cx="885825" cy="269875"/>
+          </p:xfrm>
+          <a:graphic>
+            <a:graphicData uri="http://schemas.openxmlformats.org/presentationml/2006/ole">
+              <mc:AlternateContent xmlns:mc="http://schemas.openxmlformats.org/markup-compatibility/2006">
+                <mc:Choice xmlns:v="urn:schemas-microsoft-com:vml" Requires="v">
+                  <p:oleObj name="Equation" r:id="rId6" imgW="749160" imgH="228600" progId="Equation.DSMT4">
+                    <p:embed/>
+                  </p:oleObj>
+                </mc:Choice>
+                <mc:Fallback>
+                  <p:oleObj name="Equation" r:id="rId6" imgW="749160" imgH="228600" progId="Equation.DSMT4">
+                    <p:embed/>
+                    <p:pic>
+                      <p:nvPicPr>
+                        <p:cNvPr id="109" name="对象 108">
+                          <a:extLst>
+                            <a:ext uri="{FF2B5EF4-FFF2-40B4-BE49-F238E27FC236}">
+                              <a16:creationId xmlns:a16="http://schemas.microsoft.com/office/drawing/2014/main" id="{BC73F9AB-50A3-B1C9-6BA7-8F8CD698104C}"/>
+                            </a:ext>
+                          </a:extLst>
+                        </p:cNvPr>
+                        <p:cNvPicPr/>
+                        <p:nvPr/>
+                      </p:nvPicPr>
+                      <p:blipFill>
+                        <a:blip r:embed="rId7"/>
+                        <a:stretch>
+                          <a:fillRect/>
+                        </a:stretch>
+                      </p:blipFill>
+                      <p:spPr>
+                        <a:xfrm>
+                          <a:off x="6499820" y="5470423"/>
+                          <a:ext cx="885825" cy="269875"/>
+                        </a:xfrm>
+                        <a:prstGeom prst="rect">
+                          <a:avLst/>
+                        </a:prstGeom>
+                      </p:spPr>
+                    </p:pic>
+                  </p:oleObj>
+                </mc:Fallback>
+              </mc:AlternateContent>
+            </a:graphicData>
+          </a:graphic>
+        </p:graphicFrame>
+        <p:sp>
+          <p:nvSpPr>
+            <p:cNvPr id="167" name="文本框 166">
+              <a:extLst>
+                <a:ext uri="{FF2B5EF4-FFF2-40B4-BE49-F238E27FC236}">
+                  <a16:creationId xmlns:a16="http://schemas.microsoft.com/office/drawing/2014/main" id="{BEF9B14E-D7A7-2803-2F00-C1FC6176002F}"/>
+                </a:ext>
+              </a:extLst>
+            </p:cNvPr>
+            <p:cNvSpPr txBox="1"/>
+            <p:nvPr/>
+          </p:nvSpPr>
+          <p:spPr>
+            <a:xfrm>
+              <a:off x="5919062" y="6229619"/>
+              <a:ext cx="1820739" cy="297517"/>
+            </a:xfrm>
+            <a:prstGeom prst="rect">
+              <a:avLst/>
+            </a:prstGeom>
+            <a:noFill/>
+          </p:spPr>
+          <p:txBody>
+            <a:bodyPr wrap="square" rtlCol="0">
+              <a:spAutoFit/>
+            </a:bodyPr>
+            <a:lstStyle/>
+            <a:p>
+              <a:r>
+                <a:rPr lang="en-US" altLang="zh-CN" sz="2000" baseline="-25000" dirty="0">
+                  <a:latin typeface="Times New Roman" panose="02020603050405020304" pitchFamily="18" charset="0"/>
+                  <a:cs typeface="Times New Roman" panose="02020603050405020304" pitchFamily="18" charset="0"/>
+                </a:rPr>
+                <a:t>(b) </a:t>
+              </a:r>
+              <a:r>
+                <a:rPr lang="zh-CN" altLang="en-US" sz="2000" baseline="-25000" dirty="0">
+                  <a:latin typeface="Times New Roman" panose="02020603050405020304" pitchFamily="18" charset="0"/>
+                  <a:cs typeface="Times New Roman" panose="02020603050405020304" pitchFamily="18" charset="0"/>
+                </a:rPr>
+                <a:t>锥形束旋转角定义</a:t>
+              </a:r>
+            </a:p>
+          </p:txBody>
+        </p:sp>
+        <p:graphicFrame>
+          <p:nvGraphicFramePr>
+            <p:cNvPr id="168" name="对象 167">
+              <a:extLst>
+                <a:ext uri="{FF2B5EF4-FFF2-40B4-BE49-F238E27FC236}">
+                  <a16:creationId xmlns:a16="http://schemas.microsoft.com/office/drawing/2014/main" id="{095F2CD5-4282-A3CF-6C35-D872D9047D56}"/>
+                </a:ext>
+              </a:extLst>
+            </p:cNvPr>
+            <p:cNvGraphicFramePr>
+              <a:graphicFrameLocks noChangeAspect="1"/>
+            </p:cNvGraphicFramePr>
+            <p:nvPr>
+              <p:extLst>
+                <p:ext uri="{D42A27DB-BD31-4B8C-83A1-F6EECF244321}">
+                  <p14:modId xmlns:p14="http://schemas.microsoft.com/office/powerpoint/2010/main" val="3162041699"/>
+                </p:ext>
+              </p:extLst>
+            </p:nvPr>
+          </p:nvGraphicFramePr>
+          <p:xfrm>
+            <a:off x="6923799" y="1776437"/>
+            <a:ext cx="1997075" cy="688975"/>
+          </p:xfrm>
+          <a:graphic>
+            <a:graphicData uri="http://schemas.openxmlformats.org/presentationml/2006/ole">
+              <mc:AlternateContent xmlns:mc="http://schemas.openxmlformats.org/markup-compatibility/2006">
+                <mc:Choice xmlns:v="urn:schemas-microsoft-com:vml" Requires="v">
+                  <p:oleObj name="Equation" r:id="rId8" imgW="1688760" imgH="583920" progId="Equation.DSMT4">
+                    <p:embed/>
+                  </p:oleObj>
+                </mc:Choice>
+                <mc:Fallback>
+                  <p:oleObj name="Equation" r:id="rId8" imgW="1688760" imgH="583920" progId="Equation.DSMT4">
+                    <p:embed/>
+                    <p:pic>
+                      <p:nvPicPr>
+                        <p:cNvPr id="166" name="对象 165">
+                          <a:extLst>
+                            <a:ext uri="{FF2B5EF4-FFF2-40B4-BE49-F238E27FC236}">
+                              <a16:creationId xmlns:a16="http://schemas.microsoft.com/office/drawing/2014/main" id="{A6A38690-2456-9C79-C0C0-E8FD8ACFED7B}"/>
+                            </a:ext>
+                          </a:extLst>
+                        </p:cNvPr>
+                        <p:cNvPicPr/>
+                        <p:nvPr/>
+                      </p:nvPicPr>
+                      <p:blipFill>
+                        <a:blip r:embed="rId9"/>
+                        <a:stretch>
+                          <a:fillRect/>
+                        </a:stretch>
+                      </p:blipFill>
+                      <p:spPr>
+                        <a:xfrm>
+                          <a:off x="6923799" y="1776437"/>
+                          <a:ext cx="1997075" cy="688975"/>
+                        </a:xfrm>
+                        <a:prstGeom prst="rect">
+                          <a:avLst/>
+                        </a:prstGeom>
+                      </p:spPr>
+                    </p:pic>
+                  </p:oleObj>
+                </mc:Fallback>
+              </mc:AlternateContent>
+            </a:graphicData>
+          </a:graphic>
+        </p:graphicFrame>
+        <p:sp>
+          <p:nvSpPr>
+            <p:cNvPr id="169" name="箭头: 右 168">
+              <a:extLst>
+                <a:ext uri="{FF2B5EF4-FFF2-40B4-BE49-F238E27FC236}">
+                  <a16:creationId xmlns:a16="http://schemas.microsoft.com/office/drawing/2014/main" id="{38411ACC-9D9F-F606-9C05-A68B1EF83ACD}"/>
+                </a:ext>
+              </a:extLst>
+            </p:cNvPr>
+            <p:cNvSpPr/>
+            <p:nvPr/>
+          </p:nvSpPr>
+          <p:spPr>
+            <a:xfrm rot="3770909">
+              <a:off x="5987112" y="3114277"/>
+              <a:ext cx="738132" cy="341177"/>
+            </a:xfrm>
+            <a:prstGeom prst="rightArrow">
+              <a:avLst/>
+            </a:prstGeom>
+          </p:spPr>
+          <p:style>
+            <a:lnRef idx="0">
+              <a:schemeClr val="accent1"/>
+            </a:lnRef>
+            <a:fillRef idx="3">
+              <a:schemeClr val="accent1"/>
+            </a:fillRef>
+            <a:effectRef idx="3">
+              <a:schemeClr val="accent1"/>
+            </a:effectRef>
+            <a:fontRef idx="minor">
+              <a:schemeClr val="lt1"/>
+            </a:fontRef>
+          </p:style>
+          <p:txBody>
+            <a:bodyPr rtlCol="0" anchor="ctr"/>
+            <a:lstStyle/>
+            <a:p>
+              <a:pPr algn="ctr"/>
+              <a:endParaRPr lang="zh-CN" altLang="en-US"/>
+            </a:p>
+          </p:txBody>
+        </p:sp>
+        <p:cxnSp>
+          <p:nvCxnSpPr>
+            <p:cNvPr id="171" name="连接符: 曲线 170">
+              <a:extLst>
+                <a:ext uri="{FF2B5EF4-FFF2-40B4-BE49-F238E27FC236}">
+                  <a16:creationId xmlns:a16="http://schemas.microsoft.com/office/drawing/2014/main" id="{CD39F877-1824-7195-6EC8-EB9F46407476}"/>
+                </a:ext>
+              </a:extLst>
+            </p:cNvPr>
+            <p:cNvCxnSpPr>
+              <a:cxnSpLocks/>
+            </p:cNvCxnSpPr>
+            <p:nvPr/>
+          </p:nvCxnSpPr>
+          <p:spPr>
+            <a:xfrm flipV="1">
+              <a:off x="2973500" y="4542064"/>
+              <a:ext cx="3723446" cy="238828"/>
+            </a:xfrm>
+            <a:prstGeom prst="curvedConnector3">
+              <a:avLst>
+                <a:gd name="adj1" fmla="val 50901"/>
+              </a:avLst>
+            </a:prstGeom>
+            <a:ln w="12700">
+              <a:solidFill>
+                <a:srgbClr val="00B050"/>
+              </a:solidFill>
+              <a:prstDash val="sysDash"/>
+              <a:tailEnd type="triangle"/>
+            </a:ln>
+          </p:spPr>
+          <p:style>
+            <a:lnRef idx="1">
+              <a:schemeClr val="accent1"/>
+            </a:lnRef>
+            <a:fillRef idx="0">
+              <a:schemeClr val="accent1"/>
+            </a:fillRef>
+            <a:effectRef idx="0">
+              <a:schemeClr val="accent1"/>
+            </a:effectRef>
+            <a:fontRef idx="minor">
+              <a:schemeClr val="tx1"/>
+            </a:fontRef>
+          </p:style>
+        </p:cxnSp>
+        <p:sp>
+          <p:nvSpPr>
+            <p:cNvPr id="177" name="任意多边形: 形状 176">
+              <a:extLst>
+                <a:ext uri="{FF2B5EF4-FFF2-40B4-BE49-F238E27FC236}">
+                  <a16:creationId xmlns:a16="http://schemas.microsoft.com/office/drawing/2014/main" id="{420BB33D-4F09-0905-1603-0B9A24E9DADF}"/>
+                </a:ext>
+              </a:extLst>
+            </p:cNvPr>
+            <p:cNvSpPr/>
+            <p:nvPr/>
+          </p:nvSpPr>
+          <p:spPr>
+            <a:xfrm>
+              <a:off x="5553512" y="1803633"/>
+              <a:ext cx="3197765" cy="3380763"/>
+            </a:xfrm>
+            <a:custGeom>
+              <a:avLst/>
+              <a:gdLst>
+                <a:gd name="connsiteX0" fmla="*/ 0 w 3197765"/>
+                <a:gd name="connsiteY0" fmla="*/ 0 h 3380763"/>
+                <a:gd name="connsiteX1" fmla="*/ 1744910 w 3197765"/>
+                <a:gd name="connsiteY1" fmla="*/ 813732 h 3380763"/>
+                <a:gd name="connsiteX2" fmla="*/ 2944536 w 3197765"/>
+                <a:gd name="connsiteY2" fmla="*/ 1744910 h 3380763"/>
+                <a:gd name="connsiteX3" fmla="*/ 3112316 w 3197765"/>
+                <a:gd name="connsiteY3" fmla="*/ 2910980 h 3380763"/>
+                <a:gd name="connsiteX4" fmla="*/ 1887523 w 3197765"/>
+                <a:gd name="connsiteY4" fmla="*/ 3380763 h 3380763"/>
+                <a:gd name="connsiteX5" fmla="*/ 1887523 w 3197765"/>
+                <a:gd name="connsiteY5" fmla="*/ 3380763 h 3380763"/>
+              </a:gdLst>
+              <a:ahLst/>
+              <a:cxnLst>
+                <a:cxn ang="0">
+                  <a:pos x="connsiteX0" y="connsiteY0"/>
+                </a:cxn>
+                <a:cxn ang="0">
+                  <a:pos x="connsiteX1" y="connsiteY1"/>
+                </a:cxn>
+                <a:cxn ang="0">
+                  <a:pos x="connsiteX2" y="connsiteY2"/>
+                </a:cxn>
+                <a:cxn ang="0">
+                  <a:pos x="connsiteX3" y="connsiteY3"/>
+                </a:cxn>
+                <a:cxn ang="0">
+                  <a:pos x="connsiteX4" y="connsiteY4"/>
+                </a:cxn>
+                <a:cxn ang="0">
+                  <a:pos x="connsiteX5" y="connsiteY5"/>
+                </a:cxn>
+              </a:cxnLst>
+              <a:rect l="l" t="t" r="r" b="b"/>
+              <a:pathLst>
+                <a:path w="3197765" h="3380763">
+                  <a:moveTo>
+                    <a:pt x="0" y="0"/>
+                  </a:moveTo>
+                  <a:cubicBezTo>
+                    <a:pt x="627077" y="261457"/>
+                    <a:pt x="1254154" y="522914"/>
+                    <a:pt x="1744910" y="813732"/>
+                  </a:cubicBezTo>
+                  <a:cubicBezTo>
+                    <a:pt x="2235666" y="1104550"/>
+                    <a:pt x="2716635" y="1395369"/>
+                    <a:pt x="2944536" y="1744910"/>
+                  </a:cubicBezTo>
+                  <a:cubicBezTo>
+                    <a:pt x="3172437" y="2094451"/>
+                    <a:pt x="3288485" y="2638338"/>
+                    <a:pt x="3112316" y="2910980"/>
+                  </a:cubicBezTo>
+                  <a:cubicBezTo>
+                    <a:pt x="2936147" y="3183622"/>
+                    <a:pt x="1887523" y="3380763"/>
+                    <a:pt x="1887523" y="3380763"/>
+                  </a:cubicBezTo>
+                  <a:lnTo>
+                    <a:pt x="1887523" y="3380763"/>
+                  </a:lnTo>
+                </a:path>
+              </a:pathLst>
+            </a:custGeom>
+            <a:noFill/>
+            <a:ln>
+              <a:solidFill>
+                <a:srgbClr val="7030A0"/>
+              </a:solidFill>
+              <a:prstDash val="sysDash"/>
+              <a:headEnd type="none" w="med" len="med"/>
+              <a:tailEnd type="triangle" w="med" len="med"/>
+            </a:ln>
+          </p:spPr>
+          <p:style>
+            <a:lnRef idx="2">
+              <a:schemeClr val="accent1">
+                <a:shade val="15000"/>
+              </a:schemeClr>
+            </a:lnRef>
+            <a:fillRef idx="1">
+              <a:schemeClr val="accent1"/>
+            </a:fillRef>
+            <a:effectRef idx="0">
+              <a:schemeClr val="accent1"/>
+            </a:effectRef>
+            <a:fontRef idx="minor">
+              <a:schemeClr val="lt1"/>
+            </a:fontRef>
+          </p:style>
+          <p:txBody>
+            <a:bodyPr rtlCol="0" anchor="ctr"/>
+            <a:lstStyle/>
+            <a:p>
+              <a:pPr algn="ctr"/>
+              <a:endParaRPr lang="zh-CN" altLang="en-US"/>
+            </a:p>
+          </p:txBody>
+        </p:sp>
+      </p:grpSp>
+    </p:spTree>
+    <p:extLst>
+      <p:ext uri="{BB962C8B-B14F-4D97-AF65-F5344CB8AC3E}">
+        <p14:creationId xmlns:p14="http://schemas.microsoft.com/office/powerpoint/2010/main" val="436540785"/>
+      </p:ext>
+    </p:extLst>
+  </p:cSld>
+  <p:clrMapOvr>
+    <a:masterClrMapping/>
+  </p:clrMapOvr>
+</p:sld>
+</file>
+
 <file path=ppt/slides/slide4.xml><?xml version="1.0" encoding="utf-8"?>
 <p:sld xmlns:a="http://schemas.openxmlformats.org/drawingml/2006/main" xmlns:r="http://schemas.openxmlformats.org/officeDocument/2006/relationships" xmlns:p="http://schemas.openxmlformats.org/presentationml/2006/main">
   <p:cSld>

--- a/CT平行束和扇形束算法的转换.pptx
+++ b/CT平行束和扇形束算法的转换.pptx
@@ -5,7 +5,7 @@
     <p:sldMasterId id="2147483648" r:id="rId1"/>
   </p:sldMasterIdLst>
   <p:notesMasterIdLst>
-    <p:notesMasterId r:id="rId33"/>
+    <p:notesMasterId r:id="rId34"/>
   </p:notesMasterIdLst>
   <p:sldIdLst>
     <p:sldId id="256" r:id="rId2"/>
@@ -39,6 +39,7 @@
     <p:sldId id="328" r:id="rId30"/>
     <p:sldId id="329" r:id="rId31"/>
     <p:sldId id="330" r:id="rId32"/>
+    <p:sldId id="331" r:id="rId33"/>
   </p:sldIdLst>
   <p:sldSz cx="9144000" cy="6858000" type="screen4x3"/>
   <p:notesSz cx="7104063" cy="10234613"/>
@@ -238,7 +239,7 @@
           <a:p>
             <a:fld id="{D2A48B96-639E-45A3-A0BA-2464DFDB1FAA}" type="datetimeFigureOut">
               <a:rPr lang="zh-CN" altLang="en-US" smtClean="0"/>
-              <a:t>2025/11/24</a:t>
+              <a:t>2025/11/25</a:t>
             </a:fld>
             <a:endParaRPr lang="zh-CN" altLang="en-US"/>
           </a:p>
@@ -629,7 +630,7 @@
           <a:p>
             <a:fld id="{82F288E0-7875-42C4-84C8-98DBBD3BF4D2}" type="datetimeFigureOut">
               <a:rPr lang="zh-CN" altLang="en-US" smtClean="0"/>
-              <a:t>2025/11/24</a:t>
+              <a:t>2025/11/25</a:t>
             </a:fld>
             <a:endParaRPr lang="zh-CN" altLang="en-US"/>
           </a:p>
@@ -776,7 +777,7 @@
           <a:p>
             <a:fld id="{82F288E0-7875-42C4-84C8-98DBBD3BF4D2}" type="datetimeFigureOut">
               <a:rPr lang="zh-CN" altLang="en-US" smtClean="0"/>
-              <a:t>2025/11/24</a:t>
+              <a:t>2025/11/25</a:t>
             </a:fld>
             <a:endParaRPr lang="zh-CN" altLang="en-US"/>
           </a:p>
@@ -940,7 +941,7 @@
           <a:p>
             <a:fld id="{82F288E0-7875-42C4-84C8-98DBBD3BF4D2}" type="datetimeFigureOut">
               <a:rPr lang="zh-CN" altLang="en-US" smtClean="0"/>
-              <a:t>2025/11/24</a:t>
+              <a:t>2025/11/25</a:t>
             </a:fld>
             <a:endParaRPr lang="zh-CN" altLang="en-US"/>
           </a:p>
@@ -1181,7 +1182,7 @@
           <a:p>
             <a:fld id="{82F288E0-7875-42C4-84C8-98DBBD3BF4D2}" type="datetimeFigureOut">
               <a:rPr lang="zh-CN" altLang="en-US" smtClean="0"/>
-              <a:t>2025/11/24</a:t>
+              <a:t>2025/11/25</a:t>
             </a:fld>
             <a:endParaRPr lang="zh-CN" altLang="en-US"/>
           </a:p>
@@ -1406,7 +1407,7 @@
           <a:p>
             <a:fld id="{82F288E0-7875-42C4-84C8-98DBBD3BF4D2}" type="datetimeFigureOut">
               <a:rPr lang="zh-CN" altLang="en-US" smtClean="0"/>
-              <a:t>2025/11/24</a:t>
+              <a:t>2025/11/25</a:t>
             </a:fld>
             <a:endParaRPr lang="zh-CN" altLang="en-US"/>
           </a:p>
@@ -1766,7 +1767,7 @@
           <a:p>
             <a:fld id="{82F288E0-7875-42C4-84C8-98DBBD3BF4D2}" type="datetimeFigureOut">
               <a:rPr lang="zh-CN" altLang="en-US" smtClean="0"/>
-              <a:t>2025/11/24</a:t>
+              <a:t>2025/11/25</a:t>
             </a:fld>
             <a:endParaRPr lang="zh-CN" altLang="en-US"/>
           </a:p>
@@ -1879,7 +1880,7 @@
           <a:p>
             <a:fld id="{82F288E0-7875-42C4-84C8-98DBBD3BF4D2}" type="datetimeFigureOut">
               <a:rPr lang="zh-CN" altLang="en-US" smtClean="0"/>
-              <a:t>2025/11/24</a:t>
+              <a:t>2025/11/25</a:t>
             </a:fld>
             <a:endParaRPr lang="zh-CN" altLang="en-US"/>
           </a:p>
@@ -1970,7 +1971,7 @@
           <a:p>
             <a:fld id="{82F288E0-7875-42C4-84C8-98DBBD3BF4D2}" type="datetimeFigureOut">
               <a:rPr lang="zh-CN" altLang="en-US" smtClean="0"/>
-              <a:t>2025/11/24</a:t>
+              <a:t>2025/11/25</a:t>
             </a:fld>
             <a:endParaRPr lang="zh-CN" altLang="en-US"/>
           </a:p>
@@ -2218,7 +2219,7 @@
           <a:p>
             <a:fld id="{82F288E0-7875-42C4-84C8-98DBBD3BF4D2}" type="datetimeFigureOut">
               <a:rPr lang="zh-CN" altLang="en-US" smtClean="0"/>
-              <a:t>2025/11/24</a:t>
+              <a:t>2025/11/25</a:t>
             </a:fld>
             <a:endParaRPr lang="zh-CN" altLang="en-US"/>
           </a:p>
@@ -2392,7 +2393,7 @@
           <a:p>
             <a:fld id="{82F288E0-7875-42C4-84C8-98DBBD3BF4D2}" type="datetimeFigureOut">
               <a:rPr lang="zh-CN" altLang="en-US" smtClean="0"/>
-              <a:t>2025/11/24</a:t>
+              <a:t>2025/11/25</a:t>
             </a:fld>
             <a:endParaRPr lang="zh-CN" altLang="en-US"/>
           </a:p>
@@ -2599,7 +2600,7 @@
           <a:p>
             <a:fld id="{82F288E0-7875-42C4-84C8-98DBBD3BF4D2}" type="datetimeFigureOut">
               <a:rPr lang="zh-CN" altLang="en-US" smtClean="0"/>
-              <a:t>2025/11/24</a:t>
+              <a:t>2025/11/25</a:t>
             </a:fld>
             <a:endParaRPr lang="zh-CN" altLang="en-US"/>
           </a:p>
@@ -17744,6 +17745,1368 @@
 </p:sld>
 </file>
 
+<file path=ppt/slides/slide32.xml><?xml version="1.0" encoding="utf-8"?>
+<p:sld xmlns:a="http://schemas.openxmlformats.org/drawingml/2006/main" xmlns:r="http://schemas.openxmlformats.org/officeDocument/2006/relationships" xmlns:p="http://schemas.openxmlformats.org/presentationml/2006/main">
+  <p:cSld>
+    <p:spTree>
+      <p:nvGrpSpPr>
+        <p:cNvPr id="1" name=""/>
+        <p:cNvGrpSpPr/>
+        <p:nvPr/>
+      </p:nvGrpSpPr>
+      <p:grpSpPr>
+        <a:xfrm>
+          <a:off x="0" y="0"/>
+          <a:ext cx="0" cy="0"/>
+          <a:chOff x="0" y="0"/>
+          <a:chExt cx="0" cy="0"/>
+        </a:xfrm>
+      </p:grpSpPr>
+      <p:sp>
+        <p:nvSpPr>
+          <p:cNvPr id="4" name="灯片编号占位符 3">
+            <a:extLst>
+              <a:ext uri="{FF2B5EF4-FFF2-40B4-BE49-F238E27FC236}">
+                <a16:creationId xmlns:a16="http://schemas.microsoft.com/office/drawing/2014/main" id="{1E2FEE25-877C-03F3-1A23-04D87F36338C}"/>
+              </a:ext>
+            </a:extLst>
+          </p:cNvPr>
+          <p:cNvSpPr>
+            <a:spLocks noGrp="1"/>
+          </p:cNvSpPr>
+          <p:nvPr>
+            <p:ph type="sldNum" sz="quarter" idx="12"/>
+          </p:nvPr>
+        </p:nvSpPr>
+        <p:spPr/>
+        <p:txBody>
+          <a:bodyPr/>
+          <a:lstStyle/>
+          <a:p>
+            <a:fld id="{7D9BB5D0-35E4-459D-AEF3-FE4D7C45CC19}" type="slidenum">
+              <a:rPr lang="zh-CN" altLang="en-US" smtClean="0"/>
+              <a:t>32</a:t>
+            </a:fld>
+            <a:endParaRPr lang="zh-CN" altLang="en-US"/>
+          </a:p>
+        </p:txBody>
+      </p:sp>
+      <p:sp>
+        <p:nvSpPr>
+          <p:cNvPr id="7" name="文本框 6">
+            <a:extLst>
+              <a:ext uri="{FF2B5EF4-FFF2-40B4-BE49-F238E27FC236}">
+                <a16:creationId xmlns:a16="http://schemas.microsoft.com/office/drawing/2014/main" id="{9C79901C-F37E-7F96-30D1-50CF512E00FD}"/>
+              </a:ext>
+            </a:extLst>
+          </p:cNvPr>
+          <p:cNvSpPr txBox="1"/>
+          <p:nvPr/>
+        </p:nvSpPr>
+        <p:spPr>
+          <a:xfrm>
+            <a:off x="4313330" y="3916898"/>
+            <a:ext cx="3227152" cy="502702"/>
+          </a:xfrm>
+          <a:prstGeom prst="rect">
+            <a:avLst/>
+          </a:prstGeom>
+          <a:noFill/>
+        </p:spPr>
+        <p:txBody>
+          <a:bodyPr wrap="square" rtlCol="0">
+            <a:spAutoFit/>
+          </a:bodyPr>
+          <a:lstStyle/>
+          <a:p>
+            <a:r>
+              <a:rPr lang="en-US" altLang="zh-CN" sz="2000" baseline="-25000" dirty="0">
+                <a:latin typeface="Times New Roman" panose="02020603050405020304" pitchFamily="18" charset="0"/>
+                <a:cs typeface="Times New Roman" panose="02020603050405020304" pitchFamily="18" charset="0"/>
+              </a:rPr>
+              <a:t>《</a:t>
+            </a:r>
+            <a:r>
+              <a:rPr lang="zh-CN" altLang="en-US" sz="2000" baseline="-25000" dirty="0">
+                <a:latin typeface="Times New Roman" panose="02020603050405020304" pitchFamily="18" charset="0"/>
+                <a:cs typeface="Times New Roman" panose="02020603050405020304" pitchFamily="18" charset="0"/>
+              </a:rPr>
+              <a:t>医学断层图像重建仿真实验</a:t>
+            </a:r>
+            <a:r>
+              <a:rPr lang="en-US" altLang="zh-CN" sz="2000" baseline="-25000" dirty="0">
+                <a:latin typeface="Times New Roman" panose="02020603050405020304" pitchFamily="18" charset="0"/>
+                <a:cs typeface="Times New Roman" panose="02020603050405020304" pitchFamily="18" charset="0"/>
+              </a:rPr>
+              <a:t>》P78</a:t>
+            </a:r>
+          </a:p>
+          <a:p>
+            <a:r>
+              <a:rPr lang="zh-CN" altLang="en-US" sz="2000" baseline="-25000" dirty="0">
+                <a:latin typeface="Times New Roman" panose="02020603050405020304" pitchFamily="18" charset="0"/>
+                <a:cs typeface="Times New Roman" panose="02020603050405020304" pitchFamily="18" charset="0"/>
+              </a:rPr>
+              <a:t>                         坐标系</a:t>
+            </a:r>
+          </a:p>
+        </p:txBody>
+      </p:sp>
+      <p:sp>
+        <p:nvSpPr>
+          <p:cNvPr id="8" name="文本框 7">
+            <a:extLst>
+              <a:ext uri="{FF2B5EF4-FFF2-40B4-BE49-F238E27FC236}">
+                <a16:creationId xmlns:a16="http://schemas.microsoft.com/office/drawing/2014/main" id="{091F810C-2730-E40D-2B5F-5017CDA1D8E5}"/>
+              </a:ext>
+            </a:extLst>
+          </p:cNvPr>
+          <p:cNvSpPr txBox="1"/>
+          <p:nvPr/>
+        </p:nvSpPr>
+        <p:spPr>
+          <a:xfrm>
+            <a:off x="5863904" y="176373"/>
+            <a:ext cx="304801" cy="369332"/>
+          </a:xfrm>
+          <a:prstGeom prst="rect">
+            <a:avLst/>
+          </a:prstGeom>
+          <a:noFill/>
+        </p:spPr>
+        <p:txBody>
+          <a:bodyPr wrap="square" rtlCol="0">
+            <a:spAutoFit/>
+          </a:bodyPr>
+          <a:lstStyle/>
+          <a:p>
+            <a:r>
+              <a:rPr lang="en-US" altLang="zh-CN" i="1" dirty="0">
+                <a:latin typeface="Times New Roman" panose="02020603050405020304" pitchFamily="18" charset="0"/>
+                <a:cs typeface="Times New Roman" panose="02020603050405020304" pitchFamily="18" charset="0"/>
+              </a:rPr>
+              <a:t>y</a:t>
+            </a:r>
+            <a:endParaRPr lang="zh-CN" altLang="en-US" i="1" dirty="0">
+              <a:latin typeface="Times New Roman" panose="02020603050405020304" pitchFamily="18" charset="0"/>
+              <a:cs typeface="Times New Roman" panose="02020603050405020304" pitchFamily="18" charset="0"/>
+            </a:endParaRPr>
+          </a:p>
+        </p:txBody>
+      </p:sp>
+      <p:cxnSp>
+        <p:nvCxnSpPr>
+          <p:cNvPr id="9" name="直接箭头连接符 8">
+            <a:extLst>
+              <a:ext uri="{FF2B5EF4-FFF2-40B4-BE49-F238E27FC236}">
+                <a16:creationId xmlns:a16="http://schemas.microsoft.com/office/drawing/2014/main" id="{B333F222-13CA-CC02-57EC-AC0B3BA0D989}"/>
+              </a:ext>
+            </a:extLst>
+          </p:cNvPr>
+          <p:cNvCxnSpPr/>
+          <p:nvPr/>
+        </p:nvCxnSpPr>
+        <p:spPr>
+          <a:xfrm>
+            <a:off x="3913464" y="2609662"/>
+            <a:ext cx="3900880" cy="0"/>
+          </a:xfrm>
+          <a:prstGeom prst="straightConnector1">
+            <a:avLst/>
+          </a:prstGeom>
+          <a:ln>
+            <a:tailEnd type="triangle"/>
+          </a:ln>
+        </p:spPr>
+        <p:style>
+          <a:lnRef idx="3">
+            <a:schemeClr val="accent5"/>
+          </a:lnRef>
+          <a:fillRef idx="0">
+            <a:schemeClr val="accent5"/>
+          </a:fillRef>
+          <a:effectRef idx="2">
+            <a:schemeClr val="accent5"/>
+          </a:effectRef>
+          <a:fontRef idx="minor">
+            <a:schemeClr val="tx1"/>
+          </a:fontRef>
+        </p:style>
+      </p:cxnSp>
+      <p:cxnSp>
+        <p:nvCxnSpPr>
+          <p:cNvPr id="10" name="直接箭头连接符 9">
+            <a:extLst>
+              <a:ext uri="{FF2B5EF4-FFF2-40B4-BE49-F238E27FC236}">
+                <a16:creationId xmlns:a16="http://schemas.microsoft.com/office/drawing/2014/main" id="{AC42ED8C-8345-A367-8A45-A036ECA0CE91}"/>
+              </a:ext>
+            </a:extLst>
+          </p:cNvPr>
+          <p:cNvCxnSpPr>
+            <a:cxnSpLocks/>
+          </p:cNvCxnSpPr>
+          <p:nvPr/>
+        </p:nvCxnSpPr>
+        <p:spPr>
+          <a:xfrm flipH="1" flipV="1">
+            <a:off x="5863904" y="302690"/>
+            <a:ext cx="1" cy="3556932"/>
+          </a:xfrm>
+          <a:prstGeom prst="straightConnector1">
+            <a:avLst/>
+          </a:prstGeom>
+          <a:ln>
+            <a:tailEnd type="triangle"/>
+          </a:ln>
+        </p:spPr>
+        <p:style>
+          <a:lnRef idx="3">
+            <a:schemeClr val="accent5"/>
+          </a:lnRef>
+          <a:fillRef idx="0">
+            <a:schemeClr val="accent5"/>
+          </a:fillRef>
+          <a:effectRef idx="2">
+            <a:schemeClr val="accent5"/>
+          </a:effectRef>
+          <a:fontRef idx="minor">
+            <a:schemeClr val="tx1"/>
+          </a:fontRef>
+        </p:style>
+      </p:cxnSp>
+      <p:cxnSp>
+        <p:nvCxnSpPr>
+          <p:cNvPr id="11" name="直接箭头连接符 10">
+            <a:extLst>
+              <a:ext uri="{FF2B5EF4-FFF2-40B4-BE49-F238E27FC236}">
+                <a16:creationId xmlns:a16="http://schemas.microsoft.com/office/drawing/2014/main" id="{13322B40-7B3C-9740-A16E-279A3C69C676}"/>
+              </a:ext>
+            </a:extLst>
+          </p:cNvPr>
+          <p:cNvCxnSpPr>
+            <a:cxnSpLocks/>
+          </p:cNvCxnSpPr>
+          <p:nvPr/>
+        </p:nvCxnSpPr>
+        <p:spPr>
+          <a:xfrm>
+            <a:off x="3988965" y="1095449"/>
+            <a:ext cx="1874940" cy="1514213"/>
+          </a:xfrm>
+          <a:prstGeom prst="straightConnector1">
+            <a:avLst/>
+          </a:prstGeom>
+          <a:ln>
+            <a:solidFill>
+              <a:schemeClr val="tx1"/>
+            </a:solidFill>
+            <a:headEnd type="none" w="med" len="med"/>
+            <a:tailEnd type="none" w="med" len="med"/>
+          </a:ln>
+        </p:spPr>
+        <p:style>
+          <a:lnRef idx="3">
+            <a:schemeClr val="accent5"/>
+          </a:lnRef>
+          <a:fillRef idx="0">
+            <a:schemeClr val="accent5"/>
+          </a:fillRef>
+          <a:effectRef idx="2">
+            <a:schemeClr val="accent5"/>
+          </a:effectRef>
+          <a:fontRef idx="minor">
+            <a:schemeClr val="tx1"/>
+          </a:fontRef>
+        </p:style>
+      </p:cxnSp>
+      <p:cxnSp>
+        <p:nvCxnSpPr>
+          <p:cNvPr id="12" name="直接箭头连接符 11">
+            <a:extLst>
+              <a:ext uri="{FF2B5EF4-FFF2-40B4-BE49-F238E27FC236}">
+                <a16:creationId xmlns:a16="http://schemas.microsoft.com/office/drawing/2014/main" id="{835F9C3B-FDF0-2ED3-9B93-9B1620939F09}"/>
+              </a:ext>
+            </a:extLst>
+          </p:cNvPr>
+          <p:cNvCxnSpPr>
+            <a:cxnSpLocks/>
+          </p:cNvCxnSpPr>
+          <p:nvPr/>
+        </p:nvCxnSpPr>
+        <p:spPr>
+          <a:xfrm>
+            <a:off x="3988964" y="1095448"/>
+            <a:ext cx="3397542" cy="1037964"/>
+          </a:xfrm>
+          <a:prstGeom prst="straightConnector1">
+            <a:avLst/>
+          </a:prstGeom>
+          <a:ln>
+            <a:solidFill>
+              <a:schemeClr val="tx1"/>
+            </a:solidFill>
+            <a:headEnd type="none" w="med" len="med"/>
+            <a:tailEnd type="none" w="med" len="med"/>
+          </a:ln>
+        </p:spPr>
+        <p:style>
+          <a:lnRef idx="3">
+            <a:schemeClr val="accent5"/>
+          </a:lnRef>
+          <a:fillRef idx="0">
+            <a:schemeClr val="accent5"/>
+          </a:fillRef>
+          <a:effectRef idx="2">
+            <a:schemeClr val="accent5"/>
+          </a:effectRef>
+          <a:fontRef idx="minor">
+            <a:schemeClr val="tx1"/>
+          </a:fontRef>
+        </p:style>
+      </p:cxnSp>
+      <p:cxnSp>
+        <p:nvCxnSpPr>
+          <p:cNvPr id="13" name="直接箭头连接符 12">
+            <a:extLst>
+              <a:ext uri="{FF2B5EF4-FFF2-40B4-BE49-F238E27FC236}">
+                <a16:creationId xmlns:a16="http://schemas.microsoft.com/office/drawing/2014/main" id="{71669F32-3015-E23E-F3FA-4DA1D9DA99FF}"/>
+              </a:ext>
+            </a:extLst>
+          </p:cNvPr>
+          <p:cNvCxnSpPr>
+            <a:cxnSpLocks/>
+          </p:cNvCxnSpPr>
+          <p:nvPr/>
+        </p:nvCxnSpPr>
+        <p:spPr>
+          <a:xfrm>
+            <a:off x="5841467" y="2590830"/>
+            <a:ext cx="692573" cy="574821"/>
+          </a:xfrm>
+          <a:prstGeom prst="straightConnector1">
+            <a:avLst/>
+          </a:prstGeom>
+          <a:ln>
+            <a:solidFill>
+              <a:schemeClr val="tx1"/>
+            </a:solidFill>
+            <a:prstDash val="sysDash"/>
+            <a:headEnd type="none" w="med" len="med"/>
+            <a:tailEnd type="none" w="med" len="med"/>
+          </a:ln>
+        </p:spPr>
+        <p:style>
+          <a:lnRef idx="3">
+            <a:schemeClr val="accent5"/>
+          </a:lnRef>
+          <a:fillRef idx="0">
+            <a:schemeClr val="accent5"/>
+          </a:fillRef>
+          <a:effectRef idx="2">
+            <a:schemeClr val="accent5"/>
+          </a:effectRef>
+          <a:fontRef idx="minor">
+            <a:schemeClr val="tx1"/>
+          </a:fontRef>
+        </p:style>
+      </p:cxnSp>
+      <p:cxnSp>
+        <p:nvCxnSpPr>
+          <p:cNvPr id="14" name="直接箭头连接符 13">
+            <a:extLst>
+              <a:ext uri="{FF2B5EF4-FFF2-40B4-BE49-F238E27FC236}">
+                <a16:creationId xmlns:a16="http://schemas.microsoft.com/office/drawing/2014/main" id="{1B027764-3340-4AD3-B29E-5B102920C8A2}"/>
+              </a:ext>
+            </a:extLst>
+          </p:cNvPr>
+          <p:cNvCxnSpPr>
+            <a:cxnSpLocks/>
+          </p:cNvCxnSpPr>
+          <p:nvPr/>
+        </p:nvCxnSpPr>
+        <p:spPr>
+          <a:xfrm flipV="1">
+            <a:off x="5043657" y="1323253"/>
+            <a:ext cx="1853042" cy="2319063"/>
+          </a:xfrm>
+          <a:prstGeom prst="straightConnector1">
+            <a:avLst/>
+          </a:prstGeom>
+          <a:ln>
+            <a:solidFill>
+              <a:srgbClr val="FF0000"/>
+            </a:solidFill>
+            <a:prstDash val="sysDash"/>
+            <a:headEnd type="none" w="med" len="med"/>
+            <a:tailEnd type="arrow" w="med" len="med"/>
+          </a:ln>
+        </p:spPr>
+        <p:style>
+          <a:lnRef idx="3">
+            <a:schemeClr val="accent5"/>
+          </a:lnRef>
+          <a:fillRef idx="0">
+            <a:schemeClr val="accent5"/>
+          </a:fillRef>
+          <a:effectRef idx="2">
+            <a:schemeClr val="accent5"/>
+          </a:effectRef>
+          <a:fontRef idx="minor">
+            <a:schemeClr val="tx1"/>
+          </a:fontRef>
+        </p:style>
+      </p:cxnSp>
+      <p:cxnSp>
+        <p:nvCxnSpPr>
+          <p:cNvPr id="15" name="连接符: 肘形 14">
+            <a:extLst>
+              <a:ext uri="{FF2B5EF4-FFF2-40B4-BE49-F238E27FC236}">
+                <a16:creationId xmlns:a16="http://schemas.microsoft.com/office/drawing/2014/main" id="{9A1319B5-3A56-5511-8C2E-4EE93A8A8579}"/>
+              </a:ext>
+            </a:extLst>
+          </p:cNvPr>
+          <p:cNvCxnSpPr>
+            <a:cxnSpLocks/>
+          </p:cNvCxnSpPr>
+          <p:nvPr/>
+        </p:nvCxnSpPr>
+        <p:spPr>
+          <a:xfrm rot="2400000">
+            <a:off x="5878662" y="2554140"/>
+            <a:ext cx="131540" cy="93904"/>
+          </a:xfrm>
+          <a:prstGeom prst="bentConnector3">
+            <a:avLst>
+              <a:gd name="adj1" fmla="val 103102"/>
+            </a:avLst>
+          </a:prstGeom>
+          <a:ln w="19050">
+            <a:solidFill>
+              <a:srgbClr val="00B050"/>
+            </a:solidFill>
+          </a:ln>
+        </p:spPr>
+        <p:style>
+          <a:lnRef idx="1">
+            <a:schemeClr val="accent1"/>
+          </a:lnRef>
+          <a:fillRef idx="0">
+            <a:schemeClr val="accent1"/>
+          </a:fillRef>
+          <a:effectRef idx="0">
+            <a:schemeClr val="accent1"/>
+          </a:effectRef>
+          <a:fontRef idx="minor">
+            <a:schemeClr val="tx1"/>
+          </a:fontRef>
+        </p:style>
+      </p:cxnSp>
+      <p:sp>
+        <p:nvSpPr>
+          <p:cNvPr id="16" name="文本框 15">
+            <a:extLst>
+              <a:ext uri="{FF2B5EF4-FFF2-40B4-BE49-F238E27FC236}">
+                <a16:creationId xmlns:a16="http://schemas.microsoft.com/office/drawing/2014/main" id="{C014924B-6DE9-D06C-10C8-CDF5DDC0995D}"/>
+              </a:ext>
+            </a:extLst>
+          </p:cNvPr>
+          <p:cNvSpPr txBox="1"/>
+          <p:nvPr/>
+        </p:nvSpPr>
+        <p:spPr>
+          <a:xfrm>
+            <a:off x="7139614" y="1752202"/>
+            <a:ext cx="304801" cy="369332"/>
+          </a:xfrm>
+          <a:prstGeom prst="rect">
+            <a:avLst/>
+          </a:prstGeom>
+          <a:noFill/>
+        </p:spPr>
+        <p:txBody>
+          <a:bodyPr wrap="square" rtlCol="0">
+            <a:spAutoFit/>
+          </a:bodyPr>
+          <a:lstStyle/>
+          <a:p>
+            <a:r>
+              <a:rPr lang="en-US" altLang="zh-CN" i="1" dirty="0">
+                <a:latin typeface="Times New Roman" panose="02020603050405020304" pitchFamily="18" charset="0"/>
+                <a:cs typeface="Times New Roman" panose="02020603050405020304" pitchFamily="18" charset="0"/>
+              </a:rPr>
+              <a:t>M</a:t>
+            </a:r>
+            <a:endParaRPr lang="zh-CN" altLang="en-US" i="1" dirty="0">
+              <a:latin typeface="Times New Roman" panose="02020603050405020304" pitchFamily="18" charset="0"/>
+              <a:cs typeface="Times New Roman" panose="02020603050405020304" pitchFamily="18" charset="0"/>
+            </a:endParaRPr>
+          </a:p>
+        </p:txBody>
+      </p:sp>
+      <p:sp>
+        <p:nvSpPr>
+          <p:cNvPr id="17" name="文本框 16">
+            <a:extLst>
+              <a:ext uri="{FF2B5EF4-FFF2-40B4-BE49-F238E27FC236}">
+                <a16:creationId xmlns:a16="http://schemas.microsoft.com/office/drawing/2014/main" id="{7CC7417D-3A75-4A4C-443C-4EFA9631F8C1}"/>
+              </a:ext>
+            </a:extLst>
+          </p:cNvPr>
+          <p:cNvSpPr txBox="1"/>
+          <p:nvPr/>
+        </p:nvSpPr>
+        <p:spPr>
+          <a:xfrm>
+            <a:off x="7597876" y="2524148"/>
+            <a:ext cx="304801" cy="369332"/>
+          </a:xfrm>
+          <a:prstGeom prst="rect">
+            <a:avLst/>
+          </a:prstGeom>
+          <a:noFill/>
+        </p:spPr>
+        <p:txBody>
+          <a:bodyPr wrap="square" rtlCol="0">
+            <a:spAutoFit/>
+          </a:bodyPr>
+          <a:lstStyle/>
+          <a:p>
+            <a:r>
+              <a:rPr lang="en-US" altLang="zh-CN" i="1" dirty="0">
+                <a:latin typeface="Times New Roman" panose="02020603050405020304" pitchFamily="18" charset="0"/>
+                <a:cs typeface="Times New Roman" panose="02020603050405020304" pitchFamily="18" charset="0"/>
+              </a:rPr>
+              <a:t>x</a:t>
+            </a:r>
+            <a:endParaRPr lang="zh-CN" altLang="en-US" i="1" dirty="0">
+              <a:latin typeface="Times New Roman" panose="02020603050405020304" pitchFamily="18" charset="0"/>
+              <a:cs typeface="Times New Roman" panose="02020603050405020304" pitchFamily="18" charset="0"/>
+            </a:endParaRPr>
+          </a:p>
+        </p:txBody>
+      </p:sp>
+      <p:sp>
+        <p:nvSpPr>
+          <p:cNvPr id="18" name="文本框 17">
+            <a:extLst>
+              <a:ext uri="{FF2B5EF4-FFF2-40B4-BE49-F238E27FC236}">
+                <a16:creationId xmlns:a16="http://schemas.microsoft.com/office/drawing/2014/main" id="{1629908C-C76C-990B-1DDB-55B2C9AA302F}"/>
+              </a:ext>
+            </a:extLst>
+          </p:cNvPr>
+          <p:cNvSpPr txBox="1"/>
+          <p:nvPr/>
+        </p:nvSpPr>
+        <p:spPr>
+          <a:xfrm>
+            <a:off x="3684953" y="901366"/>
+            <a:ext cx="457022" cy="369332"/>
+          </a:xfrm>
+          <a:prstGeom prst="rect">
+            <a:avLst/>
+          </a:prstGeom>
+          <a:noFill/>
+        </p:spPr>
+        <p:txBody>
+          <a:bodyPr wrap="square" rtlCol="0">
+            <a:spAutoFit/>
+          </a:bodyPr>
+          <a:lstStyle/>
+          <a:p>
+            <a:r>
+              <a:rPr lang="en-US" altLang="zh-CN" i="1" dirty="0">
+                <a:latin typeface="Times New Roman" panose="02020603050405020304" pitchFamily="18" charset="0"/>
+                <a:cs typeface="Times New Roman" panose="02020603050405020304" pitchFamily="18" charset="0"/>
+              </a:rPr>
+              <a:t>S</a:t>
+            </a:r>
+            <a:r>
+              <a:rPr lang="en-US" altLang="zh-CN" i="1" baseline="-25000" dirty="0">
+                <a:latin typeface="Times New Roman" panose="02020603050405020304" pitchFamily="18" charset="0"/>
+                <a:cs typeface="Times New Roman" panose="02020603050405020304" pitchFamily="18" charset="0"/>
+              </a:rPr>
+              <a:t>o</a:t>
+            </a:r>
+            <a:endParaRPr lang="zh-CN" altLang="en-US" i="1" baseline="-25000" dirty="0">
+              <a:latin typeface="Times New Roman" panose="02020603050405020304" pitchFamily="18" charset="0"/>
+              <a:cs typeface="Times New Roman" panose="02020603050405020304" pitchFamily="18" charset="0"/>
+            </a:endParaRPr>
+          </a:p>
+        </p:txBody>
+      </p:sp>
+      <p:sp>
+        <p:nvSpPr>
+          <p:cNvPr id="19" name="文本框 18">
+            <a:extLst>
+              <a:ext uri="{FF2B5EF4-FFF2-40B4-BE49-F238E27FC236}">
+                <a16:creationId xmlns:a16="http://schemas.microsoft.com/office/drawing/2014/main" id="{1E69505F-4CA1-8886-499A-4C09895A6E83}"/>
+              </a:ext>
+            </a:extLst>
+          </p:cNvPr>
+          <p:cNvSpPr txBox="1"/>
+          <p:nvPr/>
+        </p:nvSpPr>
+        <p:spPr>
+          <a:xfrm>
+            <a:off x="5375574" y="2586225"/>
+            <a:ext cx="304801" cy="369332"/>
+          </a:xfrm>
+          <a:prstGeom prst="rect">
+            <a:avLst/>
+          </a:prstGeom>
+          <a:noFill/>
+        </p:spPr>
+        <p:txBody>
+          <a:bodyPr wrap="square" rtlCol="0">
+            <a:spAutoFit/>
+          </a:bodyPr>
+          <a:lstStyle/>
+          <a:p>
+            <a:r>
+              <a:rPr lang="en-US" altLang="zh-CN" i="1" dirty="0">
+                <a:latin typeface="Times New Roman" panose="02020603050405020304" pitchFamily="18" charset="0"/>
+                <a:cs typeface="Times New Roman" panose="02020603050405020304" pitchFamily="18" charset="0"/>
+              </a:rPr>
+              <a:t>O</a:t>
+            </a:r>
+            <a:endParaRPr lang="zh-CN" altLang="en-US" i="1" dirty="0">
+              <a:latin typeface="Times New Roman" panose="02020603050405020304" pitchFamily="18" charset="0"/>
+              <a:cs typeface="Times New Roman" panose="02020603050405020304" pitchFamily="18" charset="0"/>
+            </a:endParaRPr>
+          </a:p>
+        </p:txBody>
+      </p:sp>
+      <p:sp>
+        <p:nvSpPr>
+          <p:cNvPr id="20" name="弧形 19">
+            <a:extLst>
+              <a:ext uri="{FF2B5EF4-FFF2-40B4-BE49-F238E27FC236}">
+                <a16:creationId xmlns:a16="http://schemas.microsoft.com/office/drawing/2014/main" id="{7DD8AC0B-80E9-B8FA-F8A2-4912302B7A9D}"/>
+              </a:ext>
+            </a:extLst>
+          </p:cNvPr>
+          <p:cNvSpPr/>
+          <p:nvPr/>
+        </p:nvSpPr>
+        <p:spPr>
+          <a:xfrm>
+            <a:off x="5532539" y="2462485"/>
+            <a:ext cx="328571" cy="73090"/>
+          </a:xfrm>
+          <a:prstGeom prst="arc">
+            <a:avLst/>
+          </a:prstGeom>
+          <a:ln>
+            <a:solidFill>
+              <a:schemeClr val="accent6"/>
+            </a:solidFill>
+          </a:ln>
+        </p:spPr>
+        <p:style>
+          <a:lnRef idx="3">
+            <a:schemeClr val="dk1"/>
+          </a:lnRef>
+          <a:fillRef idx="0">
+            <a:schemeClr val="dk1"/>
+          </a:fillRef>
+          <a:effectRef idx="2">
+            <a:schemeClr val="dk1"/>
+          </a:effectRef>
+          <a:fontRef idx="minor">
+            <a:schemeClr val="tx1"/>
+          </a:fontRef>
+        </p:style>
+        <p:txBody>
+          <a:bodyPr rtlCol="0" anchor="ctr"/>
+          <a:lstStyle/>
+          <a:p>
+            <a:pPr algn="ctr"/>
+            <a:endParaRPr lang="zh-CN" altLang="en-US"/>
+          </a:p>
+        </p:txBody>
+      </p:sp>
+      <p:graphicFrame>
+        <p:nvGraphicFramePr>
+          <p:cNvPr id="21" name="对象 20">
+            <a:extLst>
+              <a:ext uri="{FF2B5EF4-FFF2-40B4-BE49-F238E27FC236}">
+                <a16:creationId xmlns:a16="http://schemas.microsoft.com/office/drawing/2014/main" id="{7FB7FE12-3D8B-B4D8-87E2-691DAA894C4A}"/>
+              </a:ext>
+            </a:extLst>
+          </p:cNvPr>
+          <p:cNvGraphicFramePr>
+            <a:graphicFrameLocks noChangeAspect="1"/>
+          </p:cNvGraphicFramePr>
+          <p:nvPr>
+            <p:extLst>
+              <p:ext uri="{D42A27DB-BD31-4B8C-83A1-F6EECF244321}">
+                <p14:modId xmlns:p14="http://schemas.microsoft.com/office/powerpoint/2010/main" val="4143591320"/>
+              </p:ext>
+            </p:extLst>
+          </p:nvPr>
+        </p:nvGraphicFramePr>
+        <p:xfrm>
+          <a:off x="5612506" y="2120996"/>
+          <a:ext cx="239625" cy="319500"/>
+        </p:xfrm>
+        <a:graphic>
+          <a:graphicData uri="http://schemas.openxmlformats.org/presentationml/2006/ole">
+            <mc:AlternateContent xmlns:mc="http://schemas.openxmlformats.org/markup-compatibility/2006">
+              <mc:Choice xmlns:v="urn:schemas-microsoft-com:vml" Requires="v">
+                <p:oleObj name="Equation" r:id="rId2" imgW="152280" imgH="203040" progId="Equation.DSMT4">
+                  <p:embed/>
+                </p:oleObj>
+              </mc:Choice>
+              <mc:Fallback>
+                <p:oleObj name="Equation" r:id="rId2" imgW="152280" imgH="203040" progId="Equation.DSMT4">
+                  <p:embed/>
+                  <p:pic>
+                    <p:nvPicPr>
+                      <p:cNvPr id="96" name="对象 95">
+                        <a:extLst>
+                          <a:ext uri="{FF2B5EF4-FFF2-40B4-BE49-F238E27FC236}">
+                            <a16:creationId xmlns:a16="http://schemas.microsoft.com/office/drawing/2014/main" id="{26665773-9054-7173-8E2D-9DFF6AD3330D}"/>
+                          </a:ext>
+                        </a:extLst>
+                      </p:cNvPr>
+                      <p:cNvPicPr/>
+                      <p:nvPr/>
+                    </p:nvPicPr>
+                    <p:blipFill>
+                      <a:blip r:embed="rId3"/>
+                      <a:stretch>
+                        <a:fillRect/>
+                      </a:stretch>
+                    </p:blipFill>
+                    <p:spPr>
+                      <a:xfrm>
+                        <a:off x="5612506" y="2120996"/>
+                        <a:ext cx="239625" cy="319500"/>
+                      </a:xfrm>
+                      <a:prstGeom prst="rect">
+                        <a:avLst/>
+                      </a:prstGeom>
+                    </p:spPr>
+                  </p:pic>
+                </p:oleObj>
+              </mc:Fallback>
+            </mc:AlternateContent>
+          </a:graphicData>
+        </a:graphic>
+      </p:graphicFrame>
+      <p:sp>
+        <p:nvSpPr>
+          <p:cNvPr id="22" name="弧形 21">
+            <a:extLst>
+              <a:ext uri="{FF2B5EF4-FFF2-40B4-BE49-F238E27FC236}">
+                <a16:creationId xmlns:a16="http://schemas.microsoft.com/office/drawing/2014/main" id="{CACB93C7-216B-59A1-C182-E8136A0E137B}"/>
+              </a:ext>
+            </a:extLst>
+          </p:cNvPr>
+          <p:cNvSpPr/>
+          <p:nvPr/>
+        </p:nvSpPr>
+        <p:spPr>
+          <a:xfrm rot="7717470">
+            <a:off x="4197353" y="1157561"/>
+            <a:ext cx="328571" cy="73090"/>
+          </a:xfrm>
+          <a:prstGeom prst="arc">
+            <a:avLst/>
+          </a:prstGeom>
+          <a:ln>
+            <a:solidFill>
+              <a:schemeClr val="accent6"/>
+            </a:solidFill>
+          </a:ln>
+        </p:spPr>
+        <p:style>
+          <a:lnRef idx="3">
+            <a:schemeClr val="dk1"/>
+          </a:lnRef>
+          <a:fillRef idx="0">
+            <a:schemeClr val="dk1"/>
+          </a:fillRef>
+          <a:effectRef idx="2">
+            <a:schemeClr val="dk1"/>
+          </a:effectRef>
+          <a:fontRef idx="minor">
+            <a:schemeClr val="tx1"/>
+          </a:fontRef>
+        </p:style>
+        <p:txBody>
+          <a:bodyPr rtlCol="0" anchor="ctr"/>
+          <a:lstStyle/>
+          <a:p>
+            <a:pPr algn="ctr"/>
+            <a:endParaRPr lang="zh-CN" altLang="en-US"/>
+          </a:p>
+        </p:txBody>
+      </p:sp>
+      <p:sp>
+        <p:nvSpPr>
+          <p:cNvPr id="23" name="弧形 22">
+            <a:extLst>
+              <a:ext uri="{FF2B5EF4-FFF2-40B4-BE49-F238E27FC236}">
+                <a16:creationId xmlns:a16="http://schemas.microsoft.com/office/drawing/2014/main" id="{E5C23AAE-38A3-6879-1A82-6E8E8BAC9A86}"/>
+              </a:ext>
+            </a:extLst>
+          </p:cNvPr>
+          <p:cNvSpPr/>
+          <p:nvPr/>
+        </p:nvSpPr>
+        <p:spPr>
+          <a:xfrm rot="3255547">
+            <a:off x="5764096" y="2350128"/>
+            <a:ext cx="480651" cy="142714"/>
+          </a:xfrm>
+          <a:prstGeom prst="arc">
+            <a:avLst/>
+          </a:prstGeom>
+          <a:ln>
+            <a:solidFill>
+              <a:srgbClr val="FF0000"/>
+            </a:solidFill>
+          </a:ln>
+        </p:spPr>
+        <p:style>
+          <a:lnRef idx="3">
+            <a:schemeClr val="dk1"/>
+          </a:lnRef>
+          <a:fillRef idx="0">
+            <a:schemeClr val="dk1"/>
+          </a:fillRef>
+          <a:effectRef idx="2">
+            <a:schemeClr val="dk1"/>
+          </a:effectRef>
+          <a:fontRef idx="minor">
+            <a:schemeClr val="tx1"/>
+          </a:fontRef>
+        </p:style>
+        <p:txBody>
+          <a:bodyPr rtlCol="0" anchor="ctr"/>
+          <a:lstStyle/>
+          <a:p>
+            <a:pPr algn="ctr"/>
+            <a:endParaRPr lang="zh-CN" altLang="en-US"/>
+          </a:p>
+        </p:txBody>
+      </p:sp>
+      <p:graphicFrame>
+        <p:nvGraphicFramePr>
+          <p:cNvPr id="24" name="对象 23">
+            <a:extLst>
+              <a:ext uri="{FF2B5EF4-FFF2-40B4-BE49-F238E27FC236}">
+                <a16:creationId xmlns:a16="http://schemas.microsoft.com/office/drawing/2014/main" id="{9F3985E7-4A10-DCCB-00B5-DEF0BEE0AE63}"/>
+              </a:ext>
+            </a:extLst>
+          </p:cNvPr>
+          <p:cNvGraphicFramePr>
+            <a:graphicFrameLocks noChangeAspect="1"/>
+          </p:cNvGraphicFramePr>
+          <p:nvPr>
+            <p:extLst>
+              <p:ext uri="{D42A27DB-BD31-4B8C-83A1-F6EECF244321}">
+                <p14:modId xmlns:p14="http://schemas.microsoft.com/office/powerpoint/2010/main" val="4168605548"/>
+              </p:ext>
+            </p:extLst>
+          </p:nvPr>
+        </p:nvGraphicFramePr>
+        <p:xfrm>
+          <a:off x="6172283" y="2259612"/>
+          <a:ext cx="239625" cy="319500"/>
+        </p:xfrm>
+        <a:graphic>
+          <a:graphicData uri="http://schemas.openxmlformats.org/presentationml/2006/ole">
+            <mc:AlternateContent xmlns:mc="http://schemas.openxmlformats.org/markup-compatibility/2006">
+              <mc:Choice xmlns:v="urn:schemas-microsoft-com:vml" Requires="v">
+                <p:oleObj name="Equation" r:id="rId2" imgW="152280" imgH="203040" progId="Equation.DSMT4">
+                  <p:embed/>
+                </p:oleObj>
+              </mc:Choice>
+              <mc:Fallback>
+                <p:oleObj name="Equation" r:id="rId2" imgW="152280" imgH="203040" progId="Equation.DSMT4">
+                  <p:embed/>
+                  <p:pic>
+                    <p:nvPicPr>
+                      <p:cNvPr id="109" name="对象 108">
+                        <a:extLst>
+                          <a:ext uri="{FF2B5EF4-FFF2-40B4-BE49-F238E27FC236}">
+                            <a16:creationId xmlns:a16="http://schemas.microsoft.com/office/drawing/2014/main" id="{BC73F9AB-50A3-B1C9-6BA7-8F8CD698104C}"/>
+                          </a:ext>
+                        </a:extLst>
+                      </p:cNvPr>
+                      <p:cNvPicPr/>
+                      <p:nvPr/>
+                    </p:nvPicPr>
+                    <p:blipFill>
+                      <a:blip r:embed="rId3"/>
+                      <a:stretch>
+                        <a:fillRect/>
+                      </a:stretch>
+                    </p:blipFill>
+                    <p:spPr>
+                      <a:xfrm>
+                        <a:off x="6172283" y="2259612"/>
+                        <a:ext cx="239625" cy="319500"/>
+                      </a:xfrm>
+                      <a:prstGeom prst="rect">
+                        <a:avLst/>
+                      </a:prstGeom>
+                    </p:spPr>
+                  </p:pic>
+                </p:oleObj>
+              </mc:Fallback>
+            </mc:AlternateContent>
+          </a:graphicData>
+        </a:graphic>
+      </p:graphicFrame>
+      <p:cxnSp>
+        <p:nvCxnSpPr>
+          <p:cNvPr id="43" name="直接箭头连接符 42">
+            <a:extLst>
+              <a:ext uri="{FF2B5EF4-FFF2-40B4-BE49-F238E27FC236}">
+                <a16:creationId xmlns:a16="http://schemas.microsoft.com/office/drawing/2014/main" id="{BF9D3B6E-2149-0946-D5A8-0E7D508D755D}"/>
+              </a:ext>
+            </a:extLst>
+          </p:cNvPr>
+          <p:cNvCxnSpPr>
+            <a:cxnSpLocks/>
+          </p:cNvCxnSpPr>
+          <p:nvPr/>
+        </p:nvCxnSpPr>
+        <p:spPr>
+          <a:xfrm>
+            <a:off x="4938281" y="1859010"/>
+            <a:ext cx="682708" cy="552002"/>
+          </a:xfrm>
+          <a:prstGeom prst="straightConnector1">
+            <a:avLst/>
+          </a:prstGeom>
+          <a:ln>
+            <a:solidFill>
+              <a:schemeClr val="tx1"/>
+            </a:solidFill>
+            <a:headEnd type="arrow" w="med" len="med"/>
+            <a:tailEnd type="none" w="med" len="med"/>
+          </a:ln>
+        </p:spPr>
+        <p:style>
+          <a:lnRef idx="3">
+            <a:schemeClr val="accent5"/>
+          </a:lnRef>
+          <a:fillRef idx="0">
+            <a:schemeClr val="accent5"/>
+          </a:fillRef>
+          <a:effectRef idx="2">
+            <a:schemeClr val="accent5"/>
+          </a:effectRef>
+          <a:fontRef idx="minor">
+            <a:schemeClr val="tx1"/>
+          </a:fontRef>
+        </p:style>
+      </p:cxnSp>
+      <p:sp>
+        <p:nvSpPr>
+          <p:cNvPr id="46" name="文本框 45">
+            <a:extLst>
+              <a:ext uri="{FF2B5EF4-FFF2-40B4-BE49-F238E27FC236}">
+                <a16:creationId xmlns:a16="http://schemas.microsoft.com/office/drawing/2014/main" id="{AC798A9F-087D-7933-131C-C80551DD2173}"/>
+              </a:ext>
+            </a:extLst>
+          </p:cNvPr>
+          <p:cNvSpPr txBox="1"/>
+          <p:nvPr/>
+        </p:nvSpPr>
+        <p:spPr>
+          <a:xfrm>
+            <a:off x="6700372" y="1323253"/>
+            <a:ext cx="304801" cy="369332"/>
+          </a:xfrm>
+          <a:prstGeom prst="rect">
+            <a:avLst/>
+          </a:prstGeom>
+          <a:noFill/>
+        </p:spPr>
+        <p:txBody>
+          <a:bodyPr wrap="square" rtlCol="0">
+            <a:spAutoFit/>
+          </a:bodyPr>
+          <a:lstStyle/>
+          <a:p>
+            <a:r>
+              <a:rPr lang="en-US" altLang="zh-CN" i="1" dirty="0">
+                <a:latin typeface="Times New Roman" panose="02020603050405020304" pitchFamily="18" charset="0"/>
+                <a:cs typeface="Times New Roman" panose="02020603050405020304" pitchFamily="18" charset="0"/>
+              </a:rPr>
+              <a:t>s</a:t>
+            </a:r>
+            <a:endParaRPr lang="zh-CN" altLang="en-US" i="1" dirty="0">
+              <a:latin typeface="Times New Roman" panose="02020603050405020304" pitchFamily="18" charset="0"/>
+              <a:cs typeface="Times New Roman" panose="02020603050405020304" pitchFamily="18" charset="0"/>
+            </a:endParaRPr>
+          </a:p>
+        </p:txBody>
+      </p:sp>
+      <p:sp>
+        <p:nvSpPr>
+          <p:cNvPr id="47" name="文本框 46">
+            <a:extLst>
+              <a:ext uri="{FF2B5EF4-FFF2-40B4-BE49-F238E27FC236}">
+                <a16:creationId xmlns:a16="http://schemas.microsoft.com/office/drawing/2014/main" id="{0F216E92-9F9F-C3FA-E3FF-9EDE5BB611CB}"/>
+              </a:ext>
+            </a:extLst>
+          </p:cNvPr>
+          <p:cNvSpPr txBox="1"/>
+          <p:nvPr/>
+        </p:nvSpPr>
+        <p:spPr>
+          <a:xfrm>
+            <a:off x="4807343" y="1872733"/>
+            <a:ext cx="304801" cy="369332"/>
+          </a:xfrm>
+          <a:prstGeom prst="rect">
+            <a:avLst/>
+          </a:prstGeom>
+          <a:noFill/>
+        </p:spPr>
+        <p:txBody>
+          <a:bodyPr wrap="square" rtlCol="0">
+            <a:spAutoFit/>
+          </a:bodyPr>
+          <a:lstStyle/>
+          <a:p>
+            <a:r>
+              <a:rPr lang="en-US" altLang="zh-CN" i="1" dirty="0">
+                <a:latin typeface="Times New Roman" panose="02020603050405020304" pitchFamily="18" charset="0"/>
+                <a:cs typeface="Times New Roman" panose="02020603050405020304" pitchFamily="18" charset="0"/>
+              </a:rPr>
+              <a:t>t</a:t>
+            </a:r>
+            <a:endParaRPr lang="zh-CN" altLang="en-US" i="1" dirty="0">
+              <a:latin typeface="Times New Roman" panose="02020603050405020304" pitchFamily="18" charset="0"/>
+              <a:cs typeface="Times New Roman" panose="02020603050405020304" pitchFamily="18" charset="0"/>
+            </a:endParaRPr>
+          </a:p>
+        </p:txBody>
+      </p:sp>
+      <p:graphicFrame>
+        <p:nvGraphicFramePr>
+          <p:cNvPr id="81" name="对象 80">
+            <a:extLst>
+              <a:ext uri="{FF2B5EF4-FFF2-40B4-BE49-F238E27FC236}">
+                <a16:creationId xmlns:a16="http://schemas.microsoft.com/office/drawing/2014/main" id="{AC39395E-ABA9-77B6-E118-D1F1D5957005}"/>
+              </a:ext>
+            </a:extLst>
+          </p:cNvPr>
+          <p:cNvGraphicFramePr>
+            <a:graphicFrameLocks noChangeAspect="1"/>
+          </p:cNvGraphicFramePr>
+          <p:nvPr>
+            <p:extLst>
+              <p:ext uri="{D42A27DB-BD31-4B8C-83A1-F6EECF244321}">
+                <p14:modId xmlns:p14="http://schemas.microsoft.com/office/powerpoint/2010/main" val="3034268145"/>
+              </p:ext>
+            </p:extLst>
+          </p:nvPr>
+        </p:nvGraphicFramePr>
+        <p:xfrm>
+          <a:off x="968742" y="901366"/>
+          <a:ext cx="1983764" cy="828661"/>
+        </p:xfrm>
+        <a:graphic>
+          <a:graphicData uri="http://schemas.openxmlformats.org/presentationml/2006/ole">
+            <mc:AlternateContent xmlns:mc="http://schemas.openxmlformats.org/markup-compatibility/2006">
+              <mc:Choice xmlns:v="urn:schemas-microsoft-com:vml" Requires="v">
+                <p:oleObj name="Equation" r:id="rId4" imgW="1002960" imgH="419040" progId="Equation.DSMT4">
+                  <p:embed/>
+                </p:oleObj>
+              </mc:Choice>
+              <mc:Fallback>
+                <p:oleObj name="Equation" r:id="rId4" imgW="1002960" imgH="419040" progId="Equation.DSMT4">
+                  <p:embed/>
+                  <p:pic>
+                    <p:nvPicPr>
+                      <p:cNvPr id="5" name="对象 4">
+                        <a:extLst>
+                          <a:ext uri="{FF2B5EF4-FFF2-40B4-BE49-F238E27FC236}">
+                            <a16:creationId xmlns:a16="http://schemas.microsoft.com/office/drawing/2014/main" id="{7F1B50E9-6C5B-649D-8576-8DBBC17E8605}"/>
+                          </a:ext>
+                        </a:extLst>
+                      </p:cNvPr>
+                      <p:cNvPicPr/>
+                      <p:nvPr/>
+                    </p:nvPicPr>
+                    <p:blipFill>
+                      <a:blip r:embed="rId5"/>
+                      <a:stretch>
+                        <a:fillRect/>
+                      </a:stretch>
+                    </p:blipFill>
+                    <p:spPr>
+                      <a:xfrm>
+                        <a:off x="968742" y="901366"/>
+                        <a:ext cx="1983764" cy="828661"/>
+                      </a:xfrm>
+                      <a:prstGeom prst="rect">
+                        <a:avLst/>
+                      </a:prstGeom>
+                    </p:spPr>
+                  </p:pic>
+                </p:oleObj>
+              </mc:Fallback>
+            </mc:AlternateContent>
+          </a:graphicData>
+        </a:graphic>
+      </p:graphicFrame>
+      <p:sp>
+        <p:nvSpPr>
+          <p:cNvPr id="82" name="文本框 81">
+            <a:extLst>
+              <a:ext uri="{FF2B5EF4-FFF2-40B4-BE49-F238E27FC236}">
+                <a16:creationId xmlns:a16="http://schemas.microsoft.com/office/drawing/2014/main" id="{4B2E55CF-5A31-D2B0-3602-45B35E3A5080}"/>
+              </a:ext>
+            </a:extLst>
+          </p:cNvPr>
+          <p:cNvSpPr txBox="1"/>
+          <p:nvPr/>
+        </p:nvSpPr>
+        <p:spPr>
+          <a:xfrm>
+            <a:off x="236037" y="90529"/>
+            <a:ext cx="2179209" cy="666849"/>
+          </a:xfrm>
+          <a:prstGeom prst="rect">
+            <a:avLst/>
+          </a:prstGeom>
+          <a:noFill/>
+        </p:spPr>
+        <p:txBody>
+          <a:bodyPr wrap="square" rtlCol="0">
+            <a:spAutoFit/>
+          </a:bodyPr>
+          <a:lstStyle/>
+          <a:p>
+            <a:r>
+              <a:rPr lang="zh-CN" altLang="en-US" sz="2800" baseline="-25000" dirty="0">
+                <a:latin typeface="Times New Roman" panose="02020603050405020304" pitchFamily="18" charset="0"/>
+                <a:cs typeface="Times New Roman" panose="02020603050405020304" pitchFamily="18" charset="0"/>
+              </a:rPr>
+              <a:t>在该坐标系下加权系数</a:t>
+            </a:r>
+            <a:r>
+              <a:rPr lang="en-US" altLang="zh-CN" sz="2800" b="1" baseline="-25000" dirty="0">
+                <a:latin typeface="Times New Roman" panose="02020603050405020304" pitchFamily="18" charset="0"/>
+                <a:cs typeface="Times New Roman" panose="02020603050405020304" pitchFamily="18" charset="0"/>
+              </a:rPr>
+              <a:t>U</a:t>
+            </a:r>
+            <a:r>
+              <a:rPr lang="zh-CN" altLang="en-US" sz="2800" baseline="-25000" dirty="0">
+                <a:latin typeface="Times New Roman" panose="02020603050405020304" pitchFamily="18" charset="0"/>
+                <a:cs typeface="Times New Roman" panose="02020603050405020304" pitchFamily="18" charset="0"/>
+              </a:rPr>
+              <a:t>的计算公式：</a:t>
+            </a:r>
+          </a:p>
+        </p:txBody>
+      </p:sp>
+      <p:sp>
+        <p:nvSpPr>
+          <p:cNvPr id="84" name="矩形 83">
+            <a:extLst>
+              <a:ext uri="{FF2B5EF4-FFF2-40B4-BE49-F238E27FC236}">
+                <a16:creationId xmlns:a16="http://schemas.microsoft.com/office/drawing/2014/main" id="{EE9DCAA2-0203-2013-4C30-A5A2D5AD0B06}"/>
+              </a:ext>
+            </a:extLst>
+          </p:cNvPr>
+          <p:cNvSpPr/>
+          <p:nvPr/>
+        </p:nvSpPr>
+        <p:spPr>
+          <a:xfrm>
+            <a:off x="381377" y="1828530"/>
+            <a:ext cx="3565002" cy="3564000"/>
+          </a:xfrm>
+          <a:prstGeom prst="rect">
+            <a:avLst/>
+          </a:prstGeom>
+        </p:spPr>
+        <p:style>
+          <a:lnRef idx="2">
+            <a:schemeClr val="accent1">
+              <a:shade val="15000"/>
+            </a:schemeClr>
+          </a:lnRef>
+          <a:fillRef idx="1">
+            <a:schemeClr val="accent1"/>
+          </a:fillRef>
+          <a:effectRef idx="0">
+            <a:schemeClr val="accent1"/>
+          </a:effectRef>
+          <a:fontRef idx="minor">
+            <a:schemeClr val="lt1"/>
+          </a:fontRef>
+        </p:style>
+        <p:txBody>
+          <a:bodyPr rtlCol="0" anchor="ctr"/>
+          <a:lstStyle/>
+          <a:p>
+            <a:pPr algn="ctr"/>
+            <a:endParaRPr lang="zh-CN" altLang="en-US"/>
+          </a:p>
+        </p:txBody>
+      </p:sp>
+      <p:sp>
+        <p:nvSpPr>
+          <p:cNvPr id="85" name="文本框 84">
+            <a:extLst>
+              <a:ext uri="{FF2B5EF4-FFF2-40B4-BE49-F238E27FC236}">
+                <a16:creationId xmlns:a16="http://schemas.microsoft.com/office/drawing/2014/main" id="{F40C8471-C8A0-8228-3F9A-D54979B9B897}"/>
+              </a:ext>
+            </a:extLst>
+          </p:cNvPr>
+          <p:cNvSpPr txBox="1"/>
+          <p:nvPr/>
+        </p:nvSpPr>
+        <p:spPr>
+          <a:xfrm>
+            <a:off x="677875" y="5283256"/>
+            <a:ext cx="3087296" cy="666849"/>
+          </a:xfrm>
+          <a:prstGeom prst="rect">
+            <a:avLst/>
+          </a:prstGeom>
+          <a:noFill/>
+        </p:spPr>
+        <p:txBody>
+          <a:bodyPr wrap="square" rtlCol="0">
+            <a:spAutoFit/>
+          </a:bodyPr>
+          <a:lstStyle/>
+          <a:p>
+            <a:pPr algn="ctr"/>
+            <a:r>
+              <a:rPr lang="zh-CN" altLang="en-US" sz="2800" baseline="-25000" dirty="0">
+                <a:latin typeface="Times New Roman" panose="02020603050405020304" pitchFamily="18" charset="0"/>
+                <a:cs typeface="Times New Roman" panose="02020603050405020304" pitchFamily="18" charset="0"/>
+              </a:rPr>
+              <a:t>探测器平面</a:t>
+            </a:r>
+            <a:endParaRPr lang="en-US" altLang="zh-CN" sz="2800" baseline="-25000" dirty="0">
+              <a:latin typeface="Times New Roman" panose="02020603050405020304" pitchFamily="18" charset="0"/>
+              <a:cs typeface="Times New Roman" panose="02020603050405020304" pitchFamily="18" charset="0"/>
+            </a:endParaRPr>
+          </a:p>
+          <a:p>
+            <a:pPr algn="ctr"/>
+            <a:r>
+              <a:rPr lang="zh-CN" altLang="en-US" sz="2800" baseline="-25000" dirty="0">
+                <a:latin typeface="Times New Roman" panose="02020603050405020304" pitchFamily="18" charset="0"/>
+                <a:cs typeface="Times New Roman" panose="02020603050405020304" pitchFamily="18" charset="0"/>
+              </a:rPr>
+              <a:t>和图像平面的定义刚好相反</a:t>
+            </a:r>
+          </a:p>
+        </p:txBody>
+      </p:sp>
+      <p:cxnSp>
+        <p:nvCxnSpPr>
+          <p:cNvPr id="86" name="直接箭头连接符 85">
+            <a:extLst>
+              <a:ext uri="{FF2B5EF4-FFF2-40B4-BE49-F238E27FC236}">
+                <a16:creationId xmlns:a16="http://schemas.microsoft.com/office/drawing/2014/main" id="{47E47C07-8369-AA8E-EE53-FD2239B63268}"/>
+              </a:ext>
+            </a:extLst>
+          </p:cNvPr>
+          <p:cNvCxnSpPr>
+            <a:cxnSpLocks/>
+            <a:endCxn id="84" idx="1"/>
+          </p:cNvCxnSpPr>
+          <p:nvPr/>
+        </p:nvCxnSpPr>
+        <p:spPr>
+          <a:xfrm flipH="1">
+            <a:off x="381377" y="3610530"/>
+            <a:ext cx="1782501" cy="0"/>
+          </a:xfrm>
+          <a:prstGeom prst="straightConnector1">
+            <a:avLst/>
+          </a:prstGeom>
+          <a:ln>
+            <a:tailEnd type="triangle"/>
+          </a:ln>
+        </p:spPr>
+        <p:style>
+          <a:lnRef idx="3">
+            <a:schemeClr val="dk1"/>
+          </a:lnRef>
+          <a:fillRef idx="0">
+            <a:schemeClr val="dk1"/>
+          </a:fillRef>
+          <a:effectRef idx="2">
+            <a:schemeClr val="dk1"/>
+          </a:effectRef>
+          <a:fontRef idx="minor">
+            <a:schemeClr val="tx1"/>
+          </a:fontRef>
+        </p:style>
+      </p:cxnSp>
+      <p:cxnSp>
+        <p:nvCxnSpPr>
+          <p:cNvPr id="90" name="直接箭头连接符 89">
+            <a:extLst>
+              <a:ext uri="{FF2B5EF4-FFF2-40B4-BE49-F238E27FC236}">
+                <a16:creationId xmlns:a16="http://schemas.microsoft.com/office/drawing/2014/main" id="{A80A4129-8A4B-F5FF-A9D8-844A6FDCE4DB}"/>
+              </a:ext>
+            </a:extLst>
+          </p:cNvPr>
+          <p:cNvCxnSpPr>
+            <a:cxnSpLocks/>
+            <a:endCxn id="84" idx="0"/>
+          </p:cNvCxnSpPr>
+          <p:nvPr/>
+        </p:nvCxnSpPr>
+        <p:spPr>
+          <a:xfrm flipV="1">
+            <a:off x="2156799" y="1828530"/>
+            <a:ext cx="7079" cy="1782000"/>
+          </a:xfrm>
+          <a:prstGeom prst="straightConnector1">
+            <a:avLst/>
+          </a:prstGeom>
+          <a:ln>
+            <a:tailEnd type="triangle"/>
+          </a:ln>
+        </p:spPr>
+        <p:style>
+          <a:lnRef idx="3">
+            <a:schemeClr val="dk1"/>
+          </a:lnRef>
+          <a:fillRef idx="0">
+            <a:schemeClr val="dk1"/>
+          </a:fillRef>
+          <a:effectRef idx="2">
+            <a:schemeClr val="dk1"/>
+          </a:effectRef>
+          <a:fontRef idx="minor">
+            <a:schemeClr val="tx1"/>
+          </a:fontRef>
+        </p:style>
+      </p:cxnSp>
+    </p:spTree>
+    <p:extLst>
+      <p:ext uri="{BB962C8B-B14F-4D97-AF65-F5344CB8AC3E}">
+        <p14:creationId xmlns:p14="http://schemas.microsoft.com/office/powerpoint/2010/main" val="1974453193"/>
+      </p:ext>
+    </p:extLst>
+  </p:cSld>
+  <p:clrMapOvr>
+    <a:masterClrMapping/>
+  </p:clrMapOvr>
+</p:sld>
+</file>
+
 <file path=ppt/slides/slide4.xml><?xml version="1.0" encoding="utf-8"?>
 <p:sld xmlns:a="http://schemas.openxmlformats.org/drawingml/2006/main" xmlns:r="http://schemas.openxmlformats.org/officeDocument/2006/relationships" xmlns:p="http://schemas.openxmlformats.org/presentationml/2006/main">
   <p:cSld>
